--- a/progress.pptx
+++ b/progress.pptx
@@ -5,10 +5,10 @@
     <p:sldMasterId id="2147483757" r:id="rId1"/>
   </p:sldMasterIdLst>
   <p:notesMasterIdLst>
-    <p:notesMasterId r:id="rId17"/>
+    <p:notesMasterId r:id="rId19"/>
   </p:notesMasterIdLst>
   <p:handoutMasterIdLst>
-    <p:handoutMasterId r:id="rId18"/>
+    <p:handoutMasterId r:id="rId20"/>
   </p:handoutMasterIdLst>
   <p:sldIdLst>
     <p:sldId id="444" r:id="rId2"/>
@@ -26,11 +26,13 @@
     <p:sldId id="459" r:id="rId14"/>
     <p:sldId id="460" r:id="rId15"/>
     <p:sldId id="461" r:id="rId16"/>
+    <p:sldId id="463" r:id="rId17"/>
+    <p:sldId id="462" r:id="rId18"/>
   </p:sldIdLst>
   <p:sldSz cx="9144000" cy="6858000" type="letter"/>
   <p:notesSz cx="7104063" cy="10234613"/>
   <p:custDataLst>
-    <p:tags r:id="rId19"/>
+    <p:tags r:id="rId21"/>
   </p:custDataLst>
   <p:defaultTextStyle>
     <a:defPPr>
@@ -177,6 +179,8 @@
             <p14:sldId id="459"/>
             <p14:sldId id="460"/>
             <p14:sldId id="461"/>
+            <p14:sldId id="463"/>
+            <p14:sldId id="462"/>
           </p14:sldIdLst>
         </p14:section>
       </p14:sectionLst>
@@ -360,7 +364,7 @@
             </a:pPr>
             <a:fld id="{745D068B-BA4C-407E-9F02-D48656DCD747}" type="datetime1">
               <a:rPr lang="en-US" smtClean="0"/>
-              <a:t>8/8/2024</a:t>
+              <a:t>8/21/2024</a:t>
             </a:fld>
             <a:endParaRPr lang="de-DE"/>
           </a:p>
@@ -741,7 +745,7 @@
             </a:pPr>
             <a:fld id="{CF17843B-419B-4348-87FD-F8F5051D43BD}" type="datetime1">
               <a:rPr lang="en-US" smtClean="0"/>
-              <a:t>8/8/2024</a:t>
+              <a:t>8/21/2024</a:t>
             </a:fld>
             <a:endParaRPr lang="de-DE"/>
           </a:p>
@@ -1855,7 +1859,7 @@
           <a:p>
             <a:fld id="{23E2BD91-2AE8-487A-BD5C-78BC9B3F7C4B}" type="datetime1">
               <a:rPr lang="en-US" smtClean="0"/>
-              <a:t>8/8/2024</a:t>
+              <a:t>8/21/2024</a:t>
             </a:fld>
             <a:endParaRPr lang="en-US"/>
           </a:p>
@@ -2075,7 +2079,7 @@
           <a:p>
             <a:fld id="{07206E0C-B25D-427B-B02C-AAD12CE67799}" type="datetime1">
               <a:rPr lang="en-US" smtClean="0"/>
-              <a:t>8/8/2024</a:t>
+              <a:t>8/21/2024</a:t>
             </a:fld>
             <a:endParaRPr lang="en-US"/>
           </a:p>
@@ -2621,7 +2625,7 @@
           <a:p>
             <a:fld id="{743C97FD-72C7-4C51-9020-5131B0C1B598}" type="datetime1">
               <a:rPr lang="en-US" smtClean="0"/>
-              <a:t>8/8/2024</a:t>
+              <a:t>8/21/2024</a:t>
             </a:fld>
             <a:endParaRPr lang="en-US"/>
           </a:p>
@@ -3740,7 +3744,7 @@
           <a:p>
             <a:fld id="{23E2BD91-2AE8-487A-BD5C-78BC9B3F7C4B}" type="datetime1">
               <a:rPr lang="en-US" smtClean="0"/>
-              <a:t>8/8/2024</a:t>
+              <a:t>8/21/2024</a:t>
             </a:fld>
             <a:endParaRPr lang="en-US"/>
           </a:p>
@@ -3964,7 +3968,7 @@
           <a:p>
             <a:fld id="{23E2BD91-2AE8-487A-BD5C-78BC9B3F7C4B}" type="datetime1">
               <a:rPr lang="en-US" smtClean="0"/>
-              <a:t>8/8/2024</a:t>
+              <a:t>8/21/2024</a:t>
             </a:fld>
             <a:endParaRPr lang="en-US"/>
           </a:p>
@@ -4260,7 +4264,7 @@
           <a:p>
             <a:fld id="{23E2BD91-2AE8-487A-BD5C-78BC9B3F7C4B}" type="datetime1">
               <a:rPr lang="en-US" smtClean="0"/>
-              <a:t>8/8/2024</a:t>
+              <a:t>8/21/2024</a:t>
             </a:fld>
             <a:endParaRPr lang="en-US"/>
           </a:p>
@@ -4438,6 +4442,35 @@
           <a:chExt cx="0" cy="0"/>
         </a:xfrm>
       </p:grpSpPr>
+      <p:pic>
+        <p:nvPicPr>
+          <p:cNvPr id="8" name="Picture 7">
+            <a:extLst>
+              <a:ext uri="{FF2B5EF4-FFF2-40B4-BE49-F238E27FC236}">
+                <a16:creationId xmlns:a16="http://schemas.microsoft.com/office/drawing/2014/main" id="{EF4EC4FB-03B0-0CAC-F04A-19D451AC93B8}"/>
+              </a:ext>
+            </a:extLst>
+          </p:cNvPr>
+          <p:cNvPicPr>
+            <a:picLocks noChangeAspect="1"/>
+          </p:cNvPicPr>
+          <p:nvPr/>
+        </p:nvPicPr>
+        <p:blipFill rotWithShape="1">
+          <a:blip r:embed="rId2"/>
+          <a:srcRect t="20523"/>
+          <a:stretch/>
+        </p:blipFill>
+        <p:spPr>
+          <a:xfrm>
+            <a:off x="0" y="2970298"/>
+            <a:ext cx="4578226" cy="3128783"/>
+          </a:xfrm>
+          <a:prstGeom prst="rect">
+            <a:avLst/>
+          </a:prstGeom>
+        </p:spPr>
+      </p:pic>
       <p:sp>
         <p:nvSpPr>
           <p:cNvPr id="2" name="Content Placeholder 1">
@@ -4460,30 +4493,30 @@
           <a:lstStyle/>
           <a:p>
             <a:r>
-              <a:rPr lang="en-US" altLang="zh-CN" sz="2000" dirty="0"/>
+              <a:rPr lang="en-US" altLang="zh-CN" sz="1800" dirty="0"/>
               <a:t>Had</a:t>
             </a:r>
             <a:r>
-              <a:rPr lang="de-DE" altLang="zh-CN" sz="2000" dirty="0"/>
+              <a:rPr lang="de-DE" altLang="zh-CN" sz="1800" dirty="0"/>
               <a:t> difficulty to plot exact the same graph and realized that I didn‘t fully understand </a:t>
             </a:r>
             <a:r>
-              <a:rPr lang="en-US" sz="2000" dirty="0"/>
+              <a:rPr lang="en-US" sz="1800" dirty="0"/>
               <a:t>how the tunable amplifier could achieve ideal symmetrically bistable spin in the subcritical working region. </a:t>
             </a:r>
           </a:p>
           <a:p>
             <a:pPr lvl="1"/>
             <a:r>
-              <a:rPr lang="en-US" sz="1800" dirty="0"/>
-              <a:t>As shown below, the left one is my plot, and the right one is Fig. 4 from the paper "Integrated coherent </a:t>
-            </a:r>
-            <a:r>
-              <a:rPr lang="en-US" sz="1800" dirty="0" err="1"/>
+              <a:rPr lang="en-US" sz="1600" dirty="0"/>
+              <a:t>As shown below, the left one is my plot, and the right one is Fig. 4 (right) from the paper "Integrated coherent </a:t>
+            </a:r>
+            <a:r>
+              <a:rPr lang="en-US" sz="1600" dirty="0" err="1"/>
               <a:t>Ising</a:t>
             </a:r>
             <a:r>
-              <a:rPr lang="en-US" sz="1800" dirty="0"/>
+              <a:rPr lang="en-US" sz="1600" dirty="0"/>
               <a:t> machines based on self-phase modulation in microring resonators." </a:t>
             </a:r>
           </a:p>
@@ -4540,9 +4573,9 @@
           <a:p>
             <a:fld id="{23E2BD91-2AE8-487A-BD5C-78BC9B3F7C4B}" type="datetime1">
               <a:rPr lang="en-US" smtClean="0"/>
-              <a:t>8/8/2024</a:t>
+              <a:t>8/21/2024</a:t>
             </a:fld>
-            <a:endParaRPr lang="en-US"/>
+            <a:endParaRPr lang="en-US" dirty="0"/>
           </a:p>
         </p:txBody>
       </p:sp>
@@ -4615,14 +4648,14 @@
           <p:nvPr/>
         </p:nvPicPr>
         <p:blipFill>
-          <a:blip r:embed="rId2"/>
+          <a:blip r:embed="rId3"/>
           <a:stretch>
             <a:fillRect/>
           </a:stretch>
         </p:blipFill>
         <p:spPr>
           <a:xfrm>
-            <a:off x="4088216" y="3537131"/>
+            <a:off x="4088216" y="3341186"/>
             <a:ext cx="5055784" cy="2934109"/>
           </a:xfrm>
           <a:prstGeom prst="rect">
@@ -4630,35 +4663,70 @@
           </a:prstGeom>
         </p:spPr>
       </p:pic>
-      <p:pic>
-        <p:nvPicPr>
-          <p:cNvPr id="8" name="Picture 7">
-            <a:extLst>
-              <a:ext uri="{FF2B5EF4-FFF2-40B4-BE49-F238E27FC236}">
-                <a16:creationId xmlns:a16="http://schemas.microsoft.com/office/drawing/2014/main" id="{EF4EC4FB-03B0-0CAC-F04A-19D451AC93B8}"/>
-              </a:ext>
-            </a:extLst>
-          </p:cNvPr>
-          <p:cNvPicPr>
-            <a:picLocks noChangeAspect="1"/>
-          </p:cNvPicPr>
+      <p:sp>
+        <p:nvSpPr>
+          <p:cNvPr id="7" name="TextBox 6">
+            <a:extLst>
+              <a:ext uri="{FF2B5EF4-FFF2-40B4-BE49-F238E27FC236}">
+                <a16:creationId xmlns:a16="http://schemas.microsoft.com/office/drawing/2014/main" id="{5E3D3025-9ABD-0BCB-9310-79FD8E2FE7B2}"/>
+              </a:ext>
+            </a:extLst>
+          </p:cNvPr>
+          <p:cNvSpPr txBox="1"/>
           <p:nvPr/>
-        </p:nvPicPr>
-        <p:blipFill rotWithShape="1">
-          <a:blip r:embed="rId3"/>
-          <a:srcRect t="20523"/>
-          <a:stretch/>
-        </p:blipFill>
+        </p:nvSpPr>
         <p:spPr>
           <a:xfrm>
-            <a:off x="0" y="3166243"/>
-            <a:ext cx="4578226" cy="3128783"/>
+            <a:off x="533400" y="6134173"/>
+            <a:ext cx="7981950" cy="369332"/>
           </a:xfrm>
           <a:prstGeom prst="rect">
             <a:avLst/>
           </a:prstGeom>
+          <a:noFill/>
         </p:spPr>
-      </p:pic>
+        <p:txBody>
+          <a:bodyPr wrap="square" rtlCol="0">
+            <a:spAutoFit/>
+          </a:bodyPr>
+          <a:lstStyle/>
+          <a:p>
+            <a:pPr algn="just"/>
+            <a:r>
+              <a:rPr lang="en-US" sz="900" b="0" dirty="0" err="1">
+                <a:solidFill>
+                  <a:srgbClr val="19375B"/>
+                </a:solidFill>
+              </a:rPr>
+              <a:t>Tezak</a:t>
+            </a:r>
+            <a:r>
+              <a:rPr lang="en-US" sz="900" b="0" dirty="0">
+                <a:solidFill>
+                  <a:srgbClr val="19375B"/>
+                </a:solidFill>
+              </a:rPr>
+              <a:t>, Nikolas, et al. "Integrated coherent </a:t>
+            </a:r>
+            <a:r>
+              <a:rPr lang="en-US" sz="900" b="0" dirty="0" err="1">
+                <a:solidFill>
+                  <a:srgbClr val="19375B"/>
+                </a:solidFill>
+              </a:rPr>
+              <a:t>Ising</a:t>
+            </a:r>
+            <a:r>
+              <a:rPr lang="en-US" sz="900" b="0" dirty="0">
+                <a:solidFill>
+                  <a:srgbClr val="19375B"/>
+                </a:solidFill>
+              </a:rPr>
+              <a:t> machines based on self-phase modulation in microring resonators." IEEE Journal of Selected Topics in Quantum Electronics 26.1 (2019): 1-15.</a:t>
+            </a:r>
+          </a:p>
+        </p:txBody>
+      </p:sp>
     </p:spTree>
     <p:extLst>
       <p:ext uri="{BB962C8B-B14F-4D97-AF65-F5344CB8AC3E}">
@@ -4822,7 +4890,7 @@
           <a:p>
             <a:fld id="{23E2BD91-2AE8-487A-BD5C-78BC9B3F7C4B}" type="datetime1">
               <a:rPr lang="en-US" smtClean="0"/>
-              <a:t>8/8/2024</a:t>
+              <a:t>8/21/2024</a:t>
             </a:fld>
             <a:endParaRPr lang="en-US"/>
           </a:p>
@@ -5279,7 +5347,7 @@
           <a:p>
             <a:fld id="{23E2BD91-2AE8-487A-BD5C-78BC9B3F7C4B}" type="datetime1">
               <a:rPr lang="en-US" smtClean="0"/>
-              <a:t>8/9/2024</a:t>
+              <a:t>8/21/2024</a:t>
             </a:fld>
             <a:endParaRPr lang="en-US"/>
           </a:p>
@@ -5496,6 +5564,575 @@
     <p:extLst>
       <p:ext uri="{BB962C8B-B14F-4D97-AF65-F5344CB8AC3E}">
         <p14:creationId xmlns:p14="http://schemas.microsoft.com/office/powerpoint/2010/main" val="4051263328"/>
+      </p:ext>
+    </p:extLst>
+  </p:cSld>
+  <p:clrMapOvr>
+    <a:masterClrMapping/>
+  </p:clrMapOvr>
+</p:sld>
+</file>
+
+<file path=ppt/slides/slide16.xml><?xml version="1.0" encoding="utf-8"?>
+<p:sld xmlns:a="http://schemas.openxmlformats.org/drawingml/2006/main" xmlns:r="http://schemas.openxmlformats.org/officeDocument/2006/relationships" xmlns:p="http://schemas.openxmlformats.org/presentationml/2006/main">
+  <p:cSld>
+    <p:spTree>
+      <p:nvGrpSpPr>
+        <p:cNvPr id="1" name=""/>
+        <p:cNvGrpSpPr/>
+        <p:nvPr/>
+      </p:nvGrpSpPr>
+      <p:grpSpPr>
+        <a:xfrm>
+          <a:off x="0" y="0"/>
+          <a:ext cx="0" cy="0"/>
+          <a:chOff x="0" y="0"/>
+          <a:chExt cx="0" cy="0"/>
+        </a:xfrm>
+      </p:grpSpPr>
+      <p:sp>
+        <p:nvSpPr>
+          <p:cNvPr id="2" name="Content Placeholder 1">
+            <a:extLst>
+              <a:ext uri="{FF2B5EF4-FFF2-40B4-BE49-F238E27FC236}">
+                <a16:creationId xmlns:a16="http://schemas.microsoft.com/office/drawing/2014/main" id="{05265867-BBFD-14DB-C92C-2CF5DCD89075}"/>
+              </a:ext>
+            </a:extLst>
+          </p:cNvPr>
+          <p:cNvSpPr>
+            <a:spLocks noGrp="1"/>
+          </p:cNvSpPr>
+          <p:nvPr>
+            <p:ph idx="1"/>
+          </p:nvPr>
+        </p:nvSpPr>
+        <p:spPr>
+          <a:xfrm>
+            <a:off x="250825" y="1140950"/>
+            <a:ext cx="8642350" cy="4967287"/>
+          </a:xfrm>
+        </p:spPr>
+        <p:txBody>
+          <a:bodyPr/>
+          <a:lstStyle/>
+          <a:p>
+            <a:r>
+              <a:rPr lang="de-DE" sz="2000" dirty="0"/>
+              <a:t>Wrap up the first phase</a:t>
+            </a:r>
+          </a:p>
+          <a:p>
+            <a:pPr lvl="1" algn="just"/>
+            <a:r>
+              <a:rPr lang="en-US" sz="1800" dirty="0"/>
+              <a:t>Tried to understand linearity near threshold and the corresponding linear gain in “Integrated Coherent </a:t>
+            </a:r>
+            <a:r>
+              <a:rPr lang="en-US" sz="1800" dirty="0" err="1"/>
+              <a:t>Ising</a:t>
+            </a:r>
+            <a:r>
+              <a:rPr lang="en-US" sz="1800" dirty="0"/>
+              <a:t> Machines Based on Self-Phase Modulation in </a:t>
+            </a:r>
+            <a:r>
+              <a:rPr lang="en-US" sz="1800" dirty="0" err="1"/>
+              <a:t>Microring</a:t>
+            </a:r>
+            <a:r>
+              <a:rPr lang="en-US" sz="1800" dirty="0"/>
+              <a:t> Resonators” [1], along with the paper from the same author “A coherent perceptron for all-optical learning” [2].</a:t>
+            </a:r>
+          </a:p>
+          <a:p>
+            <a:pPr lvl="1"/>
+            <a:r>
+              <a:rPr lang="en-US" sz="1800" dirty="0"/>
+              <a:t>Validated the linear </a:t>
+            </a:r>
+            <a:r>
+              <a:rPr lang="en-US" sz="1800" dirty="0" err="1"/>
+              <a:t>transferfunction</a:t>
+            </a:r>
+            <a:r>
+              <a:rPr lang="en-US" sz="1800" dirty="0"/>
+              <a:t> by plotting Fig.4 in [1] (left).</a:t>
+            </a:r>
+            <a:r>
+              <a:rPr lang="de-DE" sz="1800" dirty="0"/>
+              <a:t> Code available on https://github.com/AllInCoffee/Playground/tree/main</a:t>
+            </a:r>
+            <a:endParaRPr lang="en-US" sz="1800" dirty="0"/>
+          </a:p>
+          <a:p>
+            <a:pPr lvl="1"/>
+            <a:endParaRPr lang="en-US" sz="1800" dirty="0"/>
+          </a:p>
+        </p:txBody>
+      </p:sp>
+      <p:sp>
+        <p:nvSpPr>
+          <p:cNvPr id="3" name="Title 2">
+            <a:extLst>
+              <a:ext uri="{FF2B5EF4-FFF2-40B4-BE49-F238E27FC236}">
+                <a16:creationId xmlns:a16="http://schemas.microsoft.com/office/drawing/2014/main" id="{83B9404A-BFDF-5C9D-A1F0-25F02B84C7D7}"/>
+              </a:ext>
+            </a:extLst>
+          </p:cNvPr>
+          <p:cNvSpPr>
+            <a:spLocks noGrp="1"/>
+          </p:cNvSpPr>
+          <p:nvPr>
+            <p:ph type="title"/>
+          </p:nvPr>
+        </p:nvSpPr>
+        <p:spPr/>
+        <p:txBody>
+          <a:bodyPr/>
+          <a:lstStyle/>
+          <a:p>
+            <a:r>
+              <a:rPr lang="de-DE" dirty="0"/>
+              <a:t>Week 11 </a:t>
+            </a:r>
+            <a:endParaRPr lang="en-US" dirty="0"/>
+          </a:p>
+        </p:txBody>
+      </p:sp>
+      <p:sp>
+        <p:nvSpPr>
+          <p:cNvPr id="4" name="Date Placeholder 3">
+            <a:extLst>
+              <a:ext uri="{FF2B5EF4-FFF2-40B4-BE49-F238E27FC236}">
+                <a16:creationId xmlns:a16="http://schemas.microsoft.com/office/drawing/2014/main" id="{2C05659B-8616-0539-8B4E-2D22E9CF511B}"/>
+              </a:ext>
+            </a:extLst>
+          </p:cNvPr>
+          <p:cNvSpPr>
+            <a:spLocks noGrp="1"/>
+          </p:cNvSpPr>
+          <p:nvPr>
+            <p:ph type="dt" sz="half" idx="10"/>
+          </p:nvPr>
+        </p:nvSpPr>
+        <p:spPr/>
+        <p:txBody>
+          <a:bodyPr/>
+          <a:lstStyle/>
+          <a:p>
+            <a:fld id="{23E2BD91-2AE8-487A-BD5C-78BC9B3F7C4B}" type="datetime1">
+              <a:rPr lang="en-US" smtClean="0"/>
+              <a:t>8/21/2024</a:t>
+            </a:fld>
+            <a:endParaRPr lang="en-US"/>
+          </a:p>
+        </p:txBody>
+      </p:sp>
+      <p:sp>
+        <p:nvSpPr>
+          <p:cNvPr id="5" name="Footer Placeholder 4">
+            <a:extLst>
+              <a:ext uri="{FF2B5EF4-FFF2-40B4-BE49-F238E27FC236}">
+                <a16:creationId xmlns:a16="http://schemas.microsoft.com/office/drawing/2014/main" id="{64A78E3E-4732-088A-247D-40F03F0CC799}"/>
+              </a:ext>
+            </a:extLst>
+          </p:cNvPr>
+          <p:cNvSpPr>
+            <a:spLocks noGrp="1"/>
+          </p:cNvSpPr>
+          <p:nvPr>
+            <p:ph type="ftr" sz="quarter" idx="11"/>
+          </p:nvPr>
+        </p:nvSpPr>
+        <p:spPr/>
+        <p:txBody>
+          <a:bodyPr/>
+          <a:lstStyle/>
+          <a:p>
+            <a:endParaRPr lang="en-US"/>
+          </a:p>
+        </p:txBody>
+      </p:sp>
+      <p:sp>
+        <p:nvSpPr>
+          <p:cNvPr id="6" name="Slide Number Placeholder 5">
+            <a:extLst>
+              <a:ext uri="{FF2B5EF4-FFF2-40B4-BE49-F238E27FC236}">
+                <a16:creationId xmlns:a16="http://schemas.microsoft.com/office/drawing/2014/main" id="{E492757A-E409-1CA6-CC7C-A7B7E22F4100}"/>
+              </a:ext>
+            </a:extLst>
+          </p:cNvPr>
+          <p:cNvSpPr>
+            <a:spLocks noGrp="1"/>
+          </p:cNvSpPr>
+          <p:nvPr>
+            <p:ph type="sldNum" sz="quarter" idx="12"/>
+          </p:nvPr>
+        </p:nvSpPr>
+        <p:spPr/>
+        <p:txBody>
+          <a:bodyPr/>
+          <a:lstStyle/>
+          <a:p>
+            <a:fld id="{2697313F-D866-4554-955F-25FA0D5B9080}" type="slidenum">
+              <a:rPr lang="en-US" smtClean="0"/>
+              <a:t>16</a:t>
+            </a:fld>
+            <a:endParaRPr lang="en-US"/>
+          </a:p>
+        </p:txBody>
+      </p:sp>
+      <p:pic>
+        <p:nvPicPr>
+          <p:cNvPr id="8" name="Content Placeholder 7">
+            <a:extLst>
+              <a:ext uri="{FF2B5EF4-FFF2-40B4-BE49-F238E27FC236}">
+                <a16:creationId xmlns:a16="http://schemas.microsoft.com/office/drawing/2014/main" id="{45DA16E4-1431-5C46-E1CE-8A7DDAB17BAD}"/>
+              </a:ext>
+            </a:extLst>
+          </p:cNvPr>
+          <p:cNvPicPr>
+            <a:picLocks noChangeAspect="1"/>
+          </p:cNvPicPr>
+          <p:nvPr/>
+        </p:nvPicPr>
+        <p:blipFill rotWithShape="1">
+          <a:blip r:embed="rId2"/>
+          <a:srcRect b="49032"/>
+          <a:stretch/>
+        </p:blipFill>
+        <p:spPr bwMode="auto">
+          <a:xfrm>
+            <a:off x="4139706" y="3340799"/>
+            <a:ext cx="4937165" cy="1609927"/>
+          </a:xfrm>
+          <a:prstGeom prst="rect">
+            <a:avLst/>
+          </a:prstGeom>
+          <a:noFill/>
+          <a:ln>
+            <a:noFill/>
+          </a:ln>
+          <a:extLst>
+            <a:ext uri="{909E8E84-426E-40DD-AFC4-6F175D3DCCD1}">
+              <a14:hiddenFill xmlns:a14="http://schemas.microsoft.com/office/drawing/2010/main">
+                <a:solidFill>
+                  <a:srgbClr val="FFFFFF"/>
+                </a:solidFill>
+              </a14:hiddenFill>
+            </a:ext>
+            <a:ext uri="{91240B29-F687-4F45-9708-019B960494DF}">
+              <a14:hiddenLine xmlns:a14="http://schemas.microsoft.com/office/drawing/2010/main" w="9525">
+                <a:solidFill>
+                  <a:srgbClr val="000000"/>
+                </a:solidFill>
+                <a:miter lim="800000"/>
+                <a:headEnd/>
+                <a:tailEnd/>
+              </a14:hiddenLine>
+            </a:ext>
+          </a:extLst>
+        </p:spPr>
+      </p:pic>
+      <p:pic>
+        <p:nvPicPr>
+          <p:cNvPr id="11" name="Picture 10">
+            <a:extLst>
+              <a:ext uri="{FF2B5EF4-FFF2-40B4-BE49-F238E27FC236}">
+                <a16:creationId xmlns:a16="http://schemas.microsoft.com/office/drawing/2014/main" id="{7A4093FE-4C23-1045-F1B1-18839B0AA4CB}"/>
+              </a:ext>
+            </a:extLst>
+          </p:cNvPr>
+          <p:cNvPicPr>
+            <a:picLocks noChangeAspect="1"/>
+          </p:cNvPicPr>
+          <p:nvPr/>
+        </p:nvPicPr>
+        <p:blipFill>
+          <a:blip r:embed="rId3"/>
+          <a:stretch>
+            <a:fillRect/>
+          </a:stretch>
+        </p:blipFill>
+        <p:spPr>
+          <a:xfrm>
+            <a:off x="812346" y="3340799"/>
+            <a:ext cx="3649436" cy="2955878"/>
+          </a:xfrm>
+          <a:prstGeom prst="rect">
+            <a:avLst/>
+          </a:prstGeom>
+        </p:spPr>
+      </p:pic>
+      <p:sp>
+        <p:nvSpPr>
+          <p:cNvPr id="12" name="TextBox 11">
+            <a:extLst>
+              <a:ext uri="{FF2B5EF4-FFF2-40B4-BE49-F238E27FC236}">
+                <a16:creationId xmlns:a16="http://schemas.microsoft.com/office/drawing/2014/main" id="{40BCDDB2-8D4C-904E-9331-E4E5922E531B}"/>
+              </a:ext>
+            </a:extLst>
+          </p:cNvPr>
+          <p:cNvSpPr txBox="1"/>
+          <p:nvPr/>
+        </p:nvSpPr>
+        <p:spPr>
+          <a:xfrm>
+            <a:off x="4645421" y="5198839"/>
+            <a:ext cx="3869929" cy="923330"/>
+          </a:xfrm>
+          <a:prstGeom prst="rect">
+            <a:avLst/>
+          </a:prstGeom>
+          <a:noFill/>
+        </p:spPr>
+        <p:txBody>
+          <a:bodyPr wrap="square" rtlCol="0">
+            <a:spAutoFit/>
+          </a:bodyPr>
+          <a:lstStyle/>
+          <a:p>
+            <a:pPr algn="just"/>
+            <a:r>
+              <a:rPr lang="en-US" sz="900" b="0" dirty="0">
+                <a:solidFill>
+                  <a:srgbClr val="19375B"/>
+                </a:solidFill>
+              </a:rPr>
+              <a:t>[1] </a:t>
+            </a:r>
+            <a:r>
+              <a:rPr lang="en-US" sz="900" b="0" dirty="0" err="1">
+                <a:solidFill>
+                  <a:srgbClr val="19375B"/>
+                </a:solidFill>
+              </a:rPr>
+              <a:t>Tezak</a:t>
+            </a:r>
+            <a:r>
+              <a:rPr lang="en-US" sz="900" b="0" dirty="0">
+                <a:solidFill>
+                  <a:srgbClr val="19375B"/>
+                </a:solidFill>
+              </a:rPr>
+              <a:t>, Nikolas, et al. "Integrated coherent </a:t>
+            </a:r>
+            <a:r>
+              <a:rPr lang="en-US" sz="900" b="0" dirty="0" err="1">
+                <a:solidFill>
+                  <a:srgbClr val="19375B"/>
+                </a:solidFill>
+              </a:rPr>
+              <a:t>Ising</a:t>
+            </a:r>
+            <a:r>
+              <a:rPr lang="en-US" sz="900" b="0" dirty="0">
+                <a:solidFill>
+                  <a:srgbClr val="19375B"/>
+                </a:solidFill>
+              </a:rPr>
+              <a:t> machines based on self-phase modulation in microring resonators." IEEE Journal of Selected Topics in Quantum Electronics 26.1 (2019): 1-15.</a:t>
+            </a:r>
+          </a:p>
+          <a:p>
+            <a:r>
+              <a:rPr lang="en-US" sz="900" b="0" dirty="0">
+                <a:solidFill>
+                  <a:srgbClr val="19375B"/>
+                </a:solidFill>
+              </a:rPr>
+              <a:t>[2] </a:t>
+            </a:r>
+            <a:r>
+              <a:rPr lang="en-US" sz="900" b="0" dirty="0" err="1">
+                <a:solidFill>
+                  <a:srgbClr val="19375B"/>
+                </a:solidFill>
+              </a:rPr>
+              <a:t>Tezak</a:t>
+            </a:r>
+            <a:r>
+              <a:rPr lang="en-US" sz="900" b="0" dirty="0">
+                <a:solidFill>
+                  <a:srgbClr val="19375B"/>
+                </a:solidFill>
+              </a:rPr>
+              <a:t>, N., Mabuchi, H. A coherent perceptron for all-optical learning. EPJ Quantum Technol. 2, 10 (2015). https://doi.org/10.1140/epjqt/s40507-015-0023-3</a:t>
+            </a:r>
+          </a:p>
+        </p:txBody>
+      </p:sp>
+    </p:spTree>
+    <p:extLst>
+      <p:ext uri="{BB962C8B-B14F-4D97-AF65-F5344CB8AC3E}">
+        <p14:creationId xmlns:p14="http://schemas.microsoft.com/office/powerpoint/2010/main" val="4285196114"/>
+      </p:ext>
+    </p:extLst>
+  </p:cSld>
+  <p:clrMapOvr>
+    <a:masterClrMapping/>
+  </p:clrMapOvr>
+</p:sld>
+</file>
+
+<file path=ppt/slides/slide17.xml><?xml version="1.0" encoding="utf-8"?>
+<p:sld xmlns:a="http://schemas.openxmlformats.org/drawingml/2006/main" xmlns:r="http://schemas.openxmlformats.org/officeDocument/2006/relationships" xmlns:p="http://schemas.openxmlformats.org/presentationml/2006/main">
+  <p:cSld>
+    <p:spTree>
+      <p:nvGrpSpPr>
+        <p:cNvPr id="1" name=""/>
+        <p:cNvGrpSpPr/>
+        <p:nvPr/>
+      </p:nvGrpSpPr>
+      <p:grpSpPr>
+        <a:xfrm>
+          <a:off x="0" y="0"/>
+          <a:ext cx="0" cy="0"/>
+          <a:chOff x="0" y="0"/>
+          <a:chExt cx="0" cy="0"/>
+        </a:xfrm>
+      </p:grpSpPr>
+      <p:sp>
+        <p:nvSpPr>
+          <p:cNvPr id="3" name="Title 2">
+            <a:extLst>
+              <a:ext uri="{FF2B5EF4-FFF2-40B4-BE49-F238E27FC236}">
+                <a16:creationId xmlns:a16="http://schemas.microsoft.com/office/drawing/2014/main" id="{60774C2A-A865-0715-F71A-47589E906441}"/>
+              </a:ext>
+            </a:extLst>
+          </p:cNvPr>
+          <p:cNvSpPr>
+            <a:spLocks noGrp="1"/>
+          </p:cNvSpPr>
+          <p:nvPr>
+            <p:ph type="title"/>
+          </p:nvPr>
+        </p:nvSpPr>
+        <p:spPr/>
+        <p:txBody>
+          <a:bodyPr/>
+          <a:lstStyle/>
+          <a:p>
+            <a:r>
+              <a:rPr lang="de-DE" dirty="0"/>
+              <a:t>Week 12</a:t>
+            </a:r>
+            <a:endParaRPr lang="en-US" dirty="0"/>
+          </a:p>
+        </p:txBody>
+      </p:sp>
+      <p:sp>
+        <p:nvSpPr>
+          <p:cNvPr id="4" name="Date Placeholder 3">
+            <a:extLst>
+              <a:ext uri="{FF2B5EF4-FFF2-40B4-BE49-F238E27FC236}">
+                <a16:creationId xmlns:a16="http://schemas.microsoft.com/office/drawing/2014/main" id="{B66CF19C-2BBC-533D-CB40-ADFA6B8545F3}"/>
+              </a:ext>
+            </a:extLst>
+          </p:cNvPr>
+          <p:cNvSpPr>
+            <a:spLocks noGrp="1"/>
+          </p:cNvSpPr>
+          <p:nvPr>
+            <p:ph type="dt" sz="half" idx="10"/>
+          </p:nvPr>
+        </p:nvSpPr>
+        <p:spPr/>
+        <p:txBody>
+          <a:bodyPr/>
+          <a:lstStyle/>
+          <a:p>
+            <a:fld id="{23E2BD91-2AE8-487A-BD5C-78BC9B3F7C4B}" type="datetime1">
+              <a:rPr lang="en-US" smtClean="0"/>
+              <a:t>8/21/2024</a:t>
+            </a:fld>
+            <a:endParaRPr lang="en-US"/>
+          </a:p>
+        </p:txBody>
+      </p:sp>
+      <p:sp>
+        <p:nvSpPr>
+          <p:cNvPr id="5" name="Footer Placeholder 4">
+            <a:extLst>
+              <a:ext uri="{FF2B5EF4-FFF2-40B4-BE49-F238E27FC236}">
+                <a16:creationId xmlns:a16="http://schemas.microsoft.com/office/drawing/2014/main" id="{6EC00673-49E6-24D9-DCB0-08148E8DBB68}"/>
+              </a:ext>
+            </a:extLst>
+          </p:cNvPr>
+          <p:cNvSpPr>
+            <a:spLocks noGrp="1"/>
+          </p:cNvSpPr>
+          <p:nvPr>
+            <p:ph type="ftr" sz="quarter" idx="11"/>
+          </p:nvPr>
+        </p:nvSpPr>
+        <p:spPr/>
+        <p:txBody>
+          <a:bodyPr/>
+          <a:lstStyle/>
+          <a:p>
+            <a:endParaRPr lang="en-US"/>
+          </a:p>
+        </p:txBody>
+      </p:sp>
+      <p:sp>
+        <p:nvSpPr>
+          <p:cNvPr id="6" name="Slide Number Placeholder 5">
+            <a:extLst>
+              <a:ext uri="{FF2B5EF4-FFF2-40B4-BE49-F238E27FC236}">
+                <a16:creationId xmlns:a16="http://schemas.microsoft.com/office/drawing/2014/main" id="{034AEE50-2798-99B6-3376-0A980A37EFBB}"/>
+              </a:ext>
+            </a:extLst>
+          </p:cNvPr>
+          <p:cNvSpPr>
+            <a:spLocks noGrp="1"/>
+          </p:cNvSpPr>
+          <p:nvPr>
+            <p:ph type="sldNum" sz="quarter" idx="12"/>
+          </p:nvPr>
+        </p:nvSpPr>
+        <p:spPr/>
+        <p:txBody>
+          <a:bodyPr/>
+          <a:lstStyle/>
+          <a:p>
+            <a:fld id="{2697313F-D866-4554-955F-25FA0D5B9080}" type="slidenum">
+              <a:rPr lang="en-US" smtClean="0"/>
+              <a:t>17</a:t>
+            </a:fld>
+            <a:endParaRPr lang="en-US"/>
+          </a:p>
+        </p:txBody>
+      </p:sp>
+      <p:sp>
+        <p:nvSpPr>
+          <p:cNvPr id="9" name="Content Placeholder 8">
+            <a:extLst>
+              <a:ext uri="{FF2B5EF4-FFF2-40B4-BE49-F238E27FC236}">
+                <a16:creationId xmlns:a16="http://schemas.microsoft.com/office/drawing/2014/main" id="{F283900E-D905-73F8-91CE-D77B2DD34647}"/>
+              </a:ext>
+            </a:extLst>
+          </p:cNvPr>
+          <p:cNvSpPr>
+            <a:spLocks noGrp="1"/>
+          </p:cNvSpPr>
+          <p:nvPr>
+            <p:ph idx="1"/>
+          </p:nvPr>
+        </p:nvSpPr>
+        <p:spPr/>
+        <p:txBody>
+          <a:bodyPr/>
+          <a:lstStyle/>
+          <a:p>
+            <a:endParaRPr lang="en-US"/>
+          </a:p>
+        </p:txBody>
+      </p:sp>
+    </p:spTree>
+    <p:extLst>
+      <p:ext uri="{BB962C8B-B14F-4D97-AF65-F5344CB8AC3E}">
+        <p14:creationId xmlns:p14="http://schemas.microsoft.com/office/powerpoint/2010/main" val="232521621"/>
       </p:ext>
     </p:extLst>
   </p:cSld>
@@ -5608,7 +6245,7 @@
           <a:p>
             <a:fld id="{5C914FEA-A00B-4EE3-9815-260C78B275ED}" type="datetime1">
               <a:rPr lang="en-US" smtClean="0"/>
-              <a:t>8/8/2024</a:t>
+              <a:t>8/21/2024</a:t>
             </a:fld>
             <a:endParaRPr lang="en-US"/>
           </a:p>
@@ -6318,7 +6955,7 @@
           <a:p>
             <a:fld id="{41453237-B359-4442-BB47-702366E3C8FE}" type="datetime1">
               <a:rPr lang="en-US" smtClean="0"/>
-              <a:t>8/8/2024</a:t>
+              <a:t>8/21/2024</a:t>
             </a:fld>
             <a:endParaRPr lang="en-US"/>
           </a:p>
@@ -6578,7 +7215,7 @@
           <a:p>
             <a:fld id="{3FC47385-6E6D-403A-B787-CC7F98242E15}" type="datetime1">
               <a:rPr lang="en-US" smtClean="0"/>
-              <a:t>8/8/2024</a:t>
+              <a:t>8/21/2024</a:t>
             </a:fld>
             <a:endParaRPr lang="en-US"/>
           </a:p>
@@ -7185,7 +7822,7 @@
           <a:p>
             <a:fld id="{23E2BD91-2AE8-487A-BD5C-78BC9B3F7C4B}" type="datetime1">
               <a:rPr lang="en-US" smtClean="0"/>
-              <a:t>8/8/2024</a:t>
+              <a:t>8/21/2024</a:t>
             </a:fld>
             <a:endParaRPr lang="en-US"/>
           </a:p>
@@ -7368,7 +8005,7 @@
           <a:p>
             <a:fld id="{23E2BD91-2AE8-487A-BD5C-78BC9B3F7C4B}" type="datetime1">
               <a:rPr lang="en-US" smtClean="0"/>
-              <a:t>8/8/2024</a:t>
+              <a:t>8/21/2024</a:t>
             </a:fld>
             <a:endParaRPr lang="en-US"/>
           </a:p>
@@ -7487,8 +8124,8 @@
           </a:ln>
         </p:spPr>
       </p:pic>
-      <mc:AlternateContent xmlns:mc="http://schemas.openxmlformats.org/markup-compatibility/2006">
-        <mc:Choice xmlns:a14="http://schemas.microsoft.com/office/drawing/2010/main" Requires="a14">
+      <mc:AlternateContent xmlns:mc="http://schemas.openxmlformats.org/markup-compatibility/2006" xmlns:a14="http://schemas.microsoft.com/office/drawing/2010/main">
+        <mc:Choice Requires="a14">
           <p:sp>
             <p:nvSpPr>
               <p:cNvPr id="13" name="TextBox 12">
@@ -7806,7 +8443,7 @@
             </p:txBody>
           </p:sp>
         </mc:Choice>
-        <mc:Fallback>
+        <mc:Fallback xmlns="">
           <p:sp>
             <p:nvSpPr>
               <p:cNvPr id="13" name="TextBox 12">
@@ -8093,7 +8730,7 @@
           <a:p>
             <a:fld id="{23E2BD91-2AE8-487A-BD5C-78BC9B3F7C4B}" type="datetime1">
               <a:rPr lang="en-US" smtClean="0"/>
-              <a:t>8/8/2024</a:t>
+              <a:t>8/21/2024</a:t>
             </a:fld>
             <a:endParaRPr lang="en-US" dirty="0"/>
           </a:p>
@@ -8314,7 +8951,7 @@
           <a:p>
             <a:fld id="{23E2BD91-2AE8-487A-BD5C-78BC9B3F7C4B}" type="datetime1">
               <a:rPr lang="en-US" smtClean="0"/>
-              <a:t>8/8/2024</a:t>
+              <a:t>8/21/2024</a:t>
             </a:fld>
             <a:endParaRPr lang="en-US"/>
           </a:p>
@@ -8646,7 +9283,7 @@
           <a:p>
             <a:fld id="{23E2BD91-2AE8-487A-BD5C-78BC9B3F7C4B}" type="datetime1">
               <a:rPr lang="en-US" smtClean="0"/>
-              <a:t>8/8/2024</a:t>
+              <a:t>8/21/2024</a:t>
             </a:fld>
             <a:endParaRPr lang="en-US"/>
           </a:p>

--- a/progress.pptx
+++ b/progress.pptx
@@ -5,10 +5,10 @@
     <p:sldMasterId id="2147483757" r:id="rId1"/>
   </p:sldMasterIdLst>
   <p:notesMasterIdLst>
-    <p:notesMasterId r:id="rId19"/>
+    <p:notesMasterId r:id="rId21"/>
   </p:notesMasterIdLst>
   <p:handoutMasterIdLst>
-    <p:handoutMasterId r:id="rId20"/>
+    <p:handoutMasterId r:id="rId22"/>
   </p:handoutMasterIdLst>
   <p:sldIdLst>
     <p:sldId id="444" r:id="rId2"/>
@@ -28,11 +28,13 @@
     <p:sldId id="461" r:id="rId16"/>
     <p:sldId id="463" r:id="rId17"/>
     <p:sldId id="462" r:id="rId18"/>
+    <p:sldId id="464" r:id="rId19"/>
+    <p:sldId id="465" r:id="rId20"/>
   </p:sldIdLst>
   <p:sldSz cx="9144000" cy="6858000" type="letter"/>
   <p:notesSz cx="7104063" cy="10234613"/>
   <p:custDataLst>
-    <p:tags r:id="rId21"/>
+    <p:tags r:id="rId23"/>
   </p:custDataLst>
   <p:defaultTextStyle>
     <a:defPPr>
@@ -181,6 +183,8 @@
             <p14:sldId id="461"/>
             <p14:sldId id="463"/>
             <p14:sldId id="462"/>
+            <p14:sldId id="464"/>
+            <p14:sldId id="465"/>
           </p14:sldIdLst>
         </p14:section>
       </p14:sectionLst>
@@ -364,7 +368,7 @@
             </a:pPr>
             <a:fld id="{745D068B-BA4C-407E-9F02-D48656DCD747}" type="datetime1">
               <a:rPr lang="en-US" smtClean="0"/>
-              <a:t>8/21/2024</a:t>
+              <a:t>9/12/2024</a:t>
             </a:fld>
             <a:endParaRPr lang="de-DE"/>
           </a:p>
@@ -745,7 +749,7 @@
             </a:pPr>
             <a:fld id="{CF17843B-419B-4348-87FD-F8F5051D43BD}" type="datetime1">
               <a:rPr lang="en-US" smtClean="0"/>
-              <a:t>8/21/2024</a:t>
+              <a:t>9/12/2024</a:t>
             </a:fld>
             <a:endParaRPr lang="de-DE"/>
           </a:p>
@@ -1859,7 +1863,7 @@
           <a:p>
             <a:fld id="{23E2BD91-2AE8-487A-BD5C-78BC9B3F7C4B}" type="datetime1">
               <a:rPr lang="en-US" smtClean="0"/>
-              <a:t>8/21/2024</a:t>
+              <a:t>9/12/2024</a:t>
             </a:fld>
             <a:endParaRPr lang="en-US"/>
           </a:p>
@@ -2079,7 +2083,7 @@
           <a:p>
             <a:fld id="{07206E0C-B25D-427B-B02C-AAD12CE67799}" type="datetime1">
               <a:rPr lang="en-US" smtClean="0"/>
-              <a:t>8/21/2024</a:t>
+              <a:t>9/12/2024</a:t>
             </a:fld>
             <a:endParaRPr lang="en-US"/>
           </a:p>
@@ -2625,7 +2629,7 @@
           <a:p>
             <a:fld id="{743C97FD-72C7-4C51-9020-5131B0C1B598}" type="datetime1">
               <a:rPr lang="en-US" smtClean="0"/>
-              <a:t>8/21/2024</a:t>
+              <a:t>9/12/2024</a:t>
             </a:fld>
             <a:endParaRPr lang="en-US"/>
           </a:p>
@@ -3744,7 +3748,7 @@
           <a:p>
             <a:fld id="{23E2BD91-2AE8-487A-BD5C-78BC9B3F7C4B}" type="datetime1">
               <a:rPr lang="en-US" smtClean="0"/>
-              <a:t>8/21/2024</a:t>
+              <a:t>9/12/2024</a:t>
             </a:fld>
             <a:endParaRPr lang="en-US"/>
           </a:p>
@@ -3968,7 +3972,7 @@
           <a:p>
             <a:fld id="{23E2BD91-2AE8-487A-BD5C-78BC9B3F7C4B}" type="datetime1">
               <a:rPr lang="en-US" smtClean="0"/>
-              <a:t>8/21/2024</a:t>
+              <a:t>9/12/2024</a:t>
             </a:fld>
             <a:endParaRPr lang="en-US"/>
           </a:p>
@@ -4264,7 +4268,7 @@
           <a:p>
             <a:fld id="{23E2BD91-2AE8-487A-BD5C-78BC9B3F7C4B}" type="datetime1">
               <a:rPr lang="en-US" smtClean="0"/>
-              <a:t>8/21/2024</a:t>
+              <a:t>9/12/2024</a:t>
             </a:fld>
             <a:endParaRPr lang="en-US"/>
           </a:p>
@@ -4573,7 +4577,7 @@
           <a:p>
             <a:fld id="{23E2BD91-2AE8-487A-BD5C-78BC9B3F7C4B}" type="datetime1">
               <a:rPr lang="en-US" smtClean="0"/>
-              <a:t>8/21/2024</a:t>
+              <a:t>9/12/2024</a:t>
             </a:fld>
             <a:endParaRPr lang="en-US" dirty="0"/>
           </a:p>
@@ -4890,7 +4894,7 @@
           <a:p>
             <a:fld id="{23E2BD91-2AE8-487A-BD5C-78BC9B3F7C4B}" type="datetime1">
               <a:rPr lang="en-US" smtClean="0"/>
-              <a:t>8/21/2024</a:t>
+              <a:t>9/12/2024</a:t>
             </a:fld>
             <a:endParaRPr lang="en-US"/>
           </a:p>
@@ -5347,7 +5351,7 @@
           <a:p>
             <a:fld id="{23E2BD91-2AE8-487A-BD5C-78BC9B3F7C4B}" type="datetime1">
               <a:rPr lang="en-US" smtClean="0"/>
-              <a:t>8/21/2024</a:t>
+              <a:t>9/12/2024</a:t>
             </a:fld>
             <a:endParaRPr lang="en-US"/>
           </a:p>
@@ -5722,7 +5726,7 @@
           <a:p>
             <a:fld id="{23E2BD91-2AE8-487A-BD5C-78BC9B3F7C4B}" type="datetime1">
               <a:rPr lang="en-US" smtClean="0"/>
-              <a:t>8/21/2024</a:t>
+              <a:t>9/12/2024</a:t>
             </a:fld>
             <a:endParaRPr lang="en-US"/>
           </a:p>
@@ -6044,7 +6048,7 @@
           <a:p>
             <a:fld id="{23E2BD91-2AE8-487A-BD5C-78BC9B3F7C4B}" type="datetime1">
               <a:rPr lang="en-US" smtClean="0"/>
-              <a:t>8/21/2024</a:t>
+              <a:t>9/12/2024</a:t>
             </a:fld>
             <a:endParaRPr lang="en-US"/>
           </a:p>
@@ -6125,7 +6129,25 @@
           <a:bodyPr/>
           <a:lstStyle/>
           <a:p>
-            <a:endParaRPr lang="en-US"/>
+            <a:r>
+              <a:rPr lang="en-US" dirty="0"/>
+              <a:t>S</a:t>
+            </a:r>
+            <a:r>
+              <a:rPr lang="en-US" altLang="zh-CN" dirty="0"/>
+              <a:t>ummarize the first phase</a:t>
+            </a:r>
+          </a:p>
+          <a:p>
+            <a:r>
+              <a:rPr lang="en-US" dirty="0"/>
+              <a:t>P</a:t>
+            </a:r>
+            <a:r>
+              <a:rPr lang="en-US" altLang="zh-CN" dirty="0"/>
+              <a:t>resentation</a:t>
+            </a:r>
+            <a:endParaRPr lang="en-US" dirty="0"/>
           </a:p>
         </p:txBody>
       </p:sp>
@@ -6133,6 +6155,548 @@
     <p:extLst>
       <p:ext uri="{BB962C8B-B14F-4D97-AF65-F5344CB8AC3E}">
         <p14:creationId xmlns:p14="http://schemas.microsoft.com/office/powerpoint/2010/main" val="232521621"/>
+      </p:ext>
+    </p:extLst>
+  </p:cSld>
+  <p:clrMapOvr>
+    <a:masterClrMapping/>
+  </p:clrMapOvr>
+</p:sld>
+</file>
+
+<file path=ppt/slides/slide18.xml><?xml version="1.0" encoding="utf-8"?>
+<p:sld xmlns:a="http://schemas.openxmlformats.org/drawingml/2006/main" xmlns:r="http://schemas.openxmlformats.org/officeDocument/2006/relationships" xmlns:p="http://schemas.openxmlformats.org/presentationml/2006/main">
+  <p:cSld>
+    <p:spTree>
+      <p:nvGrpSpPr>
+        <p:cNvPr id="1" name=""/>
+        <p:cNvGrpSpPr/>
+        <p:nvPr/>
+      </p:nvGrpSpPr>
+      <p:grpSpPr>
+        <a:xfrm>
+          <a:off x="0" y="0"/>
+          <a:ext cx="0" cy="0"/>
+          <a:chOff x="0" y="0"/>
+          <a:chExt cx="0" cy="0"/>
+        </a:xfrm>
+      </p:grpSpPr>
+      <p:sp>
+        <p:nvSpPr>
+          <p:cNvPr id="2" name="Content Placeholder 1">
+            <a:extLst>
+              <a:ext uri="{FF2B5EF4-FFF2-40B4-BE49-F238E27FC236}">
+                <a16:creationId xmlns:a16="http://schemas.microsoft.com/office/drawing/2014/main" id="{6B6589AA-00BD-C960-3487-4F7965310E1E}"/>
+              </a:ext>
+            </a:extLst>
+          </p:cNvPr>
+          <p:cNvSpPr>
+            <a:spLocks noGrp="1"/>
+          </p:cNvSpPr>
+          <p:nvPr>
+            <p:ph idx="1"/>
+          </p:nvPr>
+        </p:nvSpPr>
+        <p:spPr/>
+        <p:txBody>
+          <a:bodyPr/>
+          <a:lstStyle/>
+          <a:p>
+            <a:r>
+              <a:rPr lang="en-US" dirty="0"/>
+              <a:t>TSP </a:t>
+            </a:r>
+            <a:r>
+              <a:rPr lang="en-US" altLang="zh-CN" dirty="0"/>
+              <a:t>formulation</a:t>
+            </a:r>
+          </a:p>
+          <a:p>
+            <a:endParaRPr lang="en-US" dirty="0"/>
+          </a:p>
+        </p:txBody>
+      </p:sp>
+      <p:sp>
+        <p:nvSpPr>
+          <p:cNvPr id="3" name="Title 2">
+            <a:extLst>
+              <a:ext uri="{FF2B5EF4-FFF2-40B4-BE49-F238E27FC236}">
+                <a16:creationId xmlns:a16="http://schemas.microsoft.com/office/drawing/2014/main" id="{F9A6AB08-3258-9741-ECF4-1E64783CA93B}"/>
+              </a:ext>
+            </a:extLst>
+          </p:cNvPr>
+          <p:cNvSpPr>
+            <a:spLocks noGrp="1"/>
+          </p:cNvSpPr>
+          <p:nvPr>
+            <p:ph type="title"/>
+          </p:nvPr>
+        </p:nvSpPr>
+        <p:spPr/>
+        <p:txBody>
+          <a:bodyPr/>
+          <a:lstStyle/>
+          <a:p>
+            <a:r>
+              <a:rPr lang="en-US" dirty="0"/>
+              <a:t>W</a:t>
+            </a:r>
+            <a:r>
+              <a:rPr lang="en-US" altLang="zh-CN" dirty="0"/>
+              <a:t>eek 13</a:t>
+            </a:r>
+            <a:endParaRPr lang="en-US" dirty="0"/>
+          </a:p>
+        </p:txBody>
+      </p:sp>
+      <p:sp>
+        <p:nvSpPr>
+          <p:cNvPr id="4" name="Date Placeholder 3">
+            <a:extLst>
+              <a:ext uri="{FF2B5EF4-FFF2-40B4-BE49-F238E27FC236}">
+                <a16:creationId xmlns:a16="http://schemas.microsoft.com/office/drawing/2014/main" id="{C99EF331-5DE3-499A-A8B4-FE73ACDC783D}"/>
+              </a:ext>
+            </a:extLst>
+          </p:cNvPr>
+          <p:cNvSpPr>
+            <a:spLocks noGrp="1"/>
+          </p:cNvSpPr>
+          <p:nvPr>
+            <p:ph type="dt" sz="half" idx="10"/>
+          </p:nvPr>
+        </p:nvSpPr>
+        <p:spPr/>
+        <p:txBody>
+          <a:bodyPr/>
+          <a:lstStyle/>
+          <a:p>
+            <a:fld id="{23E2BD91-2AE8-487A-BD5C-78BC9B3F7C4B}" type="datetime1">
+              <a:rPr lang="en-US" smtClean="0"/>
+              <a:t>9/12/2024</a:t>
+            </a:fld>
+            <a:endParaRPr lang="en-US"/>
+          </a:p>
+        </p:txBody>
+      </p:sp>
+      <p:sp>
+        <p:nvSpPr>
+          <p:cNvPr id="5" name="Footer Placeholder 4">
+            <a:extLst>
+              <a:ext uri="{FF2B5EF4-FFF2-40B4-BE49-F238E27FC236}">
+                <a16:creationId xmlns:a16="http://schemas.microsoft.com/office/drawing/2014/main" id="{370A3A15-5512-9E7C-8A25-9F3A186FF798}"/>
+              </a:ext>
+            </a:extLst>
+          </p:cNvPr>
+          <p:cNvSpPr>
+            <a:spLocks noGrp="1"/>
+          </p:cNvSpPr>
+          <p:nvPr>
+            <p:ph type="ftr" sz="quarter" idx="11"/>
+          </p:nvPr>
+        </p:nvSpPr>
+        <p:spPr/>
+        <p:txBody>
+          <a:bodyPr/>
+          <a:lstStyle/>
+          <a:p>
+            <a:endParaRPr lang="en-US"/>
+          </a:p>
+        </p:txBody>
+      </p:sp>
+      <p:sp>
+        <p:nvSpPr>
+          <p:cNvPr id="6" name="Slide Number Placeholder 5">
+            <a:extLst>
+              <a:ext uri="{FF2B5EF4-FFF2-40B4-BE49-F238E27FC236}">
+                <a16:creationId xmlns:a16="http://schemas.microsoft.com/office/drawing/2014/main" id="{9B68E753-713F-1DF7-9D54-91E35B0099BC}"/>
+              </a:ext>
+            </a:extLst>
+          </p:cNvPr>
+          <p:cNvSpPr>
+            <a:spLocks noGrp="1"/>
+          </p:cNvSpPr>
+          <p:nvPr>
+            <p:ph type="sldNum" sz="quarter" idx="12"/>
+          </p:nvPr>
+        </p:nvSpPr>
+        <p:spPr/>
+        <p:txBody>
+          <a:bodyPr/>
+          <a:lstStyle/>
+          <a:p>
+            <a:fld id="{2697313F-D866-4554-955F-25FA0D5B9080}" type="slidenum">
+              <a:rPr lang="en-US" smtClean="0"/>
+              <a:t>18</a:t>
+            </a:fld>
+            <a:endParaRPr lang="en-US"/>
+          </a:p>
+        </p:txBody>
+      </p:sp>
+      <p:pic>
+        <p:nvPicPr>
+          <p:cNvPr id="8" name="Picture 7">
+            <a:extLst>
+              <a:ext uri="{FF2B5EF4-FFF2-40B4-BE49-F238E27FC236}">
+                <a16:creationId xmlns:a16="http://schemas.microsoft.com/office/drawing/2014/main" id="{16F29B8E-6DA8-8CAD-E8B4-2A2E4EEE8198}"/>
+              </a:ext>
+            </a:extLst>
+          </p:cNvPr>
+          <p:cNvPicPr>
+            <a:picLocks noChangeAspect="1"/>
+          </p:cNvPicPr>
+          <p:nvPr/>
+        </p:nvPicPr>
+        <p:blipFill>
+          <a:blip r:embed="rId2"/>
+          <a:stretch>
+            <a:fillRect/>
+          </a:stretch>
+        </p:blipFill>
+        <p:spPr>
+          <a:xfrm>
+            <a:off x="1952259" y="1777700"/>
+            <a:ext cx="5239481" cy="1038370"/>
+          </a:xfrm>
+          <a:prstGeom prst="rect">
+            <a:avLst/>
+          </a:prstGeom>
+        </p:spPr>
+      </p:pic>
+      <p:pic>
+        <p:nvPicPr>
+          <p:cNvPr id="10" name="Picture 9">
+            <a:extLst>
+              <a:ext uri="{FF2B5EF4-FFF2-40B4-BE49-F238E27FC236}">
+                <a16:creationId xmlns:a16="http://schemas.microsoft.com/office/drawing/2014/main" id="{1E8C69FC-C2FB-FF7E-F277-1B749BD648DA}"/>
+              </a:ext>
+            </a:extLst>
+          </p:cNvPr>
+          <p:cNvPicPr>
+            <a:picLocks noChangeAspect="1"/>
+          </p:cNvPicPr>
+          <p:nvPr/>
+        </p:nvPicPr>
+        <p:blipFill>
+          <a:blip r:embed="rId3"/>
+          <a:stretch>
+            <a:fillRect/>
+          </a:stretch>
+        </p:blipFill>
+        <p:spPr>
+          <a:xfrm>
+            <a:off x="2504785" y="3013898"/>
+            <a:ext cx="4134427" cy="1200318"/>
+          </a:xfrm>
+          <a:prstGeom prst="rect">
+            <a:avLst/>
+          </a:prstGeom>
+        </p:spPr>
+      </p:pic>
+    </p:spTree>
+    <p:extLst>
+      <p:ext uri="{BB962C8B-B14F-4D97-AF65-F5344CB8AC3E}">
+        <p14:creationId xmlns:p14="http://schemas.microsoft.com/office/powerpoint/2010/main" val="1628018147"/>
+      </p:ext>
+    </p:extLst>
+  </p:cSld>
+  <p:clrMapOvr>
+    <a:masterClrMapping/>
+  </p:clrMapOvr>
+</p:sld>
+</file>
+
+<file path=ppt/slides/slide19.xml><?xml version="1.0" encoding="utf-8"?>
+<p:sld xmlns:a="http://schemas.openxmlformats.org/drawingml/2006/main" xmlns:r="http://schemas.openxmlformats.org/officeDocument/2006/relationships" xmlns:p="http://schemas.openxmlformats.org/presentationml/2006/main">
+  <p:cSld>
+    <p:spTree>
+      <p:nvGrpSpPr>
+        <p:cNvPr id="1" name=""/>
+        <p:cNvGrpSpPr/>
+        <p:nvPr/>
+      </p:nvGrpSpPr>
+      <p:grpSpPr>
+        <a:xfrm>
+          <a:off x="0" y="0"/>
+          <a:ext cx="0" cy="0"/>
+          <a:chOff x="0" y="0"/>
+          <a:chExt cx="0" cy="0"/>
+        </a:xfrm>
+      </p:grpSpPr>
+      <p:sp>
+        <p:nvSpPr>
+          <p:cNvPr id="2" name="Content Placeholder 1">
+            <a:extLst>
+              <a:ext uri="{FF2B5EF4-FFF2-40B4-BE49-F238E27FC236}">
+                <a16:creationId xmlns:a16="http://schemas.microsoft.com/office/drawing/2014/main" id="{5CF1275A-4697-D4A2-9DE8-34416B90BD95}"/>
+              </a:ext>
+            </a:extLst>
+          </p:cNvPr>
+          <p:cNvSpPr>
+            <a:spLocks noGrp="1"/>
+          </p:cNvSpPr>
+          <p:nvPr>
+            <p:ph idx="1"/>
+          </p:nvPr>
+        </p:nvSpPr>
+        <p:spPr bwMode="auto"/>
+        <p:txBody>
+          <a:bodyPr/>
+          <a:lstStyle/>
+          <a:p>
+            <a:r>
+              <a:rPr lang="en-US" dirty="0"/>
+              <a:t> L</a:t>
+            </a:r>
+            <a:r>
+              <a:rPr lang="en-US" altLang="zh-CN" dirty="0"/>
+              <a:t>iterature review on state-of-the-art </a:t>
+            </a:r>
+            <a:r>
+              <a:rPr lang="en-US" dirty="0"/>
+              <a:t>Kerr Parametric Oscillator (KPO) </a:t>
+            </a:r>
+            <a:r>
+              <a:rPr lang="en-US" altLang="zh-CN" dirty="0"/>
+              <a:t>b</a:t>
+            </a:r>
+            <a:r>
+              <a:rPr lang="en-US" dirty="0"/>
+              <a:t>ased </a:t>
+            </a:r>
+            <a:r>
+              <a:rPr lang="en-US" dirty="0" err="1"/>
+              <a:t>Ising</a:t>
+            </a:r>
+            <a:r>
+              <a:rPr lang="en-US" dirty="0"/>
+              <a:t> </a:t>
+            </a:r>
+            <a:r>
+              <a:rPr lang="en-US" altLang="zh-CN" dirty="0"/>
+              <a:t>m</a:t>
+            </a:r>
+            <a:r>
+              <a:rPr lang="en-US" dirty="0"/>
+              <a:t>achines</a:t>
+            </a:r>
+          </a:p>
+          <a:p>
+            <a:pPr lvl="1"/>
+            <a:r>
+              <a:rPr lang="en-US" sz="2400" dirty="0"/>
+              <a:t>Objectives </a:t>
+            </a:r>
+          </a:p>
+          <a:p>
+            <a:pPr lvl="2"/>
+            <a:r>
+              <a:rPr lang="en-US" sz="2000" dirty="0"/>
+              <a:t>To find a more accurate model for mapping into </a:t>
+            </a:r>
+            <a:r>
+              <a:rPr lang="en-US" sz="2000" dirty="0" err="1"/>
+              <a:t>Ising</a:t>
+            </a:r>
+            <a:r>
+              <a:rPr lang="en-US" sz="2000" dirty="0"/>
+              <a:t> problems</a:t>
+            </a:r>
+          </a:p>
+          <a:p>
+            <a:pPr lvl="3"/>
+            <a:r>
+              <a:rPr lang="en-US" sz="2000" dirty="0"/>
+              <a:t>Add noise or thermal </a:t>
+            </a:r>
+            <a:r>
+              <a:rPr lang="en-US" sz="2000" dirty="0" err="1"/>
+              <a:t>flucturation</a:t>
+            </a:r>
+            <a:endParaRPr lang="en-US" sz="2000" dirty="0"/>
+          </a:p>
+          <a:p>
+            <a:pPr lvl="3"/>
+            <a:r>
+              <a:rPr lang="en-US" sz="2000" dirty="0"/>
+              <a:t>Increase order of nonlinearity in cost function </a:t>
+            </a:r>
+          </a:p>
+          <a:p>
+            <a:pPr lvl="3"/>
+            <a:r>
+              <a:rPr lang="en-US" sz="2000" dirty="0"/>
+              <a:t>Add external magnetic field </a:t>
+            </a:r>
+          </a:p>
+          <a:p>
+            <a:pPr lvl="2"/>
+            <a:r>
+              <a:rPr lang="en-US" sz="2000" dirty="0"/>
+              <a:t>To compute faster</a:t>
+            </a:r>
+          </a:p>
+          <a:p>
+            <a:pPr lvl="3"/>
+            <a:r>
+              <a:rPr lang="en-US" sz="2000" dirty="0"/>
+              <a:t>Optimize the model for less computing complexity</a:t>
+            </a:r>
+          </a:p>
+          <a:p>
+            <a:pPr lvl="3"/>
+            <a:r>
+              <a:rPr lang="en-US" sz="2000" dirty="0"/>
+              <a:t>Reduce bits required for </a:t>
+            </a:r>
+            <a:r>
+              <a:rPr lang="en-US" sz="2000"/>
+              <a:t>coupling strength</a:t>
+            </a:r>
+            <a:endParaRPr lang="en-US" sz="2000" dirty="0"/>
+          </a:p>
+          <a:p>
+            <a:pPr lvl="2"/>
+            <a:r>
+              <a:rPr lang="en-US" sz="2000" dirty="0"/>
+              <a:t>To be more compact / to scale </a:t>
+            </a:r>
+          </a:p>
+          <a:p>
+            <a:pPr lvl="3"/>
+            <a:r>
+              <a:rPr lang="en-US" sz="2000" dirty="0"/>
+              <a:t>Reduce power consumption </a:t>
+            </a:r>
+          </a:p>
+          <a:p>
+            <a:pPr lvl="3"/>
+            <a:r>
+              <a:rPr lang="en-US" sz="2000" dirty="0"/>
+              <a:t>Reduce footprint </a:t>
+            </a:r>
+          </a:p>
+          <a:p>
+            <a:pPr lvl="2"/>
+            <a:endParaRPr lang="en-US" sz="1400" dirty="0"/>
+          </a:p>
+        </p:txBody>
+      </p:sp>
+      <p:sp>
+        <p:nvSpPr>
+          <p:cNvPr id="3" name="Title 2">
+            <a:extLst>
+              <a:ext uri="{FF2B5EF4-FFF2-40B4-BE49-F238E27FC236}">
+                <a16:creationId xmlns:a16="http://schemas.microsoft.com/office/drawing/2014/main" id="{7E943A22-1171-E601-56DE-95F53C147110}"/>
+              </a:ext>
+            </a:extLst>
+          </p:cNvPr>
+          <p:cNvSpPr>
+            <a:spLocks noGrp="1"/>
+          </p:cNvSpPr>
+          <p:nvPr>
+            <p:ph type="title"/>
+          </p:nvPr>
+        </p:nvSpPr>
+        <p:spPr/>
+        <p:txBody>
+          <a:bodyPr/>
+          <a:lstStyle/>
+          <a:p>
+            <a:r>
+              <a:rPr lang="de-DE" dirty="0"/>
+              <a:t>Week 14-15 Literature Review</a:t>
+            </a:r>
+            <a:endParaRPr lang="en-US" dirty="0"/>
+          </a:p>
+        </p:txBody>
+      </p:sp>
+      <p:sp>
+        <p:nvSpPr>
+          <p:cNvPr id="4" name="Date Placeholder 3">
+            <a:extLst>
+              <a:ext uri="{FF2B5EF4-FFF2-40B4-BE49-F238E27FC236}">
+                <a16:creationId xmlns:a16="http://schemas.microsoft.com/office/drawing/2014/main" id="{FFF519E3-30F8-F0B4-F50C-FB2ECBABF20F}"/>
+              </a:ext>
+            </a:extLst>
+          </p:cNvPr>
+          <p:cNvSpPr>
+            <a:spLocks noGrp="1"/>
+          </p:cNvSpPr>
+          <p:nvPr>
+            <p:ph type="dt" sz="half" idx="10"/>
+          </p:nvPr>
+        </p:nvSpPr>
+        <p:spPr/>
+        <p:txBody>
+          <a:bodyPr/>
+          <a:lstStyle/>
+          <a:p>
+            <a:fld id="{23E2BD91-2AE8-487A-BD5C-78BC9B3F7C4B}" type="datetime1">
+              <a:rPr lang="en-US" smtClean="0"/>
+              <a:t>9/12/2024</a:t>
+            </a:fld>
+            <a:endParaRPr lang="en-US"/>
+          </a:p>
+        </p:txBody>
+      </p:sp>
+      <p:sp>
+        <p:nvSpPr>
+          <p:cNvPr id="5" name="Footer Placeholder 4">
+            <a:extLst>
+              <a:ext uri="{FF2B5EF4-FFF2-40B4-BE49-F238E27FC236}">
+                <a16:creationId xmlns:a16="http://schemas.microsoft.com/office/drawing/2014/main" id="{950D0886-DB1A-121E-E554-5C7AECF16005}"/>
+              </a:ext>
+            </a:extLst>
+          </p:cNvPr>
+          <p:cNvSpPr>
+            <a:spLocks noGrp="1"/>
+          </p:cNvSpPr>
+          <p:nvPr>
+            <p:ph type="ftr" sz="quarter" idx="11"/>
+          </p:nvPr>
+        </p:nvSpPr>
+        <p:spPr/>
+        <p:txBody>
+          <a:bodyPr/>
+          <a:lstStyle/>
+          <a:p>
+            <a:endParaRPr lang="en-US"/>
+          </a:p>
+        </p:txBody>
+      </p:sp>
+      <p:sp>
+        <p:nvSpPr>
+          <p:cNvPr id="6" name="Slide Number Placeholder 5">
+            <a:extLst>
+              <a:ext uri="{FF2B5EF4-FFF2-40B4-BE49-F238E27FC236}">
+                <a16:creationId xmlns:a16="http://schemas.microsoft.com/office/drawing/2014/main" id="{E7519102-4CE5-EC50-78D8-7F501363092C}"/>
+              </a:ext>
+            </a:extLst>
+          </p:cNvPr>
+          <p:cNvSpPr>
+            <a:spLocks noGrp="1"/>
+          </p:cNvSpPr>
+          <p:nvPr>
+            <p:ph type="sldNum" sz="quarter" idx="12"/>
+          </p:nvPr>
+        </p:nvSpPr>
+        <p:spPr/>
+        <p:txBody>
+          <a:bodyPr/>
+          <a:lstStyle/>
+          <a:p>
+            <a:fld id="{2697313F-D866-4554-955F-25FA0D5B9080}" type="slidenum">
+              <a:rPr lang="en-US" smtClean="0"/>
+              <a:t>19</a:t>
+            </a:fld>
+            <a:endParaRPr lang="en-US"/>
+          </a:p>
+        </p:txBody>
+      </p:sp>
+    </p:spTree>
+    <p:extLst>
+      <p:ext uri="{BB962C8B-B14F-4D97-AF65-F5344CB8AC3E}">
+        <p14:creationId xmlns:p14="http://schemas.microsoft.com/office/powerpoint/2010/main" val="1956436616"/>
       </p:ext>
     </p:extLst>
   </p:cSld>
@@ -6245,7 +6809,7 @@
           <a:p>
             <a:fld id="{5C914FEA-A00B-4EE3-9815-260C78B275ED}" type="datetime1">
               <a:rPr lang="en-US" smtClean="0"/>
-              <a:t>8/21/2024</a:t>
+              <a:t>9/12/2024</a:t>
             </a:fld>
             <a:endParaRPr lang="en-US"/>
           </a:p>
@@ -6955,7 +7519,7 @@
           <a:p>
             <a:fld id="{41453237-B359-4442-BB47-702366E3C8FE}" type="datetime1">
               <a:rPr lang="en-US" smtClean="0"/>
-              <a:t>8/21/2024</a:t>
+              <a:t>9/12/2024</a:t>
             </a:fld>
             <a:endParaRPr lang="en-US"/>
           </a:p>
@@ -7215,7 +7779,7 @@
           <a:p>
             <a:fld id="{3FC47385-6E6D-403A-B787-CC7F98242E15}" type="datetime1">
               <a:rPr lang="en-US" smtClean="0"/>
-              <a:t>8/21/2024</a:t>
+              <a:t>9/12/2024</a:t>
             </a:fld>
             <a:endParaRPr lang="en-US"/>
           </a:p>
@@ -7822,7 +8386,7 @@
           <a:p>
             <a:fld id="{23E2BD91-2AE8-487A-BD5C-78BC9B3F7C4B}" type="datetime1">
               <a:rPr lang="en-US" smtClean="0"/>
-              <a:t>8/21/2024</a:t>
+              <a:t>9/12/2024</a:t>
             </a:fld>
             <a:endParaRPr lang="en-US"/>
           </a:p>
@@ -8005,7 +8569,7 @@
           <a:p>
             <a:fld id="{23E2BD91-2AE8-487A-BD5C-78BC9B3F7C4B}" type="datetime1">
               <a:rPr lang="en-US" smtClean="0"/>
-              <a:t>8/21/2024</a:t>
+              <a:t>9/12/2024</a:t>
             </a:fld>
             <a:endParaRPr lang="en-US"/>
           </a:p>
@@ -8730,7 +9294,7 @@
           <a:p>
             <a:fld id="{23E2BD91-2AE8-487A-BD5C-78BC9B3F7C4B}" type="datetime1">
               <a:rPr lang="en-US" smtClean="0"/>
-              <a:t>8/21/2024</a:t>
+              <a:t>9/12/2024</a:t>
             </a:fld>
             <a:endParaRPr lang="en-US" dirty="0"/>
           </a:p>
@@ -8951,7 +9515,7 @@
           <a:p>
             <a:fld id="{23E2BD91-2AE8-487A-BD5C-78BC9B3F7C4B}" type="datetime1">
               <a:rPr lang="en-US" smtClean="0"/>
-              <a:t>8/21/2024</a:t>
+              <a:t>9/12/2024</a:t>
             </a:fld>
             <a:endParaRPr lang="en-US"/>
           </a:p>
@@ -9283,7 +9847,7 @@
           <a:p>
             <a:fld id="{23E2BD91-2AE8-487A-BD5C-78BC9B3F7C4B}" type="datetime1">
               <a:rPr lang="en-US" smtClean="0"/>
-              <a:t>8/21/2024</a:t>
+              <a:t>9/12/2024</a:t>
             </a:fld>
             <a:endParaRPr lang="en-US"/>
           </a:p>

--- a/progress.pptx
+++ b/progress.pptx
@@ -5,10 +5,10 @@
     <p:sldMasterId id="2147483757" r:id="rId1"/>
   </p:sldMasterIdLst>
   <p:notesMasterIdLst>
-    <p:notesMasterId r:id="rId21"/>
+    <p:notesMasterId r:id="rId25"/>
   </p:notesMasterIdLst>
   <p:handoutMasterIdLst>
-    <p:handoutMasterId r:id="rId22"/>
+    <p:handoutMasterId r:id="rId26"/>
   </p:handoutMasterIdLst>
   <p:sldIdLst>
     <p:sldId id="444" r:id="rId2"/>
@@ -30,11 +30,15 @@
     <p:sldId id="462" r:id="rId18"/>
     <p:sldId id="464" r:id="rId19"/>
     <p:sldId id="465" r:id="rId20"/>
+    <p:sldId id="466" r:id="rId21"/>
+    <p:sldId id="467" r:id="rId22"/>
+    <p:sldId id="468" r:id="rId23"/>
+    <p:sldId id="469" r:id="rId24"/>
   </p:sldIdLst>
   <p:sldSz cx="9144000" cy="6858000" type="letter"/>
   <p:notesSz cx="7104063" cy="10234613"/>
   <p:custDataLst>
-    <p:tags r:id="rId23"/>
+    <p:tags r:id="rId27"/>
   </p:custDataLst>
   <p:defaultTextStyle>
     <a:defPPr>
@@ -185,6 +189,10 @@
             <p14:sldId id="462"/>
             <p14:sldId id="464"/>
             <p14:sldId id="465"/>
+            <p14:sldId id="466"/>
+            <p14:sldId id="467"/>
+            <p14:sldId id="468"/>
+            <p14:sldId id="469"/>
           </p14:sldIdLst>
         </p14:section>
       </p14:sectionLst>
@@ -368,7 +376,7 @@
             </a:pPr>
             <a:fld id="{745D068B-BA4C-407E-9F02-D48656DCD747}" type="datetime1">
               <a:rPr lang="en-US" smtClean="0"/>
-              <a:t>9/12/2024</a:t>
+              <a:t>9/13/2024</a:t>
             </a:fld>
             <a:endParaRPr lang="de-DE"/>
           </a:p>
@@ -749,7 +757,7 @@
             </a:pPr>
             <a:fld id="{CF17843B-419B-4348-87FD-F8F5051D43BD}" type="datetime1">
               <a:rPr lang="en-US" smtClean="0"/>
-              <a:t>9/12/2024</a:t>
+              <a:t>9/13/2024</a:t>
             </a:fld>
             <a:endParaRPr lang="de-DE"/>
           </a:p>
@@ -1863,7 +1871,7 @@
           <a:p>
             <a:fld id="{23E2BD91-2AE8-487A-BD5C-78BC9B3F7C4B}" type="datetime1">
               <a:rPr lang="en-US" smtClean="0"/>
-              <a:t>9/12/2024</a:t>
+              <a:t>9/13/2024</a:t>
             </a:fld>
             <a:endParaRPr lang="en-US"/>
           </a:p>
@@ -2083,7 +2091,7 @@
           <a:p>
             <a:fld id="{07206E0C-B25D-427B-B02C-AAD12CE67799}" type="datetime1">
               <a:rPr lang="en-US" smtClean="0"/>
-              <a:t>9/12/2024</a:t>
+              <a:t>9/13/2024</a:t>
             </a:fld>
             <a:endParaRPr lang="en-US"/>
           </a:p>
@@ -2629,7 +2637,7 @@
           <a:p>
             <a:fld id="{743C97FD-72C7-4C51-9020-5131B0C1B598}" type="datetime1">
               <a:rPr lang="en-US" smtClean="0"/>
-              <a:t>9/12/2024</a:t>
+              <a:t>9/13/2024</a:t>
             </a:fld>
             <a:endParaRPr lang="en-US"/>
           </a:p>
@@ -3748,7 +3756,7 @@
           <a:p>
             <a:fld id="{23E2BD91-2AE8-487A-BD5C-78BC9B3F7C4B}" type="datetime1">
               <a:rPr lang="en-US" smtClean="0"/>
-              <a:t>9/12/2024</a:t>
+              <a:t>9/13/2024</a:t>
             </a:fld>
             <a:endParaRPr lang="en-US"/>
           </a:p>
@@ -3972,7 +3980,7 @@
           <a:p>
             <a:fld id="{23E2BD91-2AE8-487A-BD5C-78BC9B3F7C4B}" type="datetime1">
               <a:rPr lang="en-US" smtClean="0"/>
-              <a:t>9/12/2024</a:t>
+              <a:t>9/13/2024</a:t>
             </a:fld>
             <a:endParaRPr lang="en-US"/>
           </a:p>
@@ -4268,7 +4276,7 @@
           <a:p>
             <a:fld id="{23E2BD91-2AE8-487A-BD5C-78BC9B3F7C4B}" type="datetime1">
               <a:rPr lang="en-US" smtClean="0"/>
-              <a:t>9/12/2024</a:t>
+              <a:t>9/13/2024</a:t>
             </a:fld>
             <a:endParaRPr lang="en-US"/>
           </a:p>
@@ -4577,7 +4585,7 @@
           <a:p>
             <a:fld id="{23E2BD91-2AE8-487A-BD5C-78BC9B3F7C4B}" type="datetime1">
               <a:rPr lang="en-US" smtClean="0"/>
-              <a:t>9/12/2024</a:t>
+              <a:t>9/13/2024</a:t>
             </a:fld>
             <a:endParaRPr lang="en-US" dirty="0"/>
           </a:p>
@@ -4894,7 +4902,7 @@
           <a:p>
             <a:fld id="{23E2BD91-2AE8-487A-BD5C-78BC9B3F7C4B}" type="datetime1">
               <a:rPr lang="en-US" smtClean="0"/>
-              <a:t>9/12/2024</a:t>
+              <a:t>9/13/2024</a:t>
             </a:fld>
             <a:endParaRPr lang="en-US"/>
           </a:p>
@@ -5351,7 +5359,7 @@
           <a:p>
             <a:fld id="{23E2BD91-2AE8-487A-BD5C-78BC9B3F7C4B}" type="datetime1">
               <a:rPr lang="en-US" smtClean="0"/>
-              <a:t>9/12/2024</a:t>
+              <a:t>9/13/2024</a:t>
             </a:fld>
             <a:endParaRPr lang="en-US"/>
           </a:p>
@@ -5726,7 +5734,7 @@
           <a:p>
             <a:fld id="{23E2BD91-2AE8-487A-BD5C-78BC9B3F7C4B}" type="datetime1">
               <a:rPr lang="en-US" smtClean="0"/>
-              <a:t>9/12/2024</a:t>
+              <a:t>9/13/2024</a:t>
             </a:fld>
             <a:endParaRPr lang="en-US"/>
           </a:p>
@@ -6048,7 +6056,7 @@
           <a:p>
             <a:fld id="{23E2BD91-2AE8-487A-BD5C-78BC9B3F7C4B}" type="datetime1">
               <a:rPr lang="en-US" smtClean="0"/>
-              <a:t>9/12/2024</a:t>
+              <a:t>9/13/2024</a:t>
             </a:fld>
             <a:endParaRPr lang="en-US"/>
           </a:p>
@@ -6272,7 +6280,7 @@
           <a:p>
             <a:fld id="{23E2BD91-2AE8-487A-BD5C-78BC9B3F7C4B}" type="datetime1">
               <a:rPr lang="en-US" smtClean="0"/>
-              <a:t>9/12/2024</a:t>
+              <a:t>9/13/2024</a:t>
             </a:fld>
             <a:endParaRPr lang="en-US"/>
           </a:p>
@@ -6512,7 +6520,10 @@
               <a:rPr lang="en-US" sz="2000" dirty="0" err="1"/>
               <a:t>flucturation</a:t>
             </a:r>
-            <a:endParaRPr lang="en-US" sz="2000" dirty="0"/>
+            <a:r>
+              <a:rPr lang="en-US" sz="2000" dirty="0"/>
+              <a:t> (error correction)</a:t>
+            </a:r>
           </a:p>
           <a:p>
             <a:pPr lvl="3"/>
@@ -6546,13 +6557,8 @@
             <a:pPr lvl="3"/>
             <a:r>
               <a:rPr lang="en-US" sz="2000" dirty="0"/>
-              <a:t>Reduce bits required for </a:t>
-            </a:r>
-            <a:r>
-              <a:rPr lang="en-US" sz="2000"/>
-              <a:t>coupling strength</a:t>
-            </a:r>
-            <a:endParaRPr lang="en-US" sz="2000" dirty="0"/>
+              <a:t>Reduce bits required for coupling strength</a:t>
+            </a:r>
           </a:p>
           <a:p>
             <a:pPr lvl="2"/>
@@ -6633,7 +6639,7 @@
           <a:p>
             <a:fld id="{23E2BD91-2AE8-487A-BD5C-78BC9B3F7C4B}" type="datetime1">
               <a:rPr lang="en-US" smtClean="0"/>
-              <a:t>9/12/2024</a:t>
+              <a:t>9/13/2024</a:t>
             </a:fld>
             <a:endParaRPr lang="en-US"/>
           </a:p>
@@ -6809,7 +6815,7 @@
           <a:p>
             <a:fld id="{5C914FEA-A00B-4EE3-9815-260C78B275ED}" type="datetime1">
               <a:rPr lang="en-US" smtClean="0"/>
-              <a:t>9/12/2024</a:t>
+              <a:t>9/13/2024</a:t>
             </a:fld>
             <a:endParaRPr lang="en-US"/>
           </a:p>
@@ -6884,6 +6890,2465 @@
     <p:extLst>
       <p:ext uri="{BB962C8B-B14F-4D97-AF65-F5344CB8AC3E}">
         <p14:creationId xmlns:p14="http://schemas.microsoft.com/office/powerpoint/2010/main" val="697673126"/>
+      </p:ext>
+    </p:extLst>
+  </p:cSld>
+  <p:clrMapOvr>
+    <a:masterClrMapping/>
+  </p:clrMapOvr>
+</p:sld>
+</file>
+
+<file path=ppt/slides/slide20.xml><?xml version="1.0" encoding="utf-8"?>
+<p:sld xmlns:a="http://schemas.openxmlformats.org/drawingml/2006/main" xmlns:r="http://schemas.openxmlformats.org/officeDocument/2006/relationships" xmlns:p="http://schemas.openxmlformats.org/presentationml/2006/main">
+  <p:cSld>
+    <p:spTree>
+      <p:nvGrpSpPr>
+        <p:cNvPr id="1" name=""/>
+        <p:cNvGrpSpPr/>
+        <p:nvPr/>
+      </p:nvGrpSpPr>
+      <p:grpSpPr>
+        <a:xfrm>
+          <a:off x="0" y="0"/>
+          <a:ext cx="0" cy="0"/>
+          <a:chOff x="0" y="0"/>
+          <a:chExt cx="0" cy="0"/>
+        </a:xfrm>
+      </p:grpSpPr>
+      <mc:AlternateContent xmlns:mc="http://schemas.openxmlformats.org/markup-compatibility/2006">
+        <mc:Choice xmlns:a14="http://schemas.microsoft.com/office/drawing/2010/main" Requires="a14">
+          <p:sp>
+            <p:nvSpPr>
+              <p:cNvPr id="2" name="Content Placeholder 1">
+                <a:extLst>
+                  <a:ext uri="{FF2B5EF4-FFF2-40B4-BE49-F238E27FC236}">
+                    <a16:creationId xmlns:a16="http://schemas.microsoft.com/office/drawing/2014/main" id="{6EB5EAB9-8DEF-2D12-37F2-22C55C700DE3}"/>
+                  </a:ext>
+                </a:extLst>
+              </p:cNvPr>
+              <p:cNvSpPr>
+                <a:spLocks noGrp="1"/>
+              </p:cNvSpPr>
+              <p:nvPr>
+                <p:ph idx="1"/>
+              </p:nvPr>
+            </p:nvSpPr>
+            <p:spPr>
+              <a:xfrm>
+                <a:off x="250825" y="1389063"/>
+                <a:ext cx="8642350" cy="4967287"/>
+              </a:xfrm>
+            </p:spPr>
+            <p:txBody>
+              <a:bodyPr/>
+              <a:lstStyle/>
+              <a:p>
+                <a:pPr marL="0" marR="0" lvl="0" indent="0">
+                  <a:lnSpc>
+                    <a:spcPct val="115000"/>
+                  </a:lnSpc>
+                  <a:spcBef>
+                    <a:spcPts val="0"/>
+                  </a:spcBef>
+                  <a:spcAft>
+                    <a:spcPts val="0"/>
+                  </a:spcAft>
+                  <a:buNone/>
+                </a:pPr>
+                <a:r>
+                  <a:rPr lang="en-US" sz="1800" b="1" kern="100" dirty="0">
+                    <a:effectLst/>
+                    <a:latin typeface="Aptos" panose="020B0004020202020204" pitchFamily="34" charset="0"/>
+                    <a:ea typeface="DengXian" panose="02010600030101010101" pitchFamily="2" charset="-122"/>
+                    <a:cs typeface="Times New Roman" panose="02020603050405020304" pitchFamily="18" charset="0"/>
+                  </a:rPr>
+                  <a:t>Advantage: </a:t>
+                </a:r>
+                <a:r>
+                  <a:rPr lang="en-US" sz="1800" kern="100" dirty="0">
+                    <a:effectLst/>
+                    <a:latin typeface="Aptos" panose="020B0004020202020204" pitchFamily="34" charset="0"/>
+                    <a:ea typeface="DengXian" panose="02010600030101010101" pitchFamily="2" charset="-122"/>
+                    <a:cs typeface="Times New Roman" panose="02020603050405020304" pitchFamily="18" charset="0"/>
+                  </a:rPr>
+                  <a:t>Scaling</a:t>
+                </a:r>
+                <a:r>
+                  <a:rPr lang="en-US" sz="1800" b="1" kern="100" dirty="0">
+                    <a:effectLst/>
+                    <a:latin typeface="Aptos" panose="020B0004020202020204" pitchFamily="34" charset="0"/>
+                    <a:ea typeface="DengXian" panose="02010600030101010101" pitchFamily="2" charset="-122"/>
+                    <a:cs typeface="Times New Roman" panose="02020603050405020304" pitchFamily="18" charset="0"/>
+                  </a:rPr>
+                  <a:t> </a:t>
+                </a:r>
+              </a:p>
+              <a:p>
+                <a:pPr marL="0" marR="0" lvl="0" indent="0">
+                  <a:lnSpc>
+                    <a:spcPct val="115000"/>
+                  </a:lnSpc>
+                  <a:spcBef>
+                    <a:spcPts val="0"/>
+                  </a:spcBef>
+                  <a:spcAft>
+                    <a:spcPts val="0"/>
+                  </a:spcAft>
+                  <a:buNone/>
+                </a:pPr>
+                <a:r>
+                  <a:rPr lang="en-US" sz="1800" b="1" kern="100" dirty="0">
+                    <a:latin typeface="Aptos" panose="020B0004020202020204" pitchFamily="34" charset="0"/>
+                    <a:ea typeface="DengXian" panose="02010600030101010101" pitchFamily="2" charset="-122"/>
+                    <a:cs typeface="Times New Roman" panose="02020603050405020304" pitchFamily="18" charset="0"/>
+                  </a:rPr>
+                  <a:t>Disadvantage: </a:t>
+                </a:r>
+                <a:r>
+                  <a:rPr lang="en-US" sz="1800" kern="100" dirty="0">
+                    <a:latin typeface="Aptos" panose="020B0004020202020204" pitchFamily="34" charset="0"/>
+                    <a:ea typeface="DengXian" panose="02010600030101010101" pitchFamily="2" charset="-122"/>
+                    <a:cs typeface="Times New Roman" panose="02020603050405020304" pitchFamily="18" charset="0"/>
+                  </a:rPr>
+                  <a:t>bulky</a:t>
+                </a:r>
+                <a:r>
+                  <a:rPr lang="en-US" sz="1800" b="1" kern="100" dirty="0">
+                    <a:latin typeface="Aptos" panose="020B0004020202020204" pitchFamily="34" charset="0"/>
+                    <a:ea typeface="DengXian" panose="02010600030101010101" pitchFamily="2" charset="-122"/>
+                    <a:cs typeface="Times New Roman" panose="02020603050405020304" pitchFamily="18" charset="0"/>
+                  </a:rPr>
+                  <a:t>, </a:t>
+                </a:r>
+                <a:r>
+                  <a:rPr lang="en-US" sz="1800" kern="100" dirty="0">
+                    <a:effectLst/>
+                    <a:latin typeface="Aptos" panose="020B0004020202020204" pitchFamily="34" charset="0"/>
+                    <a:ea typeface="DengXian" panose="02010600030101010101" pitchFamily="2" charset="-122"/>
+                    <a:cs typeface="Times New Roman" panose="02020603050405020304" pitchFamily="18" charset="0"/>
+                  </a:rPr>
+                  <a:t>amplitude homogeneity </a:t>
+                </a:r>
+                <a:r>
+                  <a:rPr lang="en-US" sz="1800" kern="100" dirty="0">
+                    <a:effectLst/>
+                    <a:latin typeface="Aptos" panose="020B0004020202020204" pitchFamily="34" charset="0"/>
+                    <a:ea typeface="DengXian" panose="02010600030101010101" pitchFamily="2" charset="-122"/>
+                    <a:cs typeface="Times New Roman" panose="02020603050405020304" pitchFamily="18" charset="0"/>
+                    <a:sym typeface="Wingdings" panose="05000000000000000000" pitchFamily="2" charset="2"/>
+                  </a:rPr>
+                  <a:t> error correction through optimization of model with external magnetic field and addition of noise</a:t>
+                </a:r>
+                <a:endParaRPr lang="en-US" sz="1800" b="1" kern="100" dirty="0">
+                  <a:effectLst/>
+                  <a:latin typeface="Aptos" panose="020B0004020202020204" pitchFamily="34" charset="0"/>
+                  <a:ea typeface="DengXian" panose="02010600030101010101" pitchFamily="2" charset="-122"/>
+                  <a:cs typeface="Times New Roman" panose="02020603050405020304" pitchFamily="18" charset="0"/>
+                </a:endParaRPr>
+              </a:p>
+              <a:p>
+                <a:pPr marL="0" marR="0" lvl="0" indent="0">
+                  <a:lnSpc>
+                    <a:spcPct val="115000"/>
+                  </a:lnSpc>
+                  <a:spcBef>
+                    <a:spcPts val="0"/>
+                  </a:spcBef>
+                  <a:spcAft>
+                    <a:spcPts val="0"/>
+                  </a:spcAft>
+                  <a:buNone/>
+                </a:pPr>
+                <a:r>
+                  <a:rPr lang="en-US" sz="1800" b="1" kern="100" dirty="0">
+                    <a:effectLst/>
+                    <a:latin typeface="Aptos" panose="020B0004020202020204" pitchFamily="34" charset="0"/>
+                    <a:ea typeface="DengXian" panose="02010600030101010101" pitchFamily="2" charset="-122"/>
+                    <a:cs typeface="Times New Roman" panose="02020603050405020304" pitchFamily="18" charset="0"/>
+                  </a:rPr>
+                  <a:t>NTT G</a:t>
+                </a:r>
+                <a:r>
+                  <a:rPr lang="en-US" altLang="zh-CN" sz="1800" b="1" kern="100" dirty="0">
+                    <a:effectLst/>
+                    <a:latin typeface="Aptos" panose="020B0004020202020204" pitchFamily="34" charset="0"/>
+                    <a:ea typeface="DengXian" panose="02010600030101010101" pitchFamily="2" charset="-122"/>
+                    <a:cs typeface="Times New Roman" panose="02020603050405020304" pitchFamily="18" charset="0"/>
+                  </a:rPr>
+                  <a:t>roup</a:t>
+                </a:r>
+                <a:endParaRPr lang="en-US" sz="1800" b="1" kern="100" dirty="0">
+                  <a:effectLst/>
+                  <a:latin typeface="Aptos" panose="020B0004020202020204" pitchFamily="34" charset="0"/>
+                  <a:ea typeface="DengXian" panose="02010600030101010101" pitchFamily="2" charset="-122"/>
+                  <a:cs typeface="Times New Roman" panose="02020603050405020304" pitchFamily="18" charset="0"/>
+                </a:endParaRPr>
+              </a:p>
+              <a:p>
+                <a:pPr marR="0" lvl="0">
+                  <a:lnSpc>
+                    <a:spcPct val="115000"/>
+                  </a:lnSpc>
+                  <a:spcBef>
+                    <a:spcPts val="0"/>
+                  </a:spcBef>
+                  <a:spcAft>
+                    <a:spcPts val="0"/>
+                  </a:spcAft>
+                </a:pPr>
+                <a:r>
+                  <a:rPr lang="en-US" sz="1800" u="sng" kern="100" dirty="0">
+                    <a:solidFill>
+                      <a:srgbClr val="467886"/>
+                    </a:solidFill>
+                    <a:effectLst/>
+                    <a:latin typeface="Aptos" panose="020B0004020202020204" pitchFamily="34" charset="0"/>
+                    <a:ea typeface="DengXian" panose="02010600030101010101" pitchFamily="2" charset="-122"/>
+                    <a:cs typeface="Times New Roman" panose="02020603050405020304" pitchFamily="18" charset="0"/>
+                    <a:hlinkClick r:id="rId2"/>
+                  </a:rPr>
+                  <a:t>Simulating </a:t>
+                </a:r>
+                <a:r>
+                  <a:rPr lang="en-US" sz="1800" u="sng" kern="100" dirty="0" err="1">
+                    <a:solidFill>
+                      <a:srgbClr val="467886"/>
+                    </a:solidFill>
+                    <a:effectLst/>
+                    <a:latin typeface="Aptos" panose="020B0004020202020204" pitchFamily="34" charset="0"/>
+                    <a:ea typeface="DengXian" panose="02010600030101010101" pitchFamily="2" charset="-122"/>
+                    <a:cs typeface="Times New Roman" panose="02020603050405020304" pitchFamily="18" charset="0"/>
+                    <a:hlinkClick r:id="rId2"/>
+                  </a:rPr>
+                  <a:t>Ising</a:t>
+                </a:r>
+                <a:r>
+                  <a:rPr lang="en-US" sz="1800" u="sng" kern="100" dirty="0">
+                    <a:solidFill>
+                      <a:srgbClr val="467886"/>
+                    </a:solidFill>
+                    <a:effectLst/>
+                    <a:latin typeface="Aptos" panose="020B0004020202020204" pitchFamily="34" charset="0"/>
+                    <a:ea typeface="DengXian" panose="02010600030101010101" pitchFamily="2" charset="-122"/>
+                    <a:cs typeface="Times New Roman" panose="02020603050405020304" pitchFamily="18" charset="0"/>
+                    <a:hlinkClick r:id="rId2"/>
+                  </a:rPr>
+                  <a:t> spins in external magnetic fields with a network of degenerate optical parametric oscillators</a:t>
+                </a:r>
+                <a:r>
+                  <a:rPr lang="en-US" sz="1800" kern="100" dirty="0">
+                    <a:effectLst/>
+                    <a:latin typeface="Aptos" panose="020B0004020202020204" pitchFamily="34" charset="0"/>
+                    <a:ea typeface="DengXian" panose="02010600030101010101" pitchFamily="2" charset="-122"/>
+                    <a:cs typeface="Times New Roman" panose="02020603050405020304" pitchFamily="18" charset="0"/>
+                  </a:rPr>
+                  <a:t> (2020) : model with external field </a:t>
+                </a:r>
+              </a:p>
+              <a:p>
+                <a:pPr>
+                  <a:lnSpc>
+                    <a:spcPct val="115000"/>
+                  </a:lnSpc>
+                  <a:spcBef>
+                    <a:spcPts val="0"/>
+                  </a:spcBef>
+                  <a:spcAft>
+                    <a:spcPts val="800"/>
+                  </a:spcAft>
+                </a:pPr>
+                <a:r>
+                  <a:rPr lang="en-US" sz="1800" u="sng" kern="100" dirty="0">
+                    <a:solidFill>
+                      <a:srgbClr val="467886"/>
+                    </a:solidFill>
+                    <a:effectLst/>
+                    <a:latin typeface="Aptos" panose="020B0004020202020204" pitchFamily="34" charset="0"/>
+                    <a:ea typeface="DengXian" panose="02010600030101010101" pitchFamily="2" charset="-122"/>
+                    <a:cs typeface="Times New Roman" panose="02020603050405020304" pitchFamily="18" charset="0"/>
+                    <a:hlinkClick r:id="rId3"/>
+                  </a:rPr>
+                  <a:t>100,000-spin coherent </a:t>
+                </a:r>
+                <a:r>
+                  <a:rPr lang="en-US" sz="1800" u="sng" kern="100" dirty="0" err="1">
+                    <a:solidFill>
+                      <a:srgbClr val="467886"/>
+                    </a:solidFill>
+                    <a:effectLst/>
+                    <a:latin typeface="Aptos" panose="020B0004020202020204" pitchFamily="34" charset="0"/>
+                    <a:ea typeface="DengXian" panose="02010600030101010101" pitchFamily="2" charset="-122"/>
+                    <a:cs typeface="Times New Roman" panose="02020603050405020304" pitchFamily="18" charset="0"/>
+                    <a:hlinkClick r:id="rId3"/>
+                  </a:rPr>
+                  <a:t>Ising</a:t>
+                </a:r>
+                <a:r>
+                  <a:rPr lang="en-US" sz="1800" u="sng" kern="100" dirty="0">
+                    <a:solidFill>
+                      <a:srgbClr val="467886"/>
+                    </a:solidFill>
+                    <a:effectLst/>
+                    <a:latin typeface="Aptos" panose="020B0004020202020204" pitchFamily="34" charset="0"/>
+                    <a:ea typeface="DengXian" panose="02010600030101010101" pitchFamily="2" charset="-122"/>
+                    <a:cs typeface="Times New Roman" panose="02020603050405020304" pitchFamily="18" charset="0"/>
+                    <a:hlinkClick r:id="rId3"/>
+                  </a:rPr>
+                  <a:t> machine</a:t>
+                </a:r>
+                <a:r>
+                  <a:rPr lang="en-US" sz="1800" kern="100" dirty="0">
+                    <a:effectLst/>
+                    <a:latin typeface="Aptos" panose="020B0004020202020204" pitchFamily="34" charset="0"/>
+                    <a:ea typeface="DengXian" panose="02010600030101010101" pitchFamily="2" charset="-122"/>
+                    <a:cs typeface="Times New Roman" panose="02020603050405020304" pitchFamily="18" charset="0"/>
+                  </a:rPr>
+                  <a:t> (2021): scaling with time multiplexing </a:t>
+                </a:r>
+              </a:p>
+              <a:p>
+                <a:pPr marL="0" indent="0">
+                  <a:lnSpc>
+                    <a:spcPct val="115000"/>
+                  </a:lnSpc>
+                  <a:spcBef>
+                    <a:spcPts val="0"/>
+                  </a:spcBef>
+                  <a:spcAft>
+                    <a:spcPts val="800"/>
+                  </a:spcAft>
+                  <a:buNone/>
+                </a:pPr>
+                <a:r>
+                  <a:rPr lang="en-US" sz="1800" b="1" kern="100" dirty="0">
+                    <a:latin typeface="Aptos" panose="020B0004020202020204" pitchFamily="34" charset="0"/>
+                    <a:ea typeface="DengXian" panose="02010600030101010101" pitchFamily="2" charset="-122"/>
+                    <a:cs typeface="Times New Roman" panose="02020603050405020304" pitchFamily="18" charset="0"/>
+                  </a:rPr>
+                  <a:t>Yamamoto G</a:t>
+                </a:r>
+                <a:r>
+                  <a:rPr lang="en-US" altLang="zh-CN" sz="1800" b="1" kern="100" dirty="0">
+                    <a:latin typeface="Aptos" panose="020B0004020202020204" pitchFamily="34" charset="0"/>
+                    <a:ea typeface="DengXian" panose="02010600030101010101" pitchFamily="2" charset="-122"/>
+                    <a:cs typeface="Times New Roman" panose="02020603050405020304" pitchFamily="18" charset="0"/>
+                  </a:rPr>
+                  <a:t>roup</a:t>
+                </a:r>
+                <a:endParaRPr lang="en-US" sz="1800" b="1" kern="100" dirty="0">
+                  <a:latin typeface="Aptos" panose="020B0004020202020204" pitchFamily="34" charset="0"/>
+                  <a:ea typeface="DengXian" panose="02010600030101010101" pitchFamily="2" charset="-122"/>
+                  <a:cs typeface="Times New Roman" panose="02020603050405020304" pitchFamily="18" charset="0"/>
+                </a:endParaRPr>
+              </a:p>
+              <a:p>
+                <a:pPr>
+                  <a:lnSpc>
+                    <a:spcPct val="115000"/>
+                  </a:lnSpc>
+                  <a:spcBef>
+                    <a:spcPts val="0"/>
+                  </a:spcBef>
+                  <a:spcAft>
+                    <a:spcPts val="800"/>
+                  </a:spcAft>
+                </a:pPr>
+                <a:r>
+                  <a:rPr lang="en-US" sz="1800" u="sng" kern="100" dirty="0">
+                    <a:solidFill>
+                      <a:srgbClr val="467886"/>
+                    </a:solidFill>
+                    <a:effectLst/>
+                    <a:latin typeface="Aptos" panose="020B0004020202020204" pitchFamily="34" charset="0"/>
+                    <a:ea typeface="DengXian" panose="02010600030101010101" pitchFamily="2" charset="-122"/>
+                    <a:cs typeface="Times New Roman" panose="02020603050405020304" pitchFamily="18" charset="0"/>
+                    <a:hlinkClick r:id="rId4"/>
+                  </a:rPr>
+                  <a:t>Effect of Coupling Discretization on Coherent-</a:t>
+                </a:r>
+                <a:r>
+                  <a:rPr lang="en-US" sz="1800" u="sng" kern="100" dirty="0" err="1">
+                    <a:solidFill>
+                      <a:srgbClr val="467886"/>
+                    </a:solidFill>
+                    <a:effectLst/>
+                    <a:latin typeface="Aptos" panose="020B0004020202020204" pitchFamily="34" charset="0"/>
+                    <a:ea typeface="DengXian" panose="02010600030101010101" pitchFamily="2" charset="-122"/>
+                    <a:cs typeface="Times New Roman" panose="02020603050405020304" pitchFamily="18" charset="0"/>
+                    <a:hlinkClick r:id="rId4"/>
+                  </a:rPr>
+                  <a:t>Ising</a:t>
+                </a:r>
+                <a:r>
+                  <a:rPr lang="en-US" sz="1800" u="sng" kern="100" dirty="0">
+                    <a:solidFill>
+                      <a:srgbClr val="467886"/>
+                    </a:solidFill>
+                    <a:effectLst/>
+                    <a:latin typeface="Aptos" panose="020B0004020202020204" pitchFamily="34" charset="0"/>
+                    <a:ea typeface="DengXian" panose="02010600030101010101" pitchFamily="2" charset="-122"/>
+                    <a:cs typeface="Times New Roman" panose="02020603050405020304" pitchFamily="18" charset="0"/>
+                    <a:hlinkClick r:id="rId4"/>
+                  </a:rPr>
+                  <a:t>-Machine-Implemented Hopfield Model</a:t>
+                </a:r>
+                <a:r>
+                  <a:rPr lang="en-US" sz="1800" kern="100" dirty="0">
+                    <a:effectLst/>
+                    <a:latin typeface="Aptos" panose="020B0004020202020204" pitchFamily="34" charset="0"/>
+                    <a:ea typeface="DengXian" panose="02010600030101010101" pitchFamily="2" charset="-122"/>
+                    <a:cs typeface="Times New Roman" panose="02020603050405020304" pitchFamily="18" charset="0"/>
+                  </a:rPr>
+                  <a:t>(2023):</a:t>
+                </a:r>
+                <a:r>
+                  <a:rPr lang="zh-CN" altLang="en-US" sz="1800" kern="100" dirty="0">
+                    <a:effectLst/>
+                    <a:latin typeface="Aptos" panose="020B0004020202020204" pitchFamily="34" charset="0"/>
+                    <a:ea typeface="DengXian" panose="02010600030101010101" pitchFamily="2" charset="-122"/>
+                    <a:cs typeface="Times New Roman" panose="02020603050405020304" pitchFamily="18" charset="0"/>
+                  </a:rPr>
+                  <a:t> </a:t>
+                </a:r>
+                <a:r>
+                  <a:rPr lang="en-US" sz="1800" kern="100" dirty="0">
+                    <a:effectLst/>
+                    <a:latin typeface="Aptos" panose="020B0004020202020204" pitchFamily="34" charset="0"/>
+                    <a:ea typeface="DengXian" panose="02010600030101010101" pitchFamily="2" charset="-122"/>
+                    <a:cs typeface="Times New Roman" panose="02020603050405020304" pitchFamily="18" charset="0"/>
+                  </a:rPr>
+                  <a:t>reduce the number of bits of coupling strength</a:t>
+                </a:r>
+              </a:p>
+              <a:p>
+                <a:pPr marL="0" marR="0" lvl="0" indent="0">
+                  <a:lnSpc>
+                    <a:spcPct val="115000"/>
+                  </a:lnSpc>
+                  <a:spcBef>
+                    <a:spcPts val="0"/>
+                  </a:spcBef>
+                  <a:spcAft>
+                    <a:spcPts val="800"/>
+                  </a:spcAft>
+                  <a:buNone/>
+                </a:pPr>
+                <a:r>
+                  <a:rPr lang="en-US" sz="1800" b="1" kern="100" dirty="0">
+                    <a:latin typeface="Aptos" panose="020B0004020202020204" pitchFamily="34" charset="0"/>
+                    <a:ea typeface="DengXian" panose="02010600030101010101" pitchFamily="2" charset="-122"/>
+                    <a:cs typeface="Times New Roman" panose="02020603050405020304" pitchFamily="18" charset="0"/>
+                  </a:rPr>
+                  <a:t>Yamamoto, NTT and </a:t>
+                </a:r>
+                <a:r>
+                  <a:rPr lang="en-US" sz="1800" b="1" kern="100" dirty="0" err="1">
+                    <a:latin typeface="Aptos" panose="020B0004020202020204" pitchFamily="34" charset="0"/>
+                    <a:ea typeface="DengXian" panose="02010600030101010101" pitchFamily="2" charset="-122"/>
+                    <a:cs typeface="Times New Roman" panose="02020603050405020304" pitchFamily="18" charset="0"/>
+                  </a:rPr>
+                  <a:t>Standford</a:t>
+                </a:r>
+                <a:r>
+                  <a:rPr lang="en-US" sz="1800" b="1" kern="100" dirty="0">
+                    <a:latin typeface="Aptos" panose="020B0004020202020204" pitchFamily="34" charset="0"/>
+                    <a:ea typeface="DengXian" panose="02010600030101010101" pitchFamily="2" charset="-122"/>
+                    <a:cs typeface="Times New Roman" panose="02020603050405020304" pitchFamily="18" charset="0"/>
+                  </a:rPr>
+                  <a:t> </a:t>
+                </a:r>
+              </a:p>
+              <a:p>
+                <a:pPr>
+                  <a:lnSpc>
+                    <a:spcPct val="115000"/>
+                  </a:lnSpc>
+                  <a:spcBef>
+                    <a:spcPts val="0"/>
+                  </a:spcBef>
+                  <a:spcAft>
+                    <a:spcPts val="0"/>
+                  </a:spcAft>
+                </a:pPr>
+                <a:r>
+                  <a:rPr lang="en-US" sz="1800" u="sng" kern="100" dirty="0">
+                    <a:solidFill>
+                      <a:srgbClr val="467886"/>
+                    </a:solidFill>
+                    <a:effectLst/>
+                    <a:latin typeface="Aptos" panose="020B0004020202020204" pitchFamily="34" charset="0"/>
+                    <a:ea typeface="DengXian" panose="02010600030101010101" pitchFamily="2" charset="-122"/>
+                    <a:cs typeface="Times New Roman" panose="02020603050405020304" pitchFamily="18" charset="0"/>
+                    <a:hlinkClick r:id="rId5"/>
+                  </a:rPr>
+                  <a:t>Skew-Gaussian model of small-photon-number coherent </a:t>
+                </a:r>
+                <a:r>
+                  <a:rPr lang="en-US" sz="1800" u="sng" kern="100" dirty="0" err="1">
+                    <a:solidFill>
+                      <a:srgbClr val="467886"/>
+                    </a:solidFill>
+                    <a:effectLst/>
+                    <a:latin typeface="Aptos" panose="020B0004020202020204" pitchFamily="34" charset="0"/>
+                    <a:ea typeface="DengXian" panose="02010600030101010101" pitchFamily="2" charset="-122"/>
+                    <a:cs typeface="Times New Roman" panose="02020603050405020304" pitchFamily="18" charset="0"/>
+                    <a:hlinkClick r:id="rId5"/>
+                  </a:rPr>
+                  <a:t>Ising</a:t>
+                </a:r>
+                <a:r>
+                  <a:rPr lang="en-US" sz="1800" u="sng" kern="100" dirty="0">
+                    <a:solidFill>
+                      <a:srgbClr val="467886"/>
+                    </a:solidFill>
+                    <a:effectLst/>
+                    <a:latin typeface="Aptos" panose="020B0004020202020204" pitchFamily="34" charset="0"/>
+                    <a:ea typeface="DengXian" panose="02010600030101010101" pitchFamily="2" charset="-122"/>
+                    <a:cs typeface="Times New Roman" panose="02020603050405020304" pitchFamily="18" charset="0"/>
+                    <a:hlinkClick r:id="rId5"/>
+                  </a:rPr>
+                  <a:t> machines</a:t>
+                </a:r>
+                <a:r>
+                  <a:rPr lang="en-US" sz="1800" kern="100" dirty="0">
+                    <a:effectLst/>
+                    <a:latin typeface="Aptos" panose="020B0004020202020204" pitchFamily="34" charset="0"/>
+                    <a:ea typeface="DengXian" panose="02010600030101010101" pitchFamily="2" charset="-122"/>
+                    <a:cs typeface="Times New Roman" panose="02020603050405020304" pitchFamily="18" charset="0"/>
+                  </a:rPr>
+                  <a:t> (2024): control of amplitude homogeneity, </a:t>
+                </a:r>
+                <a14:m>
+                  <m:oMath xmlns:m="http://schemas.openxmlformats.org/officeDocument/2006/math">
+                    <m:sSup>
+                      <m:sSupPr>
+                        <m:ctrlPr>
+                          <a:rPr lang="en-US" sz="1800" smtClean="0">
+                            <a:solidFill>
+                              <a:srgbClr val="836967"/>
+                            </a:solidFill>
+                            <a:effectLst/>
+                            <a:latin typeface="Cambria Math" panose="02040503050406030204" pitchFamily="18" charset="0"/>
+                          </a:rPr>
+                        </m:ctrlPr>
+                      </m:sSupPr>
+                      <m:e>
+                        <m:r>
+                          <a:rPr lang="en-US" sz="1800" i="1" smtClean="0">
+                            <a:effectLst/>
+                            <a:latin typeface="Cambria Math" panose="02040503050406030204" pitchFamily="18" charset="0"/>
+                          </a:rPr>
+                          <m:t>𝜒</m:t>
+                        </m:r>
+                      </m:e>
+                      <m:sup>
+                        <m:d>
+                          <m:dPr>
+                            <m:ctrlPr>
+                              <a:rPr lang="en-US" sz="1800" i="1" smtClean="0">
+                                <a:solidFill>
+                                  <a:srgbClr val="836967"/>
+                                </a:solidFill>
+                                <a:effectLst/>
+                                <a:latin typeface="Cambria Math" panose="02040503050406030204" pitchFamily="18" charset="0"/>
+                              </a:rPr>
+                            </m:ctrlPr>
+                          </m:dPr>
+                          <m:e>
+                            <m:r>
+                              <a:rPr lang="en-US" sz="1800" i="0" smtClean="0">
+                                <a:effectLst/>
+                                <a:latin typeface="Cambria Math" panose="02040503050406030204" pitchFamily="18" charset="0"/>
+                              </a:rPr>
+                              <m:t>2</m:t>
+                            </m:r>
+                          </m:e>
+                        </m:d>
+                      </m:sup>
+                    </m:sSup>
+                  </m:oMath>
+                </a14:m>
+                <a:r>
+                  <a:rPr lang="en-US" sz="1800" dirty="0">
+                    <a:effectLst/>
+                    <a:latin typeface="Aptos" panose="020B0004020202020204" pitchFamily="34" charset="0"/>
+                    <a:ea typeface="DengXian" panose="02010600030101010101" pitchFamily="2" charset="-122"/>
+                    <a:cs typeface="Times New Roman" panose="02020603050405020304" pitchFamily="18" charset="0"/>
+                  </a:rPr>
+                  <a:t>DOPOs + two third-order fluctuation products </a:t>
+                </a:r>
+                <a:endParaRPr lang="en-US" sz="1800" kern="100" dirty="0">
+                  <a:effectLst/>
+                  <a:latin typeface="Aptos" panose="020B0004020202020204" pitchFamily="34" charset="0"/>
+                  <a:ea typeface="DengXian" panose="02010600030101010101" pitchFamily="2" charset="-122"/>
+                  <a:cs typeface="Times New Roman" panose="02020603050405020304" pitchFamily="18" charset="0"/>
+                </a:endParaRPr>
+              </a:p>
+              <a:p>
+                <a:pPr>
+                  <a:lnSpc>
+                    <a:spcPct val="115000"/>
+                  </a:lnSpc>
+                  <a:spcBef>
+                    <a:spcPts val="0"/>
+                  </a:spcBef>
+                  <a:spcAft>
+                    <a:spcPts val="800"/>
+                  </a:spcAft>
+                </a:pPr>
+                <a:endParaRPr lang="en-US" sz="1800" b="1" kern="100" dirty="0">
+                  <a:latin typeface="Aptos" panose="020B0004020202020204" pitchFamily="34" charset="0"/>
+                  <a:ea typeface="DengXian" panose="02010600030101010101" pitchFamily="2" charset="-122"/>
+                  <a:cs typeface="Times New Roman" panose="02020603050405020304" pitchFamily="18" charset="0"/>
+                </a:endParaRPr>
+              </a:p>
+              <a:p>
+                <a:pPr>
+                  <a:lnSpc>
+                    <a:spcPct val="115000"/>
+                  </a:lnSpc>
+                  <a:spcBef>
+                    <a:spcPts val="0"/>
+                  </a:spcBef>
+                  <a:spcAft>
+                    <a:spcPts val="800"/>
+                  </a:spcAft>
+                </a:pPr>
+                <a:endParaRPr lang="en-US" sz="1800" b="1" kern="100" dirty="0">
+                  <a:latin typeface="Aptos" panose="020B0004020202020204" pitchFamily="34" charset="0"/>
+                  <a:ea typeface="DengXian" panose="02010600030101010101" pitchFamily="2" charset="-122"/>
+                  <a:cs typeface="Times New Roman" panose="02020603050405020304" pitchFamily="18" charset="0"/>
+                </a:endParaRPr>
+              </a:p>
+              <a:p>
+                <a:pPr marL="0" marR="0" lvl="0" indent="0">
+                  <a:lnSpc>
+                    <a:spcPct val="115000"/>
+                  </a:lnSpc>
+                  <a:spcBef>
+                    <a:spcPts val="0"/>
+                  </a:spcBef>
+                  <a:spcAft>
+                    <a:spcPts val="800"/>
+                  </a:spcAft>
+                  <a:buNone/>
+                </a:pPr>
+                <a:endParaRPr lang="en-US" sz="1800" kern="100" dirty="0">
+                  <a:effectLst/>
+                  <a:latin typeface="Aptos" panose="020B0004020202020204" pitchFamily="34" charset="0"/>
+                  <a:ea typeface="DengXian" panose="02010600030101010101" pitchFamily="2" charset="-122"/>
+                  <a:cs typeface="Times New Roman" panose="02020603050405020304" pitchFamily="18" charset="0"/>
+                </a:endParaRPr>
+              </a:p>
+              <a:p>
+                <a:pPr marL="0" indent="0">
+                  <a:lnSpc>
+                    <a:spcPct val="115000"/>
+                  </a:lnSpc>
+                  <a:spcBef>
+                    <a:spcPts val="0"/>
+                  </a:spcBef>
+                  <a:spcAft>
+                    <a:spcPts val="800"/>
+                  </a:spcAft>
+                  <a:buNone/>
+                </a:pPr>
+                <a:endParaRPr lang="en-US" sz="1800" b="1" kern="100" dirty="0">
+                  <a:latin typeface="Aptos" panose="020B0004020202020204" pitchFamily="34" charset="0"/>
+                  <a:ea typeface="DengXian" panose="02010600030101010101" pitchFamily="2" charset="-122"/>
+                  <a:cs typeface="Times New Roman" panose="02020603050405020304" pitchFamily="18" charset="0"/>
+                </a:endParaRPr>
+              </a:p>
+              <a:p>
+                <a:pPr marL="0" marR="0" lvl="0" indent="0">
+                  <a:lnSpc>
+                    <a:spcPct val="115000"/>
+                  </a:lnSpc>
+                  <a:spcBef>
+                    <a:spcPts val="0"/>
+                  </a:spcBef>
+                  <a:spcAft>
+                    <a:spcPts val="800"/>
+                  </a:spcAft>
+                  <a:buNone/>
+                </a:pPr>
+                <a:endParaRPr lang="en-US" sz="1800" kern="100" dirty="0">
+                  <a:effectLst/>
+                  <a:latin typeface="Aptos" panose="020B0004020202020204" pitchFamily="34" charset="0"/>
+                  <a:ea typeface="DengXian" panose="02010600030101010101" pitchFamily="2" charset="-122"/>
+                  <a:cs typeface="Times New Roman" panose="02020603050405020304" pitchFamily="18" charset="0"/>
+                </a:endParaRPr>
+              </a:p>
+            </p:txBody>
+          </p:sp>
+        </mc:Choice>
+        <mc:Fallback>
+          <p:sp>
+            <p:nvSpPr>
+              <p:cNvPr id="2" name="Content Placeholder 1">
+                <a:extLst>
+                  <a:ext uri="{FF2B5EF4-FFF2-40B4-BE49-F238E27FC236}">
+                    <a16:creationId xmlns:a16="http://schemas.microsoft.com/office/drawing/2014/main" id="{6EB5EAB9-8DEF-2D12-37F2-22C55C700DE3}"/>
+                  </a:ext>
+                </a:extLst>
+              </p:cNvPr>
+              <p:cNvSpPr>
+                <a:spLocks noGrp="1" noRot="1" noChangeAspect="1" noMove="1" noResize="1" noEditPoints="1" noAdjustHandles="1" noChangeArrowheads="1" noChangeShapeType="1" noTextEdit="1"/>
+              </p:cNvSpPr>
+              <p:nvPr>
+                <p:ph idx="1"/>
+              </p:nvPr>
+            </p:nvSpPr>
+            <p:spPr>
+              <a:xfrm>
+                <a:off x="250825" y="1389063"/>
+                <a:ext cx="8642350" cy="4967287"/>
+              </a:xfrm>
+              <a:blipFill>
+                <a:blip r:embed="rId6"/>
+                <a:stretch>
+                  <a:fillRect l="-1622" t="-123" r="-917" b="-1104"/>
+                </a:stretch>
+              </a:blipFill>
+            </p:spPr>
+            <p:txBody>
+              <a:bodyPr/>
+              <a:lstStyle/>
+              <a:p>
+                <a:r>
+                  <a:rPr lang="en-US">
+                    <a:noFill/>
+                  </a:rPr>
+                  <a:t> </a:t>
+                </a:r>
+              </a:p>
+            </p:txBody>
+          </p:sp>
+        </mc:Fallback>
+      </mc:AlternateContent>
+      <p:sp>
+        <p:nvSpPr>
+          <p:cNvPr id="3" name="Title 2">
+            <a:extLst>
+              <a:ext uri="{FF2B5EF4-FFF2-40B4-BE49-F238E27FC236}">
+                <a16:creationId xmlns:a16="http://schemas.microsoft.com/office/drawing/2014/main" id="{786ADAA7-7199-17BC-746B-AA5AB1955862}"/>
+              </a:ext>
+            </a:extLst>
+          </p:cNvPr>
+          <p:cNvSpPr>
+            <a:spLocks noGrp="1"/>
+          </p:cNvSpPr>
+          <p:nvPr>
+            <p:ph type="title"/>
+          </p:nvPr>
+        </p:nvSpPr>
+        <p:spPr/>
+        <p:txBody>
+          <a:bodyPr/>
+          <a:lstStyle/>
+          <a:p>
+            <a:r>
+              <a:rPr lang="en-US" dirty="0"/>
+              <a:t>DOPO Based CIM </a:t>
+            </a:r>
+          </a:p>
+        </p:txBody>
+      </p:sp>
+      <p:sp>
+        <p:nvSpPr>
+          <p:cNvPr id="4" name="Date Placeholder 3">
+            <a:extLst>
+              <a:ext uri="{FF2B5EF4-FFF2-40B4-BE49-F238E27FC236}">
+                <a16:creationId xmlns:a16="http://schemas.microsoft.com/office/drawing/2014/main" id="{9643FF1E-33C8-875F-BD5A-6F2FFE4D9974}"/>
+              </a:ext>
+            </a:extLst>
+          </p:cNvPr>
+          <p:cNvSpPr>
+            <a:spLocks noGrp="1"/>
+          </p:cNvSpPr>
+          <p:nvPr>
+            <p:ph type="dt" sz="half" idx="10"/>
+          </p:nvPr>
+        </p:nvSpPr>
+        <p:spPr/>
+        <p:txBody>
+          <a:bodyPr/>
+          <a:lstStyle/>
+          <a:p>
+            <a:fld id="{23E2BD91-2AE8-487A-BD5C-78BC9B3F7C4B}" type="datetime1">
+              <a:rPr lang="en-US" smtClean="0"/>
+              <a:t>9/13/2024</a:t>
+            </a:fld>
+            <a:endParaRPr lang="en-US"/>
+          </a:p>
+        </p:txBody>
+      </p:sp>
+      <p:sp>
+        <p:nvSpPr>
+          <p:cNvPr id="5" name="Footer Placeholder 4">
+            <a:extLst>
+              <a:ext uri="{FF2B5EF4-FFF2-40B4-BE49-F238E27FC236}">
+                <a16:creationId xmlns:a16="http://schemas.microsoft.com/office/drawing/2014/main" id="{88CCB2F7-2756-3C53-CA13-CF331292AB44}"/>
+              </a:ext>
+            </a:extLst>
+          </p:cNvPr>
+          <p:cNvSpPr>
+            <a:spLocks noGrp="1"/>
+          </p:cNvSpPr>
+          <p:nvPr>
+            <p:ph type="ftr" sz="quarter" idx="11"/>
+          </p:nvPr>
+        </p:nvSpPr>
+        <p:spPr/>
+        <p:txBody>
+          <a:bodyPr/>
+          <a:lstStyle/>
+          <a:p>
+            <a:endParaRPr lang="en-US"/>
+          </a:p>
+        </p:txBody>
+      </p:sp>
+      <p:sp>
+        <p:nvSpPr>
+          <p:cNvPr id="6" name="Slide Number Placeholder 5">
+            <a:extLst>
+              <a:ext uri="{FF2B5EF4-FFF2-40B4-BE49-F238E27FC236}">
+                <a16:creationId xmlns:a16="http://schemas.microsoft.com/office/drawing/2014/main" id="{09EF37FC-3955-42CF-8B1B-C2275A39A717}"/>
+              </a:ext>
+            </a:extLst>
+          </p:cNvPr>
+          <p:cNvSpPr>
+            <a:spLocks noGrp="1"/>
+          </p:cNvSpPr>
+          <p:nvPr>
+            <p:ph type="sldNum" sz="quarter" idx="12"/>
+          </p:nvPr>
+        </p:nvSpPr>
+        <p:spPr/>
+        <p:txBody>
+          <a:bodyPr/>
+          <a:lstStyle/>
+          <a:p>
+            <a:fld id="{2697313F-D866-4554-955F-25FA0D5B9080}" type="slidenum">
+              <a:rPr lang="en-US" smtClean="0"/>
+              <a:t>20</a:t>
+            </a:fld>
+            <a:endParaRPr lang="en-US"/>
+          </a:p>
+        </p:txBody>
+      </p:sp>
+    </p:spTree>
+    <p:extLst>
+      <p:ext uri="{BB962C8B-B14F-4D97-AF65-F5344CB8AC3E}">
+        <p14:creationId xmlns:p14="http://schemas.microsoft.com/office/powerpoint/2010/main" val="3820306448"/>
+      </p:ext>
+    </p:extLst>
+  </p:cSld>
+  <p:clrMapOvr>
+    <a:masterClrMapping/>
+  </p:clrMapOvr>
+</p:sld>
+</file>
+
+<file path=ppt/slides/slide21.xml><?xml version="1.0" encoding="utf-8"?>
+<p:sld xmlns:a="http://schemas.openxmlformats.org/drawingml/2006/main" xmlns:r="http://schemas.openxmlformats.org/officeDocument/2006/relationships" xmlns:p="http://schemas.openxmlformats.org/presentationml/2006/main">
+  <p:cSld>
+    <p:spTree>
+      <p:nvGrpSpPr>
+        <p:cNvPr id="1" name=""/>
+        <p:cNvGrpSpPr/>
+        <p:nvPr/>
+      </p:nvGrpSpPr>
+      <p:grpSpPr>
+        <a:xfrm>
+          <a:off x="0" y="0"/>
+          <a:ext cx="0" cy="0"/>
+          <a:chOff x="0" y="0"/>
+          <a:chExt cx="0" cy="0"/>
+        </a:xfrm>
+      </p:grpSpPr>
+      <mc:AlternateContent xmlns:mc="http://schemas.openxmlformats.org/markup-compatibility/2006">
+        <mc:Choice xmlns:a14="http://schemas.microsoft.com/office/drawing/2010/main" Requires="a14">
+          <p:sp>
+            <p:nvSpPr>
+              <p:cNvPr id="2" name="Content Placeholder 1">
+                <a:extLst>
+                  <a:ext uri="{FF2B5EF4-FFF2-40B4-BE49-F238E27FC236}">
+                    <a16:creationId xmlns:a16="http://schemas.microsoft.com/office/drawing/2014/main" id="{0F181636-F5E1-6E0D-4866-B8CB566E34DB}"/>
+                  </a:ext>
+                </a:extLst>
+              </p:cNvPr>
+              <p:cNvSpPr>
+                <a:spLocks noGrp="1"/>
+              </p:cNvSpPr>
+              <p:nvPr>
+                <p:ph idx="1"/>
+              </p:nvPr>
+            </p:nvSpPr>
+            <p:spPr/>
+            <p:txBody>
+              <a:bodyPr/>
+              <a:lstStyle/>
+              <a:p>
+                <a:pPr marL="0" marR="0" lvl="0" indent="0">
+                  <a:lnSpc>
+                    <a:spcPct val="115000"/>
+                  </a:lnSpc>
+                  <a:spcBef>
+                    <a:spcPts val="0"/>
+                  </a:spcBef>
+                  <a:spcAft>
+                    <a:spcPts val="800"/>
+                  </a:spcAft>
+                  <a:buNone/>
+                </a:pPr>
+                <a:r>
+                  <a:rPr lang="en-US" sz="1800" b="1" kern="100" dirty="0">
+                    <a:latin typeface="Aptos" panose="020B0004020202020204" pitchFamily="34" charset="0"/>
+                    <a:ea typeface="DengXian" panose="02010600030101010101" pitchFamily="2" charset="-122"/>
+                    <a:cs typeface="Times New Roman" panose="02020603050405020304" pitchFamily="18" charset="0"/>
+                  </a:rPr>
+                  <a:t>Yamamoto, NTT and </a:t>
+                </a:r>
+                <a:r>
+                  <a:rPr lang="en-US" sz="1800" b="1" kern="100" dirty="0" err="1">
+                    <a:latin typeface="Aptos" panose="020B0004020202020204" pitchFamily="34" charset="0"/>
+                    <a:ea typeface="DengXian" panose="02010600030101010101" pitchFamily="2" charset="-122"/>
+                    <a:cs typeface="Times New Roman" panose="02020603050405020304" pitchFamily="18" charset="0"/>
+                  </a:rPr>
+                  <a:t>Standford</a:t>
+                </a:r>
+                <a:r>
+                  <a:rPr lang="en-US" sz="1800" b="1" kern="100" dirty="0">
+                    <a:latin typeface="Aptos" panose="020B0004020202020204" pitchFamily="34" charset="0"/>
+                    <a:ea typeface="DengXian" panose="02010600030101010101" pitchFamily="2" charset="-122"/>
+                    <a:cs typeface="Times New Roman" panose="02020603050405020304" pitchFamily="18" charset="0"/>
+                  </a:rPr>
+                  <a:t> </a:t>
+                </a:r>
+              </a:p>
+              <a:p>
+                <a:pPr>
+                  <a:lnSpc>
+                    <a:spcPct val="115000"/>
+                  </a:lnSpc>
+                  <a:spcBef>
+                    <a:spcPts val="0"/>
+                  </a:spcBef>
+                  <a:spcAft>
+                    <a:spcPts val="800"/>
+                  </a:spcAft>
+                </a:pPr>
+                <a:r>
+                  <a:rPr lang="en-US" sz="1800" u="sng" kern="100" dirty="0">
+                    <a:solidFill>
+                      <a:srgbClr val="467886"/>
+                    </a:solidFill>
+                    <a:effectLst/>
+                    <a:latin typeface="Aptos" panose="020B0004020202020204" pitchFamily="34" charset="0"/>
+                    <a:ea typeface="DengXian" panose="02010600030101010101" pitchFamily="2" charset="-122"/>
+                    <a:cs typeface="Times New Roman" panose="02020603050405020304" pitchFamily="18" charset="0"/>
+                    <a:hlinkClick r:id="rId2"/>
+                  </a:rPr>
+                  <a:t>Mean-field coherent </a:t>
+                </a:r>
+                <a:r>
+                  <a:rPr lang="en-US" sz="1800" u="sng" kern="100" dirty="0" err="1">
+                    <a:solidFill>
+                      <a:srgbClr val="467886"/>
+                    </a:solidFill>
+                    <a:effectLst/>
+                    <a:latin typeface="Aptos" panose="020B0004020202020204" pitchFamily="34" charset="0"/>
+                    <a:ea typeface="DengXian" panose="02010600030101010101" pitchFamily="2" charset="-122"/>
+                    <a:cs typeface="Times New Roman" panose="02020603050405020304" pitchFamily="18" charset="0"/>
+                    <a:hlinkClick r:id="rId2"/>
+                  </a:rPr>
+                  <a:t>Ising</a:t>
+                </a:r>
+                <a:r>
+                  <a:rPr lang="en-US" sz="1800" u="sng" kern="100" dirty="0">
+                    <a:solidFill>
+                      <a:srgbClr val="467886"/>
+                    </a:solidFill>
+                    <a:effectLst/>
+                    <a:latin typeface="Aptos" panose="020B0004020202020204" pitchFamily="34" charset="0"/>
+                    <a:ea typeface="DengXian" panose="02010600030101010101" pitchFamily="2" charset="-122"/>
+                    <a:cs typeface="Times New Roman" panose="02020603050405020304" pitchFamily="18" charset="0"/>
+                    <a:hlinkClick r:id="rId2"/>
+                  </a:rPr>
+                  <a:t> machines with artificial Zeeman terms</a:t>
+                </a:r>
+                <a:r>
+                  <a:rPr lang="en-US" sz="1800" kern="100" dirty="0">
+                    <a:effectLst/>
+                    <a:latin typeface="Aptos" panose="020B0004020202020204" pitchFamily="34" charset="0"/>
+                    <a:ea typeface="DengXian" panose="02010600030101010101" pitchFamily="2" charset="-122"/>
+                    <a:cs typeface="Times New Roman" panose="02020603050405020304" pitchFamily="18" charset="0"/>
+                  </a:rPr>
+                  <a:t> (2023): </a:t>
+                </a:r>
+                <a:r>
+                  <a:rPr lang="en-US" sz="1800" dirty="0">
+                    <a:effectLst/>
+                    <a:latin typeface="Aptos" panose="020B0004020202020204" pitchFamily="34" charset="0"/>
+                    <a:ea typeface="DengXian" panose="02010600030101010101" pitchFamily="2" charset="-122"/>
+                    <a:cs typeface="Times New Roman" panose="02020603050405020304" pitchFamily="18" charset="0"/>
+                  </a:rPr>
+                  <a:t>implementation of Zeeman terms (external magnetic field) within Mean-Field CIM (MF-CIM) models, improving performance of </a:t>
+                </a:r>
+                <a:r>
+                  <a:rPr lang="en-US" sz="1800" kern="100" dirty="0">
+                    <a:effectLst/>
+                    <a:latin typeface="Aptos" panose="020B0004020202020204" pitchFamily="34" charset="0"/>
+                    <a:ea typeface="DengXian" panose="02010600030101010101" pitchFamily="2" charset="-122"/>
+                    <a:cs typeface="Times New Roman" panose="02020603050405020304" pitchFamily="18" charset="0"/>
+                  </a:rPr>
+                  <a:t>CIM with chaotic amplitude control in 2022 (Control of amplitude homogeneity in coherent </a:t>
+                </a:r>
+                <a:r>
+                  <a:rPr lang="en-US" sz="1800" kern="100" dirty="0" err="1">
+                    <a:effectLst/>
+                    <a:latin typeface="Aptos" panose="020B0004020202020204" pitchFamily="34" charset="0"/>
+                    <a:ea typeface="DengXian" panose="02010600030101010101" pitchFamily="2" charset="-122"/>
+                    <a:cs typeface="Times New Roman" panose="02020603050405020304" pitchFamily="18" charset="0"/>
+                  </a:rPr>
+                  <a:t>ising</a:t>
+                </a:r>
+                <a:r>
+                  <a:rPr lang="en-US" sz="1800" kern="100" dirty="0">
+                    <a:effectLst/>
+                    <a:latin typeface="Aptos" panose="020B0004020202020204" pitchFamily="34" charset="0"/>
+                    <a:ea typeface="DengXian" panose="02010600030101010101" pitchFamily="2" charset="-122"/>
+                    <a:cs typeface="Times New Roman" panose="02020603050405020304" pitchFamily="18" charset="0"/>
+                  </a:rPr>
+                  <a:t> machines with artificial </a:t>
+                </a:r>
+                <a:r>
+                  <a:rPr lang="en-US" sz="1800" kern="100" dirty="0" err="1">
+                    <a:effectLst/>
+                    <a:latin typeface="Aptos" panose="020B0004020202020204" pitchFamily="34" charset="0"/>
+                    <a:ea typeface="DengXian" panose="02010600030101010101" pitchFamily="2" charset="-122"/>
+                    <a:cs typeface="Times New Roman" panose="02020603050405020304" pitchFamily="18" charset="0"/>
+                  </a:rPr>
+                  <a:t>zeeman</a:t>
+                </a:r>
+                <a:r>
+                  <a:rPr lang="en-US" sz="1800" kern="100" dirty="0">
+                    <a:effectLst/>
+                    <a:latin typeface="Aptos" panose="020B0004020202020204" pitchFamily="34" charset="0"/>
+                    <a:ea typeface="DengXian" panose="02010600030101010101" pitchFamily="2" charset="-122"/>
+                    <a:cs typeface="Times New Roman" panose="02020603050405020304" pitchFamily="18" charset="0"/>
+                  </a:rPr>
+                  <a:t> terms (2022)). </a:t>
+                </a:r>
+                <a:endParaRPr lang="en-US" sz="1800" u="sng" kern="100" dirty="0">
+                  <a:solidFill>
+                    <a:srgbClr val="467886"/>
+                  </a:solidFill>
+                  <a:effectLst/>
+                  <a:latin typeface="Aptos" panose="020B0004020202020204" pitchFamily="34" charset="0"/>
+                  <a:ea typeface="DengXian" panose="02010600030101010101" pitchFamily="2" charset="-122"/>
+                  <a:cs typeface="Times New Roman" panose="02020603050405020304" pitchFamily="18" charset="0"/>
+                  <a:hlinkClick r:id="rId3"/>
+                </a:endParaRPr>
+              </a:p>
+              <a:p>
+                <a:pPr>
+                  <a:lnSpc>
+                    <a:spcPct val="115000"/>
+                  </a:lnSpc>
+                  <a:spcBef>
+                    <a:spcPts val="0"/>
+                  </a:spcBef>
+                  <a:spcAft>
+                    <a:spcPts val="0"/>
+                  </a:spcAft>
+                </a:pPr>
+                <a:r>
+                  <a:rPr lang="en-US" sz="1800" u="sng" kern="100" dirty="0">
+                    <a:solidFill>
+                      <a:srgbClr val="467886"/>
+                    </a:solidFill>
+                    <a:effectLst/>
+                    <a:latin typeface="Aptos" panose="020B0004020202020204" pitchFamily="34" charset="0"/>
+                    <a:ea typeface="DengXian" panose="02010600030101010101" pitchFamily="2" charset="-122"/>
+                    <a:cs typeface="Times New Roman" panose="02020603050405020304" pitchFamily="18" charset="0"/>
+                    <a:hlinkClick r:id="rId3"/>
+                  </a:rPr>
+                  <a:t>Skew-Gaussian model of small-photon-number coherent </a:t>
+                </a:r>
+                <a:r>
+                  <a:rPr lang="en-US" sz="1800" u="sng" kern="100" dirty="0" err="1">
+                    <a:solidFill>
+                      <a:srgbClr val="467886"/>
+                    </a:solidFill>
+                    <a:effectLst/>
+                    <a:latin typeface="Aptos" panose="020B0004020202020204" pitchFamily="34" charset="0"/>
+                    <a:ea typeface="DengXian" panose="02010600030101010101" pitchFamily="2" charset="-122"/>
+                    <a:cs typeface="Times New Roman" panose="02020603050405020304" pitchFamily="18" charset="0"/>
+                    <a:hlinkClick r:id="rId3"/>
+                  </a:rPr>
+                  <a:t>Ising</a:t>
+                </a:r>
+                <a:r>
+                  <a:rPr lang="en-US" sz="1800" u="sng" kern="100" dirty="0">
+                    <a:solidFill>
+                      <a:srgbClr val="467886"/>
+                    </a:solidFill>
+                    <a:effectLst/>
+                    <a:latin typeface="Aptos" panose="020B0004020202020204" pitchFamily="34" charset="0"/>
+                    <a:ea typeface="DengXian" panose="02010600030101010101" pitchFamily="2" charset="-122"/>
+                    <a:cs typeface="Times New Roman" panose="02020603050405020304" pitchFamily="18" charset="0"/>
+                    <a:hlinkClick r:id="rId3"/>
+                  </a:rPr>
+                  <a:t> machines</a:t>
+                </a:r>
+                <a:r>
+                  <a:rPr lang="en-US" sz="1800" kern="100" dirty="0">
+                    <a:effectLst/>
+                    <a:latin typeface="Aptos" panose="020B0004020202020204" pitchFamily="34" charset="0"/>
+                    <a:ea typeface="DengXian" panose="02010600030101010101" pitchFamily="2" charset="-122"/>
+                    <a:cs typeface="Times New Roman" panose="02020603050405020304" pitchFamily="18" charset="0"/>
+                  </a:rPr>
+                  <a:t> (2024): control of amplitude homogeneity, </a:t>
+                </a:r>
+                <a14:m>
+                  <m:oMath xmlns:m="http://schemas.openxmlformats.org/officeDocument/2006/math">
+                    <m:sSup>
+                      <m:sSupPr>
+                        <m:ctrlPr>
+                          <a:rPr lang="en-US" sz="1800" i="1" smtClean="0">
+                            <a:solidFill>
+                              <a:srgbClr val="836967"/>
+                            </a:solidFill>
+                            <a:effectLst/>
+                            <a:latin typeface="Cambria Math" panose="02040503050406030204" pitchFamily="18" charset="0"/>
+                          </a:rPr>
+                        </m:ctrlPr>
+                      </m:sSupPr>
+                      <m:e>
+                        <m:r>
+                          <a:rPr lang="en-US" sz="1800" i="1" smtClean="0">
+                            <a:effectLst/>
+                            <a:latin typeface="Cambria Math" panose="02040503050406030204" pitchFamily="18" charset="0"/>
+                          </a:rPr>
+                          <m:t>𝜒</m:t>
+                        </m:r>
+                      </m:e>
+                      <m:sup>
+                        <m:d>
+                          <m:dPr>
+                            <m:ctrlPr>
+                              <a:rPr lang="en-US" sz="1800" i="1" smtClean="0">
+                                <a:solidFill>
+                                  <a:srgbClr val="836967"/>
+                                </a:solidFill>
+                                <a:effectLst/>
+                                <a:latin typeface="Cambria Math" panose="02040503050406030204" pitchFamily="18" charset="0"/>
+                              </a:rPr>
+                            </m:ctrlPr>
+                          </m:dPr>
+                          <m:e>
+                            <m:r>
+                              <a:rPr lang="en-US" sz="1800" i="0" smtClean="0">
+                                <a:effectLst/>
+                                <a:latin typeface="Cambria Math" panose="02040503050406030204" pitchFamily="18" charset="0"/>
+                              </a:rPr>
+                              <m:t>2</m:t>
+                            </m:r>
+                          </m:e>
+                        </m:d>
+                      </m:sup>
+                    </m:sSup>
+                  </m:oMath>
+                </a14:m>
+                <a:r>
+                  <a:rPr lang="en-US" sz="1800" dirty="0">
+                    <a:effectLst/>
+                    <a:latin typeface="Aptos" panose="020B0004020202020204" pitchFamily="34" charset="0"/>
+                    <a:ea typeface="DengXian" panose="02010600030101010101" pitchFamily="2" charset="-122"/>
+                    <a:cs typeface="Times New Roman" panose="02020603050405020304" pitchFamily="18" charset="0"/>
+                  </a:rPr>
+                  <a:t>DOPOs + two third-order fluctuation products </a:t>
+                </a:r>
+                <a:endParaRPr lang="en-US" sz="1800" kern="100" dirty="0">
+                  <a:effectLst/>
+                  <a:latin typeface="Aptos" panose="020B0004020202020204" pitchFamily="34" charset="0"/>
+                  <a:ea typeface="DengXian" panose="02010600030101010101" pitchFamily="2" charset="-122"/>
+                  <a:cs typeface="Times New Roman" panose="02020603050405020304" pitchFamily="18" charset="0"/>
+                </a:endParaRPr>
+              </a:p>
+              <a:p>
+                <a:pPr>
+                  <a:lnSpc>
+                    <a:spcPct val="115000"/>
+                  </a:lnSpc>
+                  <a:spcBef>
+                    <a:spcPts val="0"/>
+                  </a:spcBef>
+                  <a:spcAft>
+                    <a:spcPts val="0"/>
+                  </a:spcAft>
+                </a:pPr>
+                <a:r>
+                  <a:rPr lang="en-US" sz="1800" u="sng" kern="100" dirty="0">
+                    <a:solidFill>
+                      <a:srgbClr val="467886"/>
+                    </a:solidFill>
+                    <a:effectLst/>
+                    <a:latin typeface="Aptos" panose="020B0004020202020204" pitchFamily="34" charset="0"/>
+                    <a:ea typeface="DengXian" panose="02010600030101010101" pitchFamily="2" charset="-122"/>
+                    <a:cs typeface="Times New Roman" panose="02020603050405020304" pitchFamily="18" charset="0"/>
+                    <a:hlinkClick r:id="rId4"/>
+                  </a:rPr>
+                  <a:t>Dynamic Anisotropic Smoothing for Noisy Derivative-Free Optimization</a:t>
+                </a:r>
+                <a:r>
+                  <a:rPr lang="en-US" sz="1800" kern="100" dirty="0">
+                    <a:effectLst/>
+                    <a:latin typeface="Aptos" panose="020B0004020202020204" pitchFamily="34" charset="0"/>
+                    <a:ea typeface="DengXian" panose="02010600030101010101" pitchFamily="2" charset="-122"/>
+                    <a:cs typeface="Times New Roman" panose="02020603050405020304" pitchFamily="18" charset="0"/>
+                  </a:rPr>
+                  <a:t> (2024) : improve tunning of parameters in CIM with chaotic amplitude control ((</a:t>
+                </a:r>
+                <a:r>
+                  <a:rPr lang="en-US" sz="1800" kern="100" dirty="0" err="1">
+                    <a:effectLst/>
+                    <a:latin typeface="Aptos" panose="020B0004020202020204" pitchFamily="34" charset="0"/>
+                    <a:ea typeface="DengXian" panose="02010600030101010101" pitchFamily="2" charset="-122"/>
+                    <a:cs typeface="Times New Roman" panose="02020603050405020304" pitchFamily="18" charset="0"/>
+                  </a:rPr>
+                  <a:t>Leleu</a:t>
+                </a:r>
+                <a:r>
+                  <a:rPr lang="en-US" sz="1800" kern="100" dirty="0">
+                    <a:effectLst/>
+                    <a:latin typeface="Aptos" panose="020B0004020202020204" pitchFamily="34" charset="0"/>
+                    <a:ea typeface="DengXian" panose="02010600030101010101" pitchFamily="2" charset="-122"/>
+                    <a:cs typeface="Times New Roman" panose="02020603050405020304" pitchFamily="18" charset="0"/>
+                  </a:rPr>
+                  <a:t> et al., 2019) using </a:t>
+                </a:r>
+                <a:r>
+                  <a:rPr lang="en-US" sz="1800" dirty="0">
+                    <a:effectLst/>
+                    <a:latin typeface="Aptos" panose="020B0004020202020204" pitchFamily="34" charset="0"/>
+                    <a:ea typeface="DengXian" panose="02010600030101010101" pitchFamily="2" charset="-122"/>
+                    <a:cs typeface="Times New Roman" panose="02020603050405020304" pitchFamily="18" charset="0"/>
+                  </a:rPr>
+                  <a:t>DAS (dynamic anisotropic smoothing) algorithm, which is used for derivative-free optimization.</a:t>
+                </a:r>
+              </a:p>
+              <a:p>
+                <a:pPr>
+                  <a:lnSpc>
+                    <a:spcPct val="115000"/>
+                  </a:lnSpc>
+                  <a:spcBef>
+                    <a:spcPts val="0"/>
+                  </a:spcBef>
+                  <a:spcAft>
+                    <a:spcPts val="0"/>
+                  </a:spcAft>
+                </a:pPr>
+                <a:endParaRPr lang="en-US" dirty="0"/>
+              </a:p>
+            </p:txBody>
+          </p:sp>
+        </mc:Choice>
+        <mc:Fallback>
+          <p:sp>
+            <p:nvSpPr>
+              <p:cNvPr id="2" name="Content Placeholder 1">
+                <a:extLst>
+                  <a:ext uri="{FF2B5EF4-FFF2-40B4-BE49-F238E27FC236}">
+                    <a16:creationId xmlns:a16="http://schemas.microsoft.com/office/drawing/2014/main" id="{0F181636-F5E1-6E0D-4866-B8CB566E34DB}"/>
+                  </a:ext>
+                </a:extLst>
+              </p:cNvPr>
+              <p:cNvSpPr>
+                <a:spLocks noGrp="1" noRot="1" noChangeAspect="1" noMove="1" noResize="1" noEditPoints="1" noAdjustHandles="1" noChangeArrowheads="1" noChangeShapeType="1" noTextEdit="1"/>
+              </p:cNvSpPr>
+              <p:nvPr>
+                <p:ph idx="1"/>
+              </p:nvPr>
+            </p:nvSpPr>
+            <p:spPr>
+              <a:blipFill>
+                <a:blip r:embed="rId5"/>
+                <a:stretch>
+                  <a:fillRect l="-1622"/>
+                </a:stretch>
+              </a:blipFill>
+            </p:spPr>
+            <p:txBody>
+              <a:bodyPr/>
+              <a:lstStyle/>
+              <a:p>
+                <a:r>
+                  <a:rPr lang="en-US">
+                    <a:noFill/>
+                  </a:rPr>
+                  <a:t> </a:t>
+                </a:r>
+              </a:p>
+            </p:txBody>
+          </p:sp>
+        </mc:Fallback>
+      </mc:AlternateContent>
+      <p:sp>
+        <p:nvSpPr>
+          <p:cNvPr id="3" name="Title 2">
+            <a:extLst>
+              <a:ext uri="{FF2B5EF4-FFF2-40B4-BE49-F238E27FC236}">
+                <a16:creationId xmlns:a16="http://schemas.microsoft.com/office/drawing/2014/main" id="{594CC708-A0D4-1FAE-ACFE-5B332DAF9ED2}"/>
+              </a:ext>
+            </a:extLst>
+          </p:cNvPr>
+          <p:cNvSpPr>
+            <a:spLocks noGrp="1"/>
+          </p:cNvSpPr>
+          <p:nvPr>
+            <p:ph type="title"/>
+          </p:nvPr>
+        </p:nvSpPr>
+        <p:spPr/>
+        <p:txBody>
+          <a:bodyPr/>
+          <a:lstStyle/>
+          <a:p>
+            <a:endParaRPr lang="en-US"/>
+          </a:p>
+        </p:txBody>
+      </p:sp>
+      <p:sp>
+        <p:nvSpPr>
+          <p:cNvPr id="4" name="Date Placeholder 3">
+            <a:extLst>
+              <a:ext uri="{FF2B5EF4-FFF2-40B4-BE49-F238E27FC236}">
+                <a16:creationId xmlns:a16="http://schemas.microsoft.com/office/drawing/2014/main" id="{2C84BCCE-917E-ED8B-F4C2-2B3CD8C849AE}"/>
+              </a:ext>
+            </a:extLst>
+          </p:cNvPr>
+          <p:cNvSpPr>
+            <a:spLocks noGrp="1"/>
+          </p:cNvSpPr>
+          <p:nvPr>
+            <p:ph type="dt" sz="half" idx="10"/>
+          </p:nvPr>
+        </p:nvSpPr>
+        <p:spPr/>
+        <p:txBody>
+          <a:bodyPr/>
+          <a:lstStyle/>
+          <a:p>
+            <a:fld id="{23E2BD91-2AE8-487A-BD5C-78BC9B3F7C4B}" type="datetime1">
+              <a:rPr lang="en-US" smtClean="0"/>
+              <a:t>9/13/2024</a:t>
+            </a:fld>
+            <a:endParaRPr lang="en-US"/>
+          </a:p>
+        </p:txBody>
+      </p:sp>
+      <p:sp>
+        <p:nvSpPr>
+          <p:cNvPr id="5" name="Footer Placeholder 4">
+            <a:extLst>
+              <a:ext uri="{FF2B5EF4-FFF2-40B4-BE49-F238E27FC236}">
+                <a16:creationId xmlns:a16="http://schemas.microsoft.com/office/drawing/2014/main" id="{2368BFC8-3669-D4EA-206C-227BDD946A7C}"/>
+              </a:ext>
+            </a:extLst>
+          </p:cNvPr>
+          <p:cNvSpPr>
+            <a:spLocks noGrp="1"/>
+          </p:cNvSpPr>
+          <p:nvPr>
+            <p:ph type="ftr" sz="quarter" idx="11"/>
+          </p:nvPr>
+        </p:nvSpPr>
+        <p:spPr/>
+        <p:txBody>
+          <a:bodyPr/>
+          <a:lstStyle/>
+          <a:p>
+            <a:endParaRPr lang="en-US"/>
+          </a:p>
+        </p:txBody>
+      </p:sp>
+      <p:sp>
+        <p:nvSpPr>
+          <p:cNvPr id="6" name="Slide Number Placeholder 5">
+            <a:extLst>
+              <a:ext uri="{FF2B5EF4-FFF2-40B4-BE49-F238E27FC236}">
+                <a16:creationId xmlns:a16="http://schemas.microsoft.com/office/drawing/2014/main" id="{27955807-5AEC-BB07-372D-C9623DE5478F}"/>
+              </a:ext>
+            </a:extLst>
+          </p:cNvPr>
+          <p:cNvSpPr>
+            <a:spLocks noGrp="1"/>
+          </p:cNvSpPr>
+          <p:nvPr>
+            <p:ph type="sldNum" sz="quarter" idx="12"/>
+          </p:nvPr>
+        </p:nvSpPr>
+        <p:spPr/>
+        <p:txBody>
+          <a:bodyPr/>
+          <a:lstStyle/>
+          <a:p>
+            <a:fld id="{2697313F-D866-4554-955F-25FA0D5B9080}" type="slidenum">
+              <a:rPr lang="en-US" smtClean="0"/>
+              <a:t>21</a:t>
+            </a:fld>
+            <a:endParaRPr lang="en-US"/>
+          </a:p>
+        </p:txBody>
+      </p:sp>
+    </p:spTree>
+    <p:extLst>
+      <p:ext uri="{BB962C8B-B14F-4D97-AF65-F5344CB8AC3E}">
+        <p14:creationId xmlns:p14="http://schemas.microsoft.com/office/powerpoint/2010/main" val="630721582"/>
+      </p:ext>
+    </p:extLst>
+  </p:cSld>
+  <p:clrMapOvr>
+    <a:masterClrMapping/>
+  </p:clrMapOvr>
+</p:sld>
+</file>
+
+<file path=ppt/slides/slide22.xml><?xml version="1.0" encoding="utf-8"?>
+<p:sld xmlns:a="http://schemas.openxmlformats.org/drawingml/2006/main" xmlns:r="http://schemas.openxmlformats.org/officeDocument/2006/relationships" xmlns:p="http://schemas.openxmlformats.org/presentationml/2006/main">
+  <p:cSld>
+    <p:spTree>
+      <p:nvGrpSpPr>
+        <p:cNvPr id="1" name=""/>
+        <p:cNvGrpSpPr/>
+        <p:nvPr/>
+      </p:nvGrpSpPr>
+      <p:grpSpPr>
+        <a:xfrm>
+          <a:off x="0" y="0"/>
+          <a:ext cx="0" cy="0"/>
+          <a:chOff x="0" y="0"/>
+          <a:chExt cx="0" cy="0"/>
+        </a:xfrm>
+      </p:grpSpPr>
+      <p:sp>
+        <p:nvSpPr>
+          <p:cNvPr id="2" name="Content Placeholder 1">
+            <a:extLst>
+              <a:ext uri="{FF2B5EF4-FFF2-40B4-BE49-F238E27FC236}">
+                <a16:creationId xmlns:a16="http://schemas.microsoft.com/office/drawing/2014/main" id="{FCFC5609-B775-C784-74A9-F5F6043539B3}"/>
+              </a:ext>
+            </a:extLst>
+          </p:cNvPr>
+          <p:cNvSpPr>
+            <a:spLocks noGrp="1"/>
+          </p:cNvSpPr>
+          <p:nvPr>
+            <p:ph idx="1"/>
+          </p:nvPr>
+        </p:nvSpPr>
+        <p:spPr/>
+        <p:txBody>
+          <a:bodyPr/>
+          <a:lstStyle/>
+          <a:p>
+            <a:pPr marL="0" indent="0">
+              <a:buNone/>
+            </a:pPr>
+            <a:r>
+              <a:rPr lang="en-US" sz="1800" b="1" kern="100" dirty="0">
+                <a:solidFill>
+                  <a:srgbClr val="070064"/>
+                </a:solidFill>
+                <a:latin typeface="Aptos" panose="020B0004020202020204" pitchFamily="34" charset="0"/>
+                <a:ea typeface="DengXian" panose="02010600030101010101" pitchFamily="2" charset="-122"/>
+                <a:cs typeface="Times New Roman" panose="02020603050405020304" pitchFamily="18" charset="0"/>
+              </a:rPr>
+              <a:t>Advantages: </a:t>
+            </a:r>
+            <a:r>
+              <a:rPr lang="en-US" sz="1800" kern="100" dirty="0">
+                <a:solidFill>
+                  <a:srgbClr val="070064"/>
+                </a:solidFill>
+                <a:latin typeface="Aptos" panose="020B0004020202020204" pitchFamily="34" charset="0"/>
+                <a:ea typeface="DengXian" panose="02010600030101010101" pitchFamily="2" charset="-122"/>
+                <a:cs typeface="Times New Roman" panose="02020603050405020304" pitchFamily="18" charset="0"/>
+              </a:rPr>
+              <a:t>fast, low cost, mitigating amplitude inhomogeneity, compact</a:t>
+            </a:r>
+          </a:p>
+          <a:p>
+            <a:pPr marL="0" indent="0">
+              <a:buNone/>
+            </a:pPr>
+            <a:r>
+              <a:rPr lang="en-US" sz="1800" b="1" kern="100" dirty="0">
+                <a:solidFill>
+                  <a:srgbClr val="070064"/>
+                </a:solidFill>
+                <a:latin typeface="Aptos" panose="020B0004020202020204" pitchFamily="34" charset="0"/>
+                <a:ea typeface="DengXian" panose="02010600030101010101" pitchFamily="2" charset="-122"/>
+                <a:cs typeface="Times New Roman" panose="02020603050405020304" pitchFamily="18" charset="0"/>
+              </a:rPr>
+              <a:t>Disadvantages: </a:t>
+            </a:r>
+            <a:r>
+              <a:rPr lang="en-US" sz="1800" kern="100" dirty="0">
+                <a:solidFill>
+                  <a:srgbClr val="070064"/>
+                </a:solidFill>
+                <a:latin typeface="Aptos" panose="020B0004020202020204" pitchFamily="34" charset="0"/>
+                <a:ea typeface="DengXian" panose="02010600030101010101" pitchFamily="2" charset="-122"/>
+                <a:cs typeface="Times New Roman" panose="02020603050405020304" pitchFamily="18" charset="0"/>
+              </a:rPr>
+              <a:t>periodic transfer function due to the Mach-Zehnder interferometer is an approximation of CIM polynomial model </a:t>
+            </a:r>
+          </a:p>
+          <a:p>
+            <a:pPr marL="0" indent="0">
+              <a:buNone/>
+            </a:pPr>
+            <a:r>
+              <a:rPr lang="en-US" sz="1800" b="1" kern="100" dirty="0">
+                <a:solidFill>
+                  <a:srgbClr val="070064"/>
+                </a:solidFill>
+                <a:latin typeface="Aptos" panose="020B0004020202020204" pitchFamily="34" charset="0"/>
+                <a:ea typeface="DengXian" panose="02010600030101010101" pitchFamily="2" charset="-122"/>
+                <a:cs typeface="Times New Roman" panose="02020603050405020304" pitchFamily="18" charset="0"/>
+              </a:rPr>
+              <a:t>Applied Physics Research Group, Vrije Universiteit Brussel (VUB)</a:t>
+            </a:r>
+            <a:endParaRPr lang="en-US" sz="1800" u="sng" kern="100" dirty="0">
+              <a:solidFill>
+                <a:srgbClr val="467886"/>
+              </a:solidFill>
+              <a:effectLst/>
+              <a:latin typeface="Aptos" panose="020B0004020202020204" pitchFamily="34" charset="0"/>
+              <a:ea typeface="DengXian" panose="02010600030101010101" pitchFamily="2" charset="-122"/>
+              <a:cs typeface="Times New Roman" panose="02020603050405020304" pitchFamily="18" charset="0"/>
+              <a:hlinkClick r:id="rId2"/>
+            </a:endParaRPr>
+          </a:p>
+          <a:p>
+            <a:r>
+              <a:rPr lang="en-US" sz="1600" u="sng" kern="100" dirty="0">
+                <a:solidFill>
+                  <a:srgbClr val="467886"/>
+                </a:solidFill>
+                <a:effectLst/>
+                <a:latin typeface="Aptos" panose="020B0004020202020204" pitchFamily="34" charset="0"/>
+                <a:ea typeface="DengXian" panose="02010600030101010101" pitchFamily="2" charset="-122"/>
+                <a:cs typeface="Times New Roman" panose="02020603050405020304" pitchFamily="18" charset="0"/>
+                <a:hlinkClick r:id="rId2"/>
+              </a:rPr>
+              <a:t>A poor man’s coherent </a:t>
+            </a:r>
+            <a:r>
+              <a:rPr lang="en-US" sz="1600" u="sng" kern="100" dirty="0" err="1">
+                <a:solidFill>
+                  <a:srgbClr val="467886"/>
+                </a:solidFill>
+                <a:effectLst/>
+                <a:latin typeface="Aptos" panose="020B0004020202020204" pitchFamily="34" charset="0"/>
+                <a:ea typeface="DengXian" panose="02010600030101010101" pitchFamily="2" charset="-122"/>
+                <a:cs typeface="Times New Roman" panose="02020603050405020304" pitchFamily="18" charset="0"/>
+                <a:hlinkClick r:id="rId2"/>
+              </a:rPr>
+              <a:t>Ising</a:t>
+            </a:r>
+            <a:r>
+              <a:rPr lang="en-US" sz="1600" u="sng" kern="100" dirty="0">
+                <a:solidFill>
+                  <a:srgbClr val="467886"/>
+                </a:solidFill>
+                <a:effectLst/>
+                <a:latin typeface="Aptos" panose="020B0004020202020204" pitchFamily="34" charset="0"/>
+                <a:ea typeface="DengXian" panose="02010600030101010101" pitchFamily="2" charset="-122"/>
+                <a:cs typeface="Times New Roman" panose="02020603050405020304" pitchFamily="18" charset="0"/>
+                <a:hlinkClick r:id="rId2"/>
+              </a:rPr>
+              <a:t> machine based on opto-electronic feedback systems for solving optimization problems</a:t>
+            </a:r>
+            <a:r>
+              <a:rPr lang="en-US" sz="1600" kern="100" dirty="0">
+                <a:effectLst/>
+                <a:latin typeface="Aptos" panose="020B0004020202020204" pitchFamily="34" charset="0"/>
+                <a:ea typeface="DengXian" panose="02010600030101010101" pitchFamily="2" charset="-122"/>
+                <a:cs typeface="Times New Roman" panose="02020603050405020304" pitchFamily="18" charset="0"/>
+              </a:rPr>
+              <a:t> (2019)</a:t>
+            </a:r>
+          </a:p>
+          <a:p>
+            <a:pPr marL="0" marR="0" indent="0">
+              <a:lnSpc>
+                <a:spcPct val="115000"/>
+              </a:lnSpc>
+              <a:buNone/>
+            </a:pPr>
+            <a:r>
+              <a:rPr lang="en-US" sz="1800" b="1" kern="100" dirty="0">
+                <a:solidFill>
+                  <a:srgbClr val="070064"/>
+                </a:solidFill>
+                <a:latin typeface="Aptos" panose="020B0004020202020204" pitchFamily="34" charset="0"/>
+                <a:ea typeface="DengXian" panose="02010600030101010101" pitchFamily="2" charset="-122"/>
+                <a:cs typeface="Times New Roman" panose="02020603050405020304" pitchFamily="18" charset="0"/>
+              </a:rPr>
+              <a:t>Hewlett Packard Labs (HP Labs), Belgium </a:t>
+            </a:r>
+          </a:p>
+          <a:p>
+            <a:pPr>
+              <a:lnSpc>
+                <a:spcPct val="115000"/>
+              </a:lnSpc>
+              <a:spcBef>
+                <a:spcPts val="0"/>
+              </a:spcBef>
+              <a:spcAft>
+                <a:spcPts val="0"/>
+              </a:spcAft>
+            </a:pPr>
+            <a:r>
+              <a:rPr lang="en-US" sz="1600" u="sng" kern="100" dirty="0">
+                <a:solidFill>
+                  <a:srgbClr val="467886"/>
+                </a:solidFill>
+                <a:effectLst/>
+                <a:latin typeface="Aptos" panose="020B0004020202020204" pitchFamily="34" charset="0"/>
+                <a:ea typeface="DengXian" panose="02010600030101010101" pitchFamily="2" charset="-122"/>
+                <a:cs typeface="Times New Roman" panose="02020603050405020304" pitchFamily="18" charset="0"/>
+                <a:hlinkClick r:id="rId3"/>
+              </a:rPr>
+              <a:t>Tunable coherent </a:t>
+            </a:r>
+            <a:r>
+              <a:rPr lang="en-US" sz="1600" u="sng" kern="100" dirty="0" err="1">
+                <a:solidFill>
+                  <a:srgbClr val="467886"/>
+                </a:solidFill>
+                <a:effectLst/>
+                <a:latin typeface="Aptos" panose="020B0004020202020204" pitchFamily="34" charset="0"/>
+                <a:ea typeface="DengXian" panose="02010600030101010101" pitchFamily="2" charset="-122"/>
+                <a:cs typeface="Times New Roman" panose="02020603050405020304" pitchFamily="18" charset="0"/>
+                <a:hlinkClick r:id="rId3"/>
+              </a:rPr>
+              <a:t>Ising</a:t>
+            </a:r>
+            <a:r>
+              <a:rPr lang="en-US" sz="1600" u="sng" kern="100" dirty="0">
+                <a:solidFill>
+                  <a:srgbClr val="467886"/>
+                </a:solidFill>
+                <a:effectLst/>
+                <a:latin typeface="Aptos" panose="020B0004020202020204" pitchFamily="34" charset="0"/>
+                <a:ea typeface="DengXian" panose="02010600030101010101" pitchFamily="2" charset="-122"/>
+                <a:cs typeface="Times New Roman" panose="02020603050405020304" pitchFamily="18" charset="0"/>
+                <a:hlinkClick r:id="rId3"/>
+              </a:rPr>
+              <a:t> machines with fifth-order nonlinearity</a:t>
+            </a:r>
+            <a:r>
+              <a:rPr lang="en-US" sz="1600" kern="100" dirty="0">
+                <a:effectLst/>
+                <a:latin typeface="Aptos" panose="020B0004020202020204" pitchFamily="34" charset="0"/>
+                <a:ea typeface="DengXian" panose="02010600030101010101" pitchFamily="2" charset="-122"/>
+                <a:cs typeface="Times New Roman" panose="02020603050405020304" pitchFamily="18" charset="0"/>
+              </a:rPr>
+              <a:t> (2024): a fifth-order nonlinearity to have more hyperparameters and a large noise regime to facilitate exploration</a:t>
+            </a:r>
+          </a:p>
+          <a:p>
+            <a:pPr>
+              <a:lnSpc>
+                <a:spcPct val="115000"/>
+              </a:lnSpc>
+              <a:spcBef>
+                <a:spcPts val="0"/>
+              </a:spcBef>
+              <a:spcAft>
+                <a:spcPts val="0"/>
+              </a:spcAft>
+            </a:pPr>
+            <a:r>
+              <a:rPr lang="en-US" sz="1600" u="sng" kern="100" dirty="0">
+                <a:solidFill>
+                  <a:srgbClr val="467886"/>
+                </a:solidFill>
+                <a:effectLst/>
+                <a:latin typeface="Aptos" panose="020B0004020202020204" pitchFamily="34" charset="0"/>
+                <a:ea typeface="DengXian" panose="02010600030101010101" pitchFamily="2" charset="-122"/>
+                <a:cs typeface="Times New Roman" panose="02020603050405020304" pitchFamily="18" charset="0"/>
+              </a:rPr>
+              <a:t>Integrated Coherent </a:t>
+            </a:r>
+            <a:r>
+              <a:rPr lang="en-US" sz="1600" u="sng" kern="100" dirty="0" err="1">
+                <a:solidFill>
+                  <a:srgbClr val="467886"/>
+                </a:solidFill>
+                <a:effectLst/>
+                <a:latin typeface="Aptos" panose="020B0004020202020204" pitchFamily="34" charset="0"/>
+                <a:ea typeface="DengXian" panose="02010600030101010101" pitchFamily="2" charset="-122"/>
+                <a:cs typeface="Times New Roman" panose="02020603050405020304" pitchFamily="18" charset="0"/>
+              </a:rPr>
+              <a:t>Ising</a:t>
+            </a:r>
+            <a:r>
+              <a:rPr lang="en-US" sz="1600" u="sng" kern="100" dirty="0">
+                <a:solidFill>
+                  <a:srgbClr val="467886"/>
+                </a:solidFill>
+                <a:effectLst/>
+                <a:latin typeface="Aptos" panose="020B0004020202020204" pitchFamily="34" charset="0"/>
+                <a:ea typeface="DengXian" panose="02010600030101010101" pitchFamily="2" charset="-122"/>
+                <a:cs typeface="Times New Roman" panose="02020603050405020304" pitchFamily="18" charset="0"/>
+              </a:rPr>
+              <a:t> Machines Based on Self-Phase Modulation in </a:t>
+            </a:r>
+            <a:r>
+              <a:rPr lang="en-US" sz="1600" u="sng" kern="100" dirty="0" err="1">
+                <a:solidFill>
+                  <a:srgbClr val="467886"/>
+                </a:solidFill>
+                <a:effectLst/>
+                <a:latin typeface="Aptos" panose="020B0004020202020204" pitchFamily="34" charset="0"/>
+                <a:ea typeface="DengXian" panose="02010600030101010101" pitchFamily="2" charset="-122"/>
+                <a:cs typeface="Times New Roman" panose="02020603050405020304" pitchFamily="18" charset="0"/>
+              </a:rPr>
+              <a:t>Microring</a:t>
+            </a:r>
+            <a:r>
+              <a:rPr lang="en-US" sz="1600" u="sng" kern="100" dirty="0">
+                <a:solidFill>
+                  <a:srgbClr val="467886"/>
+                </a:solidFill>
+                <a:effectLst/>
+                <a:latin typeface="Aptos" panose="020B0004020202020204" pitchFamily="34" charset="0"/>
+                <a:ea typeface="DengXian" panose="02010600030101010101" pitchFamily="2" charset="-122"/>
+                <a:cs typeface="Times New Roman" panose="02020603050405020304" pitchFamily="18" charset="0"/>
+              </a:rPr>
+              <a:t> Resonators (2019)</a:t>
+            </a:r>
+            <a:endParaRPr lang="en-US" sz="1600" kern="100" dirty="0">
+              <a:effectLst/>
+              <a:latin typeface="Aptos" panose="020B0004020202020204" pitchFamily="34" charset="0"/>
+              <a:ea typeface="DengXian" panose="02010600030101010101" pitchFamily="2" charset="-122"/>
+              <a:cs typeface="Times New Roman" panose="02020603050405020304" pitchFamily="18" charset="0"/>
+            </a:endParaRPr>
+          </a:p>
+          <a:p>
+            <a:pPr marL="0" indent="0">
+              <a:lnSpc>
+                <a:spcPct val="115000"/>
+              </a:lnSpc>
+              <a:spcBef>
+                <a:spcPts val="0"/>
+              </a:spcBef>
+              <a:spcAft>
+                <a:spcPts val="0"/>
+              </a:spcAft>
+              <a:buNone/>
+            </a:pPr>
+            <a:r>
+              <a:rPr lang="en-US" sz="1800" b="1" kern="100" dirty="0">
+                <a:latin typeface="Aptos" panose="020B0004020202020204" pitchFamily="34" charset="0"/>
+                <a:ea typeface="DengXian" panose="02010600030101010101" pitchFamily="2" charset="-122"/>
+                <a:cs typeface="Times New Roman" panose="02020603050405020304" pitchFamily="18" charset="0"/>
+              </a:rPr>
+              <a:t>VUB + HP Labs</a:t>
+            </a:r>
+          </a:p>
+          <a:p>
+            <a:pPr marL="0" marR="0">
+              <a:lnSpc>
+                <a:spcPct val="115000"/>
+              </a:lnSpc>
+              <a:spcBef>
+                <a:spcPts val="0"/>
+              </a:spcBef>
+              <a:spcAft>
+                <a:spcPts val="800"/>
+              </a:spcAft>
+            </a:pPr>
+            <a:r>
+              <a:rPr lang="en-US" sz="1600" u="sng" kern="100" dirty="0">
+                <a:solidFill>
+                  <a:srgbClr val="467886"/>
+                </a:solidFill>
+                <a:effectLst/>
+                <a:latin typeface="Aptos" panose="020B0004020202020204" pitchFamily="34" charset="0"/>
+                <a:ea typeface="DengXian" panose="02010600030101010101" pitchFamily="2" charset="-122"/>
+                <a:cs typeface="Times New Roman" panose="02020603050405020304" pitchFamily="18" charset="0"/>
+                <a:hlinkClick r:id="rId4"/>
+              </a:rPr>
+              <a:t>Order-of-magnitude differences in computational performance of analog </a:t>
+            </a:r>
+            <a:r>
+              <a:rPr lang="en-US" sz="1600" u="sng" kern="100" dirty="0" err="1">
+                <a:solidFill>
+                  <a:srgbClr val="467886"/>
+                </a:solidFill>
+                <a:effectLst/>
+                <a:latin typeface="Aptos" panose="020B0004020202020204" pitchFamily="34" charset="0"/>
+                <a:ea typeface="DengXian" panose="02010600030101010101" pitchFamily="2" charset="-122"/>
+                <a:cs typeface="Times New Roman" panose="02020603050405020304" pitchFamily="18" charset="0"/>
+                <a:hlinkClick r:id="rId4"/>
+              </a:rPr>
+              <a:t>Ising</a:t>
+            </a:r>
+            <a:r>
+              <a:rPr lang="en-US" sz="1600" u="sng" kern="100" dirty="0">
+                <a:solidFill>
+                  <a:srgbClr val="467886"/>
+                </a:solidFill>
+                <a:effectLst/>
+                <a:latin typeface="Aptos" panose="020B0004020202020204" pitchFamily="34" charset="0"/>
+                <a:ea typeface="DengXian" panose="02010600030101010101" pitchFamily="2" charset="-122"/>
+                <a:cs typeface="Times New Roman" panose="02020603050405020304" pitchFamily="18" charset="0"/>
+                <a:hlinkClick r:id="rId4"/>
+              </a:rPr>
+              <a:t> machines induced by the choice of nonlinearity</a:t>
+            </a:r>
+            <a:r>
+              <a:rPr lang="en-US" sz="1600" kern="100" dirty="0">
+                <a:effectLst/>
+                <a:latin typeface="Aptos" panose="020B0004020202020204" pitchFamily="34" charset="0"/>
+                <a:ea typeface="DengXian" panose="02010600030101010101" pitchFamily="2" charset="-122"/>
+                <a:cs typeface="Times New Roman" panose="02020603050405020304" pitchFamily="18" charset="0"/>
+              </a:rPr>
+              <a:t> (2021): higher order helps solve optimization problems</a:t>
+            </a:r>
+          </a:p>
+          <a:p>
+            <a:pPr marL="0" marR="0">
+              <a:lnSpc>
+                <a:spcPct val="115000"/>
+              </a:lnSpc>
+              <a:spcBef>
+                <a:spcPts val="0"/>
+              </a:spcBef>
+              <a:spcAft>
+                <a:spcPts val="800"/>
+              </a:spcAft>
+            </a:pPr>
+            <a:r>
+              <a:rPr lang="en-US" sz="1600" u="sng" kern="100" dirty="0">
+                <a:solidFill>
+                  <a:srgbClr val="467886"/>
+                </a:solidFill>
+                <a:effectLst/>
+                <a:latin typeface="Aptos" panose="020B0004020202020204" pitchFamily="34" charset="0"/>
+                <a:ea typeface="DengXian" panose="02010600030101010101" pitchFamily="2" charset="-122"/>
+                <a:cs typeface="Times New Roman" panose="02020603050405020304" pitchFamily="18" charset="0"/>
+                <a:hlinkClick r:id="rId5"/>
+              </a:rPr>
+              <a:t>Compact and inexpensive photonic </a:t>
+            </a:r>
+            <a:r>
+              <a:rPr lang="en-US" sz="1600" u="sng" kern="100" dirty="0" err="1">
+                <a:solidFill>
+                  <a:srgbClr val="467886"/>
+                </a:solidFill>
+                <a:effectLst/>
+                <a:latin typeface="Aptos" panose="020B0004020202020204" pitchFamily="34" charset="0"/>
+                <a:ea typeface="DengXian" panose="02010600030101010101" pitchFamily="2" charset="-122"/>
+                <a:cs typeface="Times New Roman" panose="02020603050405020304" pitchFamily="18" charset="0"/>
+                <a:hlinkClick r:id="rId5"/>
+              </a:rPr>
+              <a:t>Ising</a:t>
+            </a:r>
+            <a:r>
+              <a:rPr lang="en-US" sz="1600" u="sng" kern="100" dirty="0">
+                <a:solidFill>
+                  <a:srgbClr val="467886"/>
+                </a:solidFill>
+                <a:effectLst/>
+                <a:latin typeface="Aptos" panose="020B0004020202020204" pitchFamily="34" charset="0"/>
+                <a:ea typeface="DengXian" panose="02010600030101010101" pitchFamily="2" charset="-122"/>
+                <a:cs typeface="Times New Roman" panose="02020603050405020304" pitchFamily="18" charset="0"/>
+                <a:hlinkClick r:id="rId5"/>
+              </a:rPr>
+              <a:t> machines based on optoelectronic oscillators</a:t>
+            </a:r>
+            <a:r>
+              <a:rPr lang="en-US" sz="1600" kern="100" dirty="0">
+                <a:effectLst/>
+                <a:latin typeface="Aptos" panose="020B0004020202020204" pitchFamily="34" charset="0"/>
+                <a:ea typeface="DengXian" panose="02010600030101010101" pitchFamily="2" charset="-122"/>
+                <a:cs typeface="Times New Roman" panose="02020603050405020304" pitchFamily="18" charset="0"/>
+              </a:rPr>
+              <a:t> (2021): comparison of OEO-based and DOPO-based </a:t>
+            </a:r>
+            <a:r>
+              <a:rPr lang="en-US" sz="1600" kern="100" dirty="0" err="1">
+                <a:effectLst/>
+                <a:latin typeface="Aptos" panose="020B0004020202020204" pitchFamily="34" charset="0"/>
+                <a:ea typeface="DengXian" panose="02010600030101010101" pitchFamily="2" charset="-122"/>
+                <a:cs typeface="Times New Roman" panose="02020603050405020304" pitchFamily="18" charset="0"/>
+              </a:rPr>
+              <a:t>Ising</a:t>
+            </a:r>
+            <a:r>
+              <a:rPr lang="en-US" sz="1600" kern="100" dirty="0">
+                <a:effectLst/>
+                <a:latin typeface="Aptos" panose="020B0004020202020204" pitchFamily="34" charset="0"/>
+                <a:ea typeface="DengXian" panose="02010600030101010101" pitchFamily="2" charset="-122"/>
+                <a:cs typeface="Times New Roman" panose="02020603050405020304" pitchFamily="18" charset="0"/>
+              </a:rPr>
+              <a:t> machines</a:t>
+            </a:r>
+          </a:p>
+          <a:p>
+            <a:pPr>
+              <a:lnSpc>
+                <a:spcPct val="115000"/>
+              </a:lnSpc>
+              <a:spcBef>
+                <a:spcPts val="0"/>
+              </a:spcBef>
+              <a:spcAft>
+                <a:spcPts val="0"/>
+              </a:spcAft>
+            </a:pPr>
+            <a:endParaRPr lang="en-US" sz="1800" kern="100" dirty="0">
+              <a:effectLst/>
+              <a:latin typeface="Aptos" panose="020B0004020202020204" pitchFamily="34" charset="0"/>
+              <a:ea typeface="DengXian" panose="02010600030101010101" pitchFamily="2" charset="-122"/>
+              <a:cs typeface="Times New Roman" panose="02020603050405020304" pitchFamily="18" charset="0"/>
+            </a:endParaRPr>
+          </a:p>
+          <a:p>
+            <a:pPr marL="0" indent="0">
+              <a:lnSpc>
+                <a:spcPct val="115000"/>
+              </a:lnSpc>
+              <a:spcBef>
+                <a:spcPts val="0"/>
+              </a:spcBef>
+              <a:spcAft>
+                <a:spcPts val="0"/>
+              </a:spcAft>
+              <a:buNone/>
+            </a:pPr>
+            <a:endParaRPr lang="en-US" sz="1600" kern="100" dirty="0">
+              <a:effectLst/>
+              <a:latin typeface="Aptos" panose="020B0004020202020204" pitchFamily="34" charset="0"/>
+              <a:ea typeface="DengXian" panose="02010600030101010101" pitchFamily="2" charset="-122"/>
+              <a:cs typeface="Times New Roman" panose="02020603050405020304" pitchFamily="18" charset="0"/>
+            </a:endParaRPr>
+          </a:p>
+          <a:p>
+            <a:pPr marL="0" indent="0">
+              <a:buNone/>
+            </a:pPr>
+            <a:endParaRPr lang="en-US" dirty="0"/>
+          </a:p>
+        </p:txBody>
+      </p:sp>
+      <p:sp>
+        <p:nvSpPr>
+          <p:cNvPr id="3" name="Title 2">
+            <a:extLst>
+              <a:ext uri="{FF2B5EF4-FFF2-40B4-BE49-F238E27FC236}">
+                <a16:creationId xmlns:a16="http://schemas.microsoft.com/office/drawing/2014/main" id="{D79C09C7-4D33-1BE2-F355-CC9B07D2BABA}"/>
+              </a:ext>
+            </a:extLst>
+          </p:cNvPr>
+          <p:cNvSpPr>
+            <a:spLocks noGrp="1"/>
+          </p:cNvSpPr>
+          <p:nvPr>
+            <p:ph type="title"/>
+          </p:nvPr>
+        </p:nvSpPr>
+        <p:spPr>
+          <a:xfrm>
+            <a:off x="250824" y="149225"/>
+            <a:ext cx="7484253" cy="647700"/>
+          </a:xfrm>
+        </p:spPr>
+        <p:txBody>
+          <a:bodyPr/>
+          <a:lstStyle/>
+          <a:p>
+            <a:r>
+              <a:rPr lang="en-US" sz="2400" dirty="0"/>
+              <a:t>Opto-electronic Oscillator (OEO) Based </a:t>
+            </a:r>
+            <a:r>
+              <a:rPr lang="en-US" sz="2400" dirty="0" err="1"/>
+              <a:t>Ising</a:t>
+            </a:r>
+            <a:r>
+              <a:rPr lang="en-US" sz="2400" dirty="0"/>
+              <a:t> Machine</a:t>
+            </a:r>
+          </a:p>
+        </p:txBody>
+      </p:sp>
+      <p:sp>
+        <p:nvSpPr>
+          <p:cNvPr id="4" name="Date Placeholder 3">
+            <a:extLst>
+              <a:ext uri="{FF2B5EF4-FFF2-40B4-BE49-F238E27FC236}">
+                <a16:creationId xmlns:a16="http://schemas.microsoft.com/office/drawing/2014/main" id="{5DE75D0A-8EC1-EB20-B087-0531A0D2A4A5}"/>
+              </a:ext>
+            </a:extLst>
+          </p:cNvPr>
+          <p:cNvSpPr>
+            <a:spLocks noGrp="1"/>
+          </p:cNvSpPr>
+          <p:nvPr>
+            <p:ph type="dt" sz="half" idx="10"/>
+          </p:nvPr>
+        </p:nvSpPr>
+        <p:spPr/>
+        <p:txBody>
+          <a:bodyPr/>
+          <a:lstStyle/>
+          <a:p>
+            <a:fld id="{23E2BD91-2AE8-487A-BD5C-78BC9B3F7C4B}" type="datetime1">
+              <a:rPr lang="en-US" smtClean="0"/>
+              <a:t>9/13/2024</a:t>
+            </a:fld>
+            <a:endParaRPr lang="en-US"/>
+          </a:p>
+        </p:txBody>
+      </p:sp>
+      <p:sp>
+        <p:nvSpPr>
+          <p:cNvPr id="5" name="Footer Placeholder 4">
+            <a:extLst>
+              <a:ext uri="{FF2B5EF4-FFF2-40B4-BE49-F238E27FC236}">
+                <a16:creationId xmlns:a16="http://schemas.microsoft.com/office/drawing/2014/main" id="{2F5ED5FA-ACAA-154C-7839-87E277382BD5}"/>
+              </a:ext>
+            </a:extLst>
+          </p:cNvPr>
+          <p:cNvSpPr>
+            <a:spLocks noGrp="1"/>
+          </p:cNvSpPr>
+          <p:nvPr>
+            <p:ph type="ftr" sz="quarter" idx="11"/>
+          </p:nvPr>
+        </p:nvSpPr>
+        <p:spPr/>
+        <p:txBody>
+          <a:bodyPr/>
+          <a:lstStyle/>
+          <a:p>
+            <a:endParaRPr lang="en-US"/>
+          </a:p>
+        </p:txBody>
+      </p:sp>
+      <p:sp>
+        <p:nvSpPr>
+          <p:cNvPr id="6" name="Slide Number Placeholder 5">
+            <a:extLst>
+              <a:ext uri="{FF2B5EF4-FFF2-40B4-BE49-F238E27FC236}">
+                <a16:creationId xmlns:a16="http://schemas.microsoft.com/office/drawing/2014/main" id="{E2324053-B106-452D-E424-4E050A7E6103}"/>
+              </a:ext>
+            </a:extLst>
+          </p:cNvPr>
+          <p:cNvSpPr>
+            <a:spLocks noGrp="1"/>
+          </p:cNvSpPr>
+          <p:nvPr>
+            <p:ph type="sldNum" sz="quarter" idx="12"/>
+          </p:nvPr>
+        </p:nvSpPr>
+        <p:spPr/>
+        <p:txBody>
+          <a:bodyPr/>
+          <a:lstStyle/>
+          <a:p>
+            <a:fld id="{2697313F-D866-4554-955F-25FA0D5B9080}" type="slidenum">
+              <a:rPr lang="en-US" smtClean="0"/>
+              <a:t>22</a:t>
+            </a:fld>
+            <a:endParaRPr lang="en-US"/>
+          </a:p>
+        </p:txBody>
+      </p:sp>
+    </p:spTree>
+    <p:extLst>
+      <p:ext uri="{BB962C8B-B14F-4D97-AF65-F5344CB8AC3E}">
+        <p14:creationId xmlns:p14="http://schemas.microsoft.com/office/powerpoint/2010/main" val="2379744386"/>
+      </p:ext>
+    </p:extLst>
+  </p:cSld>
+  <p:clrMapOvr>
+    <a:masterClrMapping/>
+  </p:clrMapOvr>
+</p:sld>
+</file>
+
+<file path=ppt/slides/slide23.xml><?xml version="1.0" encoding="utf-8"?>
+<p:sld xmlns:a="http://schemas.openxmlformats.org/drawingml/2006/main" xmlns:r="http://schemas.openxmlformats.org/officeDocument/2006/relationships" xmlns:p="http://schemas.openxmlformats.org/presentationml/2006/main">
+  <p:cSld>
+    <p:spTree>
+      <p:nvGrpSpPr>
+        <p:cNvPr id="1" name=""/>
+        <p:cNvGrpSpPr/>
+        <p:nvPr/>
+      </p:nvGrpSpPr>
+      <p:grpSpPr>
+        <a:xfrm>
+          <a:off x="0" y="0"/>
+          <a:ext cx="0" cy="0"/>
+          <a:chOff x="0" y="0"/>
+          <a:chExt cx="0" cy="0"/>
+        </a:xfrm>
+      </p:grpSpPr>
+      <p:sp>
+        <p:nvSpPr>
+          <p:cNvPr id="2" name="Content Placeholder 1">
+            <a:extLst>
+              <a:ext uri="{FF2B5EF4-FFF2-40B4-BE49-F238E27FC236}">
+                <a16:creationId xmlns:a16="http://schemas.microsoft.com/office/drawing/2014/main" id="{27B85E8E-4B30-7F2E-ED4B-964A878F2E1C}"/>
+              </a:ext>
+            </a:extLst>
+          </p:cNvPr>
+          <p:cNvSpPr>
+            <a:spLocks noGrp="1"/>
+          </p:cNvSpPr>
+          <p:nvPr>
+            <p:ph idx="1"/>
+          </p:nvPr>
+        </p:nvSpPr>
+        <p:spPr/>
+        <p:txBody>
+          <a:bodyPr/>
+          <a:lstStyle/>
+          <a:p>
+            <a:pPr marL="0" marR="0" indent="0">
+              <a:lnSpc>
+                <a:spcPct val="115000"/>
+              </a:lnSpc>
+              <a:spcBef>
+                <a:spcPts val="0"/>
+              </a:spcBef>
+              <a:spcAft>
+                <a:spcPts val="800"/>
+              </a:spcAft>
+              <a:buNone/>
+            </a:pPr>
+            <a:r>
+              <a:rPr lang="en-US" sz="1800" b="1" kern="100" dirty="0">
+                <a:solidFill>
+                  <a:srgbClr val="070064"/>
+                </a:solidFill>
+                <a:effectLst/>
+                <a:latin typeface="Aptos" panose="020B0004020202020204" pitchFamily="34" charset="0"/>
+                <a:ea typeface="DengXian" panose="02010600030101010101" pitchFamily="2" charset="-122"/>
+                <a:cs typeface="Times New Roman" panose="02020603050405020304" pitchFamily="18" charset="0"/>
+              </a:rPr>
+              <a:t>Columbia University + Cornell University</a:t>
+            </a:r>
+            <a:endParaRPr lang="en-US" sz="1800" kern="100" dirty="0">
+              <a:solidFill>
+                <a:srgbClr val="070064"/>
+              </a:solidFill>
+              <a:effectLst/>
+              <a:latin typeface="Aptos" panose="020B0004020202020204" pitchFamily="34" charset="0"/>
+              <a:ea typeface="DengXian" panose="02010600030101010101" pitchFamily="2" charset="-122"/>
+              <a:cs typeface="Times New Roman" panose="02020603050405020304" pitchFamily="18" charset="0"/>
+            </a:endParaRPr>
+          </a:p>
+          <a:p>
+            <a:pPr>
+              <a:lnSpc>
+                <a:spcPct val="115000"/>
+              </a:lnSpc>
+              <a:spcBef>
+                <a:spcPts val="0"/>
+              </a:spcBef>
+              <a:spcAft>
+                <a:spcPts val="800"/>
+              </a:spcAft>
+            </a:pPr>
+            <a:r>
+              <a:rPr lang="en-US" sz="1800" u="sng" kern="100" dirty="0">
+                <a:solidFill>
+                  <a:srgbClr val="467886"/>
+                </a:solidFill>
+                <a:effectLst/>
+                <a:latin typeface="Aptos" panose="020B0004020202020204" pitchFamily="34" charset="0"/>
+                <a:ea typeface="DengXian" panose="02010600030101010101" pitchFamily="2" charset="-122"/>
+                <a:cs typeface="Times New Roman" panose="02020603050405020304" pitchFamily="18" charset="0"/>
+                <a:hlinkClick r:id="rId2"/>
+              </a:rPr>
+              <a:t>Demonstration of chip-based coupled degenerate optical parametric oscillators for realizing a nanophotonic spin-glass</a:t>
+            </a:r>
+            <a:r>
+              <a:rPr lang="en-US" sz="1800" kern="100" dirty="0">
+                <a:effectLst/>
+                <a:latin typeface="Aptos" panose="020B0004020202020204" pitchFamily="34" charset="0"/>
+                <a:ea typeface="DengXian" panose="02010600030101010101" pitchFamily="2" charset="-122"/>
+                <a:cs typeface="Times New Roman" panose="02020603050405020304" pitchFamily="18" charset="0"/>
+              </a:rPr>
+              <a:t> (2020)</a:t>
+            </a:r>
+          </a:p>
+          <a:p>
+            <a:pPr marL="0" marR="0" indent="0">
+              <a:lnSpc>
+                <a:spcPct val="115000"/>
+              </a:lnSpc>
+              <a:spcBef>
+                <a:spcPts val="0"/>
+              </a:spcBef>
+              <a:spcAft>
+                <a:spcPts val="800"/>
+              </a:spcAft>
+              <a:buNone/>
+            </a:pPr>
+            <a:r>
+              <a:rPr lang="en-US" sz="1800" b="1" kern="100" dirty="0">
+                <a:solidFill>
+                  <a:srgbClr val="070064"/>
+                </a:solidFill>
+                <a:effectLst/>
+                <a:latin typeface="Aptos" panose="020B0004020202020204" pitchFamily="34" charset="0"/>
+                <a:ea typeface="DengXian" panose="02010600030101010101" pitchFamily="2" charset="-122"/>
+                <a:cs typeface="Times New Roman" panose="02020603050405020304" pitchFamily="18" charset="0"/>
+              </a:rPr>
+              <a:t>Korea Advanced Institute of Science and Technology, KAIST + Daegu-</a:t>
+            </a:r>
+            <a:r>
+              <a:rPr lang="en-US" sz="1800" b="1" kern="100" dirty="0" err="1">
+                <a:solidFill>
+                  <a:srgbClr val="070064"/>
+                </a:solidFill>
+                <a:effectLst/>
+                <a:latin typeface="Aptos" panose="020B0004020202020204" pitchFamily="34" charset="0"/>
+                <a:ea typeface="DengXian" panose="02010600030101010101" pitchFamily="2" charset="-122"/>
+                <a:cs typeface="Times New Roman" panose="02020603050405020304" pitchFamily="18" charset="0"/>
+              </a:rPr>
+              <a:t>Gyeongbuk</a:t>
+            </a:r>
+            <a:r>
+              <a:rPr lang="en-US" sz="1800" b="1" kern="100" dirty="0">
+                <a:solidFill>
+                  <a:srgbClr val="070064"/>
+                </a:solidFill>
+                <a:effectLst/>
+                <a:latin typeface="Aptos" panose="020B0004020202020204" pitchFamily="34" charset="0"/>
+                <a:ea typeface="DengXian" panose="02010600030101010101" pitchFamily="2" charset="-122"/>
+                <a:cs typeface="Times New Roman" panose="02020603050405020304" pitchFamily="18" charset="0"/>
+              </a:rPr>
+              <a:t> Institute of Science and Technology, DGIST, Korea</a:t>
+            </a:r>
+            <a:endParaRPr lang="en-US" sz="1800" kern="100" dirty="0">
+              <a:solidFill>
+                <a:srgbClr val="070064"/>
+              </a:solidFill>
+              <a:effectLst/>
+              <a:latin typeface="Aptos" panose="020B0004020202020204" pitchFamily="34" charset="0"/>
+              <a:ea typeface="DengXian" panose="02010600030101010101" pitchFamily="2" charset="-122"/>
+              <a:cs typeface="Times New Roman" panose="02020603050405020304" pitchFamily="18" charset="0"/>
+            </a:endParaRPr>
+          </a:p>
+          <a:p>
+            <a:pPr>
+              <a:lnSpc>
+                <a:spcPct val="115000"/>
+              </a:lnSpc>
+              <a:spcBef>
+                <a:spcPts val="0"/>
+              </a:spcBef>
+              <a:spcAft>
+                <a:spcPts val="800"/>
+              </a:spcAft>
+            </a:pPr>
+            <a:r>
+              <a:rPr lang="en-US" sz="1800" u="sng" kern="100" dirty="0">
+                <a:solidFill>
+                  <a:srgbClr val="467886"/>
+                </a:solidFill>
+                <a:effectLst/>
+                <a:latin typeface="Aptos" panose="020B0004020202020204" pitchFamily="34" charset="0"/>
+                <a:ea typeface="DengXian" panose="02010600030101010101" pitchFamily="2" charset="-122"/>
+                <a:cs typeface="Times New Roman" panose="02020603050405020304" pitchFamily="18" charset="0"/>
+                <a:hlinkClick r:id="rId3"/>
+              </a:rPr>
+              <a:t>Low Power Coherent </a:t>
+            </a:r>
+            <a:r>
+              <a:rPr lang="en-US" sz="1800" u="sng" kern="100" dirty="0" err="1">
+                <a:solidFill>
+                  <a:srgbClr val="467886"/>
+                </a:solidFill>
+                <a:effectLst/>
+                <a:latin typeface="Aptos" panose="020B0004020202020204" pitchFamily="34" charset="0"/>
+                <a:ea typeface="DengXian" panose="02010600030101010101" pitchFamily="2" charset="-122"/>
+                <a:cs typeface="Times New Roman" panose="02020603050405020304" pitchFamily="18" charset="0"/>
+                <a:hlinkClick r:id="rId3"/>
+              </a:rPr>
+              <a:t>Ising</a:t>
+            </a:r>
+            <a:r>
+              <a:rPr lang="en-US" sz="1800" u="sng" kern="100" dirty="0">
+                <a:solidFill>
+                  <a:srgbClr val="467886"/>
+                </a:solidFill>
+                <a:effectLst/>
+                <a:latin typeface="Aptos" panose="020B0004020202020204" pitchFamily="34" charset="0"/>
+                <a:ea typeface="DengXian" panose="02010600030101010101" pitchFamily="2" charset="-122"/>
+                <a:cs typeface="Times New Roman" panose="02020603050405020304" pitchFamily="18" charset="0"/>
+                <a:hlinkClick r:id="rId3"/>
+              </a:rPr>
+              <a:t> Machine Based on Mechanical Kerr Nonlinearity</a:t>
+            </a:r>
+            <a:r>
+              <a:rPr lang="en-US" sz="1800" kern="100" dirty="0">
+                <a:effectLst/>
+                <a:latin typeface="Aptos" panose="020B0004020202020204" pitchFamily="34" charset="0"/>
+                <a:ea typeface="DengXian" panose="02010600030101010101" pitchFamily="2" charset="-122"/>
+                <a:cs typeface="Times New Roman" panose="02020603050405020304" pitchFamily="18" charset="0"/>
+              </a:rPr>
+              <a:t> (2023)</a:t>
+            </a:r>
+          </a:p>
+          <a:p>
+            <a:pPr marL="0" indent="0">
+              <a:buNone/>
+            </a:pPr>
+            <a:endParaRPr lang="en-US" dirty="0"/>
+          </a:p>
+        </p:txBody>
+      </p:sp>
+      <p:sp>
+        <p:nvSpPr>
+          <p:cNvPr id="3" name="Title 2">
+            <a:extLst>
+              <a:ext uri="{FF2B5EF4-FFF2-40B4-BE49-F238E27FC236}">
+                <a16:creationId xmlns:a16="http://schemas.microsoft.com/office/drawing/2014/main" id="{40E9A47B-38CC-B10A-91AB-3CDE3DF43845}"/>
+              </a:ext>
+            </a:extLst>
+          </p:cNvPr>
+          <p:cNvSpPr>
+            <a:spLocks noGrp="1"/>
+          </p:cNvSpPr>
+          <p:nvPr>
+            <p:ph type="title"/>
+          </p:nvPr>
+        </p:nvSpPr>
+        <p:spPr/>
+        <p:txBody>
+          <a:bodyPr/>
+          <a:lstStyle/>
+          <a:p>
+            <a:r>
+              <a:rPr lang="en-US" dirty="0"/>
+              <a:t>Other Integrated Kerr </a:t>
+            </a:r>
+            <a:r>
+              <a:rPr lang="en-US" dirty="0" err="1"/>
+              <a:t>Ising</a:t>
+            </a:r>
+            <a:r>
+              <a:rPr lang="en-US" dirty="0"/>
+              <a:t> Machines</a:t>
+            </a:r>
+          </a:p>
+        </p:txBody>
+      </p:sp>
+      <p:sp>
+        <p:nvSpPr>
+          <p:cNvPr id="4" name="Date Placeholder 3">
+            <a:extLst>
+              <a:ext uri="{FF2B5EF4-FFF2-40B4-BE49-F238E27FC236}">
+                <a16:creationId xmlns:a16="http://schemas.microsoft.com/office/drawing/2014/main" id="{B7DA6AA7-9353-4B1A-018E-DAF767FDE419}"/>
+              </a:ext>
+            </a:extLst>
+          </p:cNvPr>
+          <p:cNvSpPr>
+            <a:spLocks noGrp="1"/>
+          </p:cNvSpPr>
+          <p:nvPr>
+            <p:ph type="dt" sz="half" idx="10"/>
+          </p:nvPr>
+        </p:nvSpPr>
+        <p:spPr/>
+        <p:txBody>
+          <a:bodyPr/>
+          <a:lstStyle/>
+          <a:p>
+            <a:fld id="{23E2BD91-2AE8-487A-BD5C-78BC9B3F7C4B}" type="datetime1">
+              <a:rPr lang="en-US" smtClean="0"/>
+              <a:t>9/13/2024</a:t>
+            </a:fld>
+            <a:endParaRPr lang="en-US"/>
+          </a:p>
+        </p:txBody>
+      </p:sp>
+      <p:sp>
+        <p:nvSpPr>
+          <p:cNvPr id="5" name="Footer Placeholder 4">
+            <a:extLst>
+              <a:ext uri="{FF2B5EF4-FFF2-40B4-BE49-F238E27FC236}">
+                <a16:creationId xmlns:a16="http://schemas.microsoft.com/office/drawing/2014/main" id="{83088784-74C5-A3CF-6812-B3D0E4D26A94}"/>
+              </a:ext>
+            </a:extLst>
+          </p:cNvPr>
+          <p:cNvSpPr>
+            <a:spLocks noGrp="1"/>
+          </p:cNvSpPr>
+          <p:nvPr>
+            <p:ph type="ftr" sz="quarter" idx="11"/>
+          </p:nvPr>
+        </p:nvSpPr>
+        <p:spPr/>
+        <p:txBody>
+          <a:bodyPr/>
+          <a:lstStyle/>
+          <a:p>
+            <a:endParaRPr lang="en-US"/>
+          </a:p>
+        </p:txBody>
+      </p:sp>
+      <p:sp>
+        <p:nvSpPr>
+          <p:cNvPr id="6" name="Slide Number Placeholder 5">
+            <a:extLst>
+              <a:ext uri="{FF2B5EF4-FFF2-40B4-BE49-F238E27FC236}">
+                <a16:creationId xmlns:a16="http://schemas.microsoft.com/office/drawing/2014/main" id="{8EFCB801-75CA-FC75-1EBD-62796DB57F1E}"/>
+              </a:ext>
+            </a:extLst>
+          </p:cNvPr>
+          <p:cNvSpPr>
+            <a:spLocks noGrp="1"/>
+          </p:cNvSpPr>
+          <p:nvPr>
+            <p:ph type="sldNum" sz="quarter" idx="12"/>
+          </p:nvPr>
+        </p:nvSpPr>
+        <p:spPr/>
+        <p:txBody>
+          <a:bodyPr/>
+          <a:lstStyle/>
+          <a:p>
+            <a:fld id="{2697313F-D866-4554-955F-25FA0D5B9080}" type="slidenum">
+              <a:rPr lang="en-US" smtClean="0"/>
+              <a:t>23</a:t>
+            </a:fld>
+            <a:endParaRPr lang="en-US"/>
+          </a:p>
+        </p:txBody>
+      </p:sp>
+    </p:spTree>
+    <p:extLst>
+      <p:ext uri="{BB962C8B-B14F-4D97-AF65-F5344CB8AC3E}">
+        <p14:creationId xmlns:p14="http://schemas.microsoft.com/office/powerpoint/2010/main" val="3222630248"/>
       </p:ext>
     </p:extLst>
   </p:cSld>
@@ -7519,7 +9984,7 @@
           <a:p>
             <a:fld id="{41453237-B359-4442-BB47-702366E3C8FE}" type="datetime1">
               <a:rPr lang="en-US" smtClean="0"/>
-              <a:t>9/12/2024</a:t>
+              <a:t>9/13/2024</a:t>
             </a:fld>
             <a:endParaRPr lang="en-US"/>
           </a:p>
@@ -7779,7 +10244,7 @@
           <a:p>
             <a:fld id="{3FC47385-6E6D-403A-B787-CC7F98242E15}" type="datetime1">
               <a:rPr lang="en-US" smtClean="0"/>
-              <a:t>9/12/2024</a:t>
+              <a:t>9/13/2024</a:t>
             </a:fld>
             <a:endParaRPr lang="en-US"/>
           </a:p>
@@ -8386,7 +10851,7 @@
           <a:p>
             <a:fld id="{23E2BD91-2AE8-487A-BD5C-78BC9B3F7C4B}" type="datetime1">
               <a:rPr lang="en-US" smtClean="0"/>
-              <a:t>9/12/2024</a:t>
+              <a:t>9/13/2024</a:t>
             </a:fld>
             <a:endParaRPr lang="en-US"/>
           </a:p>
@@ -8569,7 +11034,7 @@
           <a:p>
             <a:fld id="{23E2BD91-2AE8-487A-BD5C-78BC9B3F7C4B}" type="datetime1">
               <a:rPr lang="en-US" smtClean="0"/>
-              <a:t>9/12/2024</a:t>
+              <a:t>9/13/2024</a:t>
             </a:fld>
             <a:endParaRPr lang="en-US"/>
           </a:p>
@@ -9294,7 +11759,7 @@
           <a:p>
             <a:fld id="{23E2BD91-2AE8-487A-BD5C-78BC9B3F7C4B}" type="datetime1">
               <a:rPr lang="en-US" smtClean="0"/>
-              <a:t>9/12/2024</a:t>
+              <a:t>9/13/2024</a:t>
             </a:fld>
             <a:endParaRPr lang="en-US" dirty="0"/>
           </a:p>
@@ -9515,7 +11980,7 @@
           <a:p>
             <a:fld id="{23E2BD91-2AE8-487A-BD5C-78BC9B3F7C4B}" type="datetime1">
               <a:rPr lang="en-US" smtClean="0"/>
-              <a:t>9/12/2024</a:t>
+              <a:t>9/13/2024</a:t>
             </a:fld>
             <a:endParaRPr lang="en-US"/>
           </a:p>
@@ -9847,7 +12312,7 @@
           <a:p>
             <a:fld id="{23E2BD91-2AE8-487A-BD5C-78BC9B3F7C4B}" type="datetime1">
               <a:rPr lang="en-US" smtClean="0"/>
-              <a:t>9/12/2024</a:t>
+              <a:t>9/13/2024</a:t>
             </a:fld>
             <a:endParaRPr lang="en-US"/>
           </a:p>

--- a/progress.pptx
+++ b/progress.pptx
@@ -5,10 +5,10 @@
     <p:sldMasterId id="2147483757" r:id="rId1"/>
   </p:sldMasterIdLst>
   <p:notesMasterIdLst>
-    <p:notesMasterId r:id="rId25"/>
+    <p:notesMasterId r:id="rId31"/>
   </p:notesMasterIdLst>
   <p:handoutMasterIdLst>
-    <p:handoutMasterId r:id="rId26"/>
+    <p:handoutMasterId r:id="rId32"/>
   </p:handoutMasterIdLst>
   <p:sldIdLst>
     <p:sldId id="444" r:id="rId2"/>
@@ -34,11 +34,17 @@
     <p:sldId id="467" r:id="rId22"/>
     <p:sldId id="468" r:id="rId23"/>
     <p:sldId id="469" r:id="rId24"/>
+    <p:sldId id="470" r:id="rId25"/>
+    <p:sldId id="472" r:id="rId26"/>
+    <p:sldId id="471" r:id="rId27"/>
+    <p:sldId id="473" r:id="rId28"/>
+    <p:sldId id="474" r:id="rId29"/>
+    <p:sldId id="475" r:id="rId30"/>
   </p:sldIdLst>
   <p:sldSz cx="9144000" cy="6858000" type="letter"/>
   <p:notesSz cx="7104063" cy="10234613"/>
   <p:custDataLst>
-    <p:tags r:id="rId27"/>
+    <p:tags r:id="rId33"/>
   </p:custDataLst>
   <p:defaultTextStyle>
     <a:defPPr>
@@ -193,6 +199,12 @@
             <p14:sldId id="467"/>
             <p14:sldId id="468"/>
             <p14:sldId id="469"/>
+            <p14:sldId id="470"/>
+            <p14:sldId id="472"/>
+            <p14:sldId id="471"/>
+            <p14:sldId id="473"/>
+            <p14:sldId id="474"/>
+            <p14:sldId id="475"/>
           </p14:sldIdLst>
         </p14:section>
       </p14:sectionLst>
@@ -1290,6 +1302,271 @@
     <p:extLst>
       <p:ext uri="{BB962C8B-B14F-4D97-AF65-F5344CB8AC3E}">
         <p14:creationId xmlns:p14="http://schemas.microsoft.com/office/powerpoint/2010/main" val="182772644"/>
+      </p:ext>
+    </p:extLst>
+  </p:cSld>
+  <p:clrMapOvr>
+    <a:masterClrMapping/>
+  </p:clrMapOvr>
+</p:notes>
+</file>
+
+<file path=ppt/notesSlides/notesSlide3.xml><?xml version="1.0" encoding="utf-8"?>
+<p:notes xmlns:a="http://schemas.openxmlformats.org/drawingml/2006/main" xmlns:r="http://schemas.openxmlformats.org/officeDocument/2006/relationships" xmlns:p="http://schemas.openxmlformats.org/presentationml/2006/main">
+  <p:cSld>
+    <p:spTree>
+      <p:nvGrpSpPr>
+        <p:cNvPr id="1" name=""/>
+        <p:cNvGrpSpPr/>
+        <p:nvPr/>
+      </p:nvGrpSpPr>
+      <p:grpSpPr>
+        <a:xfrm>
+          <a:off x="0" y="0"/>
+          <a:ext cx="0" cy="0"/>
+          <a:chOff x="0" y="0"/>
+          <a:chExt cx="0" cy="0"/>
+        </a:xfrm>
+      </p:grpSpPr>
+      <p:sp>
+        <p:nvSpPr>
+          <p:cNvPr id="2" name="Slide Image Placeholder 1"/>
+          <p:cNvSpPr>
+            <a:spLocks noGrp="1" noRot="1" noChangeAspect="1"/>
+          </p:cNvSpPr>
+          <p:nvPr>
+            <p:ph type="sldImg"/>
+          </p:nvPr>
+        </p:nvSpPr>
+        <p:spPr/>
+      </p:sp>
+      <p:sp>
+        <p:nvSpPr>
+          <p:cNvPr id="3" name="Notes Placeholder 2"/>
+          <p:cNvSpPr>
+            <a:spLocks noGrp="1"/>
+          </p:cNvSpPr>
+          <p:nvPr>
+            <p:ph type="body" idx="1"/>
+          </p:nvPr>
+        </p:nvSpPr>
+        <p:spPr/>
+        <p:txBody>
+          <a:bodyPr/>
+          <a:lstStyle/>
+          <a:p>
+            <a:r>
+              <a:rPr lang="en-US" b="1" dirty="0"/>
+              <a:t>anomalous dispersion</a:t>
+            </a:r>
+          </a:p>
+          <a:p>
+            <a:r>
+              <a:rPr lang="en-US" dirty="0"/>
+              <a:t>Dispersion that occurs when the medium's index of refraction decreases as the frequency of the propagating light increases. For a given medium, some wavelength ranges may produce anomalous dispersion while others produce normal dispersion.</a:t>
+            </a:r>
+          </a:p>
+          <a:p>
+            <a:r>
+              <a:rPr lang="en-US" b="0" i="0" dirty="0">
+                <a:solidFill>
+                  <a:srgbClr val="202122"/>
+                </a:solidFill>
+                <a:effectLst/>
+                <a:latin typeface="Arial" panose="020B0604020202020204" pitchFamily="34" charset="0"/>
+              </a:rPr>
+              <a:t>In </a:t>
+            </a:r>
+            <a:r>
+              <a:rPr lang="en-US" b="0" i="0" u="none" strike="noStrike" dirty="0">
+                <a:effectLst/>
+                <a:latin typeface="Arial" panose="020B0604020202020204" pitchFamily="34" charset="0"/>
+                <a:hlinkClick r:id="rId3" tooltip="Physics"/>
+              </a:rPr>
+              <a:t>physics</a:t>
+            </a:r>
+            <a:r>
+              <a:rPr lang="en-US" b="0" i="0" dirty="0">
+                <a:solidFill>
+                  <a:srgbClr val="202122"/>
+                </a:solidFill>
+                <a:effectLst/>
+                <a:latin typeface="Arial" panose="020B0604020202020204" pitchFamily="34" charset="0"/>
+              </a:rPr>
+              <a:t>, </a:t>
+            </a:r>
+            <a:r>
+              <a:rPr lang="en-US" b="1" i="0" dirty="0">
+                <a:solidFill>
+                  <a:srgbClr val="202122"/>
+                </a:solidFill>
+                <a:effectLst/>
+                <a:latin typeface="Arial" panose="020B0604020202020204" pitchFamily="34" charset="0"/>
+              </a:rPr>
+              <a:t>screening</a:t>
+            </a:r>
+            <a:r>
+              <a:rPr lang="en-US" b="0" i="0" dirty="0">
+                <a:solidFill>
+                  <a:srgbClr val="202122"/>
+                </a:solidFill>
+                <a:effectLst/>
+                <a:latin typeface="Arial" panose="020B0604020202020204" pitchFamily="34" charset="0"/>
+              </a:rPr>
+              <a:t> is the damping of </a:t>
+            </a:r>
+            <a:r>
+              <a:rPr lang="en-US" b="0" i="0" u="none" strike="noStrike" dirty="0">
+                <a:effectLst/>
+                <a:latin typeface="Arial" panose="020B0604020202020204" pitchFamily="34" charset="0"/>
+                <a:hlinkClick r:id="rId4" tooltip="Electric field"/>
+              </a:rPr>
+              <a:t>electric fields</a:t>
+            </a:r>
+            <a:r>
+              <a:rPr lang="en-US" b="0" i="0" dirty="0">
+                <a:solidFill>
+                  <a:srgbClr val="202122"/>
+                </a:solidFill>
+                <a:effectLst/>
+                <a:latin typeface="Arial" panose="020B0604020202020204" pitchFamily="34" charset="0"/>
+              </a:rPr>
+              <a:t> caused by the presence of mobile </a:t>
+            </a:r>
+            <a:r>
+              <a:rPr lang="en-US" b="0" i="0" u="none" strike="noStrike" dirty="0">
+                <a:effectLst/>
+                <a:latin typeface="Arial" panose="020B0604020202020204" pitchFamily="34" charset="0"/>
+                <a:hlinkClick r:id="rId5" tooltip="Electric charge"/>
+              </a:rPr>
+              <a:t>charge</a:t>
+            </a:r>
+            <a:r>
+              <a:rPr lang="en-US" b="0" i="0" dirty="0">
+                <a:solidFill>
+                  <a:srgbClr val="202122"/>
+                </a:solidFill>
+                <a:effectLst/>
+                <a:latin typeface="Arial" panose="020B0604020202020204" pitchFamily="34" charset="0"/>
+              </a:rPr>
+              <a:t> carriers. It is an important part of the behavior of charge-carrying </a:t>
+            </a:r>
+            <a:r>
+              <a:rPr lang="en-US" b="0" i="0" u="none" strike="noStrike" dirty="0">
+                <a:effectLst/>
+                <a:latin typeface="Arial" panose="020B0604020202020204" pitchFamily="34" charset="0"/>
+                <a:hlinkClick r:id="rId6" tooltip="Fluid"/>
+              </a:rPr>
+              <a:t>fluids</a:t>
+            </a:r>
+            <a:r>
+              <a:rPr lang="en-US" b="0" i="0" dirty="0">
+                <a:solidFill>
+                  <a:srgbClr val="202122"/>
+                </a:solidFill>
+                <a:effectLst/>
+                <a:latin typeface="Arial" panose="020B0604020202020204" pitchFamily="34" charset="0"/>
+              </a:rPr>
+              <a:t>, such as ionized gases (classical </a:t>
+            </a:r>
+            <a:r>
+              <a:rPr lang="en-US" b="0" i="0" u="none" strike="noStrike" dirty="0">
+                <a:effectLst/>
+                <a:latin typeface="Arial" panose="020B0604020202020204" pitchFamily="34" charset="0"/>
+                <a:hlinkClick r:id="rId7" tooltip="Plasma (physics)"/>
+              </a:rPr>
+              <a:t>plasmas</a:t>
+            </a:r>
+            <a:r>
+              <a:rPr lang="en-US" b="0" i="0" dirty="0">
+                <a:solidFill>
+                  <a:srgbClr val="202122"/>
+                </a:solidFill>
+                <a:effectLst/>
+                <a:latin typeface="Arial" panose="020B0604020202020204" pitchFamily="34" charset="0"/>
+              </a:rPr>
+              <a:t>), </a:t>
+            </a:r>
+            <a:r>
+              <a:rPr lang="en-US" b="0" i="0" u="none" strike="noStrike" dirty="0">
+                <a:effectLst/>
+                <a:latin typeface="Arial" panose="020B0604020202020204" pitchFamily="34" charset="0"/>
+                <a:hlinkClick r:id="rId8" tooltip="Electrolyte"/>
+              </a:rPr>
+              <a:t>electrolytes</a:t>
+            </a:r>
+            <a:r>
+              <a:rPr lang="en-US" b="0" i="0" dirty="0">
+                <a:solidFill>
+                  <a:srgbClr val="202122"/>
+                </a:solidFill>
+                <a:effectLst/>
+                <a:latin typeface="Arial" panose="020B0604020202020204" pitchFamily="34" charset="0"/>
+              </a:rPr>
+              <a:t>, and </a:t>
+            </a:r>
+            <a:r>
+              <a:rPr lang="en-US" b="0" i="0" u="none" strike="noStrike" dirty="0">
+                <a:effectLst/>
+                <a:latin typeface="Arial" panose="020B0604020202020204" pitchFamily="34" charset="0"/>
+                <a:hlinkClick r:id="rId9" tooltip="Charge carrier"/>
+              </a:rPr>
+              <a:t>charge carriers</a:t>
+            </a:r>
+            <a:r>
+              <a:rPr lang="en-US" b="0" i="0" dirty="0">
+                <a:solidFill>
+                  <a:srgbClr val="202122"/>
+                </a:solidFill>
+                <a:effectLst/>
+                <a:latin typeface="Arial" panose="020B0604020202020204" pitchFamily="34" charset="0"/>
+              </a:rPr>
+              <a:t> in electronic conductors (</a:t>
+            </a:r>
+            <a:r>
+              <a:rPr lang="en-US" b="0" i="0" u="none" strike="noStrike" dirty="0">
+                <a:effectLst/>
+                <a:latin typeface="Arial" panose="020B0604020202020204" pitchFamily="34" charset="0"/>
+                <a:hlinkClick r:id="rId10" tooltip="Semiconductor"/>
+              </a:rPr>
+              <a:t>semiconductors</a:t>
+            </a:r>
+            <a:r>
+              <a:rPr lang="en-US" b="0" i="0" dirty="0">
+                <a:solidFill>
+                  <a:srgbClr val="202122"/>
+                </a:solidFill>
+                <a:effectLst/>
+                <a:latin typeface="Arial" panose="020B0604020202020204" pitchFamily="34" charset="0"/>
+              </a:rPr>
+              <a:t>, </a:t>
+            </a:r>
+            <a:r>
+              <a:rPr lang="en-US" b="0" i="0" u="none" strike="noStrike" dirty="0">
+                <a:effectLst/>
+                <a:latin typeface="Arial" panose="020B0604020202020204" pitchFamily="34" charset="0"/>
+                <a:hlinkClick r:id="rId11" tooltip="Metal"/>
+              </a:rPr>
+              <a:t>metals</a:t>
+            </a:r>
+            <a:r>
+              <a:rPr lang="en-US" b="0" i="0" dirty="0">
+                <a:solidFill>
+                  <a:srgbClr val="202122"/>
+                </a:solidFill>
+                <a:effectLst/>
+                <a:latin typeface="Arial" panose="020B0604020202020204" pitchFamily="34" charset="0"/>
+              </a:rPr>
+              <a:t>).</a:t>
+            </a:r>
+            <a:endParaRPr lang="en-US" dirty="0"/>
+          </a:p>
+        </p:txBody>
+      </p:sp>
+    </p:spTree>
+    <p:extLst>
+      <p:ext uri="{BB962C8B-B14F-4D97-AF65-F5344CB8AC3E}">
+        <p14:creationId xmlns:p14="http://schemas.microsoft.com/office/powerpoint/2010/main" val="1008508874"/>
       </p:ext>
     </p:extLst>
   </p:cSld>
@@ -6916,8 +7193,8 @@
           <a:chExt cx="0" cy="0"/>
         </a:xfrm>
       </p:grpSpPr>
-      <mc:AlternateContent xmlns:mc="http://schemas.openxmlformats.org/markup-compatibility/2006">
-        <mc:Choice xmlns:a14="http://schemas.microsoft.com/office/drawing/2010/main" Requires="a14">
+      <mc:AlternateContent xmlns:mc="http://schemas.openxmlformats.org/markup-compatibility/2006" xmlns:a14="http://schemas.microsoft.com/office/drawing/2010/main">
+        <mc:Choice Requires="a14">
           <p:sp>
             <p:nvSpPr>
               <p:cNvPr id="2" name="Content Placeholder 1">
@@ -7424,7 +7701,7 @@
                     <m:sSup>
                       <m:sSupPr>
                         <m:ctrlPr>
-                          <a:rPr lang="en-US" sz="1800" smtClean="0">
+                          <a:rPr lang="en-US" sz="1800" i="1" smtClean="0">
                             <a:solidFill>
                               <a:srgbClr val="836967"/>
                             </a:solidFill>
@@ -7583,7 +7860,7 @@
             </p:txBody>
           </p:sp>
         </mc:Choice>
-        <mc:Fallback>
+        <mc:Fallback xmlns="">
           <p:sp>
             <p:nvSpPr>
               <p:cNvPr id="2" name="Content Placeholder 1">
@@ -7768,8 +8045,8 @@
           <a:chExt cx="0" cy="0"/>
         </a:xfrm>
       </p:grpSpPr>
-      <mc:AlternateContent xmlns:mc="http://schemas.openxmlformats.org/markup-compatibility/2006">
-        <mc:Choice xmlns:a14="http://schemas.microsoft.com/office/drawing/2010/main" Requires="a14">
+      <mc:AlternateContent xmlns:mc="http://schemas.openxmlformats.org/markup-compatibility/2006" xmlns:a14="http://schemas.microsoft.com/office/drawing/2010/main">
+        <mc:Choice Requires="a14">
           <p:sp>
             <p:nvSpPr>
               <p:cNvPr id="2" name="Content Placeholder 1">
@@ -8158,7 +8435,7 @@
             </p:txBody>
           </p:sp>
         </mc:Choice>
-        <mc:Fallback>
+        <mc:Fallback xmlns="">
           <p:sp>
             <p:nvSpPr>
               <p:cNvPr id="2" name="Content Placeholder 1">
@@ -9349,6 +9626,2698 @@
     <p:extLst>
       <p:ext uri="{BB962C8B-B14F-4D97-AF65-F5344CB8AC3E}">
         <p14:creationId xmlns:p14="http://schemas.microsoft.com/office/powerpoint/2010/main" val="3222630248"/>
+      </p:ext>
+    </p:extLst>
+  </p:cSld>
+  <p:clrMapOvr>
+    <a:masterClrMapping/>
+  </p:clrMapOvr>
+</p:sld>
+</file>
+
+<file path=ppt/slides/slide24.xml><?xml version="1.0" encoding="utf-8"?>
+<p:sld xmlns:a="http://schemas.openxmlformats.org/drawingml/2006/main" xmlns:r="http://schemas.openxmlformats.org/officeDocument/2006/relationships" xmlns:p="http://schemas.openxmlformats.org/presentationml/2006/main">
+  <p:cSld>
+    <p:spTree>
+      <p:nvGrpSpPr>
+        <p:cNvPr id="1" name=""/>
+        <p:cNvGrpSpPr/>
+        <p:nvPr/>
+      </p:nvGrpSpPr>
+      <p:grpSpPr>
+        <a:xfrm>
+          <a:off x="0" y="0"/>
+          <a:ext cx="0" cy="0"/>
+          <a:chOff x="0" y="0"/>
+          <a:chExt cx="0" cy="0"/>
+        </a:xfrm>
+      </p:grpSpPr>
+      <p:sp>
+        <p:nvSpPr>
+          <p:cNvPr id="2" name="Content Placeholder 1">
+            <a:extLst>
+              <a:ext uri="{FF2B5EF4-FFF2-40B4-BE49-F238E27FC236}">
+                <a16:creationId xmlns:a16="http://schemas.microsoft.com/office/drawing/2014/main" id="{E6664CC7-0E2B-C9E8-7253-2EF17B88785E}"/>
+              </a:ext>
+            </a:extLst>
+          </p:cNvPr>
+          <p:cNvSpPr>
+            <a:spLocks noGrp="1"/>
+          </p:cNvSpPr>
+          <p:nvPr>
+            <p:ph idx="1"/>
+          </p:nvPr>
+        </p:nvSpPr>
+        <p:spPr/>
+        <p:txBody>
+          <a:bodyPr/>
+          <a:lstStyle/>
+          <a:p>
+            <a:r>
+              <a:rPr lang="en-US" dirty="0"/>
+              <a:t>Literature reading</a:t>
+            </a:r>
+          </a:p>
+          <a:p>
+            <a:pPr lvl="1"/>
+            <a:r>
+              <a:rPr lang="en-US" dirty="0"/>
+              <a:t>On the modeling of thermal and free carrier nonlinearities in silicon-on-insulator </a:t>
+            </a:r>
+            <a:r>
+              <a:rPr lang="en-US" dirty="0" err="1"/>
+              <a:t>microring</a:t>
+            </a:r>
+            <a:r>
+              <a:rPr lang="en-US" dirty="0"/>
+              <a:t> resonators</a:t>
+            </a:r>
+          </a:p>
+          <a:p>
+            <a:pPr lvl="1"/>
+            <a:r>
+              <a:rPr lang="en-US" dirty="0"/>
+              <a:t>Thermo-Optic </a:t>
+            </a:r>
+            <a:r>
+              <a:rPr lang="en-US" altLang="zh-CN" dirty="0" err="1"/>
+              <a:t>m</a:t>
+            </a:r>
+            <a:r>
+              <a:rPr lang="en-US" dirty="0" err="1"/>
+              <a:t>ultistability</a:t>
+            </a:r>
+            <a:r>
+              <a:rPr lang="en-US" dirty="0"/>
+              <a:t> and relaxation in silicon </a:t>
+            </a:r>
+            <a:r>
+              <a:rPr lang="en-US" dirty="0" err="1"/>
+              <a:t>microring</a:t>
+            </a:r>
+            <a:r>
+              <a:rPr lang="en-US" dirty="0"/>
+              <a:t> resonators with lateral diodes - Appendix B</a:t>
+            </a:r>
+          </a:p>
+          <a:p>
+            <a:pPr lvl="1"/>
+            <a:r>
+              <a:rPr lang="en-US" dirty="0"/>
+              <a:t>Conditions for Parametric and Free-Carrier Oscillation in Silicon Ring Cavities - V</a:t>
+            </a:r>
+          </a:p>
+          <a:p>
+            <a:pPr lvl="1"/>
+            <a:r>
+              <a:rPr lang="en-US" dirty="0"/>
+              <a:t>Measurement with Pump and probe technique, modelling with experimental modeling through fitting and finite-element model (FEM)</a:t>
+            </a:r>
+          </a:p>
+          <a:p>
+            <a:pPr lvl="1"/>
+            <a:endParaRPr lang="en-US" dirty="0"/>
+          </a:p>
+          <a:p>
+            <a:r>
+              <a:rPr lang="de-DE" altLang="zh-CN" sz="2000" dirty="0"/>
+              <a:t>Refractive index variation due to </a:t>
+            </a:r>
+          </a:p>
+          <a:p>
+            <a:pPr marL="0" indent="0">
+              <a:buNone/>
+            </a:pPr>
+            <a:r>
+              <a:rPr lang="zh-CN" altLang="en-US" sz="2000" dirty="0"/>
+              <a:t>    → </a:t>
+            </a:r>
+            <a:r>
+              <a:rPr lang="en-US" altLang="zh-CN" sz="2000" dirty="0"/>
+              <a:t>free carrier dispersion (FCD) </a:t>
+            </a:r>
+            <a:r>
+              <a:rPr lang="en-US" altLang="zh-CN" sz="2000" dirty="0">
+                <a:sym typeface="Wingdings" panose="05000000000000000000" pitchFamily="2" charset="2"/>
+              </a:rPr>
+              <a:t> extra loss </a:t>
+            </a:r>
+            <a:endParaRPr lang="en-US" altLang="zh-CN" sz="2000" dirty="0"/>
+          </a:p>
+          <a:p>
+            <a:pPr marL="0" indent="0">
+              <a:buNone/>
+            </a:pPr>
+            <a:r>
+              <a:rPr lang="en-US" altLang="zh-CN" sz="2000" dirty="0"/>
+              <a:t>    </a:t>
+            </a:r>
+            <a:r>
+              <a:rPr lang="zh-CN" altLang="en-US" sz="2000" dirty="0"/>
+              <a:t>→ </a:t>
+            </a:r>
+            <a:r>
+              <a:rPr lang="de-DE" altLang="zh-CN" sz="2000" dirty="0"/>
+              <a:t>the </a:t>
+            </a:r>
+            <a:r>
+              <a:rPr lang="en-US" altLang="zh-CN" sz="2000" dirty="0"/>
+              <a:t>temperature variation (thermal-optic (TO))</a:t>
+            </a:r>
+          </a:p>
+        </p:txBody>
+      </p:sp>
+      <p:sp>
+        <p:nvSpPr>
+          <p:cNvPr id="3" name="Title 2">
+            <a:extLst>
+              <a:ext uri="{FF2B5EF4-FFF2-40B4-BE49-F238E27FC236}">
+                <a16:creationId xmlns:a16="http://schemas.microsoft.com/office/drawing/2014/main" id="{1A02AD15-BE9B-B79F-13FC-EA75B51B9EE6}"/>
+              </a:ext>
+            </a:extLst>
+          </p:cNvPr>
+          <p:cNvSpPr>
+            <a:spLocks noGrp="1"/>
+          </p:cNvSpPr>
+          <p:nvPr>
+            <p:ph type="title"/>
+          </p:nvPr>
+        </p:nvSpPr>
+        <p:spPr/>
+        <p:txBody>
+          <a:bodyPr/>
+          <a:lstStyle/>
+          <a:p>
+            <a:r>
+              <a:rPr lang="en-US" dirty="0"/>
+              <a:t>W</a:t>
+            </a:r>
+            <a:r>
+              <a:rPr lang="en-US" altLang="zh-CN" dirty="0"/>
+              <a:t>eek 16: Free Carrier and Thermal</a:t>
+            </a:r>
+            <a:endParaRPr lang="en-US" dirty="0"/>
+          </a:p>
+        </p:txBody>
+      </p:sp>
+      <p:sp>
+        <p:nvSpPr>
+          <p:cNvPr id="4" name="Date Placeholder 3">
+            <a:extLst>
+              <a:ext uri="{FF2B5EF4-FFF2-40B4-BE49-F238E27FC236}">
+                <a16:creationId xmlns:a16="http://schemas.microsoft.com/office/drawing/2014/main" id="{7B81B8F4-801A-9AF8-13DA-238FBCF1A53E}"/>
+              </a:ext>
+            </a:extLst>
+          </p:cNvPr>
+          <p:cNvSpPr>
+            <a:spLocks noGrp="1"/>
+          </p:cNvSpPr>
+          <p:nvPr>
+            <p:ph type="dt" sz="half" idx="10"/>
+          </p:nvPr>
+        </p:nvSpPr>
+        <p:spPr/>
+        <p:txBody>
+          <a:bodyPr/>
+          <a:lstStyle/>
+          <a:p>
+            <a:fld id="{23E2BD91-2AE8-487A-BD5C-78BC9B3F7C4B}" type="datetime1">
+              <a:rPr lang="en-US" smtClean="0"/>
+              <a:t>9/17/2024</a:t>
+            </a:fld>
+            <a:endParaRPr lang="en-US"/>
+          </a:p>
+        </p:txBody>
+      </p:sp>
+      <p:sp>
+        <p:nvSpPr>
+          <p:cNvPr id="5" name="Footer Placeholder 4">
+            <a:extLst>
+              <a:ext uri="{FF2B5EF4-FFF2-40B4-BE49-F238E27FC236}">
+                <a16:creationId xmlns:a16="http://schemas.microsoft.com/office/drawing/2014/main" id="{36B1E76A-E0F9-E9B6-1B41-848B64A71237}"/>
+              </a:ext>
+            </a:extLst>
+          </p:cNvPr>
+          <p:cNvSpPr>
+            <a:spLocks noGrp="1"/>
+          </p:cNvSpPr>
+          <p:nvPr>
+            <p:ph type="ftr" sz="quarter" idx="11"/>
+          </p:nvPr>
+        </p:nvSpPr>
+        <p:spPr/>
+        <p:txBody>
+          <a:bodyPr/>
+          <a:lstStyle/>
+          <a:p>
+            <a:endParaRPr lang="en-US"/>
+          </a:p>
+        </p:txBody>
+      </p:sp>
+      <p:sp>
+        <p:nvSpPr>
+          <p:cNvPr id="6" name="Slide Number Placeholder 5">
+            <a:extLst>
+              <a:ext uri="{FF2B5EF4-FFF2-40B4-BE49-F238E27FC236}">
+                <a16:creationId xmlns:a16="http://schemas.microsoft.com/office/drawing/2014/main" id="{E52B000B-0C35-A5BC-C931-43B24C56AFCC}"/>
+              </a:ext>
+            </a:extLst>
+          </p:cNvPr>
+          <p:cNvSpPr>
+            <a:spLocks noGrp="1"/>
+          </p:cNvSpPr>
+          <p:nvPr>
+            <p:ph type="sldNum" sz="quarter" idx="12"/>
+          </p:nvPr>
+        </p:nvSpPr>
+        <p:spPr/>
+        <p:txBody>
+          <a:bodyPr/>
+          <a:lstStyle/>
+          <a:p>
+            <a:fld id="{2697313F-D866-4554-955F-25FA0D5B9080}" type="slidenum">
+              <a:rPr lang="en-US" smtClean="0"/>
+              <a:t>24</a:t>
+            </a:fld>
+            <a:endParaRPr lang="en-US"/>
+          </a:p>
+        </p:txBody>
+      </p:sp>
+    </p:spTree>
+    <p:extLst>
+      <p:ext uri="{BB962C8B-B14F-4D97-AF65-F5344CB8AC3E}">
+        <p14:creationId xmlns:p14="http://schemas.microsoft.com/office/powerpoint/2010/main" val="2971009843"/>
+      </p:ext>
+    </p:extLst>
+  </p:cSld>
+  <p:clrMapOvr>
+    <a:masterClrMapping/>
+  </p:clrMapOvr>
+</p:sld>
+</file>
+
+<file path=ppt/slides/slide25.xml><?xml version="1.0" encoding="utf-8"?>
+<p:sld xmlns:a="http://schemas.openxmlformats.org/drawingml/2006/main" xmlns:r="http://schemas.openxmlformats.org/officeDocument/2006/relationships" xmlns:p="http://schemas.openxmlformats.org/presentationml/2006/main">
+  <p:cSld>
+    <p:spTree>
+      <p:nvGrpSpPr>
+        <p:cNvPr id="1" name=""/>
+        <p:cNvGrpSpPr/>
+        <p:nvPr/>
+      </p:nvGrpSpPr>
+      <p:grpSpPr>
+        <a:xfrm>
+          <a:off x="0" y="0"/>
+          <a:ext cx="0" cy="0"/>
+          <a:chOff x="0" y="0"/>
+          <a:chExt cx="0" cy="0"/>
+        </a:xfrm>
+      </p:grpSpPr>
+      <p:pic>
+        <p:nvPicPr>
+          <p:cNvPr id="8" name="Content Placeholder 7">
+            <a:extLst>
+              <a:ext uri="{FF2B5EF4-FFF2-40B4-BE49-F238E27FC236}">
+                <a16:creationId xmlns:a16="http://schemas.microsoft.com/office/drawing/2014/main" id="{4DEB2A44-C849-0EF8-79D7-181583D607B1}"/>
+              </a:ext>
+            </a:extLst>
+          </p:cNvPr>
+          <p:cNvPicPr>
+            <a:picLocks noGrp="1" noChangeAspect="1"/>
+          </p:cNvPicPr>
+          <p:nvPr>
+            <p:ph idx="1"/>
+          </p:nvPr>
+        </p:nvPicPr>
+        <p:blipFill>
+          <a:blip r:embed="rId2"/>
+          <a:stretch>
+            <a:fillRect/>
+          </a:stretch>
+        </p:blipFill>
+        <p:spPr>
+          <a:xfrm>
+            <a:off x="2999892" y="1386583"/>
+            <a:ext cx="3458058" cy="1409897"/>
+          </a:xfrm>
+        </p:spPr>
+      </p:pic>
+      <p:sp>
+        <p:nvSpPr>
+          <p:cNvPr id="3" name="Title 2">
+            <a:extLst>
+              <a:ext uri="{FF2B5EF4-FFF2-40B4-BE49-F238E27FC236}">
+                <a16:creationId xmlns:a16="http://schemas.microsoft.com/office/drawing/2014/main" id="{DC183B44-C840-57ED-8D91-B8D371ECC634}"/>
+              </a:ext>
+            </a:extLst>
+          </p:cNvPr>
+          <p:cNvSpPr>
+            <a:spLocks noGrp="1"/>
+          </p:cNvSpPr>
+          <p:nvPr>
+            <p:ph type="title"/>
+          </p:nvPr>
+        </p:nvSpPr>
+        <p:spPr>
+          <a:xfrm>
+            <a:off x="250824" y="149225"/>
+            <a:ext cx="8131176" cy="647700"/>
+          </a:xfrm>
+        </p:spPr>
+        <p:txBody>
+          <a:bodyPr/>
+          <a:lstStyle/>
+          <a:p>
+            <a:r>
+              <a:rPr lang="en-US" sz="2500" dirty="0"/>
+              <a:t>The Temporal Dynamics of SOI </a:t>
+            </a:r>
+            <a:r>
+              <a:rPr lang="en-US" sz="2500" dirty="0" err="1"/>
+              <a:t>M</a:t>
+            </a:r>
+            <a:r>
+              <a:rPr lang="en-US" altLang="zh-CN" sz="2500" dirty="0" err="1"/>
+              <a:t>icroresonator</a:t>
+            </a:r>
+            <a:r>
+              <a:rPr lang="en-US" altLang="zh-CN" sz="2500" dirty="0"/>
+              <a:t> </a:t>
+            </a:r>
+            <a:br>
+              <a:rPr lang="en-US" altLang="zh-CN" sz="2500" dirty="0"/>
+            </a:br>
+            <a:r>
+              <a:rPr lang="en-US" altLang="zh-CN" sz="2500" dirty="0"/>
+              <a:t>Self-pulsing</a:t>
+            </a:r>
+            <a:endParaRPr lang="en-US" sz="2500" dirty="0"/>
+          </a:p>
+        </p:txBody>
+      </p:sp>
+      <p:sp>
+        <p:nvSpPr>
+          <p:cNvPr id="4" name="Date Placeholder 3">
+            <a:extLst>
+              <a:ext uri="{FF2B5EF4-FFF2-40B4-BE49-F238E27FC236}">
+                <a16:creationId xmlns:a16="http://schemas.microsoft.com/office/drawing/2014/main" id="{58832A02-BCBC-342F-5838-4D2A9C19D471}"/>
+              </a:ext>
+            </a:extLst>
+          </p:cNvPr>
+          <p:cNvSpPr>
+            <a:spLocks noGrp="1"/>
+          </p:cNvSpPr>
+          <p:nvPr>
+            <p:ph type="dt" sz="half" idx="10"/>
+          </p:nvPr>
+        </p:nvSpPr>
+        <p:spPr/>
+        <p:txBody>
+          <a:bodyPr/>
+          <a:lstStyle/>
+          <a:p>
+            <a:fld id="{23E2BD91-2AE8-487A-BD5C-78BC9B3F7C4B}" type="datetime1">
+              <a:rPr lang="en-US" smtClean="0"/>
+              <a:t>9/19/2024</a:t>
+            </a:fld>
+            <a:endParaRPr lang="en-US"/>
+          </a:p>
+        </p:txBody>
+      </p:sp>
+      <p:sp>
+        <p:nvSpPr>
+          <p:cNvPr id="5" name="Footer Placeholder 4">
+            <a:extLst>
+              <a:ext uri="{FF2B5EF4-FFF2-40B4-BE49-F238E27FC236}">
+                <a16:creationId xmlns:a16="http://schemas.microsoft.com/office/drawing/2014/main" id="{09D50E58-92CC-C18F-7F90-212D2B3BAAD8}"/>
+              </a:ext>
+            </a:extLst>
+          </p:cNvPr>
+          <p:cNvSpPr>
+            <a:spLocks noGrp="1"/>
+          </p:cNvSpPr>
+          <p:nvPr>
+            <p:ph type="ftr" sz="quarter" idx="11"/>
+          </p:nvPr>
+        </p:nvSpPr>
+        <p:spPr/>
+        <p:txBody>
+          <a:bodyPr/>
+          <a:lstStyle/>
+          <a:p>
+            <a:endParaRPr lang="en-US"/>
+          </a:p>
+        </p:txBody>
+      </p:sp>
+      <p:sp>
+        <p:nvSpPr>
+          <p:cNvPr id="6" name="Slide Number Placeholder 5">
+            <a:extLst>
+              <a:ext uri="{FF2B5EF4-FFF2-40B4-BE49-F238E27FC236}">
+                <a16:creationId xmlns:a16="http://schemas.microsoft.com/office/drawing/2014/main" id="{3A104AAD-59D4-BED4-4DDA-919006AB3492}"/>
+              </a:ext>
+            </a:extLst>
+          </p:cNvPr>
+          <p:cNvSpPr>
+            <a:spLocks noGrp="1"/>
+          </p:cNvSpPr>
+          <p:nvPr>
+            <p:ph type="sldNum" sz="quarter" idx="12"/>
+          </p:nvPr>
+        </p:nvSpPr>
+        <p:spPr/>
+        <p:txBody>
+          <a:bodyPr/>
+          <a:lstStyle/>
+          <a:p>
+            <a:fld id="{2697313F-D866-4554-955F-25FA0D5B9080}" type="slidenum">
+              <a:rPr lang="en-US" smtClean="0"/>
+              <a:t>25</a:t>
+            </a:fld>
+            <a:endParaRPr lang="en-US"/>
+          </a:p>
+        </p:txBody>
+      </p:sp>
+      <p:sp>
+        <p:nvSpPr>
+          <p:cNvPr id="9" name="TextBox 8">
+            <a:extLst>
+              <a:ext uri="{FF2B5EF4-FFF2-40B4-BE49-F238E27FC236}">
+                <a16:creationId xmlns:a16="http://schemas.microsoft.com/office/drawing/2014/main" id="{16E2A9F0-2030-4826-E3F5-666636A84E3A}"/>
+              </a:ext>
+            </a:extLst>
+          </p:cNvPr>
+          <p:cNvSpPr txBox="1"/>
+          <p:nvPr/>
+        </p:nvSpPr>
+        <p:spPr>
+          <a:xfrm>
+            <a:off x="136781" y="1562100"/>
+            <a:ext cx="2648482" cy="1569660"/>
+          </a:xfrm>
+          <a:prstGeom prst="rect">
+            <a:avLst/>
+          </a:prstGeom>
+          <a:noFill/>
+        </p:spPr>
+        <p:txBody>
+          <a:bodyPr wrap="none" rtlCol="0">
+            <a:spAutoFit/>
+          </a:bodyPr>
+          <a:lstStyle/>
+          <a:p>
+            <a:r>
+              <a:rPr lang="en-US" sz="1600" b="0" dirty="0">
+                <a:solidFill>
+                  <a:srgbClr val="19375B"/>
+                </a:solidFill>
+              </a:rPr>
+              <a:t>T</a:t>
+            </a:r>
+            <a:r>
+              <a:rPr lang="en-US" altLang="zh-CN" sz="1600" b="0" dirty="0">
+                <a:solidFill>
+                  <a:srgbClr val="19375B"/>
+                </a:solidFill>
+              </a:rPr>
+              <a:t>he internal energy of MR:</a:t>
+            </a:r>
+          </a:p>
+          <a:p>
+            <a:endParaRPr lang="en-US" sz="1600" dirty="0">
+              <a:solidFill>
+                <a:srgbClr val="19375B"/>
+              </a:solidFill>
+            </a:endParaRPr>
+          </a:p>
+          <a:p>
+            <a:endParaRPr lang="en-US" sz="1600" dirty="0">
+              <a:solidFill>
+                <a:srgbClr val="19375B"/>
+              </a:solidFill>
+            </a:endParaRPr>
+          </a:p>
+          <a:p>
+            <a:r>
+              <a:rPr lang="en-US" sz="1600" b="0" dirty="0">
+                <a:solidFill>
+                  <a:srgbClr val="19375B"/>
+                </a:solidFill>
+              </a:rPr>
+              <a:t>The free carrier population:</a:t>
+            </a:r>
+          </a:p>
+          <a:p>
+            <a:endParaRPr lang="en-US" sz="1600" dirty="0">
+              <a:solidFill>
+                <a:srgbClr val="19375B"/>
+              </a:solidFill>
+            </a:endParaRPr>
+          </a:p>
+          <a:p>
+            <a:endParaRPr lang="en-US" sz="1600" dirty="0">
+              <a:solidFill>
+                <a:srgbClr val="19375B"/>
+              </a:solidFill>
+            </a:endParaRPr>
+          </a:p>
+        </p:txBody>
+      </p:sp>
+      <p:pic>
+        <p:nvPicPr>
+          <p:cNvPr id="13" name="Picture 12">
+            <a:extLst>
+              <a:ext uri="{FF2B5EF4-FFF2-40B4-BE49-F238E27FC236}">
+                <a16:creationId xmlns:a16="http://schemas.microsoft.com/office/drawing/2014/main" id="{B3F3B405-A24C-69AD-E4D6-08F8691A49F9}"/>
+              </a:ext>
+            </a:extLst>
+          </p:cNvPr>
+          <p:cNvPicPr>
+            <a:picLocks noChangeAspect="1"/>
+          </p:cNvPicPr>
+          <p:nvPr/>
+        </p:nvPicPr>
+        <p:blipFill>
+          <a:blip r:embed="rId3"/>
+          <a:srcRect l="9280" b="60000"/>
+          <a:stretch/>
+        </p:blipFill>
+        <p:spPr>
+          <a:xfrm>
+            <a:off x="160355" y="4651160"/>
+            <a:ext cx="3396423" cy="800213"/>
+          </a:xfrm>
+          <a:prstGeom prst="rect">
+            <a:avLst/>
+          </a:prstGeom>
+        </p:spPr>
+      </p:pic>
+      <p:sp>
+        <p:nvSpPr>
+          <p:cNvPr id="14" name="Arrow: Right 13">
+            <a:extLst>
+              <a:ext uri="{FF2B5EF4-FFF2-40B4-BE49-F238E27FC236}">
+                <a16:creationId xmlns:a16="http://schemas.microsoft.com/office/drawing/2014/main" id="{B4EC97EC-CF65-3CCB-4F00-0E3CC7D91206}"/>
+              </a:ext>
+            </a:extLst>
+          </p:cNvPr>
+          <p:cNvSpPr/>
+          <p:nvPr/>
+        </p:nvSpPr>
+        <p:spPr bwMode="auto">
+          <a:xfrm>
+            <a:off x="2856709" y="4978868"/>
+            <a:ext cx="372266" cy="194049"/>
+          </a:xfrm>
+          <a:prstGeom prst="rightArrow">
+            <a:avLst/>
+          </a:prstGeom>
+          <a:solidFill>
+            <a:srgbClr val="333399"/>
+          </a:solidFill>
+          <a:ln w="12700" cap="flat" cmpd="sng" algn="ctr">
+            <a:noFill/>
+            <a:prstDash val="solid"/>
+            <a:round/>
+            <a:headEnd type="none" w="med" len="med"/>
+            <a:tailEnd type="none" w="med" len="med"/>
+          </a:ln>
+          <a:effectLst/>
+        </p:spPr>
+        <p:txBody>
+          <a:bodyPr vert="horz" wrap="none" lIns="91427" tIns="45714" rIns="91427" bIns="45714" numCol="1" rtlCol="0" anchor="ctr" anchorCtr="0" compatLnSpc="1">
+            <a:prstTxWarp prst="textNoShape">
+              <a:avLst/>
+            </a:prstTxWarp>
+          </a:bodyPr>
+          <a:lstStyle/>
+          <a:p>
+            <a:pPr marL="0" marR="0" indent="0" algn="r" defTabSz="914400" rtl="0" eaLnBrk="1" fontAlgn="base" latinLnBrk="0" hangingPunct="1">
+              <a:lnSpc>
+                <a:spcPct val="110000"/>
+              </a:lnSpc>
+              <a:spcBef>
+                <a:spcPct val="20000"/>
+              </a:spcBef>
+              <a:spcAft>
+                <a:spcPct val="0"/>
+              </a:spcAft>
+              <a:buClr>
+                <a:srgbClr val="333399"/>
+              </a:buClr>
+              <a:buSzPct val="80000"/>
+              <a:buFont typeface="Webdings" pitchFamily="18" charset="2"/>
+              <a:buNone/>
+              <a:tabLst/>
+            </a:pPr>
+            <a:endParaRPr kumimoji="0" lang="en-US" sz="2000" b="0" i="0" u="none" strike="noStrike" cap="none" normalizeH="0" baseline="0" dirty="0">
+              <a:ln>
+                <a:noFill/>
+              </a:ln>
+              <a:solidFill>
+                <a:srgbClr val="003399"/>
+              </a:solidFill>
+              <a:effectLst/>
+              <a:latin typeface="Arial" charset="0"/>
+            </a:endParaRPr>
+          </a:p>
+        </p:txBody>
+      </p:sp>
+      <p:pic>
+        <p:nvPicPr>
+          <p:cNvPr id="16" name="Picture 15">
+            <a:extLst>
+              <a:ext uri="{FF2B5EF4-FFF2-40B4-BE49-F238E27FC236}">
+                <a16:creationId xmlns:a16="http://schemas.microsoft.com/office/drawing/2014/main" id="{40D49665-F3F4-EE9D-7FBA-1AB699EAFD5E}"/>
+              </a:ext>
+            </a:extLst>
+          </p:cNvPr>
+          <p:cNvPicPr>
+            <a:picLocks noChangeAspect="1"/>
+          </p:cNvPicPr>
+          <p:nvPr/>
+        </p:nvPicPr>
+        <p:blipFill>
+          <a:blip r:embed="rId4"/>
+          <a:stretch>
+            <a:fillRect/>
+          </a:stretch>
+        </p:blipFill>
+        <p:spPr>
+          <a:xfrm>
+            <a:off x="3228975" y="4695972"/>
+            <a:ext cx="5353797" cy="800212"/>
+          </a:xfrm>
+          <a:prstGeom prst="rect">
+            <a:avLst/>
+          </a:prstGeom>
+        </p:spPr>
+      </p:pic>
+      <p:sp>
+        <p:nvSpPr>
+          <p:cNvPr id="17" name="TextBox 16">
+            <a:extLst>
+              <a:ext uri="{FF2B5EF4-FFF2-40B4-BE49-F238E27FC236}">
+                <a16:creationId xmlns:a16="http://schemas.microsoft.com/office/drawing/2014/main" id="{A1DC7B74-E98D-A918-3638-BD448801C6F2}"/>
+              </a:ext>
+            </a:extLst>
+          </p:cNvPr>
+          <p:cNvSpPr txBox="1"/>
+          <p:nvPr/>
+        </p:nvSpPr>
+        <p:spPr>
+          <a:xfrm>
+            <a:off x="160354" y="2943026"/>
+            <a:ext cx="2696355" cy="1077218"/>
+          </a:xfrm>
+          <a:prstGeom prst="rect">
+            <a:avLst/>
+          </a:prstGeom>
+          <a:noFill/>
+        </p:spPr>
+        <p:txBody>
+          <a:bodyPr wrap="square" rtlCol="0">
+            <a:spAutoFit/>
+          </a:bodyPr>
+          <a:lstStyle/>
+          <a:p>
+            <a:r>
+              <a:rPr lang="en-US" sz="1600" b="0" dirty="0">
+                <a:solidFill>
+                  <a:srgbClr val="19375B"/>
+                </a:solidFill>
+              </a:rPr>
+              <a:t>The normalized resonance shift induced by </a:t>
+            </a:r>
+            <a:r>
+              <a:rPr lang="en-US" altLang="zh-CN" sz="1600" b="0" dirty="0">
+                <a:solidFill>
+                  <a:srgbClr val="19375B"/>
+                </a:solidFill>
+              </a:rPr>
+              <a:t>ΔT and ΔN</a:t>
+            </a:r>
+            <a:r>
+              <a:rPr lang="en-US" sz="1600" b="0" dirty="0">
+                <a:solidFill>
+                  <a:srgbClr val="19375B"/>
+                </a:solidFill>
+              </a:rPr>
+              <a:t>:</a:t>
+            </a:r>
+          </a:p>
+          <a:p>
+            <a:endParaRPr lang="en-US" sz="1600" b="0" dirty="0">
+              <a:solidFill>
+                <a:srgbClr val="19375B"/>
+              </a:solidFill>
+            </a:endParaRPr>
+          </a:p>
+          <a:p>
+            <a:r>
+              <a:rPr lang="en-US" sz="1600" b="0" dirty="0">
+                <a:solidFill>
+                  <a:srgbClr val="19375B"/>
+                </a:solidFill>
+              </a:rPr>
+              <a:t>The </a:t>
+            </a:r>
+            <a:r>
+              <a:rPr lang="en-US" altLang="zh-CN" sz="1600" b="0" dirty="0">
+                <a:solidFill>
+                  <a:srgbClr val="19375B"/>
+                </a:solidFill>
+              </a:rPr>
+              <a:t>rate of int</a:t>
+            </a:r>
+            <a:r>
+              <a:rPr lang="de-DE" altLang="zh-CN" sz="1600" b="0" dirty="0">
+                <a:solidFill>
+                  <a:srgbClr val="19375B"/>
+                </a:solidFill>
+              </a:rPr>
+              <a:t>. and ext. </a:t>
+            </a:r>
+            <a:r>
+              <a:rPr lang="en-US" altLang="zh-CN" sz="1600" b="0" dirty="0">
+                <a:solidFill>
+                  <a:srgbClr val="19375B"/>
+                </a:solidFill>
+              </a:rPr>
+              <a:t>loss</a:t>
+            </a:r>
+            <a:r>
+              <a:rPr lang="zh-CN" altLang="en-US" sz="1600" b="0" dirty="0">
+                <a:solidFill>
+                  <a:srgbClr val="19375B"/>
+                </a:solidFill>
+              </a:rPr>
+              <a:t>：</a:t>
+            </a:r>
+            <a:endParaRPr lang="en-US" sz="1600" b="0" dirty="0">
+              <a:solidFill>
+                <a:srgbClr val="19375B"/>
+              </a:solidFill>
+            </a:endParaRPr>
+          </a:p>
+        </p:txBody>
+      </p:sp>
+      <p:pic>
+        <p:nvPicPr>
+          <p:cNvPr id="18" name="Picture 17">
+            <a:extLst>
+              <a:ext uri="{FF2B5EF4-FFF2-40B4-BE49-F238E27FC236}">
+                <a16:creationId xmlns:a16="http://schemas.microsoft.com/office/drawing/2014/main" id="{8DA8E906-2EC4-C3B4-7B25-4CC3B24627BB}"/>
+              </a:ext>
+            </a:extLst>
+          </p:cNvPr>
+          <p:cNvPicPr>
+            <a:picLocks noChangeAspect="1"/>
+          </p:cNvPicPr>
+          <p:nvPr/>
+        </p:nvPicPr>
+        <p:blipFill>
+          <a:blip r:embed="rId3"/>
+          <a:srcRect t="40326"/>
+          <a:stretch/>
+        </p:blipFill>
+        <p:spPr>
+          <a:xfrm>
+            <a:off x="3180559" y="2834949"/>
+            <a:ext cx="3743847" cy="1193800"/>
+          </a:xfrm>
+          <a:prstGeom prst="rect">
+            <a:avLst/>
+          </a:prstGeom>
+        </p:spPr>
+      </p:pic>
+      <p:sp>
+        <p:nvSpPr>
+          <p:cNvPr id="22" name="TextBox 21">
+            <a:extLst>
+              <a:ext uri="{FF2B5EF4-FFF2-40B4-BE49-F238E27FC236}">
+                <a16:creationId xmlns:a16="http://schemas.microsoft.com/office/drawing/2014/main" id="{9EB09885-589B-2A4D-9CEC-C718BC3FA7CE}"/>
+              </a:ext>
+            </a:extLst>
+          </p:cNvPr>
+          <p:cNvSpPr txBox="1"/>
+          <p:nvPr/>
+        </p:nvSpPr>
+        <p:spPr>
+          <a:xfrm>
+            <a:off x="160355" y="4343409"/>
+            <a:ext cx="6728362" cy="338554"/>
+          </a:xfrm>
+          <a:prstGeom prst="rect">
+            <a:avLst/>
+          </a:prstGeom>
+          <a:noFill/>
+        </p:spPr>
+        <p:txBody>
+          <a:bodyPr wrap="square">
+            <a:spAutoFit/>
+          </a:bodyPr>
+          <a:lstStyle/>
+          <a:p>
+            <a:r>
+              <a:rPr lang="en-US" sz="1600" dirty="0">
+                <a:solidFill>
+                  <a:srgbClr val="19375B"/>
+                </a:solidFill>
+              </a:rPr>
+              <a:t>The differential temperature with the cladding ∆T:</a:t>
+            </a:r>
+          </a:p>
+        </p:txBody>
+      </p:sp>
+      <p:sp>
+        <p:nvSpPr>
+          <p:cNvPr id="23" name="TextBox 22">
+            <a:extLst>
+              <a:ext uri="{FF2B5EF4-FFF2-40B4-BE49-F238E27FC236}">
+                <a16:creationId xmlns:a16="http://schemas.microsoft.com/office/drawing/2014/main" id="{6A5A7C4B-2A6B-51BC-7302-70EEB6A164BB}"/>
+              </a:ext>
+            </a:extLst>
+          </p:cNvPr>
+          <p:cNvSpPr txBox="1"/>
+          <p:nvPr/>
+        </p:nvSpPr>
+        <p:spPr>
+          <a:xfrm>
+            <a:off x="3375372" y="5510193"/>
+            <a:ext cx="5061001" cy="523220"/>
+          </a:xfrm>
+          <a:prstGeom prst="rect">
+            <a:avLst/>
+          </a:prstGeom>
+          <a:noFill/>
+        </p:spPr>
+        <p:txBody>
+          <a:bodyPr wrap="none" rtlCol="0">
+            <a:spAutoFit/>
+          </a:bodyPr>
+          <a:lstStyle/>
+          <a:p>
+            <a:r>
+              <a:rPr lang="en-US" sz="1400" b="0" dirty="0">
+                <a:solidFill>
+                  <a:srgbClr val="19375B"/>
+                </a:solidFill>
+              </a:rPr>
+              <a:t>W</a:t>
+            </a:r>
+            <a:r>
+              <a:rPr lang="en-US" altLang="zh-CN" sz="1400" b="0" dirty="0">
+                <a:solidFill>
+                  <a:srgbClr val="19375B"/>
+                </a:solidFill>
+              </a:rPr>
+              <a:t>hen the </a:t>
+            </a:r>
+            <a:r>
+              <a:rPr lang="en-US" sz="1400" b="0" dirty="0">
+                <a:solidFill>
+                  <a:srgbClr val="19375B"/>
+                </a:solidFill>
+              </a:rPr>
+              <a:t>temperature profile in the surroundings of the MR is</a:t>
+            </a:r>
+          </a:p>
+          <a:p>
+            <a:r>
+              <a:rPr lang="en-US" sz="1400" b="0" dirty="0">
+                <a:solidFill>
+                  <a:srgbClr val="19375B"/>
+                </a:solidFill>
+              </a:rPr>
+              <a:t>not spatially uniform</a:t>
+            </a:r>
+            <a:r>
+              <a:rPr lang="de-DE" sz="1400" b="0" dirty="0">
+                <a:solidFill>
+                  <a:srgbClr val="19375B"/>
+                </a:solidFill>
+              </a:rPr>
+              <a:t>.</a:t>
+            </a:r>
+            <a:endParaRPr lang="en-US" sz="1400" b="0" dirty="0">
+              <a:solidFill>
+                <a:srgbClr val="19375B"/>
+              </a:solidFill>
+            </a:endParaRPr>
+          </a:p>
+        </p:txBody>
+      </p:sp>
+      <p:sp>
+        <p:nvSpPr>
+          <p:cNvPr id="24" name="TextBox 23">
+            <a:extLst>
+              <a:ext uri="{FF2B5EF4-FFF2-40B4-BE49-F238E27FC236}">
+                <a16:creationId xmlns:a16="http://schemas.microsoft.com/office/drawing/2014/main" id="{50A1CD66-E863-B97B-4779-6806A81DCE1B}"/>
+              </a:ext>
+            </a:extLst>
+          </p:cNvPr>
+          <p:cNvSpPr txBox="1"/>
+          <p:nvPr/>
+        </p:nvSpPr>
+        <p:spPr>
+          <a:xfrm>
+            <a:off x="206374" y="6033083"/>
+            <a:ext cx="8731251" cy="400110"/>
+          </a:xfrm>
+          <a:prstGeom prst="rect">
+            <a:avLst/>
+          </a:prstGeom>
+          <a:noFill/>
+        </p:spPr>
+        <p:txBody>
+          <a:bodyPr wrap="square" rtlCol="0">
+            <a:spAutoFit/>
+          </a:bodyPr>
+          <a:lstStyle/>
+          <a:p>
+            <a:r>
+              <a:rPr lang="en-US" sz="1000" b="0" dirty="0" err="1">
+                <a:solidFill>
+                  <a:srgbClr val="19375B"/>
+                </a:solidFill>
+              </a:rPr>
+              <a:t>Borghi</a:t>
+            </a:r>
+            <a:r>
+              <a:rPr lang="en-US" sz="1000" b="0" dirty="0">
+                <a:solidFill>
+                  <a:srgbClr val="19375B"/>
+                </a:solidFill>
+              </a:rPr>
+              <a:t>, M., </a:t>
+            </a:r>
+            <a:r>
+              <a:rPr lang="en-US" sz="1000" b="0" dirty="0" err="1">
+                <a:solidFill>
+                  <a:srgbClr val="19375B"/>
+                </a:solidFill>
+              </a:rPr>
+              <a:t>Bazzanella</a:t>
+            </a:r>
+            <a:r>
+              <a:rPr lang="en-US" sz="1000" b="0" dirty="0">
+                <a:solidFill>
+                  <a:srgbClr val="19375B"/>
+                </a:solidFill>
+              </a:rPr>
+              <a:t>, D., </a:t>
+            </a:r>
+            <a:r>
+              <a:rPr lang="en-US" sz="1000" b="0" dirty="0" err="1">
+                <a:solidFill>
+                  <a:srgbClr val="19375B"/>
+                </a:solidFill>
+              </a:rPr>
+              <a:t>Mancinelli</a:t>
+            </a:r>
+            <a:r>
+              <a:rPr lang="en-US" sz="1000" b="0" dirty="0">
+                <a:solidFill>
+                  <a:srgbClr val="19375B"/>
+                </a:solidFill>
+              </a:rPr>
+              <a:t>, M. and Pavesi, L., 2021. On the modeling of thermal and free carrier nonlinearities in silicon-on-insulator </a:t>
+            </a:r>
+            <a:r>
+              <a:rPr lang="en-US" sz="1000" b="0" dirty="0" err="1">
+                <a:solidFill>
+                  <a:srgbClr val="19375B"/>
+                </a:solidFill>
+              </a:rPr>
+              <a:t>microring</a:t>
+            </a:r>
+            <a:r>
+              <a:rPr lang="en-US" sz="1000" b="0" dirty="0">
+                <a:solidFill>
+                  <a:srgbClr val="19375B"/>
+                </a:solidFill>
+              </a:rPr>
+              <a:t> resonators. Optics Express, 29(3), pp.4363-4377.</a:t>
+            </a:r>
+          </a:p>
+        </p:txBody>
+      </p:sp>
+    </p:spTree>
+    <p:extLst>
+      <p:ext uri="{BB962C8B-B14F-4D97-AF65-F5344CB8AC3E}">
+        <p14:creationId xmlns:p14="http://schemas.microsoft.com/office/powerpoint/2010/main" val="3283114891"/>
+      </p:ext>
+    </p:extLst>
+  </p:cSld>
+  <p:clrMapOvr>
+    <a:masterClrMapping/>
+  </p:clrMapOvr>
+</p:sld>
+</file>
+
+<file path=ppt/slides/slide26.xml><?xml version="1.0" encoding="utf-8"?>
+<p:sld xmlns:a="http://schemas.openxmlformats.org/drawingml/2006/main" xmlns:r="http://schemas.openxmlformats.org/officeDocument/2006/relationships" xmlns:p="http://schemas.openxmlformats.org/presentationml/2006/main">
+  <p:cSld>
+    <p:spTree>
+      <p:nvGrpSpPr>
+        <p:cNvPr id="1" name=""/>
+        <p:cNvGrpSpPr/>
+        <p:nvPr/>
+      </p:nvGrpSpPr>
+      <p:grpSpPr>
+        <a:xfrm>
+          <a:off x="0" y="0"/>
+          <a:ext cx="0" cy="0"/>
+          <a:chOff x="0" y="0"/>
+          <a:chExt cx="0" cy="0"/>
+        </a:xfrm>
+      </p:grpSpPr>
+      <p:sp>
+        <p:nvSpPr>
+          <p:cNvPr id="3" name="Title 2">
+            <a:extLst>
+              <a:ext uri="{FF2B5EF4-FFF2-40B4-BE49-F238E27FC236}">
+                <a16:creationId xmlns:a16="http://schemas.microsoft.com/office/drawing/2014/main" id="{CB12A7FF-9714-E73A-50AC-0A1D3E08DEC3}"/>
+              </a:ext>
+            </a:extLst>
+          </p:cNvPr>
+          <p:cNvSpPr>
+            <a:spLocks noGrp="1"/>
+          </p:cNvSpPr>
+          <p:nvPr>
+            <p:ph type="title"/>
+          </p:nvPr>
+        </p:nvSpPr>
+        <p:spPr/>
+        <p:txBody>
+          <a:bodyPr/>
+          <a:lstStyle/>
+          <a:p>
+            <a:endParaRPr lang="en-US" dirty="0"/>
+          </a:p>
+        </p:txBody>
+      </p:sp>
+      <p:sp>
+        <p:nvSpPr>
+          <p:cNvPr id="4" name="Date Placeholder 3">
+            <a:extLst>
+              <a:ext uri="{FF2B5EF4-FFF2-40B4-BE49-F238E27FC236}">
+                <a16:creationId xmlns:a16="http://schemas.microsoft.com/office/drawing/2014/main" id="{3BFC9652-A368-7250-8F7D-592AC2C5C2B0}"/>
+              </a:ext>
+            </a:extLst>
+          </p:cNvPr>
+          <p:cNvSpPr>
+            <a:spLocks noGrp="1"/>
+          </p:cNvSpPr>
+          <p:nvPr>
+            <p:ph type="dt" sz="half" idx="10"/>
+          </p:nvPr>
+        </p:nvSpPr>
+        <p:spPr/>
+        <p:txBody>
+          <a:bodyPr/>
+          <a:lstStyle/>
+          <a:p>
+            <a:fld id="{23E2BD91-2AE8-487A-BD5C-78BC9B3F7C4B}" type="datetime1">
+              <a:rPr lang="en-US" smtClean="0"/>
+              <a:t>9/19/2024</a:t>
+            </a:fld>
+            <a:endParaRPr lang="en-US"/>
+          </a:p>
+        </p:txBody>
+      </p:sp>
+      <p:sp>
+        <p:nvSpPr>
+          <p:cNvPr id="5" name="Footer Placeholder 4">
+            <a:extLst>
+              <a:ext uri="{FF2B5EF4-FFF2-40B4-BE49-F238E27FC236}">
+                <a16:creationId xmlns:a16="http://schemas.microsoft.com/office/drawing/2014/main" id="{C929218D-F58C-E197-5BBE-4C307C11E84C}"/>
+              </a:ext>
+            </a:extLst>
+          </p:cNvPr>
+          <p:cNvSpPr>
+            <a:spLocks noGrp="1"/>
+          </p:cNvSpPr>
+          <p:nvPr>
+            <p:ph type="ftr" sz="quarter" idx="11"/>
+          </p:nvPr>
+        </p:nvSpPr>
+        <p:spPr/>
+        <p:txBody>
+          <a:bodyPr/>
+          <a:lstStyle/>
+          <a:p>
+            <a:endParaRPr lang="en-US"/>
+          </a:p>
+        </p:txBody>
+      </p:sp>
+      <p:sp>
+        <p:nvSpPr>
+          <p:cNvPr id="6" name="Slide Number Placeholder 5">
+            <a:extLst>
+              <a:ext uri="{FF2B5EF4-FFF2-40B4-BE49-F238E27FC236}">
+                <a16:creationId xmlns:a16="http://schemas.microsoft.com/office/drawing/2014/main" id="{3306FCBF-74A8-3137-1031-17FEDC144504}"/>
+              </a:ext>
+            </a:extLst>
+          </p:cNvPr>
+          <p:cNvSpPr>
+            <a:spLocks noGrp="1"/>
+          </p:cNvSpPr>
+          <p:nvPr>
+            <p:ph type="sldNum" sz="quarter" idx="12"/>
+          </p:nvPr>
+        </p:nvSpPr>
+        <p:spPr/>
+        <p:txBody>
+          <a:bodyPr/>
+          <a:lstStyle/>
+          <a:p>
+            <a:fld id="{2697313F-D866-4554-955F-25FA0D5B9080}" type="slidenum">
+              <a:rPr lang="en-US" smtClean="0"/>
+              <a:t>26</a:t>
+            </a:fld>
+            <a:endParaRPr lang="en-US"/>
+          </a:p>
+        </p:txBody>
+      </p:sp>
+      <p:pic>
+        <p:nvPicPr>
+          <p:cNvPr id="8" name="Picture 7">
+            <a:extLst>
+              <a:ext uri="{FF2B5EF4-FFF2-40B4-BE49-F238E27FC236}">
+                <a16:creationId xmlns:a16="http://schemas.microsoft.com/office/drawing/2014/main" id="{BF7DB2D8-37DD-E990-09CE-8CAB8DC273D2}"/>
+              </a:ext>
+            </a:extLst>
+          </p:cNvPr>
+          <p:cNvPicPr>
+            <a:picLocks noChangeAspect="1"/>
+          </p:cNvPicPr>
+          <p:nvPr/>
+        </p:nvPicPr>
+        <p:blipFill>
+          <a:blip r:embed="rId2"/>
+          <a:stretch>
+            <a:fillRect/>
+          </a:stretch>
+        </p:blipFill>
+        <p:spPr>
+          <a:xfrm>
+            <a:off x="1497750" y="885112"/>
+            <a:ext cx="6148499" cy="5087775"/>
+          </a:xfrm>
+          <a:prstGeom prst="rect">
+            <a:avLst/>
+          </a:prstGeom>
+        </p:spPr>
+      </p:pic>
+      <p:sp>
+        <p:nvSpPr>
+          <p:cNvPr id="9" name="TextBox 8">
+            <a:extLst>
+              <a:ext uri="{FF2B5EF4-FFF2-40B4-BE49-F238E27FC236}">
+                <a16:creationId xmlns:a16="http://schemas.microsoft.com/office/drawing/2014/main" id="{4AA6B691-12FA-E83C-0F62-64BD398CF34A}"/>
+              </a:ext>
+            </a:extLst>
+          </p:cNvPr>
+          <p:cNvSpPr txBox="1"/>
+          <p:nvPr/>
+        </p:nvSpPr>
+        <p:spPr>
+          <a:xfrm>
+            <a:off x="206374" y="6033083"/>
+            <a:ext cx="8731251" cy="400110"/>
+          </a:xfrm>
+          <a:prstGeom prst="rect">
+            <a:avLst/>
+          </a:prstGeom>
+          <a:noFill/>
+        </p:spPr>
+        <p:txBody>
+          <a:bodyPr wrap="square" rtlCol="0">
+            <a:spAutoFit/>
+          </a:bodyPr>
+          <a:lstStyle/>
+          <a:p>
+            <a:r>
+              <a:rPr lang="en-US" sz="1000" b="0" dirty="0" err="1">
+                <a:solidFill>
+                  <a:srgbClr val="19375B"/>
+                </a:solidFill>
+              </a:rPr>
+              <a:t>Borghi</a:t>
+            </a:r>
+            <a:r>
+              <a:rPr lang="en-US" sz="1000" b="0" dirty="0">
+                <a:solidFill>
+                  <a:srgbClr val="19375B"/>
+                </a:solidFill>
+              </a:rPr>
+              <a:t>, M., </a:t>
+            </a:r>
+            <a:r>
+              <a:rPr lang="en-US" sz="1000" b="0" dirty="0" err="1">
+                <a:solidFill>
+                  <a:srgbClr val="19375B"/>
+                </a:solidFill>
+              </a:rPr>
+              <a:t>Bazzanella</a:t>
+            </a:r>
+            <a:r>
+              <a:rPr lang="en-US" sz="1000" b="0" dirty="0">
+                <a:solidFill>
+                  <a:srgbClr val="19375B"/>
+                </a:solidFill>
+              </a:rPr>
+              <a:t>, D., </a:t>
+            </a:r>
+            <a:r>
+              <a:rPr lang="en-US" sz="1000" b="0" dirty="0" err="1">
+                <a:solidFill>
+                  <a:srgbClr val="19375B"/>
+                </a:solidFill>
+              </a:rPr>
+              <a:t>Mancinelli</a:t>
+            </a:r>
+            <a:r>
+              <a:rPr lang="en-US" sz="1000" b="0" dirty="0">
+                <a:solidFill>
+                  <a:srgbClr val="19375B"/>
+                </a:solidFill>
+              </a:rPr>
+              <a:t>, M. and Pavesi, L., 2021. On the modeling of thermal and free carrier nonlinearities in silicon-on-insulator </a:t>
+            </a:r>
+            <a:r>
+              <a:rPr lang="en-US" sz="1000" b="0" dirty="0" err="1">
+                <a:solidFill>
+                  <a:srgbClr val="19375B"/>
+                </a:solidFill>
+              </a:rPr>
+              <a:t>microring</a:t>
+            </a:r>
+            <a:r>
+              <a:rPr lang="en-US" sz="1000" b="0" dirty="0">
+                <a:solidFill>
+                  <a:srgbClr val="19375B"/>
+                </a:solidFill>
+              </a:rPr>
+              <a:t> resonators. Optics Express, 29(3), pp.4363-4377.</a:t>
+            </a:r>
+          </a:p>
+        </p:txBody>
+      </p:sp>
+    </p:spTree>
+    <p:extLst>
+      <p:ext uri="{BB962C8B-B14F-4D97-AF65-F5344CB8AC3E}">
+        <p14:creationId xmlns:p14="http://schemas.microsoft.com/office/powerpoint/2010/main" val="1409895335"/>
+      </p:ext>
+    </p:extLst>
+  </p:cSld>
+  <p:clrMapOvr>
+    <a:masterClrMapping/>
+  </p:clrMapOvr>
+</p:sld>
+</file>
+
+<file path=ppt/slides/slide27.xml><?xml version="1.0" encoding="utf-8"?>
+<p:sld xmlns:a="http://schemas.openxmlformats.org/drawingml/2006/main" xmlns:r="http://schemas.openxmlformats.org/officeDocument/2006/relationships" xmlns:p="http://schemas.openxmlformats.org/presentationml/2006/main">
+  <p:cSld>
+    <p:spTree>
+      <p:nvGrpSpPr>
+        <p:cNvPr id="1" name=""/>
+        <p:cNvGrpSpPr/>
+        <p:nvPr/>
+      </p:nvGrpSpPr>
+      <p:grpSpPr>
+        <a:xfrm>
+          <a:off x="0" y="0"/>
+          <a:ext cx="0" cy="0"/>
+          <a:chOff x="0" y="0"/>
+          <a:chExt cx="0" cy="0"/>
+        </a:xfrm>
+      </p:grpSpPr>
+      <p:sp>
+        <p:nvSpPr>
+          <p:cNvPr id="2" name="Content Placeholder 1">
+            <a:extLst>
+              <a:ext uri="{FF2B5EF4-FFF2-40B4-BE49-F238E27FC236}">
+                <a16:creationId xmlns:a16="http://schemas.microsoft.com/office/drawing/2014/main" id="{0343F9C8-0618-94F4-258A-2B05DE61B7C2}"/>
+              </a:ext>
+            </a:extLst>
+          </p:cNvPr>
+          <p:cNvSpPr>
+            <a:spLocks noGrp="1"/>
+          </p:cNvSpPr>
+          <p:nvPr>
+            <p:ph idx="1"/>
+          </p:nvPr>
+        </p:nvSpPr>
+        <p:spPr/>
+        <p:txBody>
+          <a:bodyPr/>
+          <a:lstStyle/>
+          <a:p>
+            <a:r>
+              <a:rPr lang="de-DE" dirty="0"/>
+              <a:t>The coupling of FC dynamics and thermal optic effect (TOE):</a:t>
+            </a:r>
+          </a:p>
+          <a:p>
+            <a:pPr lvl="1"/>
+            <a:r>
+              <a:rPr lang="en-US" dirty="0"/>
+              <a:t>active free-carrier removal increases TO nonlinearity caused by Joule heating </a:t>
+            </a:r>
+          </a:p>
+          <a:p>
+            <a:pPr lvl="1"/>
+            <a:r>
+              <a:rPr lang="en-US" dirty="0"/>
+              <a:t>Logarithmic time dependence of temperature deflection:</a:t>
+            </a:r>
+          </a:p>
+          <a:p>
+            <a:pPr lvl="1"/>
+            <a:endParaRPr lang="en-US" dirty="0"/>
+          </a:p>
+        </p:txBody>
+      </p:sp>
+      <p:sp>
+        <p:nvSpPr>
+          <p:cNvPr id="3" name="Title 2">
+            <a:extLst>
+              <a:ext uri="{FF2B5EF4-FFF2-40B4-BE49-F238E27FC236}">
+                <a16:creationId xmlns:a16="http://schemas.microsoft.com/office/drawing/2014/main" id="{B0656106-5790-4AF9-CCF3-4E67A0D2AF18}"/>
+              </a:ext>
+            </a:extLst>
+          </p:cNvPr>
+          <p:cNvSpPr>
+            <a:spLocks noGrp="1"/>
+          </p:cNvSpPr>
+          <p:nvPr>
+            <p:ph type="title"/>
+          </p:nvPr>
+        </p:nvSpPr>
+        <p:spPr>
+          <a:xfrm>
+            <a:off x="250824" y="149225"/>
+            <a:ext cx="7216775" cy="647700"/>
+          </a:xfrm>
+        </p:spPr>
+        <p:txBody>
+          <a:bodyPr/>
+          <a:lstStyle/>
+          <a:p>
+            <a:r>
+              <a:rPr lang="en-US" sz="2400" dirty="0"/>
+              <a:t>TO Modelling in MR with Lateral PIN Junctions for Active Free Carrier Removal.</a:t>
+            </a:r>
+          </a:p>
+        </p:txBody>
+      </p:sp>
+      <p:sp>
+        <p:nvSpPr>
+          <p:cNvPr id="4" name="Date Placeholder 3">
+            <a:extLst>
+              <a:ext uri="{FF2B5EF4-FFF2-40B4-BE49-F238E27FC236}">
+                <a16:creationId xmlns:a16="http://schemas.microsoft.com/office/drawing/2014/main" id="{C3369AE1-327D-3491-479B-04072204E6EF}"/>
+              </a:ext>
+            </a:extLst>
+          </p:cNvPr>
+          <p:cNvSpPr>
+            <a:spLocks noGrp="1"/>
+          </p:cNvSpPr>
+          <p:nvPr>
+            <p:ph type="dt" sz="half" idx="10"/>
+          </p:nvPr>
+        </p:nvSpPr>
+        <p:spPr/>
+        <p:txBody>
+          <a:bodyPr/>
+          <a:lstStyle/>
+          <a:p>
+            <a:fld id="{23E2BD91-2AE8-487A-BD5C-78BC9B3F7C4B}" type="datetime1">
+              <a:rPr lang="en-US" smtClean="0"/>
+              <a:t>9/19/2024</a:t>
+            </a:fld>
+            <a:endParaRPr lang="en-US"/>
+          </a:p>
+        </p:txBody>
+      </p:sp>
+      <p:sp>
+        <p:nvSpPr>
+          <p:cNvPr id="5" name="Footer Placeholder 4">
+            <a:extLst>
+              <a:ext uri="{FF2B5EF4-FFF2-40B4-BE49-F238E27FC236}">
+                <a16:creationId xmlns:a16="http://schemas.microsoft.com/office/drawing/2014/main" id="{30F72002-D97D-4AEE-CE76-BE320DC4BA4E}"/>
+              </a:ext>
+            </a:extLst>
+          </p:cNvPr>
+          <p:cNvSpPr>
+            <a:spLocks noGrp="1"/>
+          </p:cNvSpPr>
+          <p:nvPr>
+            <p:ph type="ftr" sz="quarter" idx="11"/>
+          </p:nvPr>
+        </p:nvSpPr>
+        <p:spPr/>
+        <p:txBody>
+          <a:bodyPr/>
+          <a:lstStyle/>
+          <a:p>
+            <a:endParaRPr lang="en-US"/>
+          </a:p>
+        </p:txBody>
+      </p:sp>
+      <p:sp>
+        <p:nvSpPr>
+          <p:cNvPr id="6" name="Slide Number Placeholder 5">
+            <a:extLst>
+              <a:ext uri="{FF2B5EF4-FFF2-40B4-BE49-F238E27FC236}">
+                <a16:creationId xmlns:a16="http://schemas.microsoft.com/office/drawing/2014/main" id="{B9323458-0A4F-D4B2-C8D4-A5FD6F692B9F}"/>
+              </a:ext>
+            </a:extLst>
+          </p:cNvPr>
+          <p:cNvSpPr>
+            <a:spLocks noGrp="1"/>
+          </p:cNvSpPr>
+          <p:nvPr>
+            <p:ph type="sldNum" sz="quarter" idx="12"/>
+          </p:nvPr>
+        </p:nvSpPr>
+        <p:spPr/>
+        <p:txBody>
+          <a:bodyPr/>
+          <a:lstStyle/>
+          <a:p>
+            <a:fld id="{2697313F-D866-4554-955F-25FA0D5B9080}" type="slidenum">
+              <a:rPr lang="en-US" smtClean="0"/>
+              <a:t>27</a:t>
+            </a:fld>
+            <a:endParaRPr lang="en-US"/>
+          </a:p>
+        </p:txBody>
+      </p:sp>
+      <p:pic>
+        <p:nvPicPr>
+          <p:cNvPr id="8" name="Picture 7">
+            <a:extLst>
+              <a:ext uri="{FF2B5EF4-FFF2-40B4-BE49-F238E27FC236}">
+                <a16:creationId xmlns:a16="http://schemas.microsoft.com/office/drawing/2014/main" id="{23B67109-B3C0-D3A5-566C-11C71298BC11}"/>
+              </a:ext>
+            </a:extLst>
+          </p:cNvPr>
+          <p:cNvPicPr>
+            <a:picLocks noChangeAspect="1"/>
+          </p:cNvPicPr>
+          <p:nvPr/>
+        </p:nvPicPr>
+        <p:blipFill>
+          <a:blip r:embed="rId2"/>
+          <a:stretch>
+            <a:fillRect/>
+          </a:stretch>
+        </p:blipFill>
+        <p:spPr>
+          <a:xfrm>
+            <a:off x="2686050" y="3005113"/>
+            <a:ext cx="1209844" cy="352474"/>
+          </a:xfrm>
+          <a:prstGeom prst="rect">
+            <a:avLst/>
+          </a:prstGeom>
+        </p:spPr>
+      </p:pic>
+      <p:pic>
+        <p:nvPicPr>
+          <p:cNvPr id="10" name="Picture 9">
+            <a:extLst>
+              <a:ext uri="{FF2B5EF4-FFF2-40B4-BE49-F238E27FC236}">
+                <a16:creationId xmlns:a16="http://schemas.microsoft.com/office/drawing/2014/main" id="{1928CDFE-50F1-A33B-A8DA-B9FDC9DBB210}"/>
+              </a:ext>
+            </a:extLst>
+          </p:cNvPr>
+          <p:cNvPicPr>
+            <a:picLocks noChangeAspect="1"/>
+          </p:cNvPicPr>
+          <p:nvPr/>
+        </p:nvPicPr>
+        <p:blipFill>
+          <a:blip r:embed="rId3"/>
+          <a:stretch>
+            <a:fillRect/>
+          </a:stretch>
+        </p:blipFill>
+        <p:spPr>
+          <a:xfrm>
+            <a:off x="3971759" y="2962244"/>
+            <a:ext cx="2536718" cy="466756"/>
+          </a:xfrm>
+          <a:prstGeom prst="rect">
+            <a:avLst/>
+          </a:prstGeom>
+        </p:spPr>
+      </p:pic>
+      <p:sp>
+        <p:nvSpPr>
+          <p:cNvPr id="11" name="TextBox 10">
+            <a:extLst>
+              <a:ext uri="{FF2B5EF4-FFF2-40B4-BE49-F238E27FC236}">
+                <a16:creationId xmlns:a16="http://schemas.microsoft.com/office/drawing/2014/main" id="{FE61C896-ADCE-9216-6A2F-4A5DF976201C}"/>
+              </a:ext>
+            </a:extLst>
+          </p:cNvPr>
+          <p:cNvSpPr txBox="1"/>
+          <p:nvPr/>
+        </p:nvSpPr>
+        <p:spPr>
+          <a:xfrm>
+            <a:off x="887337" y="3476625"/>
+            <a:ext cx="7369325" cy="400110"/>
+          </a:xfrm>
+          <a:prstGeom prst="rect">
+            <a:avLst/>
+          </a:prstGeom>
+          <a:noFill/>
+        </p:spPr>
+        <p:txBody>
+          <a:bodyPr wrap="none" rtlCol="0">
+            <a:spAutoFit/>
+          </a:bodyPr>
+          <a:lstStyle/>
+          <a:p>
+            <a:pPr algn="ctr"/>
+            <a:r>
+              <a:rPr lang="en-US" b="0" dirty="0">
+                <a:solidFill>
+                  <a:srgbClr val="19375B"/>
+                </a:solidFill>
+              </a:rPr>
+              <a:t>a = 0.155, b = 16 ns and </a:t>
+            </a:r>
+            <a:r>
+              <a:rPr lang="el-GR" b="0" dirty="0">
+                <a:solidFill>
+                  <a:srgbClr val="19375B"/>
+                </a:solidFill>
+              </a:rPr>
+              <a:t>γ ≈ 0.577 </a:t>
+            </a:r>
+            <a:r>
+              <a:rPr lang="en-US" b="0" dirty="0">
+                <a:solidFill>
+                  <a:srgbClr val="19375B"/>
+                </a:solidFill>
+              </a:rPr>
+              <a:t>(Euler-</a:t>
+            </a:r>
+            <a:r>
+              <a:rPr lang="en-US" b="0" dirty="0" err="1">
+                <a:solidFill>
+                  <a:srgbClr val="19375B"/>
+                </a:solidFill>
+              </a:rPr>
+              <a:t>Mascheroni</a:t>
+            </a:r>
+            <a:r>
+              <a:rPr lang="en-US" b="0" dirty="0">
+                <a:solidFill>
+                  <a:srgbClr val="19375B"/>
+                </a:solidFill>
+              </a:rPr>
+              <a:t> constant)</a:t>
+            </a:r>
+          </a:p>
+        </p:txBody>
+      </p:sp>
+      <p:sp>
+        <p:nvSpPr>
+          <p:cNvPr id="12" name="TextBox 11">
+            <a:extLst>
+              <a:ext uri="{FF2B5EF4-FFF2-40B4-BE49-F238E27FC236}">
+                <a16:creationId xmlns:a16="http://schemas.microsoft.com/office/drawing/2014/main" id="{D783A4B1-4FAD-88E9-7683-314A9B60804D}"/>
+              </a:ext>
+            </a:extLst>
+          </p:cNvPr>
+          <p:cNvSpPr txBox="1"/>
+          <p:nvPr/>
+        </p:nvSpPr>
+        <p:spPr>
+          <a:xfrm>
+            <a:off x="206374" y="6033083"/>
+            <a:ext cx="8731251" cy="230832"/>
+          </a:xfrm>
+          <a:prstGeom prst="rect">
+            <a:avLst/>
+          </a:prstGeom>
+          <a:noFill/>
+        </p:spPr>
+        <p:txBody>
+          <a:bodyPr wrap="square" rtlCol="0">
+            <a:spAutoFit/>
+          </a:bodyPr>
+          <a:lstStyle/>
+          <a:p>
+            <a:r>
+              <a:rPr lang="en-US" sz="900" b="0" i="0" dirty="0">
+                <a:solidFill>
+                  <a:srgbClr val="222222"/>
+                </a:solidFill>
+                <a:effectLst/>
+                <a:latin typeface="Arial" panose="020B0604020202020204" pitchFamily="34" charset="0"/>
+              </a:rPr>
+              <a:t>Gray, Dodd, et al. "Thermo-optic </a:t>
+            </a:r>
+            <a:r>
+              <a:rPr lang="en-US" sz="900" b="0" i="0" dirty="0" err="1">
+                <a:solidFill>
+                  <a:srgbClr val="222222"/>
+                </a:solidFill>
+                <a:effectLst/>
+                <a:latin typeface="Arial" panose="020B0604020202020204" pitchFamily="34" charset="0"/>
+              </a:rPr>
+              <a:t>multistability</a:t>
+            </a:r>
+            <a:r>
+              <a:rPr lang="en-US" sz="900" b="0" i="0" dirty="0">
+                <a:solidFill>
+                  <a:srgbClr val="222222"/>
+                </a:solidFill>
+                <a:effectLst/>
+                <a:latin typeface="Arial" panose="020B0604020202020204" pitchFamily="34" charset="0"/>
+              </a:rPr>
+              <a:t> and relaxation in silicon </a:t>
+            </a:r>
+            <a:r>
+              <a:rPr lang="en-US" sz="900" b="0" i="0" dirty="0" err="1">
+                <a:solidFill>
+                  <a:srgbClr val="222222"/>
+                </a:solidFill>
+                <a:effectLst/>
+                <a:latin typeface="Arial" panose="020B0604020202020204" pitchFamily="34" charset="0"/>
+              </a:rPr>
+              <a:t>microring</a:t>
+            </a:r>
+            <a:r>
+              <a:rPr lang="en-US" sz="900" b="0" i="0" dirty="0">
+                <a:solidFill>
+                  <a:srgbClr val="222222"/>
+                </a:solidFill>
+                <a:effectLst/>
+                <a:latin typeface="Arial" panose="020B0604020202020204" pitchFamily="34" charset="0"/>
+              </a:rPr>
+              <a:t> resonators with lateral diodes." </a:t>
+            </a:r>
+            <a:r>
+              <a:rPr lang="en-US" sz="900" b="0" i="1" dirty="0">
+                <a:solidFill>
+                  <a:srgbClr val="222222"/>
+                </a:solidFill>
+                <a:effectLst/>
+                <a:latin typeface="Arial" panose="020B0604020202020204" pitchFamily="34" charset="0"/>
+              </a:rPr>
+              <a:t>Physical Review Applied</a:t>
+            </a:r>
+            <a:r>
+              <a:rPr lang="en-US" sz="900" b="0" i="0" dirty="0">
+                <a:solidFill>
+                  <a:srgbClr val="222222"/>
+                </a:solidFill>
+                <a:effectLst/>
+                <a:latin typeface="Arial" panose="020B0604020202020204" pitchFamily="34" charset="0"/>
+              </a:rPr>
+              <a:t> 14.2 (2020): 024073.</a:t>
+            </a:r>
+            <a:endParaRPr lang="en-US" sz="1000" b="0" dirty="0">
+              <a:solidFill>
+                <a:srgbClr val="19375B"/>
+              </a:solidFill>
+            </a:endParaRPr>
+          </a:p>
+        </p:txBody>
+      </p:sp>
+    </p:spTree>
+    <p:extLst>
+      <p:ext uri="{BB962C8B-B14F-4D97-AF65-F5344CB8AC3E}">
+        <p14:creationId xmlns:p14="http://schemas.microsoft.com/office/powerpoint/2010/main" val="931934125"/>
+      </p:ext>
+    </p:extLst>
+  </p:cSld>
+  <p:clrMapOvr>
+    <a:masterClrMapping/>
+  </p:clrMapOvr>
+</p:sld>
+</file>
+
+<file path=ppt/slides/slide28.xml><?xml version="1.0" encoding="utf-8"?>
+<p:sld xmlns:a="http://schemas.openxmlformats.org/drawingml/2006/main" xmlns:r="http://schemas.openxmlformats.org/officeDocument/2006/relationships" xmlns:p="http://schemas.openxmlformats.org/presentationml/2006/main">
+  <p:cSld>
+    <p:spTree>
+      <p:nvGrpSpPr>
+        <p:cNvPr id="1" name=""/>
+        <p:cNvGrpSpPr/>
+        <p:nvPr/>
+      </p:nvGrpSpPr>
+      <p:grpSpPr>
+        <a:xfrm>
+          <a:off x="0" y="0"/>
+          <a:ext cx="0" cy="0"/>
+          <a:chOff x="0" y="0"/>
+          <a:chExt cx="0" cy="0"/>
+        </a:xfrm>
+      </p:grpSpPr>
+      <p:sp>
+        <p:nvSpPr>
+          <p:cNvPr id="2" name="Content Placeholder 1">
+            <a:extLst>
+              <a:ext uri="{FF2B5EF4-FFF2-40B4-BE49-F238E27FC236}">
+                <a16:creationId xmlns:a16="http://schemas.microsoft.com/office/drawing/2014/main" id="{4F02F9B5-2A18-8D23-02A2-0E8404C44F7B}"/>
+              </a:ext>
+            </a:extLst>
+          </p:cNvPr>
+          <p:cNvSpPr>
+            <a:spLocks noGrp="1"/>
+          </p:cNvSpPr>
+          <p:nvPr>
+            <p:ph idx="1"/>
+          </p:nvPr>
+        </p:nvSpPr>
+        <p:spPr/>
+        <p:txBody>
+          <a:bodyPr/>
+          <a:lstStyle/>
+          <a:p>
+            <a:r>
+              <a:rPr lang="en-US" dirty="0"/>
+              <a:t>R</a:t>
+            </a:r>
+            <a:r>
+              <a:rPr lang="en-US" altLang="zh-CN" dirty="0"/>
+              <a:t>ealization </a:t>
+            </a:r>
+            <a:r>
+              <a:rPr lang="de-DE" altLang="zh-CN" dirty="0"/>
+              <a:t>of FC amplification with wave length above and around 2.0 µm</a:t>
+            </a:r>
+          </a:p>
+          <a:p>
+            <a:pPr lvl="1"/>
+            <a:r>
+              <a:rPr lang="en-US" dirty="0"/>
+              <a:t>Limit on Carrier Lifetime </a:t>
+            </a:r>
+          </a:p>
+          <a:p>
+            <a:pPr lvl="1"/>
+            <a:endParaRPr lang="en-US" dirty="0"/>
+          </a:p>
+          <a:p>
+            <a:pPr lvl="1"/>
+            <a:endParaRPr lang="en-US" dirty="0"/>
+          </a:p>
+          <a:p>
+            <a:pPr lvl="1"/>
+            <a:r>
+              <a:rPr lang="en-US" dirty="0"/>
+              <a:t>Upper bound on the effective loss that arises from screening the free-carrier sweepout field</a:t>
+            </a:r>
+          </a:p>
+          <a:p>
+            <a:pPr lvl="2"/>
+            <a:r>
+              <a:rPr lang="en-US" sz="2000" dirty="0"/>
+              <a:t>Generation rate </a:t>
+            </a:r>
+          </a:p>
+          <a:p>
+            <a:pPr lvl="2"/>
+            <a:endParaRPr lang="en-US" dirty="0"/>
+          </a:p>
+        </p:txBody>
+      </p:sp>
+      <p:sp>
+        <p:nvSpPr>
+          <p:cNvPr id="3" name="Title 2">
+            <a:extLst>
+              <a:ext uri="{FF2B5EF4-FFF2-40B4-BE49-F238E27FC236}">
+                <a16:creationId xmlns:a16="http://schemas.microsoft.com/office/drawing/2014/main" id="{08B5865D-5C1A-5870-4ECB-7CB69FB0D0B6}"/>
+              </a:ext>
+            </a:extLst>
+          </p:cNvPr>
+          <p:cNvSpPr>
+            <a:spLocks noGrp="1"/>
+          </p:cNvSpPr>
+          <p:nvPr>
+            <p:ph type="title"/>
+          </p:nvPr>
+        </p:nvSpPr>
+        <p:spPr/>
+        <p:txBody>
+          <a:bodyPr/>
+          <a:lstStyle/>
+          <a:p>
+            <a:r>
+              <a:rPr lang="en-US" dirty="0"/>
+              <a:t>Free-carrier Oscillations (</a:t>
+            </a:r>
+            <a:r>
+              <a:rPr lang="en-US"/>
+              <a:t>FCO)</a:t>
+            </a:r>
+            <a:endParaRPr lang="en-US" dirty="0"/>
+          </a:p>
+        </p:txBody>
+      </p:sp>
+      <p:sp>
+        <p:nvSpPr>
+          <p:cNvPr id="4" name="Date Placeholder 3">
+            <a:extLst>
+              <a:ext uri="{FF2B5EF4-FFF2-40B4-BE49-F238E27FC236}">
+                <a16:creationId xmlns:a16="http://schemas.microsoft.com/office/drawing/2014/main" id="{A712B3B2-A2E2-26ED-67B5-ECF31DBD8BAA}"/>
+              </a:ext>
+            </a:extLst>
+          </p:cNvPr>
+          <p:cNvSpPr>
+            <a:spLocks noGrp="1"/>
+          </p:cNvSpPr>
+          <p:nvPr>
+            <p:ph type="dt" sz="half" idx="10"/>
+          </p:nvPr>
+        </p:nvSpPr>
+        <p:spPr/>
+        <p:txBody>
+          <a:bodyPr/>
+          <a:lstStyle/>
+          <a:p>
+            <a:fld id="{23E2BD91-2AE8-487A-BD5C-78BC9B3F7C4B}" type="datetime1">
+              <a:rPr lang="en-US" smtClean="0"/>
+              <a:t>9/19/2024</a:t>
+            </a:fld>
+            <a:endParaRPr lang="en-US" dirty="0"/>
+          </a:p>
+        </p:txBody>
+      </p:sp>
+      <p:sp>
+        <p:nvSpPr>
+          <p:cNvPr id="5" name="Footer Placeholder 4">
+            <a:extLst>
+              <a:ext uri="{FF2B5EF4-FFF2-40B4-BE49-F238E27FC236}">
+                <a16:creationId xmlns:a16="http://schemas.microsoft.com/office/drawing/2014/main" id="{2611E694-547E-F2E8-A2AA-BD6F3E9893A8}"/>
+              </a:ext>
+            </a:extLst>
+          </p:cNvPr>
+          <p:cNvSpPr>
+            <a:spLocks noGrp="1"/>
+          </p:cNvSpPr>
+          <p:nvPr>
+            <p:ph type="ftr" sz="quarter" idx="11"/>
+          </p:nvPr>
+        </p:nvSpPr>
+        <p:spPr/>
+        <p:txBody>
+          <a:bodyPr/>
+          <a:lstStyle/>
+          <a:p>
+            <a:endParaRPr lang="en-US"/>
+          </a:p>
+        </p:txBody>
+      </p:sp>
+      <p:sp>
+        <p:nvSpPr>
+          <p:cNvPr id="6" name="Slide Number Placeholder 5">
+            <a:extLst>
+              <a:ext uri="{FF2B5EF4-FFF2-40B4-BE49-F238E27FC236}">
+                <a16:creationId xmlns:a16="http://schemas.microsoft.com/office/drawing/2014/main" id="{1E0DE56A-5C30-0195-D798-C24756007FA8}"/>
+              </a:ext>
+            </a:extLst>
+          </p:cNvPr>
+          <p:cNvSpPr>
+            <a:spLocks noGrp="1"/>
+          </p:cNvSpPr>
+          <p:nvPr>
+            <p:ph type="sldNum" sz="quarter" idx="12"/>
+          </p:nvPr>
+        </p:nvSpPr>
+        <p:spPr/>
+        <p:txBody>
+          <a:bodyPr/>
+          <a:lstStyle/>
+          <a:p>
+            <a:fld id="{2697313F-D866-4554-955F-25FA0D5B9080}" type="slidenum">
+              <a:rPr lang="en-US" smtClean="0"/>
+              <a:t>28</a:t>
+            </a:fld>
+            <a:endParaRPr lang="en-US"/>
+          </a:p>
+        </p:txBody>
+      </p:sp>
+      <p:pic>
+        <p:nvPicPr>
+          <p:cNvPr id="8" name="Picture 7">
+            <a:extLst>
+              <a:ext uri="{FF2B5EF4-FFF2-40B4-BE49-F238E27FC236}">
+                <a16:creationId xmlns:a16="http://schemas.microsoft.com/office/drawing/2014/main" id="{21C79BEF-A100-29B6-9797-8FAEDA616CC3}"/>
+              </a:ext>
+            </a:extLst>
+          </p:cNvPr>
+          <p:cNvPicPr>
+            <a:picLocks noChangeAspect="1"/>
+          </p:cNvPicPr>
+          <p:nvPr/>
+        </p:nvPicPr>
+        <p:blipFill>
+          <a:blip r:embed="rId3"/>
+          <a:stretch>
+            <a:fillRect/>
+          </a:stretch>
+        </p:blipFill>
+        <p:spPr>
+          <a:xfrm>
+            <a:off x="2554835" y="2490787"/>
+            <a:ext cx="4034328" cy="727761"/>
+          </a:xfrm>
+          <a:prstGeom prst="rect">
+            <a:avLst/>
+          </a:prstGeom>
+        </p:spPr>
+      </p:pic>
+      <p:pic>
+        <p:nvPicPr>
+          <p:cNvPr id="10" name="Picture 9">
+            <a:extLst>
+              <a:ext uri="{FF2B5EF4-FFF2-40B4-BE49-F238E27FC236}">
+                <a16:creationId xmlns:a16="http://schemas.microsoft.com/office/drawing/2014/main" id="{B8303566-93FE-FF04-3A57-C7B1DBBF00D6}"/>
+              </a:ext>
+            </a:extLst>
+          </p:cNvPr>
+          <p:cNvPicPr>
+            <a:picLocks noChangeAspect="1"/>
+          </p:cNvPicPr>
+          <p:nvPr/>
+        </p:nvPicPr>
+        <p:blipFill>
+          <a:blip r:embed="rId4"/>
+          <a:stretch>
+            <a:fillRect/>
+          </a:stretch>
+        </p:blipFill>
+        <p:spPr>
+          <a:xfrm>
+            <a:off x="3751621" y="3850749"/>
+            <a:ext cx="1671551" cy="625911"/>
+          </a:xfrm>
+          <a:prstGeom prst="rect">
+            <a:avLst/>
+          </a:prstGeom>
+        </p:spPr>
+      </p:pic>
+      <p:pic>
+        <p:nvPicPr>
+          <p:cNvPr id="12" name="Picture 11">
+            <a:extLst>
+              <a:ext uri="{FF2B5EF4-FFF2-40B4-BE49-F238E27FC236}">
+                <a16:creationId xmlns:a16="http://schemas.microsoft.com/office/drawing/2014/main" id="{A1AB8819-3407-04B4-F613-11A426FE8B47}"/>
+              </a:ext>
+            </a:extLst>
+          </p:cNvPr>
+          <p:cNvPicPr>
+            <a:picLocks noChangeAspect="1"/>
+          </p:cNvPicPr>
+          <p:nvPr/>
+        </p:nvPicPr>
+        <p:blipFill>
+          <a:blip r:embed="rId5"/>
+          <a:stretch>
+            <a:fillRect/>
+          </a:stretch>
+        </p:blipFill>
+        <p:spPr>
+          <a:xfrm>
+            <a:off x="2473174" y="4540795"/>
+            <a:ext cx="3929250" cy="954642"/>
+          </a:xfrm>
+          <a:prstGeom prst="rect">
+            <a:avLst/>
+          </a:prstGeom>
+        </p:spPr>
+      </p:pic>
+      <p:pic>
+        <p:nvPicPr>
+          <p:cNvPr id="14" name="Picture 13">
+            <a:extLst>
+              <a:ext uri="{FF2B5EF4-FFF2-40B4-BE49-F238E27FC236}">
+                <a16:creationId xmlns:a16="http://schemas.microsoft.com/office/drawing/2014/main" id="{2B46B055-3C7C-3D64-B1CA-8FAB22F089B8}"/>
+              </a:ext>
+            </a:extLst>
+          </p:cNvPr>
+          <p:cNvPicPr>
+            <a:picLocks noChangeAspect="1"/>
+          </p:cNvPicPr>
+          <p:nvPr/>
+        </p:nvPicPr>
+        <p:blipFill>
+          <a:blip r:embed="rId6"/>
+          <a:srcRect t="13049"/>
+          <a:stretch/>
+        </p:blipFill>
+        <p:spPr>
+          <a:xfrm>
+            <a:off x="6729068" y="4770838"/>
+            <a:ext cx="1457555" cy="336986"/>
+          </a:xfrm>
+          <a:prstGeom prst="rect">
+            <a:avLst/>
+          </a:prstGeom>
+        </p:spPr>
+      </p:pic>
+      <p:sp>
+        <p:nvSpPr>
+          <p:cNvPr id="21" name="TextBox 20">
+            <a:extLst>
+              <a:ext uri="{FF2B5EF4-FFF2-40B4-BE49-F238E27FC236}">
+                <a16:creationId xmlns:a16="http://schemas.microsoft.com/office/drawing/2014/main" id="{9CBD0137-34AD-19E9-4408-3E564CC8E02D}"/>
+              </a:ext>
+            </a:extLst>
+          </p:cNvPr>
+          <p:cNvSpPr txBox="1"/>
+          <p:nvPr/>
+        </p:nvSpPr>
+        <p:spPr>
+          <a:xfrm>
+            <a:off x="206374" y="6185483"/>
+            <a:ext cx="8731251" cy="215444"/>
+          </a:xfrm>
+          <a:prstGeom prst="rect">
+            <a:avLst/>
+          </a:prstGeom>
+          <a:noFill/>
+        </p:spPr>
+        <p:txBody>
+          <a:bodyPr wrap="square" rtlCol="0">
+            <a:spAutoFit/>
+          </a:bodyPr>
+          <a:lstStyle/>
+          <a:p>
+            <a:r>
+              <a:rPr lang="en-US" sz="800" b="0" i="0" dirty="0" err="1">
+                <a:solidFill>
+                  <a:srgbClr val="222222"/>
+                </a:solidFill>
+                <a:effectLst/>
+                <a:latin typeface="Arial" panose="020B0604020202020204" pitchFamily="34" charset="0"/>
+              </a:rPr>
+              <a:t>Hamerly</a:t>
+            </a:r>
+            <a:r>
+              <a:rPr lang="en-US" sz="800" b="0" i="0" dirty="0">
+                <a:solidFill>
+                  <a:srgbClr val="222222"/>
+                </a:solidFill>
+                <a:effectLst/>
+                <a:latin typeface="Arial" panose="020B0604020202020204" pitchFamily="34" charset="0"/>
+              </a:rPr>
+              <a:t>, Ryan, et al. "Conditions for parametric and free-carrier oscillation in silicon ring cavities." </a:t>
+            </a:r>
+            <a:r>
+              <a:rPr lang="en-US" sz="800" b="0" i="1" dirty="0">
+                <a:solidFill>
+                  <a:srgbClr val="222222"/>
+                </a:solidFill>
+                <a:effectLst/>
+                <a:latin typeface="Arial" panose="020B0604020202020204" pitchFamily="34" charset="0"/>
+              </a:rPr>
+              <a:t>Journal of Lightwave Technology</a:t>
+            </a:r>
+            <a:r>
+              <a:rPr lang="en-US" sz="800" b="0" i="0" dirty="0">
+                <a:solidFill>
+                  <a:srgbClr val="222222"/>
+                </a:solidFill>
+                <a:effectLst/>
+                <a:latin typeface="Arial" panose="020B0604020202020204" pitchFamily="34" charset="0"/>
+              </a:rPr>
+              <a:t> 36.19 (2018): 4671-4677.</a:t>
+            </a:r>
+            <a:endParaRPr lang="en-US" sz="1000" b="0" dirty="0">
+              <a:solidFill>
+                <a:srgbClr val="19375B"/>
+              </a:solidFill>
+            </a:endParaRPr>
+          </a:p>
+        </p:txBody>
+      </p:sp>
+      <mc:AlternateContent xmlns:mc="http://schemas.openxmlformats.org/markup-compatibility/2006">
+        <mc:Choice xmlns:a14="http://schemas.microsoft.com/office/drawing/2010/main" Requires="a14">
+          <p:sp>
+            <p:nvSpPr>
+              <p:cNvPr id="22" name="TextBox 21">
+                <a:extLst>
+                  <a:ext uri="{FF2B5EF4-FFF2-40B4-BE49-F238E27FC236}">
+                    <a16:creationId xmlns:a16="http://schemas.microsoft.com/office/drawing/2014/main" id="{9C97378B-B6A3-2041-AD16-3F32DC0D5269}"/>
+                  </a:ext>
+                </a:extLst>
+              </p:cNvPr>
+              <p:cNvSpPr txBox="1"/>
+              <p:nvPr/>
+            </p:nvSpPr>
+            <p:spPr>
+              <a:xfrm>
+                <a:off x="6062631" y="3861535"/>
+                <a:ext cx="2150076" cy="552972"/>
+              </a:xfrm>
+              <a:prstGeom prst="rect">
+                <a:avLst/>
+              </a:prstGeom>
+              <a:noFill/>
+            </p:spPr>
+            <p:txBody>
+              <a:bodyPr wrap="none" rtlCol="0">
+                <a:spAutoFit/>
+              </a:bodyPr>
+              <a:lstStyle/>
+              <a:p>
+                <a:r>
+                  <a:rPr lang="de-DE" b="0" dirty="0">
+                    <a:solidFill>
+                      <a:schemeClr val="tx1"/>
+                    </a:solidFill>
+                  </a:rPr>
+                  <a:t>TPA: </a:t>
+                </a:r>
+                <a14:m>
+                  <m:oMath xmlns:m="http://schemas.openxmlformats.org/officeDocument/2006/math">
+                    <m:r>
+                      <a:rPr lang="de-DE" b="0" i="1" smtClean="0">
+                        <a:solidFill>
+                          <a:schemeClr val="tx1"/>
+                        </a:solidFill>
+                        <a:latin typeface="Cambria Math" panose="02040503050406030204" pitchFamily="18" charset="0"/>
+                      </a:rPr>
+                      <m:t>𝐺</m:t>
+                    </m:r>
+                    <m:r>
+                      <a:rPr lang="de-DE" b="0" i="1" smtClean="0">
+                        <a:solidFill>
+                          <a:schemeClr val="tx1"/>
+                        </a:solidFill>
+                        <a:latin typeface="Cambria Math" panose="02040503050406030204" pitchFamily="18" charset="0"/>
+                      </a:rPr>
+                      <m:t>=</m:t>
+                    </m:r>
+                    <m:d>
+                      <m:dPr>
+                        <m:ctrlPr>
+                          <a:rPr lang="de-DE" b="0" i="1" smtClean="0">
+                            <a:solidFill>
+                              <a:schemeClr val="tx1"/>
+                            </a:solidFill>
+                            <a:latin typeface="Cambria Math" panose="02040503050406030204" pitchFamily="18" charset="0"/>
+                          </a:rPr>
+                        </m:ctrlPr>
+                      </m:dPr>
+                      <m:e>
+                        <m:f>
+                          <m:fPr>
+                            <m:ctrlPr>
+                              <a:rPr lang="de-DE" b="0" i="1" smtClean="0">
+                                <a:solidFill>
+                                  <a:schemeClr val="tx1"/>
+                                </a:solidFill>
+                                <a:latin typeface="Cambria Math" panose="02040503050406030204" pitchFamily="18" charset="0"/>
+                              </a:rPr>
+                            </m:ctrlPr>
+                          </m:fPr>
+                          <m:num>
+                            <m:r>
+                              <a:rPr lang="de-DE" b="0" i="1" smtClean="0">
+                                <a:solidFill>
+                                  <a:schemeClr val="tx1"/>
+                                </a:solidFill>
+                                <a:latin typeface="Cambria Math" panose="02040503050406030204" pitchFamily="18" charset="0"/>
+                              </a:rPr>
+                              <m:t>𝑟</m:t>
+                            </m:r>
+                            <m:r>
+                              <a:rPr lang="de-DE" b="0" i="1" smtClean="0">
+                                <a:solidFill>
+                                  <a:schemeClr val="tx1"/>
+                                </a:solidFill>
+                                <a:latin typeface="Cambria Math" panose="02040503050406030204" pitchFamily="18" charset="0"/>
+                              </a:rPr>
+                              <m:t>𝛾</m:t>
+                            </m:r>
+                          </m:num>
+                          <m:den>
+                            <m:r>
+                              <a:rPr lang="de-DE" b="0" i="1" smtClean="0">
+                                <a:solidFill>
+                                  <a:schemeClr val="tx1"/>
+                                </a:solidFill>
+                                <a:latin typeface="Cambria Math" panose="02040503050406030204" pitchFamily="18" charset="0"/>
+                              </a:rPr>
+                              <m:t>ℏ</m:t>
+                            </m:r>
+                            <m:r>
+                              <a:rPr lang="de-DE" b="0" i="1" smtClean="0">
+                                <a:solidFill>
+                                  <a:schemeClr val="tx1"/>
+                                </a:solidFill>
+                                <a:latin typeface="Cambria Math" panose="02040503050406030204" pitchFamily="18" charset="0"/>
+                              </a:rPr>
+                              <m:t>𝜔</m:t>
+                            </m:r>
+                          </m:den>
+                        </m:f>
+                      </m:e>
+                    </m:d>
+                    <m:sSup>
+                      <m:sSupPr>
+                        <m:ctrlPr>
+                          <a:rPr lang="de-DE" b="0" i="1" smtClean="0">
+                            <a:solidFill>
+                              <a:schemeClr val="tx1"/>
+                            </a:solidFill>
+                            <a:latin typeface="Cambria Math" panose="02040503050406030204" pitchFamily="18" charset="0"/>
+                          </a:rPr>
+                        </m:ctrlPr>
+                      </m:sSupPr>
+                      <m:e>
+                        <m:r>
+                          <a:rPr lang="de-DE" b="0" i="1" smtClean="0">
+                            <a:solidFill>
+                              <a:schemeClr val="tx1"/>
+                            </a:solidFill>
+                            <a:latin typeface="Cambria Math" panose="02040503050406030204" pitchFamily="18" charset="0"/>
+                          </a:rPr>
+                          <m:t>𝐼</m:t>
+                        </m:r>
+                      </m:e>
+                      <m:sup>
+                        <m:r>
+                          <a:rPr lang="de-DE" b="0" i="1" smtClean="0">
+                            <a:solidFill>
+                              <a:schemeClr val="tx1"/>
+                            </a:solidFill>
+                            <a:latin typeface="Cambria Math" panose="02040503050406030204" pitchFamily="18" charset="0"/>
+                          </a:rPr>
+                          <m:t>2</m:t>
+                        </m:r>
+                      </m:sup>
+                    </m:sSup>
+                  </m:oMath>
+                </a14:m>
+                <a:endParaRPr lang="en-US" b="0" dirty="0">
+                  <a:solidFill>
+                    <a:schemeClr val="tx1"/>
+                  </a:solidFill>
+                </a:endParaRPr>
+              </a:p>
+            </p:txBody>
+          </p:sp>
+        </mc:Choice>
+        <mc:Fallback>
+          <p:sp>
+            <p:nvSpPr>
+              <p:cNvPr id="22" name="TextBox 21">
+                <a:extLst>
+                  <a:ext uri="{FF2B5EF4-FFF2-40B4-BE49-F238E27FC236}">
+                    <a16:creationId xmlns:a16="http://schemas.microsoft.com/office/drawing/2014/main" id="{9C97378B-B6A3-2041-AD16-3F32DC0D5269}"/>
+                  </a:ext>
+                </a:extLst>
+              </p:cNvPr>
+              <p:cNvSpPr txBox="1">
+                <a:spLocks noRot="1" noChangeAspect="1" noMove="1" noResize="1" noEditPoints="1" noAdjustHandles="1" noChangeArrowheads="1" noChangeShapeType="1" noTextEdit="1"/>
+              </p:cNvSpPr>
+              <p:nvPr/>
+            </p:nvSpPr>
+            <p:spPr>
+              <a:xfrm>
+                <a:off x="6062631" y="3861535"/>
+                <a:ext cx="2150076" cy="552972"/>
+              </a:xfrm>
+              <a:prstGeom prst="rect">
+                <a:avLst/>
+              </a:prstGeom>
+              <a:blipFill>
+                <a:blip r:embed="rId7"/>
+                <a:stretch>
+                  <a:fillRect l="-3125" b="-4396"/>
+                </a:stretch>
+              </a:blipFill>
+            </p:spPr>
+            <p:txBody>
+              <a:bodyPr/>
+              <a:lstStyle/>
+              <a:p>
+                <a:r>
+                  <a:rPr lang="en-US">
+                    <a:noFill/>
+                  </a:rPr>
+                  <a:t> </a:t>
+                </a:r>
+              </a:p>
+            </p:txBody>
+          </p:sp>
+        </mc:Fallback>
+      </mc:AlternateContent>
+      <p:pic>
+        <p:nvPicPr>
+          <p:cNvPr id="24" name="Picture 23">
+            <a:extLst>
+              <a:ext uri="{FF2B5EF4-FFF2-40B4-BE49-F238E27FC236}">
+                <a16:creationId xmlns:a16="http://schemas.microsoft.com/office/drawing/2014/main" id="{8E89608D-9C99-34E9-E967-140A4162E2EC}"/>
+              </a:ext>
+            </a:extLst>
+          </p:cNvPr>
+          <p:cNvPicPr>
+            <a:picLocks noChangeAspect="1"/>
+          </p:cNvPicPr>
+          <p:nvPr/>
+        </p:nvPicPr>
+        <p:blipFill>
+          <a:blip r:embed="rId8"/>
+          <a:stretch>
+            <a:fillRect/>
+          </a:stretch>
+        </p:blipFill>
+        <p:spPr>
+          <a:xfrm>
+            <a:off x="2423622" y="5379934"/>
+            <a:ext cx="4034328" cy="826960"/>
+          </a:xfrm>
+          <a:prstGeom prst="rect">
+            <a:avLst/>
+          </a:prstGeom>
+        </p:spPr>
+      </p:pic>
+    </p:spTree>
+    <p:extLst>
+      <p:ext uri="{BB962C8B-B14F-4D97-AF65-F5344CB8AC3E}">
+        <p14:creationId xmlns:p14="http://schemas.microsoft.com/office/powerpoint/2010/main" val="3451835514"/>
+      </p:ext>
+    </p:extLst>
+  </p:cSld>
+  <p:clrMapOvr>
+    <a:masterClrMapping/>
+  </p:clrMapOvr>
+</p:sld>
+</file>
+
+<file path=ppt/slides/slide29.xml><?xml version="1.0" encoding="utf-8"?>
+<p:sld xmlns:a="http://schemas.openxmlformats.org/drawingml/2006/main" xmlns:r="http://schemas.openxmlformats.org/officeDocument/2006/relationships" xmlns:p="http://schemas.openxmlformats.org/presentationml/2006/main">
+  <p:cSld>
+    <p:spTree>
+      <p:nvGrpSpPr>
+        <p:cNvPr id="1" name=""/>
+        <p:cNvGrpSpPr/>
+        <p:nvPr/>
+      </p:nvGrpSpPr>
+      <p:grpSpPr>
+        <a:xfrm>
+          <a:off x="0" y="0"/>
+          <a:ext cx="0" cy="0"/>
+          <a:chOff x="0" y="0"/>
+          <a:chExt cx="0" cy="0"/>
+        </a:xfrm>
+      </p:grpSpPr>
+      <p:sp>
+        <p:nvSpPr>
+          <p:cNvPr id="3" name="Title 2">
+            <a:extLst>
+              <a:ext uri="{FF2B5EF4-FFF2-40B4-BE49-F238E27FC236}">
+                <a16:creationId xmlns:a16="http://schemas.microsoft.com/office/drawing/2014/main" id="{29BCA84B-EC9A-3015-59E7-5603E1FEE33E}"/>
+              </a:ext>
+            </a:extLst>
+          </p:cNvPr>
+          <p:cNvSpPr>
+            <a:spLocks noGrp="1"/>
+          </p:cNvSpPr>
+          <p:nvPr>
+            <p:ph type="title"/>
+          </p:nvPr>
+        </p:nvSpPr>
+        <p:spPr/>
+        <p:txBody>
+          <a:bodyPr/>
+          <a:lstStyle/>
+          <a:p>
+            <a:endParaRPr lang="en-US"/>
+          </a:p>
+        </p:txBody>
+      </p:sp>
+      <p:sp>
+        <p:nvSpPr>
+          <p:cNvPr id="4" name="Date Placeholder 3">
+            <a:extLst>
+              <a:ext uri="{FF2B5EF4-FFF2-40B4-BE49-F238E27FC236}">
+                <a16:creationId xmlns:a16="http://schemas.microsoft.com/office/drawing/2014/main" id="{83488271-BCB1-0E19-180B-EE13A3797081}"/>
+              </a:ext>
+            </a:extLst>
+          </p:cNvPr>
+          <p:cNvSpPr>
+            <a:spLocks noGrp="1"/>
+          </p:cNvSpPr>
+          <p:nvPr>
+            <p:ph type="dt" sz="half" idx="10"/>
+          </p:nvPr>
+        </p:nvSpPr>
+        <p:spPr/>
+        <p:txBody>
+          <a:bodyPr/>
+          <a:lstStyle/>
+          <a:p>
+            <a:fld id="{23E2BD91-2AE8-487A-BD5C-78BC9B3F7C4B}" type="datetime1">
+              <a:rPr lang="en-US" smtClean="0"/>
+              <a:t>9/19/2024</a:t>
+            </a:fld>
+            <a:endParaRPr lang="en-US"/>
+          </a:p>
+        </p:txBody>
+      </p:sp>
+      <p:sp>
+        <p:nvSpPr>
+          <p:cNvPr id="5" name="Footer Placeholder 4">
+            <a:extLst>
+              <a:ext uri="{FF2B5EF4-FFF2-40B4-BE49-F238E27FC236}">
+                <a16:creationId xmlns:a16="http://schemas.microsoft.com/office/drawing/2014/main" id="{80D5A303-6A29-1B07-E883-61FFCCCB0E89}"/>
+              </a:ext>
+            </a:extLst>
+          </p:cNvPr>
+          <p:cNvSpPr>
+            <a:spLocks noGrp="1"/>
+          </p:cNvSpPr>
+          <p:nvPr>
+            <p:ph type="ftr" sz="quarter" idx="11"/>
+          </p:nvPr>
+        </p:nvSpPr>
+        <p:spPr/>
+        <p:txBody>
+          <a:bodyPr/>
+          <a:lstStyle/>
+          <a:p>
+            <a:endParaRPr lang="en-US"/>
+          </a:p>
+        </p:txBody>
+      </p:sp>
+      <p:sp>
+        <p:nvSpPr>
+          <p:cNvPr id="6" name="Slide Number Placeholder 5">
+            <a:extLst>
+              <a:ext uri="{FF2B5EF4-FFF2-40B4-BE49-F238E27FC236}">
+                <a16:creationId xmlns:a16="http://schemas.microsoft.com/office/drawing/2014/main" id="{567DEAF1-05B2-3F20-846B-AB6DE7B4B0B1}"/>
+              </a:ext>
+            </a:extLst>
+          </p:cNvPr>
+          <p:cNvSpPr>
+            <a:spLocks noGrp="1"/>
+          </p:cNvSpPr>
+          <p:nvPr>
+            <p:ph type="sldNum" sz="quarter" idx="12"/>
+          </p:nvPr>
+        </p:nvSpPr>
+        <p:spPr/>
+        <p:txBody>
+          <a:bodyPr/>
+          <a:lstStyle/>
+          <a:p>
+            <a:fld id="{2697313F-D866-4554-955F-25FA0D5B9080}" type="slidenum">
+              <a:rPr lang="en-US" smtClean="0"/>
+              <a:t>29</a:t>
+            </a:fld>
+            <a:endParaRPr lang="en-US"/>
+          </a:p>
+        </p:txBody>
+      </p:sp>
+      <p:pic>
+        <p:nvPicPr>
+          <p:cNvPr id="8" name="Picture 7">
+            <a:extLst>
+              <a:ext uri="{FF2B5EF4-FFF2-40B4-BE49-F238E27FC236}">
+                <a16:creationId xmlns:a16="http://schemas.microsoft.com/office/drawing/2014/main" id="{43172F2C-3548-9CD0-CE38-1F9C47BDC134}"/>
+              </a:ext>
+            </a:extLst>
+          </p:cNvPr>
+          <p:cNvPicPr>
+            <a:picLocks noChangeAspect="1"/>
+          </p:cNvPicPr>
+          <p:nvPr/>
+        </p:nvPicPr>
+        <p:blipFill>
+          <a:blip r:embed="rId2"/>
+          <a:stretch>
+            <a:fillRect/>
+          </a:stretch>
+        </p:blipFill>
+        <p:spPr>
+          <a:xfrm>
+            <a:off x="1233244" y="1175998"/>
+            <a:ext cx="6677509" cy="4677925"/>
+          </a:xfrm>
+          <a:prstGeom prst="rect">
+            <a:avLst/>
+          </a:prstGeom>
+        </p:spPr>
+      </p:pic>
+      <p:sp>
+        <p:nvSpPr>
+          <p:cNvPr id="9" name="TextBox 8">
+            <a:extLst>
+              <a:ext uri="{FF2B5EF4-FFF2-40B4-BE49-F238E27FC236}">
+                <a16:creationId xmlns:a16="http://schemas.microsoft.com/office/drawing/2014/main" id="{3FB31803-8E77-7EC5-5C2D-34C036085B49}"/>
+              </a:ext>
+            </a:extLst>
+          </p:cNvPr>
+          <p:cNvSpPr txBox="1"/>
+          <p:nvPr/>
+        </p:nvSpPr>
+        <p:spPr>
+          <a:xfrm>
+            <a:off x="206374" y="6033083"/>
+            <a:ext cx="8731251" cy="215444"/>
+          </a:xfrm>
+          <a:prstGeom prst="rect">
+            <a:avLst/>
+          </a:prstGeom>
+          <a:noFill/>
+        </p:spPr>
+        <p:txBody>
+          <a:bodyPr wrap="square" rtlCol="0">
+            <a:spAutoFit/>
+          </a:bodyPr>
+          <a:lstStyle/>
+          <a:p>
+            <a:r>
+              <a:rPr lang="en-US" sz="800" b="0" i="0" dirty="0" err="1">
+                <a:solidFill>
+                  <a:srgbClr val="222222"/>
+                </a:solidFill>
+                <a:effectLst/>
+                <a:latin typeface="Arial" panose="020B0604020202020204" pitchFamily="34" charset="0"/>
+              </a:rPr>
+              <a:t>Hamerly</a:t>
+            </a:r>
+            <a:r>
+              <a:rPr lang="en-US" sz="800" b="0" i="0" dirty="0">
+                <a:solidFill>
+                  <a:srgbClr val="222222"/>
+                </a:solidFill>
+                <a:effectLst/>
+                <a:latin typeface="Arial" panose="020B0604020202020204" pitchFamily="34" charset="0"/>
+              </a:rPr>
+              <a:t>, Ryan, et al. "Conditions for parametric and free-carrier oscillation in silicon ring cavities." </a:t>
+            </a:r>
+            <a:r>
+              <a:rPr lang="en-US" sz="800" b="0" i="1" dirty="0">
+                <a:solidFill>
+                  <a:srgbClr val="222222"/>
+                </a:solidFill>
+                <a:effectLst/>
+                <a:latin typeface="Arial" panose="020B0604020202020204" pitchFamily="34" charset="0"/>
+              </a:rPr>
+              <a:t>Journal of Lightwave Technology</a:t>
+            </a:r>
+            <a:r>
+              <a:rPr lang="en-US" sz="800" b="0" i="0" dirty="0">
+                <a:solidFill>
+                  <a:srgbClr val="222222"/>
+                </a:solidFill>
+                <a:effectLst/>
+                <a:latin typeface="Arial" panose="020B0604020202020204" pitchFamily="34" charset="0"/>
+              </a:rPr>
+              <a:t> 36.19 (2018): 4671-4677.</a:t>
+            </a:r>
+            <a:endParaRPr lang="en-US" sz="1000" b="0" dirty="0">
+              <a:solidFill>
+                <a:srgbClr val="19375B"/>
+              </a:solidFill>
+            </a:endParaRPr>
+          </a:p>
+        </p:txBody>
+      </p:sp>
+      <p:sp>
+        <p:nvSpPr>
+          <p:cNvPr id="10" name="TextBox 9">
+            <a:extLst>
+              <a:ext uri="{FF2B5EF4-FFF2-40B4-BE49-F238E27FC236}">
+                <a16:creationId xmlns:a16="http://schemas.microsoft.com/office/drawing/2014/main" id="{3BA70705-5301-D411-86B7-65C3F9D85DE5}"/>
+              </a:ext>
+            </a:extLst>
+          </p:cNvPr>
+          <p:cNvSpPr txBox="1"/>
+          <p:nvPr/>
+        </p:nvSpPr>
+        <p:spPr>
+          <a:xfrm>
+            <a:off x="3635375" y="5771371"/>
+            <a:ext cx="2633606" cy="307777"/>
+          </a:xfrm>
+          <a:prstGeom prst="rect">
+            <a:avLst/>
+          </a:prstGeom>
+          <a:noFill/>
+        </p:spPr>
+        <p:txBody>
+          <a:bodyPr wrap="none" rtlCol="0">
+            <a:spAutoFit/>
+          </a:bodyPr>
+          <a:lstStyle/>
+          <a:p>
+            <a:r>
+              <a:rPr lang="pl-PL" sz="1400" b="0" dirty="0">
+                <a:solidFill>
+                  <a:schemeClr val="tx1"/>
+                </a:solidFill>
+              </a:rPr>
+              <a:t>f(ζ) = 1,</a:t>
+            </a:r>
+            <a:r>
+              <a:rPr lang="de-DE" sz="1400" b="0" dirty="0">
+                <a:solidFill>
+                  <a:schemeClr val="tx1"/>
+                </a:solidFill>
+              </a:rPr>
+              <a:t> </a:t>
+            </a:r>
+            <a:r>
+              <a:rPr lang="pl-PL" sz="1400" b="0" dirty="0">
+                <a:solidFill>
+                  <a:schemeClr val="tx1"/>
+                </a:solidFill>
+              </a:rPr>
+              <a:t>V0 = −15 V, w = λ/1.55</a:t>
+            </a:r>
+            <a:endParaRPr lang="en-US" sz="1400" b="0" dirty="0">
+              <a:solidFill>
+                <a:schemeClr val="tx1"/>
+              </a:solidFill>
+            </a:endParaRPr>
+          </a:p>
+        </p:txBody>
+      </p:sp>
+    </p:spTree>
+    <p:extLst>
+      <p:ext uri="{BB962C8B-B14F-4D97-AF65-F5344CB8AC3E}">
+        <p14:creationId xmlns:p14="http://schemas.microsoft.com/office/powerpoint/2010/main" val="1439925312"/>
       </p:ext>
     </p:extLst>
   </p:cSld>

--- a/progress.pptx
+++ b/progress.pptx
@@ -5,10 +5,10 @@
     <p:sldMasterId id="2147483757" r:id="rId1"/>
   </p:sldMasterIdLst>
   <p:notesMasterIdLst>
-    <p:notesMasterId r:id="rId31"/>
+    <p:notesMasterId r:id="rId39"/>
   </p:notesMasterIdLst>
   <p:handoutMasterIdLst>
-    <p:handoutMasterId r:id="rId32"/>
+    <p:handoutMasterId r:id="rId40"/>
   </p:handoutMasterIdLst>
   <p:sldIdLst>
     <p:sldId id="444" r:id="rId2"/>
@@ -40,11 +40,19 @@
     <p:sldId id="473" r:id="rId28"/>
     <p:sldId id="474" r:id="rId29"/>
     <p:sldId id="475" r:id="rId30"/>
+    <p:sldId id="476" r:id="rId31"/>
+    <p:sldId id="478" r:id="rId32"/>
+    <p:sldId id="477" r:id="rId33"/>
+    <p:sldId id="479" r:id="rId34"/>
+    <p:sldId id="480" r:id="rId35"/>
+    <p:sldId id="481" r:id="rId36"/>
+    <p:sldId id="482" r:id="rId37"/>
+    <p:sldId id="483" r:id="rId38"/>
   </p:sldIdLst>
   <p:sldSz cx="9144000" cy="6858000" type="letter"/>
   <p:notesSz cx="7104063" cy="10234613"/>
   <p:custDataLst>
-    <p:tags r:id="rId33"/>
+    <p:tags r:id="rId41"/>
   </p:custDataLst>
   <p:defaultTextStyle>
     <a:defPPr>
@@ -205,6 +213,14 @@
             <p14:sldId id="473"/>
             <p14:sldId id="474"/>
             <p14:sldId id="475"/>
+            <p14:sldId id="476"/>
+            <p14:sldId id="478"/>
+            <p14:sldId id="477"/>
+            <p14:sldId id="479"/>
+            <p14:sldId id="480"/>
+            <p14:sldId id="481"/>
+            <p14:sldId id="482"/>
+            <p14:sldId id="483"/>
           </p14:sldIdLst>
         </p14:section>
       </p14:sectionLst>
@@ -388,7 +404,7 @@
             </a:pPr>
             <a:fld id="{745D068B-BA4C-407E-9F02-D48656DCD747}" type="datetime1">
               <a:rPr lang="en-US" smtClean="0"/>
-              <a:t>9/13/2024</a:t>
+              <a:t>11/7/2024</a:t>
             </a:fld>
             <a:endParaRPr lang="de-DE"/>
           </a:p>
@@ -769,7 +785,7 @@
             </a:pPr>
             <a:fld id="{CF17843B-419B-4348-87FD-F8F5051D43BD}" type="datetime1">
               <a:rPr lang="en-US" smtClean="0"/>
-              <a:t>9/13/2024</a:t>
+              <a:t>11/7/2024</a:t>
             </a:fld>
             <a:endParaRPr lang="de-DE"/>
           </a:p>
@@ -2148,7 +2164,7 @@
           <a:p>
             <a:fld id="{23E2BD91-2AE8-487A-BD5C-78BC9B3F7C4B}" type="datetime1">
               <a:rPr lang="en-US" smtClean="0"/>
-              <a:t>9/13/2024</a:t>
+              <a:t>11/7/2024</a:t>
             </a:fld>
             <a:endParaRPr lang="en-US"/>
           </a:p>
@@ -2368,7 +2384,7 @@
           <a:p>
             <a:fld id="{07206E0C-B25D-427B-B02C-AAD12CE67799}" type="datetime1">
               <a:rPr lang="en-US" smtClean="0"/>
-              <a:t>9/13/2024</a:t>
+              <a:t>11/7/2024</a:t>
             </a:fld>
             <a:endParaRPr lang="en-US"/>
           </a:p>
@@ -2914,7 +2930,7 @@
           <a:p>
             <a:fld id="{743C97FD-72C7-4C51-9020-5131B0C1B598}" type="datetime1">
               <a:rPr lang="en-US" smtClean="0"/>
-              <a:t>9/13/2024</a:t>
+              <a:t>11/7/2024</a:t>
             </a:fld>
             <a:endParaRPr lang="en-US"/>
           </a:p>
@@ -4033,7 +4049,7 @@
           <a:p>
             <a:fld id="{23E2BD91-2AE8-487A-BD5C-78BC9B3F7C4B}" type="datetime1">
               <a:rPr lang="en-US" smtClean="0"/>
-              <a:t>9/13/2024</a:t>
+              <a:t>11/7/2024</a:t>
             </a:fld>
             <a:endParaRPr lang="en-US"/>
           </a:p>
@@ -4257,7 +4273,7 @@
           <a:p>
             <a:fld id="{23E2BD91-2AE8-487A-BD5C-78BC9B3F7C4B}" type="datetime1">
               <a:rPr lang="en-US" smtClean="0"/>
-              <a:t>9/13/2024</a:t>
+              <a:t>11/7/2024</a:t>
             </a:fld>
             <a:endParaRPr lang="en-US"/>
           </a:p>
@@ -4553,7 +4569,7 @@
           <a:p>
             <a:fld id="{23E2BD91-2AE8-487A-BD5C-78BC9B3F7C4B}" type="datetime1">
               <a:rPr lang="en-US" smtClean="0"/>
-              <a:t>9/13/2024</a:t>
+              <a:t>11/7/2024</a:t>
             </a:fld>
             <a:endParaRPr lang="en-US"/>
           </a:p>
@@ -4862,7 +4878,7 @@
           <a:p>
             <a:fld id="{23E2BD91-2AE8-487A-BD5C-78BC9B3F7C4B}" type="datetime1">
               <a:rPr lang="en-US" smtClean="0"/>
-              <a:t>9/13/2024</a:t>
+              <a:t>11/7/2024</a:t>
             </a:fld>
             <a:endParaRPr lang="en-US" dirty="0"/>
           </a:p>
@@ -5179,7 +5195,7 @@
           <a:p>
             <a:fld id="{23E2BD91-2AE8-487A-BD5C-78BC9B3F7C4B}" type="datetime1">
               <a:rPr lang="en-US" smtClean="0"/>
-              <a:t>9/13/2024</a:t>
+              <a:t>11/7/2024</a:t>
             </a:fld>
             <a:endParaRPr lang="en-US"/>
           </a:p>
@@ -5636,7 +5652,7 @@
           <a:p>
             <a:fld id="{23E2BD91-2AE8-487A-BD5C-78BC9B3F7C4B}" type="datetime1">
               <a:rPr lang="en-US" smtClean="0"/>
-              <a:t>9/13/2024</a:t>
+              <a:t>11/7/2024</a:t>
             </a:fld>
             <a:endParaRPr lang="en-US"/>
           </a:p>
@@ -6011,7 +6027,7 @@
           <a:p>
             <a:fld id="{23E2BD91-2AE8-487A-BD5C-78BC9B3F7C4B}" type="datetime1">
               <a:rPr lang="en-US" smtClean="0"/>
-              <a:t>9/13/2024</a:t>
+              <a:t>11/7/2024</a:t>
             </a:fld>
             <a:endParaRPr lang="en-US"/>
           </a:p>
@@ -6333,7 +6349,7 @@
           <a:p>
             <a:fld id="{23E2BD91-2AE8-487A-BD5C-78BC9B3F7C4B}" type="datetime1">
               <a:rPr lang="en-US" smtClean="0"/>
-              <a:t>9/13/2024</a:t>
+              <a:t>11/7/2024</a:t>
             </a:fld>
             <a:endParaRPr lang="en-US"/>
           </a:p>
@@ -6557,7 +6573,7 @@
           <a:p>
             <a:fld id="{23E2BD91-2AE8-487A-BD5C-78BC9B3F7C4B}" type="datetime1">
               <a:rPr lang="en-US" smtClean="0"/>
-              <a:t>9/13/2024</a:t>
+              <a:t>11/7/2024</a:t>
             </a:fld>
             <a:endParaRPr lang="en-US"/>
           </a:p>
@@ -6916,7 +6932,7 @@
           <a:p>
             <a:fld id="{23E2BD91-2AE8-487A-BD5C-78BC9B3F7C4B}" type="datetime1">
               <a:rPr lang="en-US" smtClean="0"/>
-              <a:t>9/13/2024</a:t>
+              <a:t>11/7/2024</a:t>
             </a:fld>
             <a:endParaRPr lang="en-US"/>
           </a:p>
@@ -7092,7 +7108,7 @@
           <a:p>
             <a:fld id="{5C914FEA-A00B-4EE3-9815-260C78B275ED}" type="datetime1">
               <a:rPr lang="en-US" smtClean="0"/>
-              <a:t>9/13/2024</a:t>
+              <a:t>11/7/2024</a:t>
             </a:fld>
             <a:endParaRPr lang="en-US"/>
           </a:p>
@@ -7955,7 +7971,7 @@
           <a:p>
             <a:fld id="{23E2BD91-2AE8-487A-BD5C-78BC9B3F7C4B}" type="datetime1">
               <a:rPr lang="en-US" smtClean="0"/>
-              <a:t>9/13/2024</a:t>
+              <a:t>11/7/2024</a:t>
             </a:fld>
             <a:endParaRPr lang="en-US"/>
           </a:p>
@@ -8523,7 +8539,7 @@
           <a:p>
             <a:fld id="{23E2BD91-2AE8-487A-BD5C-78BC9B3F7C4B}" type="datetime1">
               <a:rPr lang="en-US" smtClean="0"/>
-              <a:t>9/13/2024</a:t>
+              <a:t>11/7/2024</a:t>
             </a:fld>
             <a:endParaRPr lang="en-US"/>
           </a:p>
@@ -9195,7 +9211,7 @@
           <a:p>
             <a:fld id="{23E2BD91-2AE8-487A-BD5C-78BC9B3F7C4B}" type="datetime1">
               <a:rPr lang="en-US" smtClean="0"/>
-              <a:t>9/13/2024</a:t>
+              <a:t>11/7/2024</a:t>
             </a:fld>
             <a:endParaRPr lang="en-US"/>
           </a:p>
@@ -9562,7 +9578,7 @@
           <a:p>
             <a:fld id="{23E2BD91-2AE8-487A-BD5C-78BC9B3F7C4B}" type="datetime1">
               <a:rPr lang="en-US" smtClean="0"/>
-              <a:t>9/13/2024</a:t>
+              <a:t>11/7/2024</a:t>
             </a:fld>
             <a:endParaRPr lang="en-US"/>
           </a:p>
@@ -9843,7 +9859,7 @@
           <a:p>
             <a:fld id="{23E2BD91-2AE8-487A-BD5C-78BC9B3F7C4B}" type="datetime1">
               <a:rPr lang="en-US" smtClean="0"/>
-              <a:t>9/17/2024</a:t>
+              <a:t>11/7/2024</a:t>
             </a:fld>
             <a:endParaRPr lang="en-US"/>
           </a:p>
@@ -10038,7 +10054,7 @@
           <a:p>
             <a:fld id="{23E2BD91-2AE8-487A-BD5C-78BC9B3F7C4B}" type="datetime1">
               <a:rPr lang="en-US" smtClean="0"/>
-              <a:t>9/19/2024</a:t>
+              <a:t>11/7/2024</a:t>
             </a:fld>
             <a:endParaRPr lang="en-US"/>
           </a:p>
@@ -10741,7 +10757,7 @@
           <a:p>
             <a:fld id="{23E2BD91-2AE8-487A-BD5C-78BC9B3F7C4B}" type="datetime1">
               <a:rPr lang="en-US" smtClean="0"/>
-              <a:t>9/19/2024</a:t>
+              <a:t>11/7/2024</a:t>
             </a:fld>
             <a:endParaRPr lang="en-US"/>
           </a:p>
@@ -11058,7 +11074,7 @@
           <a:p>
             <a:fld id="{23E2BD91-2AE8-487A-BD5C-78BC9B3F7C4B}" type="datetime1">
               <a:rPr lang="en-US" smtClean="0"/>
-              <a:t>9/19/2024</a:t>
+              <a:t>11/7/2024</a:t>
             </a:fld>
             <a:endParaRPr lang="en-US"/>
           </a:p>
@@ -11511,7 +11527,7 @@
           <a:p>
             <a:fld id="{23E2BD91-2AE8-487A-BD5C-78BC9B3F7C4B}" type="datetime1">
               <a:rPr lang="en-US" smtClean="0"/>
-              <a:t>9/19/2024</a:t>
+              <a:t>11/7/2024</a:t>
             </a:fld>
             <a:endParaRPr lang="en-US" dirty="0"/>
           </a:p>
@@ -11766,8 +11782,8 @@
           </a:p>
         </p:txBody>
       </p:sp>
-      <mc:AlternateContent xmlns:mc="http://schemas.openxmlformats.org/markup-compatibility/2006">
-        <mc:Choice xmlns:a14="http://schemas.microsoft.com/office/drawing/2010/main" Requires="a14">
+      <mc:AlternateContent xmlns:mc="http://schemas.openxmlformats.org/markup-compatibility/2006" xmlns:a14="http://schemas.microsoft.com/office/drawing/2010/main">
+        <mc:Choice Requires="a14">
           <p:sp>
             <p:nvSpPr>
               <p:cNvPr id="22" name="TextBox 21">
@@ -11935,7 +11951,7 @@
             </p:txBody>
           </p:sp>
         </mc:Choice>
-        <mc:Fallback>
+        <mc:Fallback xmlns="">
           <p:sp>
             <p:nvSpPr>
               <p:cNvPr id="22" name="TextBox 21">
@@ -12088,7 +12104,7 @@
           <a:p>
             <a:fld id="{23E2BD91-2AE8-487A-BD5C-78BC9B3F7C4B}" type="datetime1">
               <a:rPr lang="en-US" smtClean="0"/>
-              <a:t>9/19/2024</a:t>
+              <a:t>11/7/2024</a:t>
             </a:fld>
             <a:endParaRPr lang="en-US"/>
           </a:p>
@@ -12953,7 +12969,7 @@
           <a:p>
             <a:fld id="{41453237-B359-4442-BB47-702366E3C8FE}" type="datetime1">
               <a:rPr lang="en-US" smtClean="0"/>
-              <a:t>9/13/2024</a:t>
+              <a:t>11/7/2024</a:t>
             </a:fld>
             <a:endParaRPr lang="en-US"/>
           </a:p>
@@ -13017,6 +13033,2380 @@
     <p:extLst>
       <p:ext uri="{BB962C8B-B14F-4D97-AF65-F5344CB8AC3E}">
         <p14:creationId xmlns:p14="http://schemas.microsoft.com/office/powerpoint/2010/main" val="779944151"/>
+      </p:ext>
+    </p:extLst>
+  </p:cSld>
+  <p:clrMapOvr>
+    <a:masterClrMapping/>
+  </p:clrMapOvr>
+</p:sld>
+</file>
+
+<file path=ppt/slides/slide30.xml><?xml version="1.0" encoding="utf-8"?>
+<p:sld xmlns:a="http://schemas.openxmlformats.org/drawingml/2006/main" xmlns:r="http://schemas.openxmlformats.org/officeDocument/2006/relationships" xmlns:p="http://schemas.openxmlformats.org/presentationml/2006/main">
+  <p:cSld>
+    <p:spTree>
+      <p:nvGrpSpPr>
+        <p:cNvPr id="1" name=""/>
+        <p:cNvGrpSpPr/>
+        <p:nvPr/>
+      </p:nvGrpSpPr>
+      <p:grpSpPr>
+        <a:xfrm>
+          <a:off x="0" y="0"/>
+          <a:ext cx="0" cy="0"/>
+          <a:chOff x="0" y="0"/>
+          <a:chExt cx="0" cy="0"/>
+        </a:xfrm>
+      </p:grpSpPr>
+      <p:pic>
+        <p:nvPicPr>
+          <p:cNvPr id="9" name="Picture 8">
+            <a:extLst>
+              <a:ext uri="{FF2B5EF4-FFF2-40B4-BE49-F238E27FC236}">
+                <a16:creationId xmlns:a16="http://schemas.microsoft.com/office/drawing/2014/main" id="{F340EEFB-C09E-E152-1A18-B2A4A4922B8A}"/>
+              </a:ext>
+            </a:extLst>
+          </p:cNvPr>
+          <p:cNvPicPr>
+            <a:picLocks noChangeAspect="1"/>
+          </p:cNvPicPr>
+          <p:nvPr/>
+        </p:nvPicPr>
+        <p:blipFill>
+          <a:blip r:embed="rId2"/>
+          <a:stretch>
+            <a:fillRect/>
+          </a:stretch>
+        </p:blipFill>
+        <p:spPr>
+          <a:xfrm>
+            <a:off x="366125" y="3350814"/>
+            <a:ext cx="8411749" cy="2657846"/>
+          </a:xfrm>
+          <a:prstGeom prst="rect">
+            <a:avLst/>
+          </a:prstGeom>
+        </p:spPr>
+      </p:pic>
+      <p:sp>
+        <p:nvSpPr>
+          <p:cNvPr id="2" name="Content Placeholder 1">
+            <a:extLst>
+              <a:ext uri="{FF2B5EF4-FFF2-40B4-BE49-F238E27FC236}">
+                <a16:creationId xmlns:a16="http://schemas.microsoft.com/office/drawing/2014/main" id="{8660D545-EF9B-6ECA-D5A9-53484E663319}"/>
+              </a:ext>
+            </a:extLst>
+          </p:cNvPr>
+          <p:cNvSpPr>
+            <a:spLocks noGrp="1"/>
+          </p:cNvSpPr>
+          <p:nvPr>
+            <p:ph idx="1"/>
+          </p:nvPr>
+        </p:nvSpPr>
+        <p:spPr>
+          <a:xfrm>
+            <a:off x="250825" y="1341438"/>
+            <a:ext cx="8642350" cy="2062497"/>
+          </a:xfrm>
+        </p:spPr>
+        <p:txBody>
+          <a:bodyPr/>
+          <a:lstStyle/>
+          <a:p>
+            <a:r>
+              <a:rPr lang="en-US" dirty="0"/>
+              <a:t>Numerical schemes that are used to discretize electromagnetics problems and solve Maxwell’s equations in arbitrary geometries include: finite-difference time-domain (FDTD), finite element method (FEM), and method of moments (MoM).</a:t>
+            </a:r>
+          </a:p>
+          <a:p>
+            <a:endParaRPr lang="en-US" dirty="0"/>
+          </a:p>
+          <a:p>
+            <a:endParaRPr lang="en-US" dirty="0"/>
+          </a:p>
+          <a:p>
+            <a:pPr marL="0" indent="0">
+              <a:buNone/>
+            </a:pPr>
+            <a:endParaRPr lang="en-US" dirty="0"/>
+          </a:p>
+          <a:p>
+            <a:endParaRPr lang="en-US" dirty="0"/>
+          </a:p>
+          <a:p>
+            <a:pPr marL="0" indent="0">
+              <a:buNone/>
+            </a:pPr>
+            <a:endParaRPr lang="en-US" dirty="0"/>
+          </a:p>
+        </p:txBody>
+      </p:sp>
+      <p:sp>
+        <p:nvSpPr>
+          <p:cNvPr id="3" name="Title 2">
+            <a:extLst>
+              <a:ext uri="{FF2B5EF4-FFF2-40B4-BE49-F238E27FC236}">
+                <a16:creationId xmlns:a16="http://schemas.microsoft.com/office/drawing/2014/main" id="{5A4985B5-D4EF-2543-F0B6-D4230CE42ADA}"/>
+              </a:ext>
+            </a:extLst>
+          </p:cNvPr>
+          <p:cNvSpPr>
+            <a:spLocks noGrp="1"/>
+          </p:cNvSpPr>
+          <p:nvPr>
+            <p:ph type="title"/>
+          </p:nvPr>
+        </p:nvSpPr>
+        <p:spPr/>
+        <p:txBody>
+          <a:bodyPr/>
+          <a:lstStyle/>
+          <a:p>
+            <a:r>
+              <a:rPr lang="en-US" dirty="0"/>
+              <a:t>W</a:t>
+            </a:r>
+            <a:r>
+              <a:rPr lang="en-US" altLang="zh-CN" dirty="0"/>
+              <a:t>eek 17 Waveguide Field Solvers</a:t>
+            </a:r>
+            <a:endParaRPr lang="en-US" dirty="0"/>
+          </a:p>
+        </p:txBody>
+      </p:sp>
+      <p:sp>
+        <p:nvSpPr>
+          <p:cNvPr id="4" name="Date Placeholder 3">
+            <a:extLst>
+              <a:ext uri="{FF2B5EF4-FFF2-40B4-BE49-F238E27FC236}">
+                <a16:creationId xmlns:a16="http://schemas.microsoft.com/office/drawing/2014/main" id="{9A42DE1D-01D8-605D-FC87-5C1A21B34797}"/>
+              </a:ext>
+            </a:extLst>
+          </p:cNvPr>
+          <p:cNvSpPr>
+            <a:spLocks noGrp="1"/>
+          </p:cNvSpPr>
+          <p:nvPr>
+            <p:ph type="dt" sz="half" idx="10"/>
+          </p:nvPr>
+        </p:nvSpPr>
+        <p:spPr/>
+        <p:txBody>
+          <a:bodyPr/>
+          <a:lstStyle/>
+          <a:p>
+            <a:fld id="{23E2BD91-2AE8-487A-BD5C-78BC9B3F7C4B}" type="datetime1">
+              <a:rPr lang="en-US" smtClean="0"/>
+              <a:t>11/7/2024</a:t>
+            </a:fld>
+            <a:endParaRPr lang="en-US"/>
+          </a:p>
+        </p:txBody>
+      </p:sp>
+      <p:sp>
+        <p:nvSpPr>
+          <p:cNvPr id="5" name="Footer Placeholder 4">
+            <a:extLst>
+              <a:ext uri="{FF2B5EF4-FFF2-40B4-BE49-F238E27FC236}">
+                <a16:creationId xmlns:a16="http://schemas.microsoft.com/office/drawing/2014/main" id="{F50BAF1C-FE00-B45E-C646-A2A0453C012A}"/>
+              </a:ext>
+            </a:extLst>
+          </p:cNvPr>
+          <p:cNvSpPr>
+            <a:spLocks noGrp="1"/>
+          </p:cNvSpPr>
+          <p:nvPr>
+            <p:ph type="ftr" sz="quarter" idx="11"/>
+          </p:nvPr>
+        </p:nvSpPr>
+        <p:spPr/>
+        <p:txBody>
+          <a:bodyPr/>
+          <a:lstStyle/>
+          <a:p>
+            <a:endParaRPr lang="en-US"/>
+          </a:p>
+        </p:txBody>
+      </p:sp>
+      <p:sp>
+        <p:nvSpPr>
+          <p:cNvPr id="6" name="Slide Number Placeholder 5">
+            <a:extLst>
+              <a:ext uri="{FF2B5EF4-FFF2-40B4-BE49-F238E27FC236}">
+                <a16:creationId xmlns:a16="http://schemas.microsoft.com/office/drawing/2014/main" id="{283326D0-BC3B-0843-D2F7-9A050636C5C1}"/>
+              </a:ext>
+            </a:extLst>
+          </p:cNvPr>
+          <p:cNvSpPr>
+            <a:spLocks noGrp="1"/>
+          </p:cNvSpPr>
+          <p:nvPr>
+            <p:ph type="sldNum" sz="quarter" idx="12"/>
+          </p:nvPr>
+        </p:nvSpPr>
+        <p:spPr/>
+        <p:txBody>
+          <a:bodyPr/>
+          <a:lstStyle/>
+          <a:p>
+            <a:fld id="{2697313F-D866-4554-955F-25FA0D5B9080}" type="slidenum">
+              <a:rPr lang="en-US" smtClean="0"/>
+              <a:t>30</a:t>
+            </a:fld>
+            <a:endParaRPr lang="en-US"/>
+          </a:p>
+        </p:txBody>
+      </p:sp>
+      <p:sp>
+        <p:nvSpPr>
+          <p:cNvPr id="7" name="TextBox 6">
+            <a:extLst>
+              <a:ext uri="{FF2B5EF4-FFF2-40B4-BE49-F238E27FC236}">
+                <a16:creationId xmlns:a16="http://schemas.microsoft.com/office/drawing/2014/main" id="{C3149886-4AE7-2A0B-C51F-ABA76C637209}"/>
+              </a:ext>
+            </a:extLst>
+          </p:cNvPr>
+          <p:cNvSpPr txBox="1"/>
+          <p:nvPr/>
+        </p:nvSpPr>
+        <p:spPr>
+          <a:xfrm>
+            <a:off x="942392" y="5957824"/>
+            <a:ext cx="7653057" cy="253916"/>
+          </a:xfrm>
+          <a:prstGeom prst="rect">
+            <a:avLst/>
+          </a:prstGeom>
+          <a:noFill/>
+        </p:spPr>
+        <p:txBody>
+          <a:bodyPr wrap="none" rtlCol="0">
+            <a:spAutoFit/>
+          </a:bodyPr>
+          <a:lstStyle/>
+          <a:p>
+            <a:r>
+              <a:rPr lang="en-US" sz="1050" b="0" dirty="0">
+                <a:solidFill>
+                  <a:srgbClr val="002060"/>
+                </a:solidFill>
+              </a:rPr>
+              <a:t>https://resources.system-analysis.cadence.com/blog/msa2021-fdtd-vs-fem-vs-mom-what-are-they-and-how-are-they-different</a:t>
+            </a:r>
+          </a:p>
+        </p:txBody>
+      </p:sp>
+    </p:spTree>
+    <p:extLst>
+      <p:ext uri="{BB962C8B-B14F-4D97-AF65-F5344CB8AC3E}">
+        <p14:creationId xmlns:p14="http://schemas.microsoft.com/office/powerpoint/2010/main" val="3200100196"/>
+      </p:ext>
+    </p:extLst>
+  </p:cSld>
+  <p:clrMapOvr>
+    <a:masterClrMapping/>
+  </p:clrMapOvr>
+</p:sld>
+</file>
+
+<file path=ppt/slides/slide31.xml><?xml version="1.0" encoding="utf-8"?>
+<p:sld xmlns:a="http://schemas.openxmlformats.org/drawingml/2006/main" xmlns:r="http://schemas.openxmlformats.org/officeDocument/2006/relationships" xmlns:p="http://schemas.openxmlformats.org/presentationml/2006/main">
+  <p:cSld>
+    <p:spTree>
+      <p:nvGrpSpPr>
+        <p:cNvPr id="1" name=""/>
+        <p:cNvGrpSpPr/>
+        <p:nvPr/>
+      </p:nvGrpSpPr>
+      <p:grpSpPr>
+        <a:xfrm>
+          <a:off x="0" y="0"/>
+          <a:ext cx="0" cy="0"/>
+          <a:chOff x="0" y="0"/>
+          <a:chExt cx="0" cy="0"/>
+        </a:xfrm>
+      </p:grpSpPr>
+      <p:sp>
+        <p:nvSpPr>
+          <p:cNvPr id="2" name="Content Placeholder 1">
+            <a:extLst>
+              <a:ext uri="{FF2B5EF4-FFF2-40B4-BE49-F238E27FC236}">
+                <a16:creationId xmlns:a16="http://schemas.microsoft.com/office/drawing/2014/main" id="{D6ECF91E-A6EF-725F-0896-7AA078741F6A}"/>
+              </a:ext>
+            </a:extLst>
+          </p:cNvPr>
+          <p:cNvSpPr>
+            <a:spLocks noGrp="1"/>
+          </p:cNvSpPr>
+          <p:nvPr>
+            <p:ph idx="1"/>
+          </p:nvPr>
+        </p:nvSpPr>
+        <p:spPr/>
+        <p:txBody>
+          <a:bodyPr/>
+          <a:lstStyle/>
+          <a:p>
+            <a:r>
+              <a:rPr lang="en-US" dirty="0">
+                <a:hlinkClick r:id="rId2"/>
+              </a:rPr>
+              <a:t>https://github.com/HelgeGehring/femwell/tree/main</a:t>
+            </a:r>
+            <a:r>
+              <a:rPr lang="en-US" dirty="0"/>
+              <a:t> </a:t>
+            </a:r>
+          </a:p>
+          <a:p>
+            <a:r>
+              <a:rPr lang="en-US" dirty="0"/>
+              <a:t>D</a:t>
+            </a:r>
+            <a:r>
+              <a:rPr lang="en-US" altLang="zh-CN" dirty="0"/>
+              <a:t>ebug</a:t>
+            </a:r>
+          </a:p>
+          <a:p>
+            <a:pPr lvl="2"/>
+            <a:r>
+              <a:rPr lang="en-US" sz="2000" dirty="0"/>
+              <a:t>#from </a:t>
+            </a:r>
+            <a:r>
+              <a:rPr lang="en-US" sz="2000" dirty="0" err="1"/>
+              <a:t>femwell.mode_solver</a:t>
+            </a:r>
+            <a:r>
+              <a:rPr lang="en-US" sz="2000" dirty="0"/>
+              <a:t> import (    #wrong</a:t>
+            </a:r>
+          </a:p>
+          <a:p>
+            <a:pPr marL="914400" lvl="2" indent="0">
+              <a:buNone/>
+            </a:pPr>
+            <a:r>
+              <a:rPr lang="en-US" sz="2000" dirty="0"/>
+              <a:t>      from </a:t>
+            </a:r>
+            <a:r>
+              <a:rPr lang="en-US" sz="2000" dirty="0" err="1"/>
+              <a:t>femwell.mode_solver_inplane</a:t>
+            </a:r>
+            <a:r>
+              <a:rPr lang="en-US" sz="2000" dirty="0"/>
+              <a:t> import (</a:t>
+            </a:r>
+          </a:p>
+          <a:p>
+            <a:pPr marL="914400" lvl="2" indent="0">
+              <a:buNone/>
+            </a:pPr>
+            <a:r>
+              <a:rPr lang="en-US" sz="2000" dirty="0"/>
+              <a:t>      </a:t>
+            </a:r>
+            <a:r>
+              <a:rPr lang="en-US" sz="2000" dirty="0" err="1"/>
+              <a:t>calculate_coupling_coefficient</a:t>
+            </a:r>
+            <a:r>
+              <a:rPr lang="en-US" sz="2000" dirty="0"/>
+              <a:t>,</a:t>
+            </a:r>
+          </a:p>
+          <a:p>
+            <a:pPr marL="914400" lvl="2" indent="0">
+              <a:buNone/>
+            </a:pPr>
+            <a:r>
+              <a:rPr lang="en-US" sz="2000" dirty="0"/>
+              <a:t>      </a:t>
+            </a:r>
+            <a:r>
+              <a:rPr lang="en-US" sz="2000" dirty="0" err="1"/>
+              <a:t>compute_modes</a:t>
+            </a:r>
+            <a:r>
+              <a:rPr lang="en-US" sz="2000" dirty="0"/>
+              <a:t>,</a:t>
+            </a:r>
+          </a:p>
+          <a:p>
+            <a:pPr marL="914400" lvl="2" indent="0">
+              <a:buNone/>
+            </a:pPr>
+            <a:r>
+              <a:rPr lang="en-US" sz="2000" dirty="0"/>
+              <a:t>      </a:t>
+            </a:r>
+            <a:r>
+              <a:rPr lang="en-US" sz="2000" dirty="0" err="1"/>
+              <a:t>plot_mode</a:t>
+            </a:r>
+            <a:r>
+              <a:rPr lang="en-US" sz="2000" dirty="0"/>
+              <a:t>,</a:t>
+            </a:r>
+          </a:p>
+          <a:p>
+            <a:pPr marL="914400" lvl="2" indent="0">
+              <a:buNone/>
+            </a:pPr>
+            <a:r>
+              <a:rPr lang="en-US" sz="2000" dirty="0"/>
+              <a:t>      )</a:t>
+            </a:r>
+          </a:p>
+          <a:p>
+            <a:pPr lvl="2"/>
+            <a:r>
+              <a:rPr lang="en-US" sz="2000" dirty="0"/>
+              <a:t>#from </a:t>
+            </a:r>
+            <a:r>
+              <a:rPr lang="en-US" sz="2000" dirty="0" err="1"/>
+              <a:t>femwell.mode_solver</a:t>
+            </a:r>
+            <a:r>
+              <a:rPr lang="en-US" sz="2000" dirty="0"/>
+              <a:t> import </a:t>
+            </a:r>
+            <a:r>
+              <a:rPr lang="en-US" sz="2000" dirty="0" err="1"/>
+              <a:t>solver_slepc</a:t>
+            </a:r>
+            <a:endParaRPr lang="en-US" sz="2000" dirty="0"/>
+          </a:p>
+          <a:p>
+            <a:pPr marL="914400" lvl="2" indent="0">
+              <a:buNone/>
+            </a:pPr>
+            <a:r>
+              <a:rPr lang="en-US" sz="2000" dirty="0"/>
+              <a:t>    from </a:t>
+            </a:r>
+            <a:r>
+              <a:rPr lang="en-US" sz="2000" dirty="0" err="1"/>
+              <a:t>femwell.solver</a:t>
+            </a:r>
+            <a:r>
+              <a:rPr lang="en-US" sz="2000" dirty="0"/>
+              <a:t> import </a:t>
+            </a:r>
+            <a:r>
+              <a:rPr lang="en-US" sz="2000" dirty="0" err="1"/>
+              <a:t>solver_eigen_slepc</a:t>
+            </a:r>
+            <a:endParaRPr lang="en-US" sz="2000" dirty="0"/>
+          </a:p>
+          <a:p>
+            <a:endParaRPr lang="en-US" dirty="0"/>
+          </a:p>
+          <a:p>
+            <a:endParaRPr lang="en-US" dirty="0"/>
+          </a:p>
+        </p:txBody>
+      </p:sp>
+      <p:sp>
+        <p:nvSpPr>
+          <p:cNvPr id="3" name="Title 2">
+            <a:extLst>
+              <a:ext uri="{FF2B5EF4-FFF2-40B4-BE49-F238E27FC236}">
+                <a16:creationId xmlns:a16="http://schemas.microsoft.com/office/drawing/2014/main" id="{40EA07EF-0DFE-E969-46EB-78F49553256D}"/>
+              </a:ext>
+            </a:extLst>
+          </p:cNvPr>
+          <p:cNvSpPr>
+            <a:spLocks noGrp="1"/>
+          </p:cNvSpPr>
+          <p:nvPr>
+            <p:ph type="title"/>
+          </p:nvPr>
+        </p:nvSpPr>
+        <p:spPr/>
+        <p:txBody>
+          <a:bodyPr/>
+          <a:lstStyle/>
+          <a:p>
+            <a:r>
+              <a:rPr lang="en-US" dirty="0" err="1"/>
+              <a:t>F</a:t>
+            </a:r>
+            <a:r>
+              <a:rPr lang="en-US" altLang="zh-CN" dirty="0" err="1"/>
+              <a:t>emwell</a:t>
+            </a:r>
+            <a:endParaRPr lang="en-US" dirty="0"/>
+          </a:p>
+        </p:txBody>
+      </p:sp>
+      <p:sp>
+        <p:nvSpPr>
+          <p:cNvPr id="4" name="Date Placeholder 3">
+            <a:extLst>
+              <a:ext uri="{FF2B5EF4-FFF2-40B4-BE49-F238E27FC236}">
+                <a16:creationId xmlns:a16="http://schemas.microsoft.com/office/drawing/2014/main" id="{B5FC09A0-8FE5-36B0-831F-33F20D3523C6}"/>
+              </a:ext>
+            </a:extLst>
+          </p:cNvPr>
+          <p:cNvSpPr>
+            <a:spLocks noGrp="1"/>
+          </p:cNvSpPr>
+          <p:nvPr>
+            <p:ph type="dt" sz="half" idx="10"/>
+          </p:nvPr>
+        </p:nvSpPr>
+        <p:spPr/>
+        <p:txBody>
+          <a:bodyPr/>
+          <a:lstStyle/>
+          <a:p>
+            <a:fld id="{23E2BD91-2AE8-487A-BD5C-78BC9B3F7C4B}" type="datetime1">
+              <a:rPr lang="en-US" smtClean="0"/>
+              <a:t>11/7/2024</a:t>
+            </a:fld>
+            <a:endParaRPr lang="en-US"/>
+          </a:p>
+        </p:txBody>
+      </p:sp>
+      <p:sp>
+        <p:nvSpPr>
+          <p:cNvPr id="5" name="Footer Placeholder 4">
+            <a:extLst>
+              <a:ext uri="{FF2B5EF4-FFF2-40B4-BE49-F238E27FC236}">
+                <a16:creationId xmlns:a16="http://schemas.microsoft.com/office/drawing/2014/main" id="{F2DA7766-0156-D570-9974-02E08293BB39}"/>
+              </a:ext>
+            </a:extLst>
+          </p:cNvPr>
+          <p:cNvSpPr>
+            <a:spLocks noGrp="1"/>
+          </p:cNvSpPr>
+          <p:nvPr>
+            <p:ph type="ftr" sz="quarter" idx="11"/>
+          </p:nvPr>
+        </p:nvSpPr>
+        <p:spPr/>
+        <p:txBody>
+          <a:bodyPr/>
+          <a:lstStyle/>
+          <a:p>
+            <a:endParaRPr lang="en-US"/>
+          </a:p>
+        </p:txBody>
+      </p:sp>
+      <p:sp>
+        <p:nvSpPr>
+          <p:cNvPr id="6" name="Slide Number Placeholder 5">
+            <a:extLst>
+              <a:ext uri="{FF2B5EF4-FFF2-40B4-BE49-F238E27FC236}">
+                <a16:creationId xmlns:a16="http://schemas.microsoft.com/office/drawing/2014/main" id="{4864BFF0-2850-DAB4-572C-A233505BF182}"/>
+              </a:ext>
+            </a:extLst>
+          </p:cNvPr>
+          <p:cNvSpPr>
+            <a:spLocks noGrp="1"/>
+          </p:cNvSpPr>
+          <p:nvPr>
+            <p:ph type="sldNum" sz="quarter" idx="12"/>
+          </p:nvPr>
+        </p:nvSpPr>
+        <p:spPr/>
+        <p:txBody>
+          <a:bodyPr/>
+          <a:lstStyle/>
+          <a:p>
+            <a:fld id="{2697313F-D866-4554-955F-25FA0D5B9080}" type="slidenum">
+              <a:rPr lang="en-US" smtClean="0"/>
+              <a:t>31</a:t>
+            </a:fld>
+            <a:endParaRPr lang="en-US"/>
+          </a:p>
+        </p:txBody>
+      </p:sp>
+    </p:spTree>
+    <p:extLst>
+      <p:ext uri="{BB962C8B-B14F-4D97-AF65-F5344CB8AC3E}">
+        <p14:creationId xmlns:p14="http://schemas.microsoft.com/office/powerpoint/2010/main" val="2854272539"/>
+      </p:ext>
+    </p:extLst>
+  </p:cSld>
+  <p:clrMapOvr>
+    <a:masterClrMapping/>
+  </p:clrMapOvr>
+</p:sld>
+</file>
+
+<file path=ppt/slides/slide32.xml><?xml version="1.0" encoding="utf-8"?>
+<p:sld xmlns:a="http://schemas.openxmlformats.org/drawingml/2006/main" xmlns:r="http://schemas.openxmlformats.org/officeDocument/2006/relationships" xmlns:p="http://schemas.openxmlformats.org/presentationml/2006/main">
+  <p:cSld>
+    <p:spTree>
+      <p:nvGrpSpPr>
+        <p:cNvPr id="1" name=""/>
+        <p:cNvGrpSpPr/>
+        <p:nvPr/>
+      </p:nvGrpSpPr>
+      <p:grpSpPr>
+        <a:xfrm>
+          <a:off x="0" y="0"/>
+          <a:ext cx="0" cy="0"/>
+          <a:chOff x="0" y="0"/>
+          <a:chExt cx="0" cy="0"/>
+        </a:xfrm>
+      </p:grpSpPr>
+      <p:sp>
+        <p:nvSpPr>
+          <p:cNvPr id="2" name="Content Placeholder 1">
+            <a:extLst>
+              <a:ext uri="{FF2B5EF4-FFF2-40B4-BE49-F238E27FC236}">
+                <a16:creationId xmlns:a16="http://schemas.microsoft.com/office/drawing/2014/main" id="{3E1FB354-1003-E26E-128F-FAFE2D95D9F0}"/>
+              </a:ext>
+            </a:extLst>
+          </p:cNvPr>
+          <p:cNvSpPr>
+            <a:spLocks noGrp="1"/>
+          </p:cNvSpPr>
+          <p:nvPr>
+            <p:ph idx="1"/>
+          </p:nvPr>
+        </p:nvSpPr>
+        <p:spPr/>
+        <p:txBody>
+          <a:bodyPr/>
+          <a:lstStyle/>
+          <a:p>
+            <a:endParaRPr lang="en-US" dirty="0"/>
+          </a:p>
+          <a:p>
+            <a:endParaRPr lang="en-US" dirty="0"/>
+          </a:p>
+          <a:p>
+            <a:endParaRPr lang="en-US" dirty="0"/>
+          </a:p>
+        </p:txBody>
+      </p:sp>
+      <p:sp>
+        <p:nvSpPr>
+          <p:cNvPr id="3" name="Title 2">
+            <a:extLst>
+              <a:ext uri="{FF2B5EF4-FFF2-40B4-BE49-F238E27FC236}">
+                <a16:creationId xmlns:a16="http://schemas.microsoft.com/office/drawing/2014/main" id="{B4CBEBC7-CA0E-6970-9D67-D2EE66FE9105}"/>
+              </a:ext>
+            </a:extLst>
+          </p:cNvPr>
+          <p:cNvSpPr>
+            <a:spLocks noGrp="1"/>
+          </p:cNvSpPr>
+          <p:nvPr>
+            <p:ph type="title"/>
+          </p:nvPr>
+        </p:nvSpPr>
+        <p:spPr/>
+        <p:txBody>
+          <a:bodyPr/>
+          <a:lstStyle/>
+          <a:p>
+            <a:r>
+              <a:rPr lang="en-US" dirty="0" err="1"/>
+              <a:t>F</a:t>
+            </a:r>
+            <a:r>
+              <a:rPr lang="en-US" altLang="zh-CN" dirty="0" err="1"/>
+              <a:t>emwell</a:t>
+            </a:r>
+            <a:endParaRPr lang="en-US" dirty="0"/>
+          </a:p>
+        </p:txBody>
+      </p:sp>
+      <p:sp>
+        <p:nvSpPr>
+          <p:cNvPr id="4" name="Date Placeholder 3">
+            <a:extLst>
+              <a:ext uri="{FF2B5EF4-FFF2-40B4-BE49-F238E27FC236}">
+                <a16:creationId xmlns:a16="http://schemas.microsoft.com/office/drawing/2014/main" id="{67F2D3F0-B74B-1556-D636-6D3148FAA7D3}"/>
+              </a:ext>
+            </a:extLst>
+          </p:cNvPr>
+          <p:cNvSpPr>
+            <a:spLocks noGrp="1"/>
+          </p:cNvSpPr>
+          <p:nvPr>
+            <p:ph type="dt" sz="half" idx="10"/>
+          </p:nvPr>
+        </p:nvSpPr>
+        <p:spPr/>
+        <p:txBody>
+          <a:bodyPr/>
+          <a:lstStyle/>
+          <a:p>
+            <a:fld id="{23E2BD91-2AE8-487A-BD5C-78BC9B3F7C4B}" type="datetime1">
+              <a:rPr lang="en-US" smtClean="0"/>
+              <a:t>11/7/2024</a:t>
+            </a:fld>
+            <a:endParaRPr lang="en-US"/>
+          </a:p>
+        </p:txBody>
+      </p:sp>
+      <p:sp>
+        <p:nvSpPr>
+          <p:cNvPr id="5" name="Footer Placeholder 4">
+            <a:extLst>
+              <a:ext uri="{FF2B5EF4-FFF2-40B4-BE49-F238E27FC236}">
+                <a16:creationId xmlns:a16="http://schemas.microsoft.com/office/drawing/2014/main" id="{8C96FE32-BBC3-2032-3360-52266F56F034}"/>
+              </a:ext>
+            </a:extLst>
+          </p:cNvPr>
+          <p:cNvSpPr>
+            <a:spLocks noGrp="1"/>
+          </p:cNvSpPr>
+          <p:nvPr>
+            <p:ph type="ftr" sz="quarter" idx="11"/>
+          </p:nvPr>
+        </p:nvSpPr>
+        <p:spPr/>
+        <p:txBody>
+          <a:bodyPr/>
+          <a:lstStyle/>
+          <a:p>
+            <a:endParaRPr lang="en-US"/>
+          </a:p>
+        </p:txBody>
+      </p:sp>
+      <p:sp>
+        <p:nvSpPr>
+          <p:cNvPr id="6" name="Slide Number Placeholder 5">
+            <a:extLst>
+              <a:ext uri="{FF2B5EF4-FFF2-40B4-BE49-F238E27FC236}">
+                <a16:creationId xmlns:a16="http://schemas.microsoft.com/office/drawing/2014/main" id="{1BD167A7-B124-F021-EFCF-5E3302A66943}"/>
+              </a:ext>
+            </a:extLst>
+          </p:cNvPr>
+          <p:cNvSpPr>
+            <a:spLocks noGrp="1"/>
+          </p:cNvSpPr>
+          <p:nvPr>
+            <p:ph type="sldNum" sz="quarter" idx="12"/>
+          </p:nvPr>
+        </p:nvSpPr>
+        <p:spPr/>
+        <p:txBody>
+          <a:bodyPr/>
+          <a:lstStyle/>
+          <a:p>
+            <a:fld id="{2697313F-D866-4554-955F-25FA0D5B9080}" type="slidenum">
+              <a:rPr lang="en-US" smtClean="0"/>
+              <a:t>32</a:t>
+            </a:fld>
+            <a:endParaRPr lang="en-US"/>
+          </a:p>
+        </p:txBody>
+      </p:sp>
+    </p:spTree>
+    <p:extLst>
+      <p:ext uri="{BB962C8B-B14F-4D97-AF65-F5344CB8AC3E}">
+        <p14:creationId xmlns:p14="http://schemas.microsoft.com/office/powerpoint/2010/main" val="155212835"/>
+      </p:ext>
+    </p:extLst>
+  </p:cSld>
+  <p:clrMapOvr>
+    <a:masterClrMapping/>
+  </p:clrMapOvr>
+</p:sld>
+</file>
+
+<file path=ppt/slides/slide33.xml><?xml version="1.0" encoding="utf-8"?>
+<p:sld xmlns:a="http://schemas.openxmlformats.org/drawingml/2006/main" xmlns:r="http://schemas.openxmlformats.org/officeDocument/2006/relationships" xmlns:p="http://schemas.openxmlformats.org/presentationml/2006/main">
+  <p:cSld>
+    <p:spTree>
+      <p:nvGrpSpPr>
+        <p:cNvPr id="1" name=""/>
+        <p:cNvGrpSpPr/>
+        <p:nvPr/>
+      </p:nvGrpSpPr>
+      <p:grpSpPr>
+        <a:xfrm>
+          <a:off x="0" y="0"/>
+          <a:ext cx="0" cy="0"/>
+          <a:chOff x="0" y="0"/>
+          <a:chExt cx="0" cy="0"/>
+        </a:xfrm>
+      </p:grpSpPr>
+      <p:sp>
+        <p:nvSpPr>
+          <p:cNvPr id="2" name="Content Placeholder 1">
+            <a:extLst>
+              <a:ext uri="{FF2B5EF4-FFF2-40B4-BE49-F238E27FC236}">
+                <a16:creationId xmlns:a16="http://schemas.microsoft.com/office/drawing/2014/main" id="{998241E2-B26F-E0DE-7BFB-EC3CEFF8C8D3}"/>
+              </a:ext>
+            </a:extLst>
+          </p:cNvPr>
+          <p:cNvSpPr>
+            <a:spLocks noGrp="1"/>
+          </p:cNvSpPr>
+          <p:nvPr>
+            <p:ph idx="1"/>
+          </p:nvPr>
+        </p:nvSpPr>
+        <p:spPr/>
+        <p:txBody>
+          <a:bodyPr/>
+          <a:lstStyle/>
+          <a:p>
+            <a:r>
+              <a:rPr lang="en-US" dirty="0"/>
+              <a:t>U</a:t>
+            </a:r>
+            <a:r>
+              <a:rPr lang="en-US" altLang="zh-CN" dirty="0"/>
+              <a:t>seful Links</a:t>
+            </a:r>
+          </a:p>
+          <a:p>
+            <a:pPr lvl="1"/>
+            <a:r>
+              <a:rPr lang="en-US" dirty="0">
+                <a:hlinkClick r:id="rId2"/>
+              </a:rPr>
+              <a:t>http://www.mfertig.de/pages/photonics.html</a:t>
+            </a:r>
+            <a:r>
+              <a:rPr lang="en-US" dirty="0"/>
+              <a:t> </a:t>
+            </a:r>
+          </a:p>
+          <a:p>
+            <a:pPr lvl="1"/>
+            <a:r>
+              <a:rPr lang="en-US" dirty="0">
+                <a:hlinkClick r:id="rId3"/>
+              </a:rPr>
+              <a:t>https://meep.readthedocs.io/en/latest/Python_User_Interface/</a:t>
+            </a:r>
+            <a:r>
+              <a:rPr lang="en-US" dirty="0"/>
+              <a:t> </a:t>
+            </a:r>
+          </a:p>
+          <a:p>
+            <a:pPr lvl="1"/>
+            <a:r>
+              <a:rPr lang="en-US" dirty="0">
+                <a:hlinkClick r:id="rId4"/>
+              </a:rPr>
+              <a:t>http://www.simpetus.com/projects.html#mpb_waveguide</a:t>
+            </a:r>
+            <a:r>
+              <a:rPr lang="en-US" dirty="0"/>
+              <a:t> </a:t>
+            </a:r>
+          </a:p>
+        </p:txBody>
+      </p:sp>
+      <p:sp>
+        <p:nvSpPr>
+          <p:cNvPr id="3" name="Title 2">
+            <a:extLst>
+              <a:ext uri="{FF2B5EF4-FFF2-40B4-BE49-F238E27FC236}">
+                <a16:creationId xmlns:a16="http://schemas.microsoft.com/office/drawing/2014/main" id="{4A224FEA-F161-F335-DE99-C850B40A1ECB}"/>
+              </a:ext>
+            </a:extLst>
+          </p:cNvPr>
+          <p:cNvSpPr>
+            <a:spLocks noGrp="1"/>
+          </p:cNvSpPr>
+          <p:nvPr>
+            <p:ph type="title"/>
+          </p:nvPr>
+        </p:nvSpPr>
+        <p:spPr/>
+        <p:txBody>
+          <a:bodyPr/>
+          <a:lstStyle/>
+          <a:p>
+            <a:r>
+              <a:rPr lang="en-US" dirty="0"/>
+              <a:t>MEEP</a:t>
+            </a:r>
+          </a:p>
+        </p:txBody>
+      </p:sp>
+      <p:sp>
+        <p:nvSpPr>
+          <p:cNvPr id="4" name="Date Placeholder 3">
+            <a:extLst>
+              <a:ext uri="{FF2B5EF4-FFF2-40B4-BE49-F238E27FC236}">
+                <a16:creationId xmlns:a16="http://schemas.microsoft.com/office/drawing/2014/main" id="{7284C791-C2E4-941E-1CAF-FC7A4F2CF067}"/>
+              </a:ext>
+            </a:extLst>
+          </p:cNvPr>
+          <p:cNvSpPr>
+            <a:spLocks noGrp="1"/>
+          </p:cNvSpPr>
+          <p:nvPr>
+            <p:ph type="dt" sz="half" idx="10"/>
+          </p:nvPr>
+        </p:nvSpPr>
+        <p:spPr/>
+        <p:txBody>
+          <a:bodyPr/>
+          <a:lstStyle/>
+          <a:p>
+            <a:fld id="{23E2BD91-2AE8-487A-BD5C-78BC9B3F7C4B}" type="datetime1">
+              <a:rPr lang="en-US" smtClean="0"/>
+              <a:t>11/7/2024</a:t>
+            </a:fld>
+            <a:endParaRPr lang="en-US"/>
+          </a:p>
+        </p:txBody>
+      </p:sp>
+      <p:sp>
+        <p:nvSpPr>
+          <p:cNvPr id="5" name="Footer Placeholder 4">
+            <a:extLst>
+              <a:ext uri="{FF2B5EF4-FFF2-40B4-BE49-F238E27FC236}">
+                <a16:creationId xmlns:a16="http://schemas.microsoft.com/office/drawing/2014/main" id="{F9E23453-03DE-96D6-25E9-0C08CED2A1BC}"/>
+              </a:ext>
+            </a:extLst>
+          </p:cNvPr>
+          <p:cNvSpPr>
+            <a:spLocks noGrp="1"/>
+          </p:cNvSpPr>
+          <p:nvPr>
+            <p:ph type="ftr" sz="quarter" idx="11"/>
+          </p:nvPr>
+        </p:nvSpPr>
+        <p:spPr/>
+        <p:txBody>
+          <a:bodyPr/>
+          <a:lstStyle/>
+          <a:p>
+            <a:endParaRPr lang="en-US"/>
+          </a:p>
+        </p:txBody>
+      </p:sp>
+      <p:sp>
+        <p:nvSpPr>
+          <p:cNvPr id="6" name="Slide Number Placeholder 5">
+            <a:extLst>
+              <a:ext uri="{FF2B5EF4-FFF2-40B4-BE49-F238E27FC236}">
+                <a16:creationId xmlns:a16="http://schemas.microsoft.com/office/drawing/2014/main" id="{FF4243FB-B3CE-F623-23DD-5D8E28B7FEDB}"/>
+              </a:ext>
+            </a:extLst>
+          </p:cNvPr>
+          <p:cNvSpPr>
+            <a:spLocks noGrp="1"/>
+          </p:cNvSpPr>
+          <p:nvPr>
+            <p:ph type="sldNum" sz="quarter" idx="12"/>
+          </p:nvPr>
+        </p:nvSpPr>
+        <p:spPr/>
+        <p:txBody>
+          <a:bodyPr/>
+          <a:lstStyle/>
+          <a:p>
+            <a:fld id="{2697313F-D866-4554-955F-25FA0D5B9080}" type="slidenum">
+              <a:rPr lang="en-US" smtClean="0"/>
+              <a:t>33</a:t>
+            </a:fld>
+            <a:endParaRPr lang="en-US"/>
+          </a:p>
+        </p:txBody>
+      </p:sp>
+      <p:pic>
+        <p:nvPicPr>
+          <p:cNvPr id="8" name="Picture 7">
+            <a:extLst>
+              <a:ext uri="{FF2B5EF4-FFF2-40B4-BE49-F238E27FC236}">
+                <a16:creationId xmlns:a16="http://schemas.microsoft.com/office/drawing/2014/main" id="{CE934BA1-3909-F098-909A-AFB794369DF7}"/>
+              </a:ext>
+            </a:extLst>
+          </p:cNvPr>
+          <p:cNvPicPr>
+            <a:picLocks noChangeAspect="1"/>
+          </p:cNvPicPr>
+          <p:nvPr/>
+        </p:nvPicPr>
+        <p:blipFill>
+          <a:blip r:embed="rId5"/>
+          <a:stretch>
+            <a:fillRect/>
+          </a:stretch>
+        </p:blipFill>
+        <p:spPr>
+          <a:xfrm>
+            <a:off x="1035745" y="2883159"/>
+            <a:ext cx="7072510" cy="3299603"/>
+          </a:xfrm>
+          <a:prstGeom prst="rect">
+            <a:avLst/>
+          </a:prstGeom>
+        </p:spPr>
+      </p:pic>
+      <p:sp>
+        <p:nvSpPr>
+          <p:cNvPr id="9" name="TextBox 8">
+            <a:extLst>
+              <a:ext uri="{FF2B5EF4-FFF2-40B4-BE49-F238E27FC236}">
+                <a16:creationId xmlns:a16="http://schemas.microsoft.com/office/drawing/2014/main" id="{21010E6D-2275-285A-7C36-630770418B7C}"/>
+              </a:ext>
+            </a:extLst>
+          </p:cNvPr>
+          <p:cNvSpPr txBox="1"/>
+          <p:nvPr/>
+        </p:nvSpPr>
+        <p:spPr>
+          <a:xfrm>
+            <a:off x="805584" y="6125485"/>
+            <a:ext cx="7532831" cy="246221"/>
+          </a:xfrm>
+          <a:prstGeom prst="rect">
+            <a:avLst/>
+          </a:prstGeom>
+          <a:noFill/>
+        </p:spPr>
+        <p:txBody>
+          <a:bodyPr wrap="none" rtlCol="0">
+            <a:spAutoFit/>
+          </a:bodyPr>
+          <a:lstStyle/>
+          <a:p>
+            <a:r>
+              <a:rPr lang="en-US" sz="1000" b="0" dirty="0">
+                <a:solidFill>
+                  <a:srgbClr val="002060"/>
+                </a:solidFill>
+                <a:hlinkClick r:id="rId4"/>
+              </a:rPr>
+              <a:t>http://www.simpetus.com/projects.html#mpb_waveguide</a:t>
+            </a:r>
+            <a:r>
+              <a:rPr lang="zh-CN" altLang="en-US" sz="1000" b="0" dirty="0">
+                <a:solidFill>
+                  <a:srgbClr val="002060"/>
+                </a:solidFill>
+              </a:rPr>
+              <a:t> </a:t>
+            </a:r>
+            <a:r>
+              <a:rPr lang="en-US" altLang="zh-CN" sz="1000" b="0" dirty="0">
+                <a:solidFill>
+                  <a:srgbClr val="002060"/>
+                </a:solidFill>
+              </a:rPr>
+              <a:t>MPB Project #1 — Modes of Silicon on Insulator (SOI) Strip Waveguides</a:t>
+            </a:r>
+            <a:r>
+              <a:rPr lang="en-US" sz="1000" b="0" dirty="0">
+                <a:solidFill>
+                  <a:srgbClr val="002060"/>
+                </a:solidFill>
+              </a:rPr>
+              <a:t> </a:t>
+            </a:r>
+          </a:p>
+        </p:txBody>
+      </p:sp>
+    </p:spTree>
+    <p:extLst>
+      <p:ext uri="{BB962C8B-B14F-4D97-AF65-F5344CB8AC3E}">
+        <p14:creationId xmlns:p14="http://schemas.microsoft.com/office/powerpoint/2010/main" val="1983907749"/>
+      </p:ext>
+    </p:extLst>
+  </p:cSld>
+  <p:clrMapOvr>
+    <a:masterClrMapping/>
+  </p:clrMapOvr>
+</p:sld>
+</file>
+
+<file path=ppt/slides/slide34.xml><?xml version="1.0" encoding="utf-8"?>
+<p:sld xmlns:a="http://schemas.openxmlformats.org/drawingml/2006/main" xmlns:r="http://schemas.openxmlformats.org/officeDocument/2006/relationships" xmlns:p="http://schemas.openxmlformats.org/presentationml/2006/main">
+  <p:cSld>
+    <p:spTree>
+      <p:nvGrpSpPr>
+        <p:cNvPr id="1" name=""/>
+        <p:cNvGrpSpPr/>
+        <p:nvPr/>
+      </p:nvGrpSpPr>
+      <p:grpSpPr>
+        <a:xfrm>
+          <a:off x="0" y="0"/>
+          <a:ext cx="0" cy="0"/>
+          <a:chOff x="0" y="0"/>
+          <a:chExt cx="0" cy="0"/>
+        </a:xfrm>
+      </p:grpSpPr>
+      <p:pic>
+        <p:nvPicPr>
+          <p:cNvPr id="10" name="Content Placeholder 9">
+            <a:extLst>
+              <a:ext uri="{FF2B5EF4-FFF2-40B4-BE49-F238E27FC236}">
+                <a16:creationId xmlns:a16="http://schemas.microsoft.com/office/drawing/2014/main" id="{73863558-DAC2-ABFE-8694-4028232D69CC}"/>
+              </a:ext>
+            </a:extLst>
+          </p:cNvPr>
+          <p:cNvPicPr>
+            <a:picLocks noGrp="1" noChangeAspect="1"/>
+          </p:cNvPicPr>
+          <p:nvPr>
+            <p:ph idx="1"/>
+          </p:nvPr>
+        </p:nvPicPr>
+        <p:blipFill>
+          <a:blip r:embed="rId2"/>
+          <a:stretch>
+            <a:fillRect/>
+          </a:stretch>
+        </p:blipFill>
+        <p:spPr>
+          <a:xfrm>
+            <a:off x="2728918" y="3266575"/>
+            <a:ext cx="2953162" cy="1686160"/>
+          </a:xfrm>
+        </p:spPr>
+      </p:pic>
+      <p:sp>
+        <p:nvSpPr>
+          <p:cNvPr id="3" name="Title 2">
+            <a:extLst>
+              <a:ext uri="{FF2B5EF4-FFF2-40B4-BE49-F238E27FC236}">
+                <a16:creationId xmlns:a16="http://schemas.microsoft.com/office/drawing/2014/main" id="{ECC89A43-E415-0E3B-4E0A-C3E21C586F95}"/>
+              </a:ext>
+            </a:extLst>
+          </p:cNvPr>
+          <p:cNvSpPr>
+            <a:spLocks noGrp="1"/>
+          </p:cNvSpPr>
+          <p:nvPr>
+            <p:ph type="title"/>
+          </p:nvPr>
+        </p:nvSpPr>
+        <p:spPr/>
+        <p:txBody>
+          <a:bodyPr/>
+          <a:lstStyle/>
+          <a:p>
+            <a:r>
+              <a:rPr lang="de-DE" dirty="0"/>
+              <a:t>Week 18-21 Solve Coupled ODEs</a:t>
+            </a:r>
+            <a:endParaRPr lang="en-US" dirty="0"/>
+          </a:p>
+        </p:txBody>
+      </p:sp>
+      <p:sp>
+        <p:nvSpPr>
+          <p:cNvPr id="4" name="Date Placeholder 3">
+            <a:extLst>
+              <a:ext uri="{FF2B5EF4-FFF2-40B4-BE49-F238E27FC236}">
+                <a16:creationId xmlns:a16="http://schemas.microsoft.com/office/drawing/2014/main" id="{23051FBC-A5C6-9E2F-AF69-12E81FD63FEA}"/>
+              </a:ext>
+            </a:extLst>
+          </p:cNvPr>
+          <p:cNvSpPr>
+            <a:spLocks noGrp="1"/>
+          </p:cNvSpPr>
+          <p:nvPr>
+            <p:ph type="dt" sz="half" idx="10"/>
+          </p:nvPr>
+        </p:nvSpPr>
+        <p:spPr/>
+        <p:txBody>
+          <a:bodyPr/>
+          <a:lstStyle/>
+          <a:p>
+            <a:fld id="{23E2BD91-2AE8-487A-BD5C-78BC9B3F7C4B}" type="datetime1">
+              <a:rPr lang="en-US" smtClean="0"/>
+              <a:t>11/7/2024</a:t>
+            </a:fld>
+            <a:endParaRPr lang="en-US"/>
+          </a:p>
+        </p:txBody>
+      </p:sp>
+      <p:sp>
+        <p:nvSpPr>
+          <p:cNvPr id="5" name="Footer Placeholder 4">
+            <a:extLst>
+              <a:ext uri="{FF2B5EF4-FFF2-40B4-BE49-F238E27FC236}">
+                <a16:creationId xmlns:a16="http://schemas.microsoft.com/office/drawing/2014/main" id="{17058906-9ACE-F095-D587-88BCAF71B9BA}"/>
+              </a:ext>
+            </a:extLst>
+          </p:cNvPr>
+          <p:cNvSpPr>
+            <a:spLocks noGrp="1"/>
+          </p:cNvSpPr>
+          <p:nvPr>
+            <p:ph type="ftr" sz="quarter" idx="11"/>
+          </p:nvPr>
+        </p:nvSpPr>
+        <p:spPr/>
+        <p:txBody>
+          <a:bodyPr/>
+          <a:lstStyle/>
+          <a:p>
+            <a:endParaRPr lang="en-US"/>
+          </a:p>
+        </p:txBody>
+      </p:sp>
+      <p:sp>
+        <p:nvSpPr>
+          <p:cNvPr id="6" name="Slide Number Placeholder 5">
+            <a:extLst>
+              <a:ext uri="{FF2B5EF4-FFF2-40B4-BE49-F238E27FC236}">
+                <a16:creationId xmlns:a16="http://schemas.microsoft.com/office/drawing/2014/main" id="{3D692D92-3D3B-9B97-AFC5-DBEF91E693D9}"/>
+              </a:ext>
+            </a:extLst>
+          </p:cNvPr>
+          <p:cNvSpPr>
+            <a:spLocks noGrp="1"/>
+          </p:cNvSpPr>
+          <p:nvPr>
+            <p:ph type="sldNum" sz="quarter" idx="12"/>
+          </p:nvPr>
+        </p:nvSpPr>
+        <p:spPr/>
+        <p:txBody>
+          <a:bodyPr/>
+          <a:lstStyle/>
+          <a:p>
+            <a:fld id="{2697313F-D866-4554-955F-25FA0D5B9080}" type="slidenum">
+              <a:rPr lang="en-US" smtClean="0"/>
+              <a:t>34</a:t>
+            </a:fld>
+            <a:endParaRPr lang="en-US"/>
+          </a:p>
+        </p:txBody>
+      </p:sp>
+      <p:pic>
+        <p:nvPicPr>
+          <p:cNvPr id="8" name="Picture 7">
+            <a:extLst>
+              <a:ext uri="{FF2B5EF4-FFF2-40B4-BE49-F238E27FC236}">
+                <a16:creationId xmlns:a16="http://schemas.microsoft.com/office/drawing/2014/main" id="{6BCFF161-E698-15F5-5D9F-BD05F4BDE97A}"/>
+              </a:ext>
+            </a:extLst>
+          </p:cNvPr>
+          <p:cNvPicPr>
+            <a:picLocks noChangeAspect="1"/>
+          </p:cNvPicPr>
+          <p:nvPr/>
+        </p:nvPicPr>
+        <p:blipFill>
+          <a:blip r:embed="rId3"/>
+          <a:stretch>
+            <a:fillRect/>
+          </a:stretch>
+        </p:blipFill>
+        <p:spPr>
+          <a:xfrm>
+            <a:off x="2686050" y="1946608"/>
+            <a:ext cx="3038899" cy="1247949"/>
+          </a:xfrm>
+          <a:prstGeom prst="rect">
+            <a:avLst/>
+          </a:prstGeom>
+        </p:spPr>
+      </p:pic>
+      <p:sp>
+        <p:nvSpPr>
+          <p:cNvPr id="12" name="TextBox 11">
+            <a:extLst>
+              <a:ext uri="{FF2B5EF4-FFF2-40B4-BE49-F238E27FC236}">
+                <a16:creationId xmlns:a16="http://schemas.microsoft.com/office/drawing/2014/main" id="{879C3743-00E5-EC30-4BC0-525BFA54C7D4}"/>
+              </a:ext>
+            </a:extLst>
+          </p:cNvPr>
+          <p:cNvSpPr txBox="1"/>
+          <p:nvPr/>
+        </p:nvSpPr>
+        <p:spPr>
+          <a:xfrm>
+            <a:off x="937726" y="5956240"/>
+            <a:ext cx="7268547" cy="400110"/>
+          </a:xfrm>
+          <a:prstGeom prst="rect">
+            <a:avLst/>
+          </a:prstGeom>
+          <a:noFill/>
+        </p:spPr>
+        <p:txBody>
+          <a:bodyPr wrap="square" rtlCol="0">
+            <a:spAutoFit/>
+          </a:bodyPr>
+          <a:lstStyle/>
+          <a:p>
+            <a:r>
+              <a:rPr lang="en-US" sz="1000" b="0" i="0" dirty="0" err="1">
+                <a:solidFill>
+                  <a:srgbClr val="222222"/>
+                </a:solidFill>
+                <a:effectLst/>
+                <a:latin typeface="Arial" panose="020B0604020202020204" pitchFamily="34" charset="0"/>
+              </a:rPr>
+              <a:t>Borghi</a:t>
+            </a:r>
+            <a:r>
+              <a:rPr lang="en-US" sz="1000" b="0" i="0" dirty="0">
+                <a:solidFill>
+                  <a:srgbClr val="222222"/>
+                </a:solidFill>
+                <a:effectLst/>
+                <a:latin typeface="Arial" panose="020B0604020202020204" pitchFamily="34" charset="0"/>
+              </a:rPr>
+              <a:t>, Massimo, et al. "On the modeling of thermal and free carrier nonlinearities in silicon-on-insulator </a:t>
+            </a:r>
+            <a:r>
+              <a:rPr lang="en-US" sz="1000" b="0" i="0" dirty="0" err="1">
+                <a:solidFill>
+                  <a:srgbClr val="222222"/>
+                </a:solidFill>
+                <a:effectLst/>
+                <a:latin typeface="Arial" panose="020B0604020202020204" pitchFamily="34" charset="0"/>
+              </a:rPr>
+              <a:t>microring</a:t>
+            </a:r>
+            <a:r>
+              <a:rPr lang="en-US" sz="1000" b="0" i="0" dirty="0">
+                <a:solidFill>
+                  <a:srgbClr val="222222"/>
+                </a:solidFill>
+                <a:effectLst/>
+                <a:latin typeface="Arial" panose="020B0604020202020204" pitchFamily="34" charset="0"/>
+              </a:rPr>
+              <a:t> resonators." </a:t>
+            </a:r>
+            <a:r>
+              <a:rPr lang="en-US" sz="1000" b="0" i="1" dirty="0">
+                <a:solidFill>
+                  <a:srgbClr val="222222"/>
+                </a:solidFill>
+                <a:effectLst/>
+                <a:latin typeface="Arial" panose="020B0604020202020204" pitchFamily="34" charset="0"/>
+              </a:rPr>
+              <a:t>Optics Express</a:t>
+            </a:r>
+            <a:r>
+              <a:rPr lang="en-US" sz="1000" b="0" i="0" dirty="0">
+                <a:solidFill>
+                  <a:srgbClr val="222222"/>
+                </a:solidFill>
+                <a:effectLst/>
+                <a:latin typeface="Arial" panose="020B0604020202020204" pitchFamily="34" charset="0"/>
+              </a:rPr>
+              <a:t> 29.3 (2021): 4363-4377.</a:t>
+            </a:r>
+            <a:endParaRPr lang="en-US" sz="1050" b="0" dirty="0">
+              <a:solidFill>
+                <a:srgbClr val="002060"/>
+              </a:solidFill>
+            </a:endParaRPr>
+          </a:p>
+        </p:txBody>
+      </p:sp>
+      <p:sp>
+        <p:nvSpPr>
+          <p:cNvPr id="13" name="Content Placeholder 1">
+            <a:extLst>
+              <a:ext uri="{FF2B5EF4-FFF2-40B4-BE49-F238E27FC236}">
+                <a16:creationId xmlns:a16="http://schemas.microsoft.com/office/drawing/2014/main" id="{93E70518-7E57-873A-CD62-31E3ACD28708}"/>
+              </a:ext>
+            </a:extLst>
+          </p:cNvPr>
+          <p:cNvSpPr txBox="1">
+            <a:spLocks/>
+          </p:cNvSpPr>
+          <p:nvPr/>
+        </p:nvSpPr>
+        <p:spPr bwMode="auto">
+          <a:xfrm>
+            <a:off x="250825" y="1341439"/>
+            <a:ext cx="8642350" cy="515354"/>
+          </a:xfrm>
+          <a:prstGeom prst="rect">
+            <a:avLst/>
+          </a:prstGeom>
+          <a:noFill/>
+          <a:ln>
+            <a:noFill/>
+          </a:ln>
+          <a:extLst>
+            <a:ext uri="{909E8E84-426E-40DD-AFC4-6F175D3DCCD1}">
+              <a14:hiddenFill xmlns:a14="http://schemas.microsoft.com/office/drawing/2010/main">
+                <a:solidFill>
+                  <a:srgbClr val="FFFFFF"/>
+                </a:solidFill>
+              </a14:hiddenFill>
+            </a:ext>
+            <a:ext uri="{91240B29-F687-4F45-9708-019B960494DF}">
+              <a14:hiddenLine xmlns:a14="http://schemas.microsoft.com/office/drawing/2010/main" w="9525">
+                <a:solidFill>
+                  <a:srgbClr val="000000"/>
+                </a:solidFill>
+                <a:miter lim="800000"/>
+                <a:headEnd/>
+                <a:tailEnd/>
+              </a14:hiddenLine>
+            </a:ext>
+          </a:extLst>
+        </p:spPr>
+        <p:txBody>
+          <a:bodyPr vert="horz" wrap="square" lIns="0" tIns="45720" rIns="91440" bIns="45720" numCol="1" anchor="t" anchorCtr="0" compatLnSpc="1">
+            <a:prstTxWarp prst="textNoShape">
+              <a:avLst/>
+            </a:prstTxWarp>
+          </a:bodyPr>
+          <a:lstStyle>
+            <a:lvl1pPr marL="342900" indent="-342900" algn="l" rtl="0" eaLnBrk="0" fontAlgn="base" hangingPunct="0">
+              <a:spcBef>
+                <a:spcPct val="20000"/>
+              </a:spcBef>
+              <a:spcAft>
+                <a:spcPct val="0"/>
+              </a:spcAft>
+              <a:buFont typeface="Wingdings" panose="05000000000000000000" pitchFamily="2" charset="2"/>
+              <a:buChar char="§"/>
+              <a:defRPr sz="2400">
+                <a:solidFill>
+                  <a:srgbClr val="0B2A51"/>
+                </a:solidFill>
+                <a:latin typeface="+mn-lt"/>
+                <a:ea typeface="ＭＳ Ｐゴシック" charset="0"/>
+                <a:cs typeface="ＭＳ Ｐゴシック" charset="0"/>
+              </a:defRPr>
+            </a:lvl1pPr>
+            <a:lvl2pPr marL="742950" indent="-285750" algn="l" rtl="0" eaLnBrk="0" fontAlgn="base" hangingPunct="0">
+              <a:spcBef>
+                <a:spcPct val="20000"/>
+              </a:spcBef>
+              <a:spcAft>
+                <a:spcPct val="0"/>
+              </a:spcAft>
+              <a:buSzPct val="70000"/>
+              <a:buFont typeface="Wingdings" panose="05000000000000000000" pitchFamily="2" charset="2"/>
+              <a:buChar char="q"/>
+              <a:defRPr sz="2000">
+                <a:solidFill>
+                  <a:srgbClr val="0B2A51"/>
+                </a:solidFill>
+                <a:latin typeface="+mn-lt"/>
+                <a:ea typeface="ＭＳ Ｐゴシック" charset="0"/>
+              </a:defRPr>
+            </a:lvl2pPr>
+            <a:lvl3pPr marL="1143000" indent="-228600" algn="l" rtl="0" eaLnBrk="0" fontAlgn="base" hangingPunct="0">
+              <a:spcBef>
+                <a:spcPct val="20000"/>
+              </a:spcBef>
+              <a:spcAft>
+                <a:spcPct val="0"/>
+              </a:spcAft>
+              <a:buFont typeface="Wingdings" panose="05000000000000000000" pitchFamily="2" charset="2"/>
+              <a:buChar char="Ø"/>
+              <a:defRPr sz="1800">
+                <a:solidFill>
+                  <a:srgbClr val="0B2A51"/>
+                </a:solidFill>
+                <a:latin typeface="+mn-lt"/>
+                <a:ea typeface="ＭＳ Ｐゴシック" charset="0"/>
+              </a:defRPr>
+            </a:lvl3pPr>
+            <a:lvl4pPr marL="1600200" indent="-228600" algn="l" rtl="0" eaLnBrk="0" fontAlgn="base" hangingPunct="0">
+              <a:spcBef>
+                <a:spcPct val="20000"/>
+              </a:spcBef>
+              <a:spcAft>
+                <a:spcPct val="0"/>
+              </a:spcAft>
+              <a:buChar char="–"/>
+              <a:defRPr sz="1800">
+                <a:solidFill>
+                  <a:srgbClr val="0B2A51"/>
+                </a:solidFill>
+                <a:latin typeface="+mn-lt"/>
+                <a:ea typeface="ＭＳ Ｐゴシック" charset="0"/>
+              </a:defRPr>
+            </a:lvl4pPr>
+            <a:lvl5pPr marL="2057400" indent="-228600" algn="l" rtl="0" eaLnBrk="0" fontAlgn="base" hangingPunct="0">
+              <a:spcBef>
+                <a:spcPct val="20000"/>
+              </a:spcBef>
+              <a:spcAft>
+                <a:spcPct val="0"/>
+              </a:spcAft>
+              <a:buChar char="»"/>
+              <a:defRPr sz="1800">
+                <a:solidFill>
+                  <a:srgbClr val="0B2A51"/>
+                </a:solidFill>
+                <a:latin typeface="+mn-lt"/>
+                <a:ea typeface="ＭＳ Ｐゴシック" charset="0"/>
+              </a:defRPr>
+            </a:lvl5pPr>
+            <a:lvl6pPr marL="2514600" indent="-228600" algn="l" rtl="0" fontAlgn="base">
+              <a:spcBef>
+                <a:spcPct val="20000"/>
+              </a:spcBef>
+              <a:spcAft>
+                <a:spcPct val="0"/>
+              </a:spcAft>
+              <a:buChar char="»"/>
+              <a:defRPr>
+                <a:solidFill>
+                  <a:srgbClr val="0B2A51"/>
+                </a:solidFill>
+                <a:latin typeface="+mn-lt"/>
+              </a:defRPr>
+            </a:lvl6pPr>
+            <a:lvl7pPr marL="2971800" indent="-228600" algn="l" rtl="0" fontAlgn="base">
+              <a:spcBef>
+                <a:spcPct val="20000"/>
+              </a:spcBef>
+              <a:spcAft>
+                <a:spcPct val="0"/>
+              </a:spcAft>
+              <a:buChar char="»"/>
+              <a:defRPr>
+                <a:solidFill>
+                  <a:srgbClr val="0B2A51"/>
+                </a:solidFill>
+                <a:latin typeface="+mn-lt"/>
+              </a:defRPr>
+            </a:lvl7pPr>
+            <a:lvl8pPr marL="3429000" indent="-228600" algn="l" rtl="0" fontAlgn="base">
+              <a:spcBef>
+                <a:spcPct val="20000"/>
+              </a:spcBef>
+              <a:spcAft>
+                <a:spcPct val="0"/>
+              </a:spcAft>
+              <a:buChar char="»"/>
+              <a:defRPr>
+                <a:solidFill>
+                  <a:srgbClr val="0B2A51"/>
+                </a:solidFill>
+                <a:latin typeface="+mn-lt"/>
+              </a:defRPr>
+            </a:lvl8pPr>
+            <a:lvl9pPr marL="3886200" indent="-228600" algn="l" rtl="0" fontAlgn="base">
+              <a:spcBef>
+                <a:spcPct val="20000"/>
+              </a:spcBef>
+              <a:spcAft>
+                <a:spcPct val="0"/>
+              </a:spcAft>
+              <a:buChar char="»"/>
+              <a:defRPr>
+                <a:solidFill>
+                  <a:srgbClr val="0B2A51"/>
+                </a:solidFill>
+                <a:latin typeface="+mn-lt"/>
+              </a:defRPr>
+            </a:lvl9pPr>
+          </a:lstStyle>
+          <a:p>
+            <a:r>
+              <a:rPr lang="en-US" b="0" kern="0"/>
+              <a:t>Nonlinear </a:t>
+            </a:r>
+            <a:r>
+              <a:rPr lang="en-US" b="0" kern="0" dirty="0"/>
+              <a:t>coupled mode theory (CMT):</a:t>
+            </a:r>
+          </a:p>
+          <a:p>
+            <a:endParaRPr lang="en-US" b="0" kern="0" dirty="0"/>
+          </a:p>
+        </p:txBody>
+      </p:sp>
+    </p:spTree>
+    <p:extLst>
+      <p:ext uri="{BB962C8B-B14F-4D97-AF65-F5344CB8AC3E}">
+        <p14:creationId xmlns:p14="http://schemas.microsoft.com/office/powerpoint/2010/main" val="4126611731"/>
+      </p:ext>
+    </p:extLst>
+  </p:cSld>
+  <p:clrMapOvr>
+    <a:masterClrMapping/>
+  </p:clrMapOvr>
+</p:sld>
+</file>
+
+<file path=ppt/slides/slide35.xml><?xml version="1.0" encoding="utf-8"?>
+<p:sld xmlns:a="http://schemas.openxmlformats.org/drawingml/2006/main" xmlns:r="http://schemas.openxmlformats.org/officeDocument/2006/relationships" xmlns:p="http://schemas.openxmlformats.org/presentationml/2006/main">
+  <p:cSld>
+    <p:spTree>
+      <p:nvGrpSpPr>
+        <p:cNvPr id="1" name=""/>
+        <p:cNvGrpSpPr/>
+        <p:nvPr/>
+      </p:nvGrpSpPr>
+      <p:grpSpPr>
+        <a:xfrm>
+          <a:off x="0" y="0"/>
+          <a:ext cx="0" cy="0"/>
+          <a:chOff x="0" y="0"/>
+          <a:chExt cx="0" cy="0"/>
+        </a:xfrm>
+      </p:grpSpPr>
+      <p:sp>
+        <p:nvSpPr>
+          <p:cNvPr id="2" name="Content Placeholder 1">
+            <a:extLst>
+              <a:ext uri="{FF2B5EF4-FFF2-40B4-BE49-F238E27FC236}">
+                <a16:creationId xmlns:a16="http://schemas.microsoft.com/office/drawing/2014/main" id="{B8B9DEDB-F63F-E0D5-5A02-67749F26F702}"/>
+              </a:ext>
+            </a:extLst>
+          </p:cNvPr>
+          <p:cNvSpPr>
+            <a:spLocks noGrp="1"/>
+          </p:cNvSpPr>
+          <p:nvPr>
+            <p:ph idx="1"/>
+          </p:nvPr>
+        </p:nvSpPr>
+        <p:spPr/>
+        <p:txBody>
+          <a:bodyPr/>
+          <a:lstStyle/>
+          <a:p>
+            <a:endParaRPr lang="en-US"/>
+          </a:p>
+        </p:txBody>
+      </p:sp>
+      <p:sp>
+        <p:nvSpPr>
+          <p:cNvPr id="3" name="Title 2">
+            <a:extLst>
+              <a:ext uri="{FF2B5EF4-FFF2-40B4-BE49-F238E27FC236}">
+                <a16:creationId xmlns:a16="http://schemas.microsoft.com/office/drawing/2014/main" id="{986AA918-D96D-6BAB-2A6B-68775193D551}"/>
+              </a:ext>
+            </a:extLst>
+          </p:cNvPr>
+          <p:cNvSpPr>
+            <a:spLocks noGrp="1"/>
+          </p:cNvSpPr>
+          <p:nvPr>
+            <p:ph type="title"/>
+          </p:nvPr>
+        </p:nvSpPr>
+        <p:spPr/>
+        <p:txBody>
+          <a:bodyPr/>
+          <a:lstStyle/>
+          <a:p>
+            <a:endParaRPr lang="en-US"/>
+          </a:p>
+        </p:txBody>
+      </p:sp>
+      <p:sp>
+        <p:nvSpPr>
+          <p:cNvPr id="4" name="Date Placeholder 3">
+            <a:extLst>
+              <a:ext uri="{FF2B5EF4-FFF2-40B4-BE49-F238E27FC236}">
+                <a16:creationId xmlns:a16="http://schemas.microsoft.com/office/drawing/2014/main" id="{5CA2C350-6F5F-B641-154D-F6939AECFD0B}"/>
+              </a:ext>
+            </a:extLst>
+          </p:cNvPr>
+          <p:cNvSpPr>
+            <a:spLocks noGrp="1"/>
+          </p:cNvSpPr>
+          <p:nvPr>
+            <p:ph type="dt" sz="half" idx="10"/>
+          </p:nvPr>
+        </p:nvSpPr>
+        <p:spPr/>
+        <p:txBody>
+          <a:bodyPr/>
+          <a:lstStyle/>
+          <a:p>
+            <a:fld id="{23E2BD91-2AE8-487A-BD5C-78BC9B3F7C4B}" type="datetime1">
+              <a:rPr lang="en-US" smtClean="0"/>
+              <a:t>11/7/2024</a:t>
+            </a:fld>
+            <a:endParaRPr lang="en-US"/>
+          </a:p>
+        </p:txBody>
+      </p:sp>
+      <p:sp>
+        <p:nvSpPr>
+          <p:cNvPr id="5" name="Footer Placeholder 4">
+            <a:extLst>
+              <a:ext uri="{FF2B5EF4-FFF2-40B4-BE49-F238E27FC236}">
+                <a16:creationId xmlns:a16="http://schemas.microsoft.com/office/drawing/2014/main" id="{DA4A46F2-C065-F712-DEB1-3B891353DB0C}"/>
+              </a:ext>
+            </a:extLst>
+          </p:cNvPr>
+          <p:cNvSpPr>
+            <a:spLocks noGrp="1"/>
+          </p:cNvSpPr>
+          <p:nvPr>
+            <p:ph type="ftr" sz="quarter" idx="11"/>
+          </p:nvPr>
+        </p:nvSpPr>
+        <p:spPr/>
+        <p:txBody>
+          <a:bodyPr/>
+          <a:lstStyle/>
+          <a:p>
+            <a:endParaRPr lang="en-US"/>
+          </a:p>
+        </p:txBody>
+      </p:sp>
+      <p:sp>
+        <p:nvSpPr>
+          <p:cNvPr id="6" name="Slide Number Placeholder 5">
+            <a:extLst>
+              <a:ext uri="{FF2B5EF4-FFF2-40B4-BE49-F238E27FC236}">
+                <a16:creationId xmlns:a16="http://schemas.microsoft.com/office/drawing/2014/main" id="{180B3878-F792-18BA-BD68-8ECFC6E86515}"/>
+              </a:ext>
+            </a:extLst>
+          </p:cNvPr>
+          <p:cNvSpPr>
+            <a:spLocks noGrp="1"/>
+          </p:cNvSpPr>
+          <p:nvPr>
+            <p:ph type="sldNum" sz="quarter" idx="12"/>
+          </p:nvPr>
+        </p:nvSpPr>
+        <p:spPr/>
+        <p:txBody>
+          <a:bodyPr/>
+          <a:lstStyle/>
+          <a:p>
+            <a:fld id="{2697313F-D866-4554-955F-25FA0D5B9080}" type="slidenum">
+              <a:rPr lang="en-US" smtClean="0"/>
+              <a:t>35</a:t>
+            </a:fld>
+            <a:endParaRPr lang="en-US"/>
+          </a:p>
+        </p:txBody>
+      </p:sp>
+      <p:pic>
+        <p:nvPicPr>
+          <p:cNvPr id="8" name="Picture 7">
+            <a:extLst>
+              <a:ext uri="{FF2B5EF4-FFF2-40B4-BE49-F238E27FC236}">
+                <a16:creationId xmlns:a16="http://schemas.microsoft.com/office/drawing/2014/main" id="{B549C8FD-D2AE-2F6B-4941-EE0F699D7C1B}"/>
+              </a:ext>
+            </a:extLst>
+          </p:cNvPr>
+          <p:cNvPicPr>
+            <a:picLocks noChangeAspect="1"/>
+          </p:cNvPicPr>
+          <p:nvPr/>
+        </p:nvPicPr>
+        <p:blipFill>
+          <a:blip r:embed="rId2"/>
+          <a:stretch>
+            <a:fillRect/>
+          </a:stretch>
+        </p:blipFill>
+        <p:spPr>
+          <a:xfrm>
+            <a:off x="2517678" y="1667294"/>
+            <a:ext cx="4108644" cy="4324258"/>
+          </a:xfrm>
+          <a:prstGeom prst="rect">
+            <a:avLst/>
+          </a:prstGeom>
+        </p:spPr>
+      </p:pic>
+      <p:sp>
+        <p:nvSpPr>
+          <p:cNvPr id="9" name="TextBox 8">
+            <a:extLst>
+              <a:ext uri="{FF2B5EF4-FFF2-40B4-BE49-F238E27FC236}">
+                <a16:creationId xmlns:a16="http://schemas.microsoft.com/office/drawing/2014/main" id="{5EFBAC52-78A9-6ACD-5693-E8C730DC1062}"/>
+              </a:ext>
+            </a:extLst>
+          </p:cNvPr>
+          <p:cNvSpPr txBox="1"/>
+          <p:nvPr/>
+        </p:nvSpPr>
+        <p:spPr>
+          <a:xfrm>
+            <a:off x="937726" y="6037892"/>
+            <a:ext cx="7268547" cy="400110"/>
+          </a:xfrm>
+          <a:prstGeom prst="rect">
+            <a:avLst/>
+          </a:prstGeom>
+          <a:noFill/>
+        </p:spPr>
+        <p:txBody>
+          <a:bodyPr wrap="square" rtlCol="0">
+            <a:spAutoFit/>
+          </a:bodyPr>
+          <a:lstStyle/>
+          <a:p>
+            <a:r>
+              <a:rPr lang="en-US" sz="1000" b="0" i="0" dirty="0">
+                <a:solidFill>
+                  <a:srgbClr val="222222"/>
+                </a:solidFill>
+                <a:effectLst/>
+                <a:latin typeface="Arial" panose="020B0604020202020204" pitchFamily="34" charset="0"/>
+              </a:rPr>
+              <a:t>Gray, Dodd, et al. "Thermo-optic </a:t>
+            </a:r>
+            <a:r>
+              <a:rPr lang="en-US" sz="1000" b="0" i="0" dirty="0" err="1">
+                <a:solidFill>
+                  <a:srgbClr val="222222"/>
+                </a:solidFill>
+                <a:effectLst/>
+                <a:latin typeface="Arial" panose="020B0604020202020204" pitchFamily="34" charset="0"/>
+              </a:rPr>
+              <a:t>multistability</a:t>
+            </a:r>
+            <a:r>
+              <a:rPr lang="en-US" sz="1000" b="0" i="0" dirty="0">
+                <a:solidFill>
+                  <a:srgbClr val="222222"/>
+                </a:solidFill>
+                <a:effectLst/>
+                <a:latin typeface="Arial" panose="020B0604020202020204" pitchFamily="34" charset="0"/>
+              </a:rPr>
+              <a:t> and relaxation in silicon </a:t>
+            </a:r>
+            <a:r>
+              <a:rPr lang="en-US" sz="1000" b="0" i="0" dirty="0" err="1">
+                <a:solidFill>
+                  <a:srgbClr val="222222"/>
+                </a:solidFill>
+                <a:effectLst/>
+                <a:latin typeface="Arial" panose="020B0604020202020204" pitchFamily="34" charset="0"/>
+              </a:rPr>
+              <a:t>microring</a:t>
+            </a:r>
+            <a:r>
+              <a:rPr lang="en-US" sz="1000" b="0" i="0" dirty="0">
+                <a:solidFill>
+                  <a:srgbClr val="222222"/>
+                </a:solidFill>
+                <a:effectLst/>
+                <a:latin typeface="Arial" panose="020B0604020202020204" pitchFamily="34" charset="0"/>
+              </a:rPr>
+              <a:t> resonators with lateral diodes." </a:t>
+            </a:r>
+            <a:r>
+              <a:rPr lang="en-US" sz="1000" b="0" i="1" dirty="0">
+                <a:solidFill>
+                  <a:srgbClr val="222222"/>
+                </a:solidFill>
+                <a:effectLst/>
+                <a:latin typeface="Arial" panose="020B0604020202020204" pitchFamily="34" charset="0"/>
+              </a:rPr>
+              <a:t>Physical Review Applied</a:t>
+            </a:r>
+            <a:r>
+              <a:rPr lang="en-US" sz="1000" b="0" i="0" dirty="0">
+                <a:solidFill>
+                  <a:srgbClr val="222222"/>
+                </a:solidFill>
+                <a:effectLst/>
+                <a:latin typeface="Arial" panose="020B0604020202020204" pitchFamily="34" charset="0"/>
+              </a:rPr>
+              <a:t> 14.2 (2020): 024073.</a:t>
+            </a:r>
+            <a:endParaRPr lang="en-US" sz="1100" b="0" dirty="0">
+              <a:solidFill>
+                <a:srgbClr val="002060"/>
+              </a:solidFill>
+            </a:endParaRPr>
+          </a:p>
+        </p:txBody>
+      </p:sp>
+    </p:spTree>
+    <p:extLst>
+      <p:ext uri="{BB962C8B-B14F-4D97-AF65-F5344CB8AC3E}">
+        <p14:creationId xmlns:p14="http://schemas.microsoft.com/office/powerpoint/2010/main" val="2903575855"/>
+      </p:ext>
+    </p:extLst>
+  </p:cSld>
+  <p:clrMapOvr>
+    <a:masterClrMapping/>
+  </p:clrMapOvr>
+</p:sld>
+</file>
+
+<file path=ppt/slides/slide36.xml><?xml version="1.0" encoding="utf-8"?>
+<p:sld xmlns:a="http://schemas.openxmlformats.org/drawingml/2006/main" xmlns:r="http://schemas.openxmlformats.org/officeDocument/2006/relationships" xmlns:p="http://schemas.openxmlformats.org/presentationml/2006/main">
+  <p:cSld>
+    <p:spTree>
+      <p:nvGrpSpPr>
+        <p:cNvPr id="1" name=""/>
+        <p:cNvGrpSpPr/>
+        <p:nvPr/>
+      </p:nvGrpSpPr>
+      <p:grpSpPr>
+        <a:xfrm>
+          <a:off x="0" y="0"/>
+          <a:ext cx="0" cy="0"/>
+          <a:chOff x="0" y="0"/>
+          <a:chExt cx="0" cy="0"/>
+        </a:xfrm>
+      </p:grpSpPr>
+      <p:sp>
+        <p:nvSpPr>
+          <p:cNvPr id="3" name="Title 2">
+            <a:extLst>
+              <a:ext uri="{FF2B5EF4-FFF2-40B4-BE49-F238E27FC236}">
+                <a16:creationId xmlns:a16="http://schemas.microsoft.com/office/drawing/2014/main" id="{DE3BFE41-0EC7-BAF1-C654-6C7D8F2C63F5}"/>
+              </a:ext>
+            </a:extLst>
+          </p:cNvPr>
+          <p:cNvSpPr>
+            <a:spLocks noGrp="1"/>
+          </p:cNvSpPr>
+          <p:nvPr>
+            <p:ph type="title"/>
+          </p:nvPr>
+        </p:nvSpPr>
+        <p:spPr>
+          <a:xfrm>
+            <a:off x="250825" y="149225"/>
+            <a:ext cx="7205052" cy="647700"/>
+          </a:xfrm>
+        </p:spPr>
+        <p:txBody>
+          <a:bodyPr/>
+          <a:lstStyle/>
+          <a:p>
+            <a:r>
+              <a:rPr lang="en-US" dirty="0"/>
+              <a:t> </a:t>
+            </a:r>
+            <a:r>
+              <a:rPr lang="en-US" sz="2400" dirty="0"/>
+              <a:t>Normalized Equations and Linear Stability Analysis</a:t>
+            </a:r>
+            <a:endParaRPr lang="en-US" dirty="0"/>
+          </a:p>
+        </p:txBody>
+      </p:sp>
+      <p:sp>
+        <p:nvSpPr>
+          <p:cNvPr id="4" name="Date Placeholder 3">
+            <a:extLst>
+              <a:ext uri="{FF2B5EF4-FFF2-40B4-BE49-F238E27FC236}">
+                <a16:creationId xmlns:a16="http://schemas.microsoft.com/office/drawing/2014/main" id="{437D97C3-5115-67F0-5535-E61247C9C475}"/>
+              </a:ext>
+            </a:extLst>
+          </p:cNvPr>
+          <p:cNvSpPr>
+            <a:spLocks noGrp="1"/>
+          </p:cNvSpPr>
+          <p:nvPr>
+            <p:ph type="dt" sz="half" idx="10"/>
+          </p:nvPr>
+        </p:nvSpPr>
+        <p:spPr/>
+        <p:txBody>
+          <a:bodyPr/>
+          <a:lstStyle/>
+          <a:p>
+            <a:fld id="{23E2BD91-2AE8-487A-BD5C-78BC9B3F7C4B}" type="datetime1">
+              <a:rPr lang="en-US" smtClean="0"/>
+              <a:t>11/7/2024</a:t>
+            </a:fld>
+            <a:endParaRPr lang="en-US"/>
+          </a:p>
+        </p:txBody>
+      </p:sp>
+      <p:sp>
+        <p:nvSpPr>
+          <p:cNvPr id="5" name="Footer Placeholder 4">
+            <a:extLst>
+              <a:ext uri="{FF2B5EF4-FFF2-40B4-BE49-F238E27FC236}">
+                <a16:creationId xmlns:a16="http://schemas.microsoft.com/office/drawing/2014/main" id="{3DF765E2-7B1A-0EE0-5F6C-905F758F0542}"/>
+              </a:ext>
+            </a:extLst>
+          </p:cNvPr>
+          <p:cNvSpPr>
+            <a:spLocks noGrp="1"/>
+          </p:cNvSpPr>
+          <p:nvPr>
+            <p:ph type="ftr" sz="quarter" idx="11"/>
+          </p:nvPr>
+        </p:nvSpPr>
+        <p:spPr/>
+        <p:txBody>
+          <a:bodyPr/>
+          <a:lstStyle/>
+          <a:p>
+            <a:endParaRPr lang="en-US"/>
+          </a:p>
+        </p:txBody>
+      </p:sp>
+      <p:sp>
+        <p:nvSpPr>
+          <p:cNvPr id="6" name="Slide Number Placeholder 5">
+            <a:extLst>
+              <a:ext uri="{FF2B5EF4-FFF2-40B4-BE49-F238E27FC236}">
+                <a16:creationId xmlns:a16="http://schemas.microsoft.com/office/drawing/2014/main" id="{8215922C-44B4-019E-2333-9A5C60543835}"/>
+              </a:ext>
+            </a:extLst>
+          </p:cNvPr>
+          <p:cNvSpPr>
+            <a:spLocks noGrp="1"/>
+          </p:cNvSpPr>
+          <p:nvPr>
+            <p:ph type="sldNum" sz="quarter" idx="12"/>
+          </p:nvPr>
+        </p:nvSpPr>
+        <p:spPr/>
+        <p:txBody>
+          <a:bodyPr/>
+          <a:lstStyle/>
+          <a:p>
+            <a:fld id="{2697313F-D866-4554-955F-25FA0D5B9080}" type="slidenum">
+              <a:rPr lang="en-US" smtClean="0"/>
+              <a:t>36</a:t>
+            </a:fld>
+            <a:endParaRPr lang="en-US"/>
+          </a:p>
+        </p:txBody>
+      </p:sp>
+      <p:pic>
+        <p:nvPicPr>
+          <p:cNvPr id="8" name="Picture 7">
+            <a:extLst>
+              <a:ext uri="{FF2B5EF4-FFF2-40B4-BE49-F238E27FC236}">
+                <a16:creationId xmlns:a16="http://schemas.microsoft.com/office/drawing/2014/main" id="{060AB5F0-B716-71D3-FFD6-1701972E9EA3}"/>
+              </a:ext>
+            </a:extLst>
+          </p:cNvPr>
+          <p:cNvPicPr>
+            <a:picLocks noChangeAspect="1"/>
+          </p:cNvPicPr>
+          <p:nvPr/>
+        </p:nvPicPr>
+        <p:blipFill>
+          <a:blip r:embed="rId2"/>
+          <a:stretch>
+            <a:fillRect/>
+          </a:stretch>
+        </p:blipFill>
+        <p:spPr>
+          <a:xfrm>
+            <a:off x="569167" y="2126265"/>
+            <a:ext cx="5414485" cy="2280934"/>
+          </a:xfrm>
+          <a:prstGeom prst="rect">
+            <a:avLst/>
+          </a:prstGeom>
+        </p:spPr>
+      </p:pic>
+      <p:sp>
+        <p:nvSpPr>
+          <p:cNvPr id="9" name="TextBox 8">
+            <a:extLst>
+              <a:ext uri="{FF2B5EF4-FFF2-40B4-BE49-F238E27FC236}">
+                <a16:creationId xmlns:a16="http://schemas.microsoft.com/office/drawing/2014/main" id="{7AA76F26-3C05-9C68-4C85-098FCB0111D2}"/>
+              </a:ext>
+            </a:extLst>
+          </p:cNvPr>
+          <p:cNvSpPr txBox="1"/>
+          <p:nvPr/>
+        </p:nvSpPr>
+        <p:spPr>
+          <a:xfrm>
+            <a:off x="937725" y="5987018"/>
+            <a:ext cx="7268547" cy="400110"/>
+          </a:xfrm>
+          <a:prstGeom prst="rect">
+            <a:avLst/>
+          </a:prstGeom>
+          <a:noFill/>
+        </p:spPr>
+        <p:txBody>
+          <a:bodyPr wrap="square" rtlCol="0">
+            <a:spAutoFit/>
+          </a:bodyPr>
+          <a:lstStyle/>
+          <a:p>
+            <a:r>
+              <a:rPr lang="en-US" sz="1000" b="0" i="0" dirty="0">
+                <a:solidFill>
+                  <a:srgbClr val="222222"/>
+                </a:solidFill>
+                <a:effectLst/>
+                <a:latin typeface="Arial" panose="020B0604020202020204" pitchFamily="34" charset="0"/>
+              </a:rPr>
+              <a:t>Zhang, Libin, et al. "</a:t>
+            </a:r>
+            <a:r>
+              <a:rPr lang="en-US" sz="1000" b="0" i="0" dirty="0" err="1">
+                <a:solidFill>
+                  <a:srgbClr val="222222"/>
+                </a:solidFill>
+                <a:effectLst/>
+                <a:latin typeface="Arial" panose="020B0604020202020204" pitchFamily="34" charset="0"/>
+              </a:rPr>
+              <a:t>Multibistability</a:t>
+            </a:r>
+            <a:r>
+              <a:rPr lang="en-US" sz="1000" b="0" i="0" dirty="0">
+                <a:solidFill>
+                  <a:srgbClr val="222222"/>
+                </a:solidFill>
+                <a:effectLst/>
+                <a:latin typeface="Arial" panose="020B0604020202020204" pitchFamily="34" charset="0"/>
+              </a:rPr>
+              <a:t> and self-pulsation in nonlinear high-Q silicon </a:t>
+            </a:r>
+            <a:r>
+              <a:rPr lang="en-US" sz="1000" b="0" i="0" dirty="0" err="1">
+                <a:solidFill>
+                  <a:srgbClr val="222222"/>
+                </a:solidFill>
+                <a:effectLst/>
+                <a:latin typeface="Arial" panose="020B0604020202020204" pitchFamily="34" charset="0"/>
+              </a:rPr>
+              <a:t>microring</a:t>
+            </a:r>
+            <a:r>
+              <a:rPr lang="en-US" sz="1000" b="0" i="0" dirty="0">
+                <a:solidFill>
+                  <a:srgbClr val="222222"/>
+                </a:solidFill>
+                <a:effectLst/>
+                <a:latin typeface="Arial" panose="020B0604020202020204" pitchFamily="34" charset="0"/>
+              </a:rPr>
+              <a:t> resonators considering thermo-optical effect." Physical Review A—Atomic, Molecular, and Optical Physics 87.5 (2013): 053805.</a:t>
+            </a:r>
+            <a:endParaRPr lang="en-US" sz="1100" b="0" dirty="0">
+              <a:solidFill>
+                <a:srgbClr val="002060"/>
+              </a:solidFill>
+            </a:endParaRPr>
+          </a:p>
+        </p:txBody>
+      </p:sp>
+      <p:pic>
+        <p:nvPicPr>
+          <p:cNvPr id="7" name="Content Placeholder 6">
+            <a:extLst>
+              <a:ext uri="{FF2B5EF4-FFF2-40B4-BE49-F238E27FC236}">
+                <a16:creationId xmlns:a16="http://schemas.microsoft.com/office/drawing/2014/main" id="{C7F82F44-C160-90B9-7211-24D0442FAC4E}"/>
+              </a:ext>
+            </a:extLst>
+          </p:cNvPr>
+          <p:cNvPicPr>
+            <a:picLocks noGrp="1" noChangeAspect="1"/>
+          </p:cNvPicPr>
+          <p:nvPr>
+            <p:ph idx="1"/>
+          </p:nvPr>
+        </p:nvPicPr>
+        <p:blipFill>
+          <a:blip r:embed="rId3"/>
+          <a:stretch>
+            <a:fillRect/>
+          </a:stretch>
+        </p:blipFill>
+        <p:spPr>
+          <a:xfrm>
+            <a:off x="6247778" y="1145129"/>
+            <a:ext cx="2113031" cy="4841890"/>
+          </a:xfrm>
+          <a:prstGeom prst="rect">
+            <a:avLst/>
+          </a:prstGeom>
+        </p:spPr>
+      </p:pic>
+    </p:spTree>
+    <p:extLst>
+      <p:ext uri="{BB962C8B-B14F-4D97-AF65-F5344CB8AC3E}">
+        <p14:creationId xmlns:p14="http://schemas.microsoft.com/office/powerpoint/2010/main" val="2534048547"/>
+      </p:ext>
+    </p:extLst>
+  </p:cSld>
+  <p:clrMapOvr>
+    <a:masterClrMapping/>
+  </p:clrMapOvr>
+</p:sld>
+</file>
+
+<file path=ppt/slides/slide37.xml><?xml version="1.0" encoding="utf-8"?>
+<p:sld xmlns:a="http://schemas.openxmlformats.org/drawingml/2006/main" xmlns:r="http://schemas.openxmlformats.org/officeDocument/2006/relationships" xmlns:p="http://schemas.openxmlformats.org/presentationml/2006/main">
+  <p:cSld>
+    <p:spTree>
+      <p:nvGrpSpPr>
+        <p:cNvPr id="1" name=""/>
+        <p:cNvGrpSpPr/>
+        <p:nvPr/>
+      </p:nvGrpSpPr>
+      <p:grpSpPr>
+        <a:xfrm>
+          <a:off x="0" y="0"/>
+          <a:ext cx="0" cy="0"/>
+          <a:chOff x="0" y="0"/>
+          <a:chExt cx="0" cy="0"/>
+        </a:xfrm>
+      </p:grpSpPr>
+      <p:sp>
+        <p:nvSpPr>
+          <p:cNvPr id="3" name="Title 2">
+            <a:extLst>
+              <a:ext uri="{FF2B5EF4-FFF2-40B4-BE49-F238E27FC236}">
+                <a16:creationId xmlns:a16="http://schemas.microsoft.com/office/drawing/2014/main" id="{968B5B1E-2F1E-CCF1-9E32-E6F8624930A5}"/>
+              </a:ext>
+            </a:extLst>
+          </p:cNvPr>
+          <p:cNvSpPr>
+            <a:spLocks noGrp="1"/>
+          </p:cNvSpPr>
+          <p:nvPr>
+            <p:ph type="title"/>
+          </p:nvPr>
+        </p:nvSpPr>
+        <p:spPr/>
+        <p:txBody>
+          <a:bodyPr/>
+          <a:lstStyle/>
+          <a:p>
+            <a:endParaRPr lang="de-DE"/>
+          </a:p>
+        </p:txBody>
+      </p:sp>
+      <p:sp>
+        <p:nvSpPr>
+          <p:cNvPr id="4" name="Date Placeholder 3">
+            <a:extLst>
+              <a:ext uri="{FF2B5EF4-FFF2-40B4-BE49-F238E27FC236}">
+                <a16:creationId xmlns:a16="http://schemas.microsoft.com/office/drawing/2014/main" id="{7270902B-A05E-E8C0-1AA2-F476E1D690BD}"/>
+              </a:ext>
+            </a:extLst>
+          </p:cNvPr>
+          <p:cNvSpPr>
+            <a:spLocks noGrp="1"/>
+          </p:cNvSpPr>
+          <p:nvPr>
+            <p:ph type="dt" sz="half" idx="10"/>
+          </p:nvPr>
+        </p:nvSpPr>
+        <p:spPr/>
+        <p:txBody>
+          <a:bodyPr/>
+          <a:lstStyle/>
+          <a:p>
+            <a:fld id="{23E2BD91-2AE8-487A-BD5C-78BC9B3F7C4B}" type="datetime1">
+              <a:rPr lang="en-US" smtClean="0"/>
+              <a:t>11/7/2024</a:t>
+            </a:fld>
+            <a:endParaRPr lang="en-US"/>
+          </a:p>
+        </p:txBody>
+      </p:sp>
+      <p:sp>
+        <p:nvSpPr>
+          <p:cNvPr id="5" name="Footer Placeholder 4">
+            <a:extLst>
+              <a:ext uri="{FF2B5EF4-FFF2-40B4-BE49-F238E27FC236}">
+                <a16:creationId xmlns:a16="http://schemas.microsoft.com/office/drawing/2014/main" id="{4FF753D2-B3CB-1B7F-A57F-14E83DF5BB28}"/>
+              </a:ext>
+            </a:extLst>
+          </p:cNvPr>
+          <p:cNvSpPr>
+            <a:spLocks noGrp="1"/>
+          </p:cNvSpPr>
+          <p:nvPr>
+            <p:ph type="ftr" sz="quarter" idx="11"/>
+          </p:nvPr>
+        </p:nvSpPr>
+        <p:spPr/>
+        <p:txBody>
+          <a:bodyPr/>
+          <a:lstStyle/>
+          <a:p>
+            <a:endParaRPr lang="en-US"/>
+          </a:p>
+        </p:txBody>
+      </p:sp>
+      <p:sp>
+        <p:nvSpPr>
+          <p:cNvPr id="6" name="Slide Number Placeholder 5">
+            <a:extLst>
+              <a:ext uri="{FF2B5EF4-FFF2-40B4-BE49-F238E27FC236}">
+                <a16:creationId xmlns:a16="http://schemas.microsoft.com/office/drawing/2014/main" id="{D7068FC7-5CDB-801E-8D88-3238BC071A47}"/>
+              </a:ext>
+            </a:extLst>
+          </p:cNvPr>
+          <p:cNvSpPr>
+            <a:spLocks noGrp="1"/>
+          </p:cNvSpPr>
+          <p:nvPr>
+            <p:ph type="sldNum" sz="quarter" idx="12"/>
+          </p:nvPr>
+        </p:nvSpPr>
+        <p:spPr/>
+        <p:txBody>
+          <a:bodyPr/>
+          <a:lstStyle/>
+          <a:p>
+            <a:fld id="{2697313F-D866-4554-955F-25FA0D5B9080}" type="slidenum">
+              <a:rPr lang="en-US" smtClean="0"/>
+              <a:t>37</a:t>
+            </a:fld>
+            <a:endParaRPr lang="en-US"/>
+          </a:p>
+        </p:txBody>
+      </p:sp>
+      <p:sp>
+        <p:nvSpPr>
+          <p:cNvPr id="7" name="AutoShape 2">
+            <a:extLst>
+              <a:ext uri="{FF2B5EF4-FFF2-40B4-BE49-F238E27FC236}">
+                <a16:creationId xmlns:a16="http://schemas.microsoft.com/office/drawing/2014/main" id="{AEC6E1D9-3BAF-F276-A902-217C1CBE0254}"/>
+              </a:ext>
+            </a:extLst>
+          </p:cNvPr>
+          <p:cNvSpPr>
+            <a:spLocks noChangeAspect="1" noChangeArrowheads="1"/>
+          </p:cNvSpPr>
+          <p:nvPr/>
+        </p:nvSpPr>
+        <p:spPr bwMode="auto">
+          <a:xfrm>
+            <a:off x="4419599" y="1469571"/>
+            <a:ext cx="2111829" cy="2111829"/>
+          </a:xfrm>
+          <a:prstGeom prst="rect">
+            <a:avLst/>
+          </a:prstGeom>
+          <a:noFill/>
+          <a:extLst>
+            <a:ext uri="{909E8E84-426E-40DD-AFC4-6F175D3DCCD1}">
+              <a14:hiddenFill xmlns:a14="http://schemas.microsoft.com/office/drawing/2010/main">
+                <a:solidFill>
+                  <a:srgbClr val="FFFFFF"/>
+                </a:solidFill>
+              </a14:hiddenFill>
+            </a:ext>
+          </a:extLst>
+        </p:spPr>
+        <p:txBody>
+          <a:bodyPr vert="horz" wrap="square" lIns="91440" tIns="45720" rIns="91440" bIns="45720" numCol="1" anchor="t" anchorCtr="0" compatLnSpc="1">
+            <a:prstTxWarp prst="textNoShape">
+              <a:avLst/>
+            </a:prstTxWarp>
+          </a:bodyPr>
+          <a:lstStyle/>
+          <a:p>
+            <a:endParaRPr lang="de-DE"/>
+          </a:p>
+        </p:txBody>
+      </p:sp>
+    </p:spTree>
+    <p:extLst>
+      <p:ext uri="{BB962C8B-B14F-4D97-AF65-F5344CB8AC3E}">
+        <p14:creationId xmlns:p14="http://schemas.microsoft.com/office/powerpoint/2010/main" val="2730855577"/>
       </p:ext>
     </p:extLst>
   </p:cSld>
@@ -13213,7 +15603,7 @@
           <a:p>
             <a:fld id="{3FC47385-6E6D-403A-B787-CC7F98242E15}" type="datetime1">
               <a:rPr lang="en-US" smtClean="0"/>
-              <a:t>9/13/2024</a:t>
+              <a:t>11/7/2024</a:t>
             </a:fld>
             <a:endParaRPr lang="en-US"/>
           </a:p>
@@ -13820,7 +16210,7 @@
           <a:p>
             <a:fld id="{23E2BD91-2AE8-487A-BD5C-78BC9B3F7C4B}" type="datetime1">
               <a:rPr lang="en-US" smtClean="0"/>
-              <a:t>9/13/2024</a:t>
+              <a:t>11/7/2024</a:t>
             </a:fld>
             <a:endParaRPr lang="en-US"/>
           </a:p>
@@ -14003,7 +16393,7 @@
           <a:p>
             <a:fld id="{23E2BD91-2AE8-487A-BD5C-78BC9B3F7C4B}" type="datetime1">
               <a:rPr lang="en-US" smtClean="0"/>
-              <a:t>9/13/2024</a:t>
+              <a:t>11/7/2024</a:t>
             </a:fld>
             <a:endParaRPr lang="en-US"/>
           </a:p>
@@ -14728,7 +17118,7 @@
           <a:p>
             <a:fld id="{23E2BD91-2AE8-487A-BD5C-78BC9B3F7C4B}" type="datetime1">
               <a:rPr lang="en-US" smtClean="0"/>
-              <a:t>9/13/2024</a:t>
+              <a:t>11/7/2024</a:t>
             </a:fld>
             <a:endParaRPr lang="en-US" dirty="0"/>
           </a:p>
@@ -14949,7 +17339,7 @@
           <a:p>
             <a:fld id="{23E2BD91-2AE8-487A-BD5C-78BC9B3F7C4B}" type="datetime1">
               <a:rPr lang="en-US" smtClean="0"/>
-              <a:t>9/13/2024</a:t>
+              <a:t>11/7/2024</a:t>
             </a:fld>
             <a:endParaRPr lang="en-US"/>
           </a:p>
@@ -15281,7 +17671,7 @@
           <a:p>
             <a:fld id="{23E2BD91-2AE8-487A-BD5C-78BC9B3F7C4B}" type="datetime1">
               <a:rPr lang="en-US" smtClean="0"/>
-              <a:t>9/13/2024</a:t>
+              <a:t>11/7/2024</a:t>
             </a:fld>
             <a:endParaRPr lang="en-US"/>
           </a:p>
